--- a/Powerpoint.pptx
+++ b/Powerpoint.pptx
@@ -149,390 +149,6 @@
         <c:barDir val="col"/>
         <c:grouping val="clustered"/>
         <c:varyColors val="0"/>
-        <c:ser>
-          <c:idx val="0"/>
-          <c:order val="0"/>
-          <c:tx>
-            <c:strRef>
-              <c:f>Sheet1!$B$1</c:f>
-              <c:strCache>
-                <c:ptCount val="1"/>
-                <c:pt idx="0">
-                  <c:v>Series 1</c:v>
-                </c:pt>
-              </c:strCache>
-            </c:strRef>
-          </c:tx>
-          <c:spPr>
-            <a:solidFill>
-              <a:schemeClr val="accent1"/>
-            </a:solidFill>
-            <a:ln>
-              <a:noFill/>
-            </a:ln>
-            <a:effectLst/>
-          </c:spPr>
-          <c:invertIfNegative val="0"/>
-          <c:dLbls>
-            <c:spPr>
-              <a:noFill/>
-              <a:ln>
-                <a:noFill/>
-              </a:ln>
-              <a:effectLst/>
-            </c:spPr>
-            <c:txPr>
-              <a:bodyPr rot="0" spcFirstLastPara="1" vertOverflow="ellipsis" vert="horz" wrap="square" lIns="38100" tIns="19050" rIns="38100" bIns="19050" anchor="ctr" anchorCtr="1">
-                <a:spAutoFit/>
-              </a:bodyPr>
-              <a:lstStyle/>
-              <a:p>
-                <a:pPr>
-                  <a:defRPr sz="1197" b="0" i="0" u="none" strike="noStrike" kern="1200" baseline="0">
-                    <a:solidFill>
-                      <a:schemeClr val="tx1">
-                        <a:lumMod val="75000"/>
-                        <a:lumOff val="25000"/>
-                      </a:schemeClr>
-                    </a:solidFill>
-                    <a:latin typeface="+mn-lt"/>
-                    <a:ea typeface="+mn-ea"/>
-                    <a:cs typeface="+mn-cs"/>
-                  </a:defRPr>
-                </a:pPr>
-                <a:endParaRPr lang="en-US"/>
-              </a:p>
-            </c:txPr>
-            <c:showLegendKey val="0"/>
-            <c:showVal val="1"/>
-            <c:showCatName val="0"/>
-            <c:showSerName val="0"/>
-            <c:showPercent val="0"/>
-            <c:showBubbleSize val="0"/>
-            <c:showLeaderLines val="0"/>
-            <c:extLst>
-              <c:ext xmlns:c15="http://schemas.microsoft.com/office/drawing/2012/chart" uri="{CE6537A1-D6FC-4f65-9D91-7224C49458BB}">
-                <c15:showLeaderLines val="1"/>
-                <c15:leaderLines>
-                  <c:spPr>
-                    <a:ln w="9525" cap="flat" cmpd="sng" algn="ctr">
-                      <a:solidFill>
-                        <a:schemeClr val="tx1">
-                          <a:lumMod val="35000"/>
-                          <a:lumOff val="65000"/>
-                        </a:schemeClr>
-                      </a:solidFill>
-                      <a:round/>
-                    </a:ln>
-                    <a:effectLst/>
-                  </c:spPr>
-                </c15:leaderLines>
-              </c:ext>
-            </c:extLst>
-          </c:dLbls>
-          <c:cat>
-            <c:strRef>
-              <c:f>Sheet1!$A$2:$A$5</c:f>
-              <c:strCache>
-                <c:ptCount val="4"/>
-                <c:pt idx="0">
-                  <c:v>Category 1</c:v>
-                </c:pt>
-                <c:pt idx="1">
-                  <c:v>Category 2</c:v>
-                </c:pt>
-                <c:pt idx="2">
-                  <c:v>Category 3</c:v>
-                </c:pt>
-                <c:pt idx="3">
-                  <c:v>Category 4</c:v>
-                </c:pt>
-              </c:strCache>
-            </c:strRef>
-          </c:cat>
-          <c:val>
-            <c:numRef>
-              <c:f>Sheet1!$B$2:$B$5</c:f>
-              <c:numCache>
-                <c:formatCode>General</c:formatCode>
-                <c:ptCount val="4"/>
-                <c:pt idx="0">
-                  <c:v>4.3</c:v>
-                </c:pt>
-                <c:pt idx="1">
-                  <c:v>2.5</c:v>
-                </c:pt>
-                <c:pt idx="2">
-                  <c:v>3.5</c:v>
-                </c:pt>
-                <c:pt idx="3">
-                  <c:v>4.5</c:v>
-                </c:pt>
-              </c:numCache>
-            </c:numRef>
-          </c:val>
-          <c:extLst>
-            <c:ext xmlns:c16="http://schemas.microsoft.com/office/drawing/2014/chart" uri="{C3380CC4-5D6E-409C-BE32-E72D297353CC}">
-              <c16:uniqueId val="{00000000-4436-4FEF-9D1A-746EB9A75A6D}"/>
-            </c:ext>
-          </c:extLst>
-        </c:ser>
-        <c:ser>
-          <c:idx val="1"/>
-          <c:order val="1"/>
-          <c:tx>
-            <c:strRef>
-              <c:f>Sheet1!$C$1</c:f>
-              <c:strCache>
-                <c:ptCount val="1"/>
-                <c:pt idx="0">
-                  <c:v>Series 2</c:v>
-                </c:pt>
-              </c:strCache>
-            </c:strRef>
-          </c:tx>
-          <c:spPr>
-            <a:solidFill>
-              <a:schemeClr val="accent2"/>
-            </a:solidFill>
-            <a:ln>
-              <a:noFill/>
-            </a:ln>
-            <a:effectLst/>
-          </c:spPr>
-          <c:invertIfNegative val="0"/>
-          <c:dLbls>
-            <c:spPr>
-              <a:noFill/>
-              <a:ln>
-                <a:noFill/>
-              </a:ln>
-              <a:effectLst/>
-            </c:spPr>
-            <c:txPr>
-              <a:bodyPr rot="0" spcFirstLastPara="1" vertOverflow="ellipsis" vert="horz" wrap="square" lIns="38100" tIns="19050" rIns="38100" bIns="19050" anchor="ctr" anchorCtr="1">
-                <a:spAutoFit/>
-              </a:bodyPr>
-              <a:lstStyle/>
-              <a:p>
-                <a:pPr>
-                  <a:defRPr sz="1197" b="0" i="0" u="none" strike="noStrike" kern="1200" baseline="0">
-                    <a:solidFill>
-                      <a:schemeClr val="tx1">
-                        <a:lumMod val="75000"/>
-                        <a:lumOff val="25000"/>
-                      </a:schemeClr>
-                    </a:solidFill>
-                    <a:latin typeface="+mn-lt"/>
-                    <a:ea typeface="+mn-ea"/>
-                    <a:cs typeface="+mn-cs"/>
-                  </a:defRPr>
-                </a:pPr>
-                <a:endParaRPr lang="en-US"/>
-              </a:p>
-            </c:txPr>
-            <c:showLegendKey val="0"/>
-            <c:showVal val="1"/>
-            <c:showCatName val="0"/>
-            <c:showSerName val="0"/>
-            <c:showPercent val="0"/>
-            <c:showBubbleSize val="0"/>
-            <c:showLeaderLines val="0"/>
-            <c:extLst>
-              <c:ext xmlns:c15="http://schemas.microsoft.com/office/drawing/2012/chart" uri="{CE6537A1-D6FC-4f65-9D91-7224C49458BB}">
-                <c15:showLeaderLines val="1"/>
-                <c15:leaderLines>
-                  <c:spPr>
-                    <a:ln w="9525" cap="flat" cmpd="sng" algn="ctr">
-                      <a:solidFill>
-                        <a:schemeClr val="tx1">
-                          <a:lumMod val="35000"/>
-                          <a:lumOff val="65000"/>
-                        </a:schemeClr>
-                      </a:solidFill>
-                      <a:round/>
-                    </a:ln>
-                    <a:effectLst/>
-                  </c:spPr>
-                </c15:leaderLines>
-              </c:ext>
-            </c:extLst>
-          </c:dLbls>
-          <c:cat>
-            <c:strRef>
-              <c:f>Sheet1!$A$2:$A$5</c:f>
-              <c:strCache>
-                <c:ptCount val="4"/>
-                <c:pt idx="0">
-                  <c:v>Category 1</c:v>
-                </c:pt>
-                <c:pt idx="1">
-                  <c:v>Category 2</c:v>
-                </c:pt>
-                <c:pt idx="2">
-                  <c:v>Category 3</c:v>
-                </c:pt>
-                <c:pt idx="3">
-                  <c:v>Category 4</c:v>
-                </c:pt>
-              </c:strCache>
-            </c:strRef>
-          </c:cat>
-          <c:val>
-            <c:numRef>
-              <c:f>Sheet1!$C$2:$C$5</c:f>
-              <c:numCache>
-                <c:formatCode>General</c:formatCode>
-                <c:ptCount val="4"/>
-                <c:pt idx="0">
-                  <c:v>2.4</c:v>
-                </c:pt>
-                <c:pt idx="1">
-                  <c:v>4.4000000000000004</c:v>
-                </c:pt>
-                <c:pt idx="2">
-                  <c:v>1.8</c:v>
-                </c:pt>
-                <c:pt idx="3">
-                  <c:v>2.8</c:v>
-                </c:pt>
-              </c:numCache>
-            </c:numRef>
-          </c:val>
-          <c:extLst>
-            <c:ext xmlns:c16="http://schemas.microsoft.com/office/drawing/2014/chart" uri="{C3380CC4-5D6E-409C-BE32-E72D297353CC}">
-              <c16:uniqueId val="{00000001-4436-4FEF-9D1A-746EB9A75A6D}"/>
-            </c:ext>
-          </c:extLst>
-        </c:ser>
-        <c:ser>
-          <c:idx val="2"/>
-          <c:order val="2"/>
-          <c:tx>
-            <c:strRef>
-              <c:f>Sheet1!$D$1</c:f>
-              <c:strCache>
-                <c:ptCount val="1"/>
-                <c:pt idx="0">
-                  <c:v>Series 3</c:v>
-                </c:pt>
-              </c:strCache>
-            </c:strRef>
-          </c:tx>
-          <c:spPr>
-            <a:solidFill>
-              <a:schemeClr val="accent3"/>
-            </a:solidFill>
-            <a:ln>
-              <a:noFill/>
-            </a:ln>
-            <a:effectLst/>
-          </c:spPr>
-          <c:invertIfNegative val="0"/>
-          <c:dLbls>
-            <c:spPr>
-              <a:noFill/>
-              <a:ln>
-                <a:noFill/>
-              </a:ln>
-              <a:effectLst/>
-            </c:spPr>
-            <c:txPr>
-              <a:bodyPr rot="0" spcFirstLastPara="1" vertOverflow="ellipsis" vert="horz" wrap="square" lIns="38100" tIns="19050" rIns="38100" bIns="19050" anchor="ctr" anchorCtr="1">
-                <a:spAutoFit/>
-              </a:bodyPr>
-              <a:lstStyle/>
-              <a:p>
-                <a:pPr>
-                  <a:defRPr sz="1197" b="0" i="0" u="none" strike="noStrike" kern="1200" baseline="0">
-                    <a:solidFill>
-                      <a:schemeClr val="tx1">
-                        <a:lumMod val="75000"/>
-                        <a:lumOff val="25000"/>
-                      </a:schemeClr>
-                    </a:solidFill>
-                    <a:latin typeface="+mn-lt"/>
-                    <a:ea typeface="+mn-ea"/>
-                    <a:cs typeface="+mn-cs"/>
-                  </a:defRPr>
-                </a:pPr>
-                <a:endParaRPr lang="en-US"/>
-              </a:p>
-            </c:txPr>
-            <c:showLegendKey val="0"/>
-            <c:showVal val="1"/>
-            <c:showCatName val="0"/>
-            <c:showSerName val="0"/>
-            <c:showPercent val="0"/>
-            <c:showBubbleSize val="0"/>
-            <c:showLeaderLines val="0"/>
-            <c:extLst>
-              <c:ext xmlns:c15="http://schemas.microsoft.com/office/drawing/2012/chart" uri="{CE6537A1-D6FC-4f65-9D91-7224C49458BB}">
-                <c15:showLeaderLines val="1"/>
-                <c15:leaderLines>
-                  <c:spPr>
-                    <a:ln w="9525" cap="flat" cmpd="sng" algn="ctr">
-                      <a:solidFill>
-                        <a:schemeClr val="tx1">
-                          <a:lumMod val="35000"/>
-                          <a:lumOff val="65000"/>
-                        </a:schemeClr>
-                      </a:solidFill>
-                      <a:round/>
-                    </a:ln>
-                    <a:effectLst/>
-                  </c:spPr>
-                </c15:leaderLines>
-              </c:ext>
-            </c:extLst>
-          </c:dLbls>
-          <c:cat>
-            <c:strRef>
-              <c:f>Sheet1!$A$2:$A$5</c:f>
-              <c:strCache>
-                <c:ptCount val="4"/>
-                <c:pt idx="0">
-                  <c:v>Category 1</c:v>
-                </c:pt>
-                <c:pt idx="1">
-                  <c:v>Category 2</c:v>
-                </c:pt>
-                <c:pt idx="2">
-                  <c:v>Category 3</c:v>
-                </c:pt>
-                <c:pt idx="3">
-                  <c:v>Category 4</c:v>
-                </c:pt>
-              </c:strCache>
-            </c:strRef>
-          </c:cat>
-          <c:val>
-            <c:numRef>
-              <c:f>Sheet1!$D$2:$D$5</c:f>
-              <c:numCache>
-                <c:formatCode>General</c:formatCode>
-                <c:ptCount val="4"/>
-                <c:pt idx="0">
-                  <c:v>2</c:v>
-                </c:pt>
-                <c:pt idx="1">
-                  <c:v>2</c:v>
-                </c:pt>
-                <c:pt idx="2">
-                  <c:v>3</c:v>
-                </c:pt>
-                <c:pt idx="3">
-                  <c:v>5</c:v>
-                </c:pt>
-              </c:numCache>
-            </c:numRef>
-          </c:val>
-          <c:extLst>
-            <c:ext xmlns:c16="http://schemas.microsoft.com/office/drawing/2014/chart" uri="{C3380CC4-5D6E-409C-BE32-E72D297353CC}">
-              <c16:uniqueId val="{00000002-4436-4FEF-9D1A-746EB9A75A6D}"/>
-            </c:ext>
-          </c:extLst>
-        </c:ser>
         <c:dLbls>
           <c:showLegendKey val="0"/>
           <c:showVal val="1"/>
@@ -699,390 +315,6 @@
         <c:barDir val="col"/>
         <c:grouping val="clustered"/>
         <c:varyColors val="0"/>
-        <c:ser>
-          <c:idx val="0"/>
-          <c:order val="0"/>
-          <c:tx>
-            <c:strRef>
-              <c:f>Sheet1!$B$1</c:f>
-              <c:strCache>
-                <c:ptCount val="1"/>
-                <c:pt idx="0">
-                  <c:v>Series 1</c:v>
-                </c:pt>
-              </c:strCache>
-            </c:strRef>
-          </c:tx>
-          <c:spPr>
-            <a:solidFill>
-              <a:schemeClr val="accent1"/>
-            </a:solidFill>
-            <a:ln>
-              <a:noFill/>
-            </a:ln>
-            <a:effectLst/>
-          </c:spPr>
-          <c:invertIfNegative val="0"/>
-          <c:dLbls>
-            <c:spPr>
-              <a:noFill/>
-              <a:ln>
-                <a:noFill/>
-              </a:ln>
-              <a:effectLst/>
-            </c:spPr>
-            <c:txPr>
-              <a:bodyPr rot="0" spcFirstLastPara="1" vertOverflow="ellipsis" vert="horz" wrap="square" lIns="38100" tIns="19050" rIns="38100" bIns="19050" anchor="ctr" anchorCtr="1">
-                <a:spAutoFit/>
-              </a:bodyPr>
-              <a:lstStyle/>
-              <a:p>
-                <a:pPr>
-                  <a:defRPr sz="1197" b="0" i="0" u="none" strike="noStrike" kern="1200" baseline="0">
-                    <a:solidFill>
-                      <a:schemeClr val="tx1">
-                        <a:lumMod val="75000"/>
-                        <a:lumOff val="25000"/>
-                      </a:schemeClr>
-                    </a:solidFill>
-                    <a:latin typeface="+mn-lt"/>
-                    <a:ea typeface="+mn-ea"/>
-                    <a:cs typeface="+mn-cs"/>
-                  </a:defRPr>
-                </a:pPr>
-                <a:endParaRPr lang="en-US"/>
-              </a:p>
-            </c:txPr>
-            <c:showLegendKey val="0"/>
-            <c:showVal val="1"/>
-            <c:showCatName val="0"/>
-            <c:showSerName val="0"/>
-            <c:showPercent val="0"/>
-            <c:showBubbleSize val="0"/>
-            <c:showLeaderLines val="0"/>
-            <c:extLst>
-              <c:ext xmlns:c15="http://schemas.microsoft.com/office/drawing/2012/chart" uri="{CE6537A1-D6FC-4f65-9D91-7224C49458BB}">
-                <c15:showLeaderLines val="1"/>
-                <c15:leaderLines>
-                  <c:spPr>
-                    <a:ln w="9525" cap="flat" cmpd="sng" algn="ctr">
-                      <a:solidFill>
-                        <a:schemeClr val="tx1">
-                          <a:lumMod val="35000"/>
-                          <a:lumOff val="65000"/>
-                        </a:schemeClr>
-                      </a:solidFill>
-                      <a:round/>
-                    </a:ln>
-                    <a:effectLst/>
-                  </c:spPr>
-                </c15:leaderLines>
-              </c:ext>
-            </c:extLst>
-          </c:dLbls>
-          <c:cat>
-            <c:strRef>
-              <c:f>Sheet1!$A$2:$A$5</c:f>
-              <c:strCache>
-                <c:ptCount val="4"/>
-                <c:pt idx="0">
-                  <c:v>Category 1</c:v>
-                </c:pt>
-                <c:pt idx="1">
-                  <c:v>Category 2</c:v>
-                </c:pt>
-                <c:pt idx="2">
-                  <c:v>Category 3</c:v>
-                </c:pt>
-                <c:pt idx="3">
-                  <c:v>Category 4</c:v>
-                </c:pt>
-              </c:strCache>
-            </c:strRef>
-          </c:cat>
-          <c:val>
-            <c:numRef>
-              <c:f>Sheet1!$B$2:$B$5</c:f>
-              <c:numCache>
-                <c:formatCode>General</c:formatCode>
-                <c:ptCount val="4"/>
-                <c:pt idx="0">
-                  <c:v>4.3</c:v>
-                </c:pt>
-                <c:pt idx="1">
-                  <c:v>2.5</c:v>
-                </c:pt>
-                <c:pt idx="2">
-                  <c:v>3.5</c:v>
-                </c:pt>
-                <c:pt idx="3">
-                  <c:v>4.5</c:v>
-                </c:pt>
-              </c:numCache>
-            </c:numRef>
-          </c:val>
-          <c:extLst>
-            <c:ext xmlns:c16="http://schemas.microsoft.com/office/drawing/2014/chart" uri="{C3380CC4-5D6E-409C-BE32-E72D297353CC}">
-              <c16:uniqueId val="{00000000-4436-4FEF-9D1A-746EB9A75A6D}"/>
-            </c:ext>
-          </c:extLst>
-        </c:ser>
-        <c:ser>
-          <c:idx val="1"/>
-          <c:order val="1"/>
-          <c:tx>
-            <c:strRef>
-              <c:f>Sheet1!$C$1</c:f>
-              <c:strCache>
-                <c:ptCount val="1"/>
-                <c:pt idx="0">
-                  <c:v>Series 2</c:v>
-                </c:pt>
-              </c:strCache>
-            </c:strRef>
-          </c:tx>
-          <c:spPr>
-            <a:solidFill>
-              <a:schemeClr val="accent2"/>
-            </a:solidFill>
-            <a:ln>
-              <a:noFill/>
-            </a:ln>
-            <a:effectLst/>
-          </c:spPr>
-          <c:invertIfNegative val="0"/>
-          <c:dLbls>
-            <c:spPr>
-              <a:noFill/>
-              <a:ln>
-                <a:noFill/>
-              </a:ln>
-              <a:effectLst/>
-            </c:spPr>
-            <c:txPr>
-              <a:bodyPr rot="0" spcFirstLastPara="1" vertOverflow="ellipsis" vert="horz" wrap="square" lIns="38100" tIns="19050" rIns="38100" bIns="19050" anchor="ctr" anchorCtr="1">
-                <a:spAutoFit/>
-              </a:bodyPr>
-              <a:lstStyle/>
-              <a:p>
-                <a:pPr>
-                  <a:defRPr sz="1197" b="0" i="0" u="none" strike="noStrike" kern="1200" baseline="0">
-                    <a:solidFill>
-                      <a:schemeClr val="tx1">
-                        <a:lumMod val="75000"/>
-                        <a:lumOff val="25000"/>
-                      </a:schemeClr>
-                    </a:solidFill>
-                    <a:latin typeface="+mn-lt"/>
-                    <a:ea typeface="+mn-ea"/>
-                    <a:cs typeface="+mn-cs"/>
-                  </a:defRPr>
-                </a:pPr>
-                <a:endParaRPr lang="en-US"/>
-              </a:p>
-            </c:txPr>
-            <c:showLegendKey val="0"/>
-            <c:showVal val="1"/>
-            <c:showCatName val="0"/>
-            <c:showSerName val="0"/>
-            <c:showPercent val="0"/>
-            <c:showBubbleSize val="0"/>
-            <c:showLeaderLines val="0"/>
-            <c:extLst>
-              <c:ext xmlns:c15="http://schemas.microsoft.com/office/drawing/2012/chart" uri="{CE6537A1-D6FC-4f65-9D91-7224C49458BB}">
-                <c15:showLeaderLines val="1"/>
-                <c15:leaderLines>
-                  <c:spPr>
-                    <a:ln w="9525" cap="flat" cmpd="sng" algn="ctr">
-                      <a:solidFill>
-                        <a:schemeClr val="tx1">
-                          <a:lumMod val="35000"/>
-                          <a:lumOff val="65000"/>
-                        </a:schemeClr>
-                      </a:solidFill>
-                      <a:round/>
-                    </a:ln>
-                    <a:effectLst/>
-                  </c:spPr>
-                </c15:leaderLines>
-              </c:ext>
-            </c:extLst>
-          </c:dLbls>
-          <c:cat>
-            <c:strRef>
-              <c:f>Sheet1!$A$2:$A$5</c:f>
-              <c:strCache>
-                <c:ptCount val="4"/>
-                <c:pt idx="0">
-                  <c:v>Category 1</c:v>
-                </c:pt>
-                <c:pt idx="1">
-                  <c:v>Category 2</c:v>
-                </c:pt>
-                <c:pt idx="2">
-                  <c:v>Category 3</c:v>
-                </c:pt>
-                <c:pt idx="3">
-                  <c:v>Category 4</c:v>
-                </c:pt>
-              </c:strCache>
-            </c:strRef>
-          </c:cat>
-          <c:val>
-            <c:numRef>
-              <c:f>Sheet1!$C$2:$C$5</c:f>
-              <c:numCache>
-                <c:formatCode>General</c:formatCode>
-                <c:ptCount val="4"/>
-                <c:pt idx="0">
-                  <c:v>2.4</c:v>
-                </c:pt>
-                <c:pt idx="1">
-                  <c:v>4.4000000000000004</c:v>
-                </c:pt>
-                <c:pt idx="2">
-                  <c:v>1.8</c:v>
-                </c:pt>
-                <c:pt idx="3">
-                  <c:v>2.8</c:v>
-                </c:pt>
-              </c:numCache>
-            </c:numRef>
-          </c:val>
-          <c:extLst>
-            <c:ext xmlns:c16="http://schemas.microsoft.com/office/drawing/2014/chart" uri="{C3380CC4-5D6E-409C-BE32-E72D297353CC}">
-              <c16:uniqueId val="{00000001-4436-4FEF-9D1A-746EB9A75A6D}"/>
-            </c:ext>
-          </c:extLst>
-        </c:ser>
-        <c:ser>
-          <c:idx val="2"/>
-          <c:order val="2"/>
-          <c:tx>
-            <c:strRef>
-              <c:f>Sheet1!$D$1</c:f>
-              <c:strCache>
-                <c:ptCount val="1"/>
-                <c:pt idx="0">
-                  <c:v>Series 3</c:v>
-                </c:pt>
-              </c:strCache>
-            </c:strRef>
-          </c:tx>
-          <c:spPr>
-            <a:solidFill>
-              <a:schemeClr val="accent3"/>
-            </a:solidFill>
-            <a:ln>
-              <a:noFill/>
-            </a:ln>
-            <a:effectLst/>
-          </c:spPr>
-          <c:invertIfNegative val="0"/>
-          <c:dLbls>
-            <c:spPr>
-              <a:noFill/>
-              <a:ln>
-                <a:noFill/>
-              </a:ln>
-              <a:effectLst/>
-            </c:spPr>
-            <c:txPr>
-              <a:bodyPr rot="0" spcFirstLastPara="1" vertOverflow="ellipsis" vert="horz" wrap="square" lIns="38100" tIns="19050" rIns="38100" bIns="19050" anchor="ctr" anchorCtr="1">
-                <a:spAutoFit/>
-              </a:bodyPr>
-              <a:lstStyle/>
-              <a:p>
-                <a:pPr>
-                  <a:defRPr sz="1197" b="0" i="0" u="none" strike="noStrike" kern="1200" baseline="0">
-                    <a:solidFill>
-                      <a:schemeClr val="tx1">
-                        <a:lumMod val="75000"/>
-                        <a:lumOff val="25000"/>
-                      </a:schemeClr>
-                    </a:solidFill>
-                    <a:latin typeface="+mn-lt"/>
-                    <a:ea typeface="+mn-ea"/>
-                    <a:cs typeface="+mn-cs"/>
-                  </a:defRPr>
-                </a:pPr>
-                <a:endParaRPr lang="en-US"/>
-              </a:p>
-            </c:txPr>
-            <c:showLegendKey val="0"/>
-            <c:showVal val="1"/>
-            <c:showCatName val="0"/>
-            <c:showSerName val="0"/>
-            <c:showPercent val="0"/>
-            <c:showBubbleSize val="0"/>
-            <c:showLeaderLines val="0"/>
-            <c:extLst>
-              <c:ext xmlns:c15="http://schemas.microsoft.com/office/drawing/2012/chart" uri="{CE6537A1-D6FC-4f65-9D91-7224C49458BB}">
-                <c15:showLeaderLines val="1"/>
-                <c15:leaderLines>
-                  <c:spPr>
-                    <a:ln w="9525" cap="flat" cmpd="sng" algn="ctr">
-                      <a:solidFill>
-                        <a:schemeClr val="tx1">
-                          <a:lumMod val="35000"/>
-                          <a:lumOff val="65000"/>
-                        </a:schemeClr>
-                      </a:solidFill>
-                      <a:round/>
-                    </a:ln>
-                    <a:effectLst/>
-                  </c:spPr>
-                </c15:leaderLines>
-              </c:ext>
-            </c:extLst>
-          </c:dLbls>
-          <c:cat>
-            <c:strRef>
-              <c:f>Sheet1!$A$2:$A$5</c:f>
-              <c:strCache>
-                <c:ptCount val="4"/>
-                <c:pt idx="0">
-                  <c:v>Category 1</c:v>
-                </c:pt>
-                <c:pt idx="1">
-                  <c:v>Category 2</c:v>
-                </c:pt>
-                <c:pt idx="2">
-                  <c:v>Category 3</c:v>
-                </c:pt>
-                <c:pt idx="3">
-                  <c:v>Category 4</c:v>
-                </c:pt>
-              </c:strCache>
-            </c:strRef>
-          </c:cat>
-          <c:val>
-            <c:numRef>
-              <c:f>Sheet1!$D$2:$D$5</c:f>
-              <c:numCache>
-                <c:formatCode>General</c:formatCode>
-                <c:ptCount val="4"/>
-                <c:pt idx="0">
-                  <c:v>2</c:v>
-                </c:pt>
-                <c:pt idx="1">
-                  <c:v>2</c:v>
-                </c:pt>
-                <c:pt idx="2">
-                  <c:v>3</c:v>
-                </c:pt>
-                <c:pt idx="3">
-                  <c:v>5</c:v>
-                </c:pt>
-              </c:numCache>
-            </c:numRef>
-          </c:val>
-          <c:extLst>
-            <c:ext xmlns:c16="http://schemas.microsoft.com/office/drawing/2014/chart" uri="{C3380CC4-5D6E-409C-BE32-E72D297353CC}">
-              <c16:uniqueId val="{00000002-4436-4FEF-9D1A-746EB9A75A6D}"/>
-            </c:ext>
-          </c:extLst>
-        </c:ser>
         <c:dLbls>
           <c:showLegendKey val="0"/>
           <c:showVal val="1"/>
@@ -1225,6 +457,7 @@
   <c:externalData r:id="rId3">
     <c:autoUpdate val="0"/>
   </c:externalData>
+  <c:userShapes r:id="rId4"/>
 </c:chartSpace>
 </file>
 
@@ -2314,6 +1547,67 @@
 </cs:chartStyle>
 </file>
 
+<file path=ppt/drawings/drawing1.xml><?xml version="1.0" encoding="utf-8"?>
+<c:userShapes xmlns:c="http://schemas.openxmlformats.org/drawingml/2006/chart">
+  <cdr:relSizeAnchor xmlns:cdr="http://schemas.openxmlformats.org/drawingml/2006/chartDrawing">
+    <cdr:from>
+      <cdr:x>0</cdr:x>
+      <cdr:y>0.18555</cdr:y>
+    </cdr:from>
+    <cdr:to>
+      <cdr:x>1</cdr:x>
+      <cdr:y>0.9951</cdr:y>
+    </cdr:to>
+    <cdr:pic>
+      <cdr:nvPicPr>
+        <cdr:cNvPr id="2" name="Picture 1">
+          <a:extLst xmlns:a="http://schemas.openxmlformats.org/drawingml/2006/main">
+            <a:ext uri="{FF2B5EF4-FFF2-40B4-BE49-F238E27FC236}">
+              <a16:creationId xmlns:a16="http://schemas.microsoft.com/office/drawing/2014/main" id="{5676DD7A-2605-0755-D20C-3D96D7D264EA}"/>
+            </a:ext>
+          </a:extLst>
+        </cdr:cNvPr>
+        <cdr:cNvPicPr>
+          <a:picLocks xmlns:a="http://schemas.openxmlformats.org/drawingml/2006/main" noChangeAspect="1" noChangeArrowheads="1"/>
+        </cdr:cNvPicPr>
+      </cdr:nvPicPr>
+      <cdr:blipFill>
+        <a:blip xmlns:a="http://schemas.openxmlformats.org/drawingml/2006/main" xmlns:r="http://schemas.openxmlformats.org/officeDocument/2006/relationships" r:embed="rId1">
+          <a:extLst>
+            <a:ext uri="{28A0092B-C50C-407E-A947-70E740481C1C}">
+              <a14:useLocalDpi xmlns:a14="http://schemas.microsoft.com/office/drawing/2010/main" val="0"/>
+            </a:ext>
+          </a:extLst>
+        </a:blip>
+        <a:srcRect xmlns:a="http://schemas.openxmlformats.org/drawingml/2006/main"/>
+        <a:stretch xmlns:a="http://schemas.openxmlformats.org/drawingml/2006/main">
+          <a:fillRect/>
+        </a:stretch>
+      </cdr:blipFill>
+      <cdr:spPr bwMode="auto">
+        <a:xfrm xmlns:a="http://schemas.openxmlformats.org/drawingml/2006/main">
+          <a:off x="0" y="961437"/>
+          <a:ext cx="6172200" cy="4194763"/>
+        </a:xfrm>
+        <a:prstGeom xmlns:a="http://schemas.openxmlformats.org/drawingml/2006/main" prst="rect">
+          <a:avLst/>
+        </a:prstGeom>
+        <a:noFill xmlns:a="http://schemas.openxmlformats.org/drawingml/2006/main"/>
+        <a:extLst xmlns:a="http://schemas.openxmlformats.org/drawingml/2006/main">
+          <a:ext uri="{909E8E84-426E-40DD-AFC4-6F175D3DCCD1}">
+            <a14:hiddenFill xmlns:a14="http://schemas.microsoft.com/office/drawing/2010/main">
+              <a:solidFill>
+                <a:srgbClr val="FFFFFF"/>
+              </a:solidFill>
+            </a14:hiddenFill>
+          </a:ext>
+        </a:extLst>
+      </cdr:spPr>
+    </cdr:pic>
+  </cdr:relSizeAnchor>
+</c:userShapes>
+</file>
+
 <file path=ppt/handoutMasters/handoutMaster1.xml><?xml version="1.0" encoding="utf-8"?>
 <p:handoutMaster xmlns:a="http://schemas.openxmlformats.org/drawingml/2006/main" xmlns:r="http://schemas.openxmlformats.org/officeDocument/2006/relationships" xmlns:p="http://schemas.openxmlformats.org/presentationml/2006/main">
   <p:cSld>
@@ -6150,7 +5444,13 @@
       </p:sp>
       <p:sp>
         <p:nvSpPr>
-          <p:cNvPr id="3" name="Content Placeholder 2"/>
+          <p:cNvPr id="6" name="Content Placeholder 2">
+            <a:extLst>
+              <a:ext uri="{FF2B5EF4-FFF2-40B4-BE49-F238E27FC236}">
+                <a16:creationId xmlns:a16="http://schemas.microsoft.com/office/drawing/2014/main" id="{88403B43-903E-3987-04B7-D921DE0CBAB5}"/>
+              </a:ext>
+            </a:extLst>
+          </p:cNvPr>
           <p:cNvSpPr>
             <a:spLocks noGrp="1"/>
           </p:cNvSpPr>
@@ -6158,26 +5458,106 @@
             <p:ph idx="1"/>
           </p:nvPr>
         </p:nvSpPr>
-        <p:spPr/>
+        <p:spPr>
+          <a:xfrm>
+            <a:off x="1066800" y="1676400"/>
+            <a:ext cx="10058400" cy="4343400"/>
+          </a:xfrm>
+        </p:spPr>
         <p:txBody>
           <a:bodyPr/>
           <a:lstStyle/>
           <a:p>
             <a:r>
-              <a:rPr lang="en-US" dirty="0"/>
-              <a:t>Add your first bullet point here</a:t>
-            </a:r>
-          </a:p>
-          <a:p>
-            <a:r>
-              <a:rPr lang="en-US" dirty="0"/>
-              <a:t>Add your second bullet point here</a:t>
-            </a:r>
-          </a:p>
-          <a:p>
-            <a:r>
-              <a:rPr lang="en-US" dirty="0"/>
-              <a:t>Add your third bullet point here</a:t>
+              <a:rPr lang="en-US" sz="1600" dirty="0">
+                <a:hlinkClick r:id="rId2"/>
+              </a:rPr>
+              <a:t>Kaggle </a:t>
+            </a:r>
+            <a:r>
+              <a:rPr lang="en-US" sz="1600" dirty="0" err="1">
+                <a:hlinkClick r:id="rId2"/>
+              </a:rPr>
+              <a:t>Datasource</a:t>
+            </a:r>
+            <a:endParaRPr lang="en-US" sz="1600" dirty="0"/>
+          </a:p>
+          <a:p>
+            <a:r>
+              <a:rPr lang="en-US" sz="1600" dirty="0"/>
+              <a:t>Dropped several stats that were just provided for drafted players – a clear indicator between drafted and undrafted which would’ve led to overfitting</a:t>
+            </a:r>
+          </a:p>
+          <a:p>
+            <a:r>
+              <a:rPr lang="en-US" sz="1600" dirty="0"/>
+              <a:t>Dropped columns that had more </a:t>
+            </a:r>
+            <a:r>
+              <a:rPr lang="en-US" sz="1600"/>
+              <a:t>than 1K </a:t>
+            </a:r>
+            <a:r>
+              <a:rPr lang="en-US" sz="1600" dirty="0"/>
+              <a:t>nulls</a:t>
+            </a:r>
+          </a:p>
+          <a:p>
+            <a:r>
+              <a:rPr lang="en-US" sz="1600" dirty="0"/>
+              <a:t>Height column was in date format – transformed to total inches</a:t>
+            </a:r>
+          </a:p>
+          <a:p>
+            <a:r>
+              <a:rPr lang="en-US" sz="1600" dirty="0"/>
+              <a:t>Grouped by player ID (</a:t>
+            </a:r>
+            <a:r>
+              <a:rPr lang="en-US" sz="1600" dirty="0" err="1"/>
+              <a:t>pid</a:t>
+            </a:r>
+            <a:r>
+              <a:rPr lang="en-US" sz="1600" dirty="0"/>
+              <a:t>) unique identifier</a:t>
+            </a:r>
+            <a:endParaRPr lang="en-US" sz="1600" dirty="0">
+              <a:hlinkClick r:id="rId3"/>
+            </a:endParaRPr>
+          </a:p>
+          <a:p>
+            <a:r>
+              <a:rPr lang="en-US" sz="1600" dirty="0" err="1">
+                <a:hlinkClick r:id="rId3"/>
+              </a:rPr>
+              <a:t>Jupyter</a:t>
+            </a:r>
+            <a:r>
+              <a:rPr lang="en-US" sz="1600" dirty="0">
+                <a:hlinkClick r:id="rId3"/>
+              </a:rPr>
+              <a:t> Notebook File</a:t>
+            </a:r>
+            <a:endParaRPr lang="en-US" sz="1600" dirty="0"/>
+          </a:p>
+          <a:p>
+            <a:r>
+              <a:rPr lang="en-US" sz="1600" dirty="0"/>
+              <a:t>Prior to feeding model data:</a:t>
+            </a:r>
+          </a:p>
+          <a:p>
+            <a:pPr lvl="1"/>
+            <a:r>
+              <a:rPr lang="en-US" sz="1200" dirty="0"/>
+              <a:t>Identified and filtered to conferences that had drafted and undrafted players</a:t>
+            </a:r>
+          </a:p>
+          <a:p>
+            <a:pPr lvl="1"/>
+            <a:r>
+              <a:rPr lang="en-US" sz="1200" dirty="0"/>
+              <a:t>Filtered out players that played less than 8 games per year and averaged 7.5 mins per game.</a:t>
             </a:r>
           </a:p>
         </p:txBody>
@@ -6224,28 +5604,6 @@
           <a:chExt cx="0" cy="0"/>
         </a:xfrm>
       </p:grpSpPr>
-      <p:sp>
-        <p:nvSpPr>
-          <p:cNvPr id="2" name="Title 1"/>
-          <p:cNvSpPr>
-            <a:spLocks noGrp="1"/>
-          </p:cNvSpPr>
-          <p:nvPr>
-            <p:ph type="title"/>
-          </p:nvPr>
-        </p:nvSpPr>
-        <p:spPr/>
-        <p:txBody>
-          <a:bodyPr/>
-          <a:lstStyle/>
-          <a:p>
-            <a:r>
-              <a:rPr lang="en-US" dirty="0"/>
-              <a:t>Stats that help determine if a player will be drafted</a:t>
-            </a:r>
-          </a:p>
-        </p:txBody>
-      </p:sp>
       <p:graphicFrame>
         <p:nvGraphicFramePr>
           <p:cNvPr id="10" name="Content Placeholder 9" descr="Clustered column chart showing the values of 3 series for 4 categories"/>
@@ -6271,6 +5629,217 @@
           </a:graphicData>
         </a:graphic>
       </p:graphicFrame>
+      <p:sp>
+        <p:nvSpPr>
+          <p:cNvPr id="8" name="TextBox 7">
+            <a:extLst>
+              <a:ext uri="{FF2B5EF4-FFF2-40B4-BE49-F238E27FC236}">
+                <a16:creationId xmlns:a16="http://schemas.microsoft.com/office/drawing/2014/main" id="{07999E0F-1AB2-5ACE-0561-A35B9E61A813}"/>
+              </a:ext>
+            </a:extLst>
+          </p:cNvPr>
+          <p:cNvSpPr txBox="1"/>
+          <p:nvPr/>
+        </p:nvSpPr>
+        <p:spPr>
+          <a:xfrm>
+            <a:off x="7543800" y="1450848"/>
+            <a:ext cx="4495800" cy="4801314"/>
+          </a:xfrm>
+          <a:prstGeom prst="rect">
+            <a:avLst/>
+          </a:prstGeom>
+          <a:noFill/>
+        </p:spPr>
+        <p:txBody>
+          <a:bodyPr wrap="square" rtlCol="0">
+            <a:spAutoFit/>
+          </a:bodyPr>
+          <a:lstStyle/>
+          <a:p>
+            <a:pPr rtl="0" fontAlgn="base">
+              <a:spcBef>
+                <a:spcPts val="0"/>
+              </a:spcBef>
+              <a:spcAft>
+                <a:spcPts val="0"/>
+              </a:spcAft>
+              <a:buFont typeface="Arial" panose="020B0604020202020204" pitchFamily="34" charset="0"/>
+              <a:buChar char="•"/>
+            </a:pPr>
+            <a:r>
+              <a:rPr lang="en-US" sz="1800" b="1" i="0" u="none" strike="noStrike" dirty="0">
+                <a:effectLst/>
+                <a:latin typeface="Arial" panose="020B0604020202020204" pitchFamily="34" charset="0"/>
+              </a:rPr>
+              <a:t> Kentucky tends to have the most drafted players in the data we found. And the School with the second most drafted players was Duke which had 14 fewer players drafted than Kentucky. </a:t>
+            </a:r>
+          </a:p>
+          <a:p>
+            <a:pPr rtl="0" fontAlgn="base">
+              <a:spcBef>
+                <a:spcPts val="0"/>
+              </a:spcBef>
+              <a:spcAft>
+                <a:spcPts val="0"/>
+              </a:spcAft>
+            </a:pPr>
+            <a:endParaRPr lang="en-US" sz="1800" b="1" i="0" u="none" strike="noStrike" dirty="0">
+              <a:effectLst/>
+              <a:latin typeface="Arial" panose="020B0604020202020204" pitchFamily="34" charset="0"/>
+            </a:endParaRPr>
+          </a:p>
+          <a:p>
+            <a:pPr rtl="0" fontAlgn="base">
+              <a:spcBef>
+                <a:spcPts val="0"/>
+              </a:spcBef>
+              <a:spcAft>
+                <a:spcPts val="0"/>
+              </a:spcAft>
+              <a:buFont typeface="Arial" panose="020B0604020202020204" pitchFamily="34" charset="0"/>
+              <a:buChar char="•"/>
+            </a:pPr>
+            <a:r>
+              <a:rPr lang="en-US" sz="1800" b="1" i="0" u="none" strike="noStrike" dirty="0">
+                <a:effectLst/>
+                <a:latin typeface="Arial" panose="020B0604020202020204" pitchFamily="34" charset="0"/>
+              </a:rPr>
+              <a:t> Drafted players' heights typically are between six feet to seven feet (No surprise there). And sorry no one under five feet five inches was drafted. </a:t>
+            </a:r>
+          </a:p>
+          <a:p>
+            <a:pPr rtl="0" fontAlgn="base">
+              <a:spcBef>
+                <a:spcPts val="0"/>
+              </a:spcBef>
+              <a:spcAft>
+                <a:spcPts val="0"/>
+              </a:spcAft>
+            </a:pPr>
+            <a:endParaRPr lang="en-US" sz="1800" b="1" i="0" u="none" strike="noStrike" dirty="0">
+              <a:effectLst/>
+              <a:latin typeface="Arial" panose="020B0604020202020204" pitchFamily="34" charset="0"/>
+            </a:endParaRPr>
+          </a:p>
+          <a:p>
+            <a:pPr rtl="0" fontAlgn="base">
+              <a:spcBef>
+                <a:spcPts val="0"/>
+              </a:spcBef>
+              <a:spcAft>
+                <a:spcPts val="0"/>
+              </a:spcAft>
+              <a:buFont typeface="Arial" panose="020B0604020202020204" pitchFamily="34" charset="0"/>
+              <a:buChar char="•"/>
+            </a:pPr>
+            <a:r>
+              <a:rPr lang="en-US" sz="1800" b="1" i="0" u="none" strike="noStrike" dirty="0">
+                <a:effectLst/>
+                <a:latin typeface="Arial" panose="020B0604020202020204" pitchFamily="34" charset="0"/>
+              </a:rPr>
+              <a:t> Conferences with the schools associated as “Blue Bloods Schools” (Kentucky, Duke, North Carolina, Kansas, and UCLA) tends to have more drafted players than any other Conferences. </a:t>
+            </a:r>
+          </a:p>
+        </p:txBody>
+      </p:sp>
+      <p:sp>
+        <p:nvSpPr>
+          <p:cNvPr id="9" name="Title 7">
+            <a:extLst>
+              <a:ext uri="{FF2B5EF4-FFF2-40B4-BE49-F238E27FC236}">
+                <a16:creationId xmlns:a16="http://schemas.microsoft.com/office/drawing/2014/main" id="{61AD1C25-3ED0-14A6-05CA-F125827E6772}"/>
+              </a:ext>
+            </a:extLst>
+          </p:cNvPr>
+          <p:cNvSpPr>
+            <a:spLocks noGrp="1"/>
+          </p:cNvSpPr>
+          <p:nvPr>
+            <p:ph type="title"/>
+          </p:nvPr>
+        </p:nvSpPr>
+        <p:spPr>
+          <a:xfrm>
+            <a:off x="7772400" y="152400"/>
+            <a:ext cx="3886200" cy="1146048"/>
+          </a:xfrm>
+        </p:spPr>
+        <p:txBody>
+          <a:bodyPr>
+            <a:noAutofit/>
+          </a:bodyPr>
+          <a:lstStyle/>
+          <a:p>
+            <a:pPr rtl="0">
+              <a:spcBef>
+                <a:spcPts val="0"/>
+              </a:spcBef>
+              <a:spcAft>
+                <a:spcPts val="0"/>
+              </a:spcAft>
+            </a:pPr>
+            <a:r>
+              <a:rPr lang="en-US" sz="2400" i="0" u="none" strike="noStrike" dirty="0">
+                <a:solidFill>
+                  <a:srgbClr val="FFFFFF"/>
+                </a:solidFill>
+                <a:effectLst/>
+                <a:latin typeface="Impact" panose="020B0806030902050204" pitchFamily="34" charset="0"/>
+              </a:rPr>
+              <a:t>The possibility of being drafted using stats on School, height, and Conference.  </a:t>
+            </a:r>
+            <a:endParaRPr lang="en-US" sz="2400" dirty="0"/>
+          </a:p>
+        </p:txBody>
+      </p:sp>
+      <p:pic>
+        <p:nvPicPr>
+          <p:cNvPr id="11" name="Picture 2">
+            <a:extLst>
+              <a:ext uri="{FF2B5EF4-FFF2-40B4-BE49-F238E27FC236}">
+                <a16:creationId xmlns:a16="http://schemas.microsoft.com/office/drawing/2014/main" id="{3EDF2856-0DD7-635D-82BC-1D725F19D988}"/>
+              </a:ext>
+            </a:extLst>
+          </p:cNvPr>
+          <p:cNvPicPr>
+            <a:picLocks noChangeAspect="1" noChangeArrowheads="1"/>
+          </p:cNvPicPr>
+          <p:nvPr/>
+        </p:nvPicPr>
+        <p:blipFill>
+          <a:blip r:embed="rId3">
+            <a:extLst>
+              <a:ext uri="{28A0092B-C50C-407E-A947-70E740481C1C}">
+                <a14:useLocalDpi xmlns:a14="http://schemas.microsoft.com/office/drawing/2010/main" val="0"/>
+              </a:ext>
+            </a:extLst>
+          </a:blip>
+          <a:srcRect/>
+          <a:stretch>
+            <a:fillRect/>
+          </a:stretch>
+        </p:blipFill>
+        <p:spPr bwMode="auto">
+          <a:xfrm>
+            <a:off x="27433" y="304800"/>
+            <a:ext cx="7416873" cy="5638799"/>
+          </a:xfrm>
+          <a:prstGeom prst="rect">
+            <a:avLst/>
+          </a:prstGeom>
+          <a:noFill/>
+          <a:extLst>
+            <a:ext uri="{909E8E84-426E-40DD-AFC4-6F175D3DCCD1}">
+              <a14:hiddenFill xmlns:a14="http://schemas.microsoft.com/office/drawing/2010/main">
+                <a:solidFill>
+                  <a:srgbClr val="FFFFFF"/>
+                </a:solidFill>
+              </a14:hiddenFill>
+            </a:ext>
+          </a:extLst>
+        </p:spPr>
+      </p:pic>
     </p:spTree>
     <p:extLst>
       <p:ext uri="{BB962C8B-B14F-4D97-AF65-F5344CB8AC3E}">
@@ -6313,33 +5882,6 @@
           <a:chExt cx="0" cy="0"/>
         </a:xfrm>
       </p:grpSpPr>
-      <p:sp>
-        <p:nvSpPr>
-          <p:cNvPr id="2" name="Title 1"/>
-          <p:cNvSpPr>
-            <a:spLocks noGrp="1"/>
-          </p:cNvSpPr>
-          <p:nvPr>
-            <p:ph type="title"/>
-          </p:nvPr>
-        </p:nvSpPr>
-        <p:spPr>
-          <a:xfrm>
-            <a:off x="7543800" y="838200"/>
-            <a:ext cx="4038600" cy="2133600"/>
-          </a:xfrm>
-        </p:spPr>
-        <p:txBody>
-          <a:bodyPr/>
-          <a:lstStyle/>
-          <a:p>
-            <a:r>
-              <a:rPr lang="en-US" dirty="0"/>
-              <a:t>Stats that did not help to determine if a player will be drafted</a:t>
-            </a:r>
-          </a:p>
-        </p:txBody>
-      </p:sp>
       <p:graphicFrame>
         <p:nvGraphicFramePr>
           <p:cNvPr id="10" name="Content Placeholder 9" descr="Clustered column chart showing the values of 3 series for 4 categories"/>
@@ -6348,11 +5890,16 @@
           </p:cNvGraphicFramePr>
           <p:nvPr>
             <p:ph idx="1"/>
+            <p:extLst>
+              <p:ext uri="{D42A27DB-BD31-4B8C-83A1-F6EECF244321}">
+                <p14:modId xmlns:p14="http://schemas.microsoft.com/office/powerpoint/2010/main" val="1780112975"/>
+              </p:ext>
+            </p:extLst>
           </p:nvPr>
         </p:nvGraphicFramePr>
         <p:xfrm>
-          <a:off x="609600" y="838200"/>
-          <a:ext cx="6172200" cy="5181600"/>
+          <a:off x="228600" y="838200"/>
+          <a:ext cx="7086600" cy="5105400"/>
         </p:xfrm>
         <a:graphic>
           <a:graphicData uri="http://schemas.openxmlformats.org/drawingml/2006/chart">
@@ -6360,6 +5907,203 @@
           </a:graphicData>
         </a:graphic>
       </p:graphicFrame>
+      <p:sp>
+        <p:nvSpPr>
+          <p:cNvPr id="5" name="TextBox 4">
+            <a:extLst>
+              <a:ext uri="{FF2B5EF4-FFF2-40B4-BE49-F238E27FC236}">
+                <a16:creationId xmlns:a16="http://schemas.microsoft.com/office/drawing/2014/main" id="{9B32831C-2658-1233-6C4A-5DC2FCBBDCBF}"/>
+              </a:ext>
+            </a:extLst>
+          </p:cNvPr>
+          <p:cNvSpPr txBox="1"/>
+          <p:nvPr/>
+        </p:nvSpPr>
+        <p:spPr>
+          <a:xfrm>
+            <a:off x="7620000" y="1048512"/>
+            <a:ext cx="3837432" cy="5909310"/>
+          </a:xfrm>
+          <a:prstGeom prst="rect">
+            <a:avLst/>
+          </a:prstGeom>
+          <a:noFill/>
+        </p:spPr>
+        <p:txBody>
+          <a:bodyPr wrap="square" rtlCol="0">
+            <a:spAutoFit/>
+          </a:bodyPr>
+          <a:lstStyle/>
+          <a:p>
+            <a:pPr rtl="0" fontAlgn="base">
+              <a:spcBef>
+                <a:spcPts val="0"/>
+              </a:spcBef>
+              <a:spcAft>
+                <a:spcPts val="0"/>
+              </a:spcAft>
+              <a:buFont typeface="Arial" panose="020B0604020202020204" pitchFamily="34" charset="0"/>
+              <a:buChar char="•"/>
+            </a:pPr>
+            <a:r>
+              <a:rPr lang="en-US" sz="1800" b="0" i="0" u="none" strike="noStrike" dirty="0">
+                <a:effectLst/>
+                <a:latin typeface="Arial" panose="020B0604020202020204" pitchFamily="34" charset="0"/>
+              </a:rPr>
+              <a:t>Although Schools and Conferences do help in determining whether a player gets drafted. Of the 640 players, the chart shows the spread across all conferences. </a:t>
+            </a:r>
+          </a:p>
+          <a:p>
+            <a:pPr rtl="0" fontAlgn="base">
+              <a:spcBef>
+                <a:spcPts val="0"/>
+              </a:spcBef>
+              <a:spcAft>
+                <a:spcPts val="0"/>
+              </a:spcAft>
+            </a:pPr>
+            <a:endParaRPr lang="en-US" sz="1800" b="0" i="0" u="none" strike="noStrike" dirty="0">
+              <a:effectLst/>
+              <a:latin typeface="Arial" panose="020B0604020202020204" pitchFamily="34" charset="0"/>
+            </a:endParaRPr>
+          </a:p>
+          <a:p>
+            <a:pPr rtl="0" fontAlgn="base">
+              <a:spcBef>
+                <a:spcPts val="0"/>
+              </a:spcBef>
+              <a:spcAft>
+                <a:spcPts val="0"/>
+              </a:spcAft>
+              <a:buFont typeface="Arial" panose="020B0604020202020204" pitchFamily="34" charset="0"/>
+              <a:buChar char="•"/>
+            </a:pPr>
+            <a:r>
+              <a:rPr lang="en-US" sz="1800" b="0" i="0" u="none" strike="noStrike" dirty="0">
+                <a:effectLst/>
+                <a:latin typeface="Arial" panose="020B0604020202020204" pitchFamily="34" charset="0"/>
+              </a:rPr>
+              <a:t>The position a player was in college did not contribute to a player being drafted.</a:t>
+            </a:r>
+          </a:p>
+          <a:p>
+            <a:pPr rtl="0" fontAlgn="base">
+              <a:spcBef>
+                <a:spcPts val="0"/>
+              </a:spcBef>
+              <a:spcAft>
+                <a:spcPts val="0"/>
+              </a:spcAft>
+              <a:buFont typeface="Arial" panose="020B0604020202020204" pitchFamily="34" charset="0"/>
+              <a:buChar char="•"/>
+            </a:pPr>
+            <a:endParaRPr lang="en-US" sz="1800" b="0" i="0" u="none" strike="noStrike" dirty="0">
+              <a:effectLst/>
+              <a:latin typeface="Arial" panose="020B0604020202020204" pitchFamily="34" charset="0"/>
+            </a:endParaRPr>
+          </a:p>
+          <a:p>
+            <a:pPr rtl="0" fontAlgn="base">
+              <a:spcBef>
+                <a:spcPts val="0"/>
+              </a:spcBef>
+              <a:spcAft>
+                <a:spcPts val="0"/>
+              </a:spcAft>
+              <a:buFont typeface="Arial" panose="020B0604020202020204" pitchFamily="34" charset="0"/>
+              <a:buChar char="•"/>
+            </a:pPr>
+            <a:r>
+              <a:rPr lang="en-US" sz="1800" b="0" i="0" u="none" strike="noStrike" dirty="0">
+                <a:effectLst/>
+                <a:latin typeface="Arial" panose="020B0604020202020204" pitchFamily="34" charset="0"/>
+              </a:rPr>
+              <a:t> The last year they played in college before being drafted did not contribute to a player being selected.</a:t>
+            </a:r>
+          </a:p>
+          <a:p>
+            <a:pPr rtl="0" fontAlgn="base">
+              <a:spcBef>
+                <a:spcPts val="0"/>
+              </a:spcBef>
+              <a:spcAft>
+                <a:spcPts val="0"/>
+              </a:spcAft>
+            </a:pPr>
+            <a:endParaRPr lang="en-US" sz="1800" b="0" i="0" u="none" strike="noStrike" dirty="0">
+              <a:effectLst/>
+              <a:latin typeface="Arial" panose="020B0604020202020204" pitchFamily="34" charset="0"/>
+            </a:endParaRPr>
+          </a:p>
+          <a:p>
+            <a:pPr rtl="0" fontAlgn="base">
+              <a:spcBef>
+                <a:spcPts val="0"/>
+              </a:spcBef>
+              <a:spcAft>
+                <a:spcPts val="0"/>
+              </a:spcAft>
+              <a:buFont typeface="Arial" panose="020B0604020202020204" pitchFamily="34" charset="0"/>
+              <a:buChar char="•"/>
+            </a:pPr>
+            <a:r>
+              <a:rPr lang="en-US" sz="1800" b="0" i="0" u="none" strike="noStrike" dirty="0">
+                <a:effectLst/>
+                <a:latin typeface="Arial" panose="020B0604020202020204" pitchFamily="34" charset="0"/>
+              </a:rPr>
+              <a:t>As for stats that most fans associate with basketball: points scored, assists, and rebounds. There </a:t>
+            </a:r>
+            <a:r>
+              <a:rPr lang="en-US" dirty="0">
+                <a:latin typeface="Arial" panose="020B0604020202020204" pitchFamily="34" charset="0"/>
+              </a:rPr>
+              <a:t>was a slight </a:t>
+            </a:r>
+            <a:r>
+              <a:rPr lang="en-US" sz="1800" b="0" i="0" u="none" strike="noStrike" dirty="0">
+                <a:effectLst/>
+                <a:latin typeface="Arial" panose="020B0604020202020204" pitchFamily="34" charset="0"/>
+              </a:rPr>
+              <a:t>difference in the average between undrafted and drafted players.  </a:t>
+            </a:r>
+          </a:p>
+        </p:txBody>
+      </p:sp>
+      <p:sp>
+        <p:nvSpPr>
+          <p:cNvPr id="6" name="Title 1">
+            <a:extLst>
+              <a:ext uri="{FF2B5EF4-FFF2-40B4-BE49-F238E27FC236}">
+                <a16:creationId xmlns:a16="http://schemas.microsoft.com/office/drawing/2014/main" id="{A8C9F0B0-14B7-BF12-1FA0-517DB545A3BF}"/>
+              </a:ext>
+            </a:extLst>
+          </p:cNvPr>
+          <p:cNvSpPr>
+            <a:spLocks noGrp="1"/>
+          </p:cNvSpPr>
+          <p:nvPr>
+            <p:ph type="title"/>
+          </p:nvPr>
+        </p:nvSpPr>
+        <p:spPr>
+          <a:xfrm>
+            <a:off x="7620000" y="-685800"/>
+            <a:ext cx="4474464" cy="1752600"/>
+          </a:xfrm>
+        </p:spPr>
+        <p:txBody>
+          <a:bodyPr>
+            <a:normAutofit/>
+          </a:bodyPr>
+          <a:lstStyle/>
+          <a:p>
+            <a:r>
+              <a:rPr lang="en-US" sz="2400" dirty="0"/>
+              <a:t>Stats that did not help to determine if a player will be drafted</a:t>
+            </a:r>
+          </a:p>
+        </p:txBody>
+      </p:sp>
     </p:spTree>
     <p:extLst>
       <p:ext uri="{BB962C8B-B14F-4D97-AF65-F5344CB8AC3E}">
@@ -6797,8 +6541,35 @@
           </a:xfrm>
         </p:spPr>
         <p:txBody>
-          <a:bodyPr/>
+          <a:bodyPr>
+            <a:normAutofit lnSpcReduction="10000"/>
+          </a:bodyPr>
           <a:lstStyle/>
+          <a:p>
+            <a:r>
+              <a:rPr lang="en-US" dirty="0"/>
+              <a:t>It is hard to make the data work with </a:t>
+            </a:r>
+            <a:r>
+              <a:rPr lang="en-US"/>
+              <a:t>machine learning </a:t>
+            </a:r>
+            <a:r>
+              <a:rPr lang="en-US" dirty="0"/>
+              <a:t>because only 2% of the total players were drafted</a:t>
+            </a:r>
+            <a:r>
+              <a:rPr lang="en-US"/>
+              <a:t>. </a:t>
+            </a:r>
+            <a:endParaRPr lang="en-US" dirty="0"/>
+          </a:p>
+          <a:p>
+            <a:r>
+              <a:rPr lang="en-US" dirty="0"/>
+              <a:t>Each draft year is specific to the needs of the NBA</a:t>
+            </a:r>
+          </a:p>
           <a:p>
             <a:endParaRPr lang="en-US" dirty="0"/>
           </a:p>
@@ -6854,6 +6625,235 @@
             <a:r>
               <a:rPr lang="en-US" dirty="0"/>
               <a:t>With unlimited time what would we change?</a:t>
+            </a:r>
+          </a:p>
+        </p:txBody>
+      </p:sp>
+      <p:sp>
+        <p:nvSpPr>
+          <p:cNvPr id="5" name="Text Placeholder 2">
+            <a:extLst>
+              <a:ext uri="{FF2B5EF4-FFF2-40B4-BE49-F238E27FC236}">
+                <a16:creationId xmlns:a16="http://schemas.microsoft.com/office/drawing/2014/main" id="{3A4A4953-E0A8-520B-767F-DE8995B7E3F0}"/>
+              </a:ext>
+            </a:extLst>
+          </p:cNvPr>
+          <p:cNvSpPr txBox="1">
+            <a:spLocks/>
+          </p:cNvSpPr>
+          <p:nvPr/>
+        </p:nvSpPr>
+        <p:spPr>
+          <a:xfrm>
+            <a:off x="674716" y="3932719"/>
+            <a:ext cx="10058400" cy="1143000"/>
+          </a:xfrm>
+          <a:prstGeom prst="rect">
+            <a:avLst/>
+          </a:prstGeom>
+        </p:spPr>
+        <p:txBody>
+          <a:bodyPr vert="horz" lIns="91440" tIns="45720" rIns="91440" bIns="45720" rtlCol="0">
+            <a:normAutofit fontScale="92500" lnSpcReduction="20000"/>
+          </a:bodyPr>
+          <a:lstStyle>
+            <a:lvl1pPr marL="0" indent="0" algn="l" defTabSz="914400" rtl="0" eaLnBrk="1" latinLnBrk="0" hangingPunct="1">
+              <a:lnSpc>
+                <a:spcPct val="90000"/>
+              </a:lnSpc>
+              <a:spcBef>
+                <a:spcPts val="1200"/>
+              </a:spcBef>
+              <a:buFont typeface="Arial" panose="020B0604020202020204" pitchFamily="34" charset="0"/>
+              <a:buNone/>
+              <a:defRPr sz="2400" kern="1200">
+                <a:solidFill>
+                  <a:schemeClr val="tx1">
+                    <a:tint val="75000"/>
+                  </a:schemeClr>
+                </a:solidFill>
+                <a:latin typeface="+mn-lt"/>
+                <a:ea typeface="+mn-ea"/>
+                <a:cs typeface="+mn-cs"/>
+              </a:defRPr>
+            </a:lvl1pPr>
+            <a:lvl2pPr marL="457200" indent="0" algn="l" defTabSz="914400" rtl="0" eaLnBrk="1" latinLnBrk="0" hangingPunct="1">
+              <a:lnSpc>
+                <a:spcPct val="90000"/>
+              </a:lnSpc>
+              <a:spcBef>
+                <a:spcPts val="1200"/>
+              </a:spcBef>
+              <a:buFont typeface="Arial" panose="020B0604020202020204" pitchFamily="34" charset="0"/>
+              <a:buNone/>
+              <a:defRPr sz="2000" kern="1200">
+                <a:solidFill>
+                  <a:schemeClr val="tx1">
+                    <a:tint val="75000"/>
+                  </a:schemeClr>
+                </a:solidFill>
+                <a:latin typeface="+mn-lt"/>
+                <a:ea typeface="+mn-ea"/>
+                <a:cs typeface="+mn-cs"/>
+              </a:defRPr>
+            </a:lvl2pPr>
+            <a:lvl3pPr marL="914400" indent="0" algn="l" defTabSz="914400" rtl="0" eaLnBrk="1" latinLnBrk="0" hangingPunct="1">
+              <a:lnSpc>
+                <a:spcPct val="90000"/>
+              </a:lnSpc>
+              <a:spcBef>
+                <a:spcPts val="600"/>
+              </a:spcBef>
+              <a:buFont typeface="Arial" panose="020B0604020202020204" pitchFamily="34" charset="0"/>
+              <a:buNone/>
+              <a:defRPr sz="1800" kern="1200">
+                <a:solidFill>
+                  <a:schemeClr val="tx1">
+                    <a:tint val="75000"/>
+                  </a:schemeClr>
+                </a:solidFill>
+                <a:latin typeface="+mn-lt"/>
+                <a:ea typeface="+mn-ea"/>
+                <a:cs typeface="+mn-cs"/>
+              </a:defRPr>
+            </a:lvl3pPr>
+            <a:lvl4pPr marL="1371600" indent="0" algn="l" defTabSz="914400" rtl="0" eaLnBrk="1" latinLnBrk="0" hangingPunct="1">
+              <a:lnSpc>
+                <a:spcPct val="90000"/>
+              </a:lnSpc>
+              <a:spcBef>
+                <a:spcPts val="600"/>
+              </a:spcBef>
+              <a:buFont typeface="Arial" panose="020B0604020202020204" pitchFamily="34" charset="0"/>
+              <a:buNone/>
+              <a:defRPr sz="1600" kern="1200">
+                <a:solidFill>
+                  <a:schemeClr val="tx1">
+                    <a:tint val="75000"/>
+                  </a:schemeClr>
+                </a:solidFill>
+                <a:latin typeface="+mn-lt"/>
+                <a:ea typeface="+mn-ea"/>
+                <a:cs typeface="+mn-cs"/>
+              </a:defRPr>
+            </a:lvl4pPr>
+            <a:lvl5pPr marL="1828800" indent="0" algn="l" defTabSz="914400" rtl="0" eaLnBrk="1" latinLnBrk="0" hangingPunct="1">
+              <a:lnSpc>
+                <a:spcPct val="90000"/>
+              </a:lnSpc>
+              <a:spcBef>
+                <a:spcPts val="600"/>
+              </a:spcBef>
+              <a:buFont typeface="Arial" panose="020B0604020202020204" pitchFamily="34" charset="0"/>
+              <a:buNone/>
+              <a:defRPr sz="1600" kern="1200">
+                <a:solidFill>
+                  <a:schemeClr val="tx1">
+                    <a:tint val="75000"/>
+                  </a:schemeClr>
+                </a:solidFill>
+                <a:latin typeface="+mn-lt"/>
+                <a:ea typeface="+mn-ea"/>
+                <a:cs typeface="+mn-cs"/>
+              </a:defRPr>
+            </a:lvl5pPr>
+            <a:lvl6pPr marL="2286000" indent="0" algn="l" defTabSz="914400" rtl="0" eaLnBrk="1" latinLnBrk="0" hangingPunct="1">
+              <a:lnSpc>
+                <a:spcPct val="90000"/>
+              </a:lnSpc>
+              <a:spcBef>
+                <a:spcPts val="600"/>
+              </a:spcBef>
+              <a:buFont typeface="Arial" panose="020B0604020202020204" pitchFamily="34" charset="0"/>
+              <a:buNone/>
+              <a:defRPr sz="1600" kern="1200">
+                <a:solidFill>
+                  <a:schemeClr val="tx1">
+                    <a:tint val="75000"/>
+                  </a:schemeClr>
+                </a:solidFill>
+                <a:latin typeface="+mn-lt"/>
+                <a:ea typeface="+mn-ea"/>
+                <a:cs typeface="+mn-cs"/>
+              </a:defRPr>
+            </a:lvl6pPr>
+            <a:lvl7pPr marL="2743200" indent="0" algn="l" defTabSz="914400" rtl="0" eaLnBrk="1" latinLnBrk="0" hangingPunct="1">
+              <a:lnSpc>
+                <a:spcPct val="90000"/>
+              </a:lnSpc>
+              <a:spcBef>
+                <a:spcPts val="600"/>
+              </a:spcBef>
+              <a:buFont typeface="Arial" panose="020B0604020202020204" pitchFamily="34" charset="0"/>
+              <a:buNone/>
+              <a:defRPr sz="1600" kern="1200">
+                <a:solidFill>
+                  <a:schemeClr val="tx1">
+                    <a:tint val="75000"/>
+                  </a:schemeClr>
+                </a:solidFill>
+                <a:latin typeface="+mn-lt"/>
+                <a:ea typeface="+mn-ea"/>
+                <a:cs typeface="+mn-cs"/>
+              </a:defRPr>
+            </a:lvl7pPr>
+            <a:lvl8pPr marL="3200400" indent="0" algn="l" defTabSz="914400" rtl="0" eaLnBrk="1" latinLnBrk="0" hangingPunct="1">
+              <a:lnSpc>
+                <a:spcPct val="90000"/>
+              </a:lnSpc>
+              <a:spcBef>
+                <a:spcPts val="600"/>
+              </a:spcBef>
+              <a:buFont typeface="Arial" panose="020B0604020202020204" pitchFamily="34" charset="0"/>
+              <a:buNone/>
+              <a:defRPr sz="1600" kern="1200">
+                <a:solidFill>
+                  <a:schemeClr val="tx1">
+                    <a:tint val="75000"/>
+                  </a:schemeClr>
+                </a:solidFill>
+                <a:latin typeface="+mn-lt"/>
+                <a:ea typeface="+mn-ea"/>
+                <a:cs typeface="+mn-cs"/>
+              </a:defRPr>
+            </a:lvl8pPr>
+            <a:lvl9pPr marL="3657600" indent="0" algn="l" defTabSz="914400" rtl="0" eaLnBrk="1" latinLnBrk="0" hangingPunct="1">
+              <a:lnSpc>
+                <a:spcPct val="90000"/>
+              </a:lnSpc>
+              <a:spcBef>
+                <a:spcPts val="600"/>
+              </a:spcBef>
+              <a:buFont typeface="Arial" panose="020B0604020202020204" pitchFamily="34" charset="0"/>
+              <a:buNone/>
+              <a:defRPr sz="1600" kern="1200">
+                <a:solidFill>
+                  <a:schemeClr val="tx1">
+                    <a:tint val="75000"/>
+                  </a:schemeClr>
+                </a:solidFill>
+                <a:latin typeface="+mn-lt"/>
+                <a:ea typeface="+mn-ea"/>
+                <a:cs typeface="+mn-cs"/>
+              </a:defRPr>
+            </a:lvl9pPr>
+          </a:lstStyle>
+          <a:p>
+            <a:r>
+              <a:rPr lang="en-US" dirty="0"/>
+              <a:t>Looked at stats that are more position specific.  i.e. Compare all point guards</a:t>
+            </a:r>
+          </a:p>
+          <a:p>
+            <a:r>
+              <a:rPr lang="en-US" dirty="0"/>
+              <a:t>Look at the data year by year instead of having all the years combined.    </a:t>
+            </a:r>
+          </a:p>
+          <a:p>
+            <a:r>
+              <a:rPr lang="en-US" dirty="0"/>
+              <a:t>   </a:t>
             </a:r>
           </a:p>
         </p:txBody>

--- a/Powerpoint.pptx
+++ b/Powerpoint.pptx
@@ -5643,8 +5643,8 @@
         </p:nvSpPr>
         <p:spPr>
           <a:xfrm>
-            <a:off x="7543800" y="1450848"/>
-            <a:ext cx="4495800" cy="4801314"/>
+            <a:off x="8430766" y="1450848"/>
+            <a:ext cx="3608833" cy="4770537"/>
           </a:xfrm>
           <a:prstGeom prst="rect">
             <a:avLst/>
@@ -5668,7 +5668,7 @@
               <a:buChar char="•"/>
             </a:pPr>
             <a:r>
-              <a:rPr lang="en-US" sz="1800" b="1" i="0" u="none" strike="noStrike" dirty="0">
+              <a:rPr lang="en-US" sz="1600" b="1" i="0" u="none" strike="noStrike" dirty="0">
                 <a:effectLst/>
                 <a:latin typeface="Arial" panose="020B0604020202020204" pitchFamily="34" charset="0"/>
               </a:rPr>
@@ -5684,7 +5684,7 @@
                 <a:spcPts val="0"/>
               </a:spcAft>
             </a:pPr>
-            <a:endParaRPr lang="en-US" sz="1800" b="1" i="0" u="none" strike="noStrike" dirty="0">
+            <a:endParaRPr lang="en-US" sz="1600" b="1" i="0" u="none" strike="noStrike" dirty="0">
               <a:effectLst/>
               <a:latin typeface="Arial" panose="020B0604020202020204" pitchFamily="34" charset="0"/>
             </a:endParaRPr>
@@ -5701,7 +5701,7 @@
               <a:buChar char="•"/>
             </a:pPr>
             <a:r>
-              <a:rPr lang="en-US" sz="1800" b="1" i="0" u="none" strike="noStrike" dirty="0">
+              <a:rPr lang="en-US" sz="1600" b="1" i="0" u="none" strike="noStrike" dirty="0">
                 <a:effectLst/>
                 <a:latin typeface="Arial" panose="020B0604020202020204" pitchFamily="34" charset="0"/>
               </a:rPr>
@@ -5717,7 +5717,7 @@
                 <a:spcPts val="0"/>
               </a:spcAft>
             </a:pPr>
-            <a:endParaRPr lang="en-US" sz="1800" b="1" i="0" u="none" strike="noStrike" dirty="0">
+            <a:endParaRPr lang="en-US" sz="1600" b="1" i="0" u="none" strike="noStrike" dirty="0">
               <a:effectLst/>
               <a:latin typeface="Arial" panose="020B0604020202020204" pitchFamily="34" charset="0"/>
             </a:endParaRPr>
@@ -5734,7 +5734,7 @@
               <a:buChar char="•"/>
             </a:pPr>
             <a:r>
-              <a:rPr lang="en-US" sz="1800" b="1" i="0" u="none" strike="noStrike" dirty="0">
+              <a:rPr lang="en-US" sz="1600" b="1" i="0" u="none" strike="noStrike" dirty="0">
                 <a:effectLst/>
                 <a:latin typeface="Arial" panose="020B0604020202020204" pitchFamily="34" charset="0"/>
               </a:rPr>
@@ -5761,8 +5761,8 @@
         </p:nvSpPr>
         <p:spPr>
           <a:xfrm>
-            <a:off x="7772400" y="152400"/>
-            <a:ext cx="3886200" cy="1146048"/>
+            <a:off x="8430766" y="304800"/>
+            <a:ext cx="3608834" cy="1146048"/>
           </a:xfrm>
         </p:spPr>
         <p:txBody>
@@ -5771,7 +5771,7 @@
           </a:bodyPr>
           <a:lstStyle/>
           <a:p>
-            <a:pPr rtl="0">
+            <a:pPr algn="ctr" rtl="0">
               <a:spcBef>
                 <a:spcPts val="0"/>
               </a:spcBef>
@@ -5823,7 +5823,7 @@
         <p:spPr bwMode="auto">
           <a:xfrm>
             <a:off x="27433" y="304800"/>
-            <a:ext cx="7416873" cy="5638799"/>
+            <a:ext cx="8354567" cy="6096000"/>
           </a:xfrm>
           <a:prstGeom prst="rect">
             <a:avLst/>
@@ -5892,14 +5892,14 @@
             <p:ph idx="1"/>
             <p:extLst>
               <p:ext uri="{D42A27DB-BD31-4B8C-83A1-F6EECF244321}">
-                <p14:modId xmlns:p14="http://schemas.microsoft.com/office/powerpoint/2010/main" val="1780112975"/>
+                <p14:modId xmlns:p14="http://schemas.microsoft.com/office/powerpoint/2010/main" val="1935154284"/>
               </p:ext>
             </p:extLst>
           </p:nvPr>
         </p:nvGraphicFramePr>
         <p:xfrm>
-          <a:off x="228600" y="838200"/>
-          <a:ext cx="7086600" cy="5105400"/>
+          <a:off x="228600" y="457200"/>
+          <a:ext cx="8250936" cy="5791200"/>
         </p:xfrm>
         <a:graphic>
           <a:graphicData uri="http://schemas.openxmlformats.org/drawingml/2006/chart">
@@ -5921,8 +5921,8 @@
         </p:nvSpPr>
         <p:spPr>
           <a:xfrm>
-            <a:off x="7620000" y="1048512"/>
-            <a:ext cx="3837432" cy="5909310"/>
+            <a:off x="8610600" y="1066800"/>
+            <a:ext cx="3352800" cy="5509200"/>
           </a:xfrm>
           <a:prstGeom prst="rect">
             <a:avLst/>
@@ -5946,7 +5946,7 @@
               <a:buChar char="•"/>
             </a:pPr>
             <a:r>
-              <a:rPr lang="en-US" sz="1800" b="0" i="0" u="none" strike="noStrike" dirty="0">
+              <a:rPr lang="en-US" sz="1600" b="0" i="0" u="none" strike="noStrike" dirty="0">
                 <a:effectLst/>
                 <a:latin typeface="Arial" panose="020B0604020202020204" pitchFamily="34" charset="0"/>
               </a:rPr>
@@ -5962,7 +5962,7 @@
                 <a:spcPts val="0"/>
               </a:spcAft>
             </a:pPr>
-            <a:endParaRPr lang="en-US" sz="1800" b="0" i="0" u="none" strike="noStrike" dirty="0">
+            <a:endParaRPr lang="en-US" sz="1600" b="0" i="0" u="none" strike="noStrike" dirty="0">
               <a:effectLst/>
               <a:latin typeface="Arial" panose="020B0604020202020204" pitchFamily="34" charset="0"/>
             </a:endParaRPr>
@@ -5979,7 +5979,7 @@
               <a:buChar char="•"/>
             </a:pPr>
             <a:r>
-              <a:rPr lang="en-US" sz="1800" b="0" i="0" u="none" strike="noStrike" dirty="0">
+              <a:rPr lang="en-US" sz="1600" b="0" i="0" u="none" strike="noStrike" dirty="0">
                 <a:effectLst/>
                 <a:latin typeface="Arial" panose="020B0604020202020204" pitchFamily="34" charset="0"/>
               </a:rPr>
@@ -5997,7 +5997,7 @@
               <a:buFont typeface="Arial" panose="020B0604020202020204" pitchFamily="34" charset="0"/>
               <a:buChar char="•"/>
             </a:pPr>
-            <a:endParaRPr lang="en-US" sz="1800" b="0" i="0" u="none" strike="noStrike" dirty="0">
+            <a:endParaRPr lang="en-US" sz="1600" b="0" i="0" u="none" strike="noStrike" dirty="0">
               <a:effectLst/>
               <a:latin typeface="Arial" panose="020B0604020202020204" pitchFamily="34" charset="0"/>
             </a:endParaRPr>
@@ -6014,7 +6014,7 @@
               <a:buChar char="•"/>
             </a:pPr>
             <a:r>
-              <a:rPr lang="en-US" sz="1800" b="0" i="0" u="none" strike="noStrike" dirty="0">
+              <a:rPr lang="en-US" sz="1600" b="0" i="0" u="none" strike="noStrike" dirty="0">
                 <a:effectLst/>
                 <a:latin typeface="Arial" panose="020B0604020202020204" pitchFamily="34" charset="0"/>
               </a:rPr>
@@ -6030,7 +6030,7 @@
                 <a:spcPts val="0"/>
               </a:spcAft>
             </a:pPr>
-            <a:endParaRPr lang="en-US" sz="1800" b="0" i="0" u="none" strike="noStrike" dirty="0">
+            <a:endParaRPr lang="en-US" sz="1600" b="0" i="0" u="none" strike="noStrike" dirty="0">
               <a:effectLst/>
               <a:latin typeface="Arial" panose="020B0604020202020204" pitchFamily="34" charset="0"/>
             </a:endParaRPr>
@@ -6047,20 +6047,20 @@
               <a:buChar char="•"/>
             </a:pPr>
             <a:r>
-              <a:rPr lang="en-US" sz="1800" b="0" i="0" u="none" strike="noStrike" dirty="0">
+              <a:rPr lang="en-US" sz="1600" b="0" i="0" u="none" strike="noStrike" dirty="0">
                 <a:effectLst/>
                 <a:latin typeface="Arial" panose="020B0604020202020204" pitchFamily="34" charset="0"/>
               </a:rPr>
               <a:t>As for stats that most fans associate with basketball: points scored, assists, and rebounds. There </a:t>
             </a:r>
             <a:r>
-              <a:rPr lang="en-US" dirty="0">
+              <a:rPr lang="en-US" sz="1600" dirty="0">
                 <a:latin typeface="Arial" panose="020B0604020202020204" pitchFamily="34" charset="0"/>
               </a:rPr>
               <a:t>was a slight </a:t>
             </a:r>
             <a:r>
-              <a:rPr lang="en-US" sz="1800" b="0" i="0" u="none" strike="noStrike" dirty="0">
+              <a:rPr lang="en-US" sz="1600" b="0" i="0" u="none" strike="noStrike" dirty="0">
                 <a:effectLst/>
                 <a:latin typeface="Arial" panose="020B0604020202020204" pitchFamily="34" charset="0"/>
               </a:rPr>
@@ -6087,8 +6087,8 @@
         </p:nvSpPr>
         <p:spPr>
           <a:xfrm>
-            <a:off x="7620000" y="-685800"/>
-            <a:ext cx="4474464" cy="1752600"/>
+            <a:off x="8125968" y="-685800"/>
+            <a:ext cx="3968496" cy="1752600"/>
           </a:xfrm>
         </p:spPr>
         <p:txBody>
@@ -6097,6 +6097,7 @@
           </a:bodyPr>
           <a:lstStyle/>
           <a:p>
+            <a:pPr algn="ctr"/>
             <a:r>
               <a:rPr lang="en-US" sz="2400" dirty="0"/>
               <a:t>Stats that did not help to determine if a player will be drafted</a:t>
@@ -6546,25 +6547,20 @@
           </a:bodyPr>
           <a:lstStyle/>
           <a:p>
+            <a:pPr marL="342900" indent="-342900">
+              <a:buFont typeface="Arial" panose="020B0604020202020204" pitchFamily="34" charset="0"/>
+              <a:buChar char="•"/>
+            </a:pPr>
             <a:r>
               <a:rPr lang="en-US" dirty="0"/>
-              <a:t>It is hard to make the data work with </a:t>
-            </a:r>
-            <a:r>
-              <a:rPr lang="en-US"/>
-              <a:t>machine learning </a:t>
-            </a:r>
-            <a:r>
-              <a:rPr lang="en-US" dirty="0"/>
-              <a:t>because only 2% of the total players were drafted</a:t>
-            </a:r>
-            <a:r>
-              <a:rPr lang="en-US"/>
-              <a:t>. </a:t>
-            </a:r>
-            <a:endParaRPr lang="en-US" dirty="0"/>
-          </a:p>
-          <a:p>
+              <a:t>It is hard to make the data work with machine learning because only 2% of the total players were drafted. </a:t>
+            </a:r>
+          </a:p>
+          <a:p>
+            <a:pPr marL="342900" indent="-342900">
+              <a:buFont typeface="Arial" panose="020B0604020202020204" pitchFamily="34" charset="0"/>
+              <a:buChar char="•"/>
+            </a:pPr>
             <a:r>
               <a:rPr lang="en-US" dirty="0"/>
               <a:t>Each draft year is specific to the needs of the NBA</a:t>
@@ -6591,7 +6587,7 @@
         </p:nvSpPr>
         <p:spPr>
           <a:xfrm>
-            <a:off x="685800" y="2895601"/>
+            <a:off x="863009" y="3047999"/>
             <a:ext cx="10058400" cy="762001"/>
           </a:xfrm>
           <a:prstGeom prst="rect">
@@ -6645,8 +6641,8 @@
         </p:nvSpPr>
         <p:spPr>
           <a:xfrm>
-            <a:off x="674716" y="3932719"/>
-            <a:ext cx="10058400" cy="1143000"/>
+            <a:off x="674716" y="3932718"/>
+            <a:ext cx="10058400" cy="2506181"/>
           </a:xfrm>
           <a:prstGeom prst="rect">
             <a:avLst/>
@@ -6654,7 +6650,7 @@
         </p:spPr>
         <p:txBody>
           <a:bodyPr vert="horz" lIns="91440" tIns="45720" rIns="91440" bIns="45720" rtlCol="0">
-            <a:normAutofit fontScale="92500" lnSpcReduction="20000"/>
+            <a:normAutofit/>
           </a:bodyPr>
           <a:lstStyle>
             <a:lvl1pPr marL="0" indent="0" algn="l" defTabSz="914400" rtl="0" eaLnBrk="1" latinLnBrk="0" hangingPunct="1">
@@ -6839,15 +6835,33 @@
             </a:lvl9pPr>
           </a:lstStyle>
           <a:p>
+            <a:pPr marL="342900" indent="-342900">
+              <a:buFont typeface="Arial" panose="020B0604020202020204" pitchFamily="34" charset="0"/>
+              <a:buChar char="•"/>
+            </a:pPr>
             <a:r>
               <a:rPr lang="en-US" dirty="0"/>
               <a:t>Looked at stats that are more position specific.  i.e. Compare all point guards</a:t>
             </a:r>
           </a:p>
           <a:p>
+            <a:pPr marL="342900" indent="-342900">
+              <a:buFont typeface="Arial" panose="020B0604020202020204" pitchFamily="34" charset="0"/>
+              <a:buChar char="•"/>
+            </a:pPr>
             <a:r>
               <a:rPr lang="en-US" dirty="0"/>
-              <a:t>Look at the data year by year instead of having all the years combined.    </a:t>
+              <a:t>Look at the data year by year instead of having all the years combined.  </a:t>
+            </a:r>
+          </a:p>
+          <a:p>
+            <a:pPr marL="342900" indent="-342900">
+              <a:buFont typeface="Arial" panose="020B0604020202020204" pitchFamily="34" charset="0"/>
+              <a:buChar char="•"/>
+            </a:pPr>
+            <a:r>
+              <a:rPr lang="en-US" dirty="0"/>
+              <a:t>Mongo Database would be a great hub for the live data!  </a:t>
             </a:r>
           </a:p>
           <a:p>

--- a/Powerpoint.pptx
+++ b/Powerpoint.pptx
@@ -5,10 +5,10 @@
     <p:sldMasterId id="2147483648" r:id="rId1"/>
   </p:sldMasterIdLst>
   <p:notesMasterIdLst>
-    <p:notesMasterId r:id="rId10"/>
+    <p:notesMasterId r:id="rId19"/>
   </p:notesMasterIdLst>
   <p:handoutMasterIdLst>
-    <p:handoutMasterId r:id="rId11"/>
+    <p:handoutMasterId r:id="rId20"/>
   </p:handoutMasterIdLst>
   <p:sldIdLst>
     <p:sldId id="257" r:id="rId2"/>
@@ -17,8 +17,17 @@
     <p:sldId id="264" r:id="rId5"/>
     <p:sldId id="272" r:id="rId6"/>
     <p:sldId id="267" r:id="rId7"/>
-    <p:sldId id="268" r:id="rId8"/>
-    <p:sldId id="273" r:id="rId9"/>
+    <p:sldId id="276" r:id="rId8"/>
+    <p:sldId id="277" r:id="rId9"/>
+    <p:sldId id="278" r:id="rId10"/>
+    <p:sldId id="279" r:id="rId11"/>
+    <p:sldId id="274" r:id="rId12"/>
+    <p:sldId id="280" r:id="rId13"/>
+    <p:sldId id="275" r:id="rId14"/>
+    <p:sldId id="281" r:id="rId15"/>
+    <p:sldId id="282" r:id="rId16"/>
+    <p:sldId id="268" r:id="rId17"/>
+    <p:sldId id="273" r:id="rId18"/>
   </p:sldIdLst>
   <p:sldSz cx="12192000" cy="6858000"/>
   <p:notesSz cx="6858000" cy="9144000"/>
@@ -1690,7 +1699,7 @@
           <a:p>
             <a:fld id="{D8DE8356-FFDA-4E74-B804-79023C7DD259}" type="datetimeFigureOut">
               <a:rPr lang="en-US" smtClean="0"/>
-              <a:t>4/13/2023</a:t>
+              <a:t>4/19/2023</a:t>
             </a:fld>
             <a:endParaRPr lang="en-US"/>
           </a:p>
@@ -1855,7 +1864,7 @@
           <a:p>
             <a:fld id="{B43DDCE7-616C-4285-A468-7301F171BC93}" type="datetimeFigureOut">
               <a:rPr lang="en-US" smtClean="0"/>
-              <a:t>4/13/2023</a:t>
+              <a:t>4/19/2023</a:t>
             </a:fld>
             <a:endParaRPr lang="en-US"/>
           </a:p>
@@ -2122,6 +2131,1069 @@
 </p:notesMaster>
 </file>
 
+<file path=ppt/notesSlides/notesSlide1.xml><?xml version="1.0" encoding="utf-8"?>
+<p:notes xmlns:a="http://schemas.openxmlformats.org/drawingml/2006/main" xmlns:r="http://schemas.openxmlformats.org/officeDocument/2006/relationships" xmlns:p="http://schemas.openxmlformats.org/presentationml/2006/main">
+  <p:cSld>
+    <p:spTree>
+      <p:nvGrpSpPr>
+        <p:cNvPr id="1" name=""/>
+        <p:cNvGrpSpPr/>
+        <p:nvPr/>
+      </p:nvGrpSpPr>
+      <p:grpSpPr>
+        <a:xfrm>
+          <a:off x="0" y="0"/>
+          <a:ext cx="0" cy="0"/>
+          <a:chOff x="0" y="0"/>
+          <a:chExt cx="0" cy="0"/>
+        </a:xfrm>
+      </p:grpSpPr>
+      <p:sp>
+        <p:nvSpPr>
+          <p:cNvPr id="2" name="Slide Image Placeholder 1"/>
+          <p:cNvSpPr>
+            <a:spLocks noGrp="1" noRot="1" noChangeAspect="1"/>
+          </p:cNvSpPr>
+          <p:nvPr>
+            <p:ph type="sldImg"/>
+          </p:nvPr>
+        </p:nvSpPr>
+        <p:spPr/>
+      </p:sp>
+      <p:sp>
+        <p:nvSpPr>
+          <p:cNvPr id="3" name="Notes Placeholder 2"/>
+          <p:cNvSpPr>
+            <a:spLocks noGrp="1"/>
+          </p:cNvSpPr>
+          <p:nvPr>
+            <p:ph type="body" idx="1"/>
+          </p:nvPr>
+        </p:nvSpPr>
+        <p:spPr/>
+        <p:txBody>
+          <a:bodyPr/>
+          <a:lstStyle/>
+          <a:p>
+            <a:endParaRPr lang="en-US" dirty="0"/>
+          </a:p>
+        </p:txBody>
+      </p:sp>
+      <p:sp>
+        <p:nvSpPr>
+          <p:cNvPr id="4" name="Slide Number Placeholder 3"/>
+          <p:cNvSpPr>
+            <a:spLocks noGrp="1"/>
+          </p:cNvSpPr>
+          <p:nvPr>
+            <p:ph type="sldNum" sz="quarter" idx="5"/>
+          </p:nvPr>
+        </p:nvSpPr>
+        <p:spPr/>
+        <p:txBody>
+          <a:bodyPr/>
+          <a:lstStyle/>
+          <a:p>
+            <a:fld id="{05C1D8F7-2BDD-4C56-98AF-2E212EF349F3}" type="slidenum">
+              <a:rPr lang="en-US" smtClean="0"/>
+              <a:t>6</a:t>
+            </a:fld>
+            <a:endParaRPr lang="en-US"/>
+          </a:p>
+        </p:txBody>
+      </p:sp>
+    </p:spTree>
+    <p:extLst>
+      <p:ext uri="{BB962C8B-B14F-4D97-AF65-F5344CB8AC3E}">
+        <p14:creationId xmlns:p14="http://schemas.microsoft.com/office/powerpoint/2010/main" val="2359569171"/>
+      </p:ext>
+    </p:extLst>
+  </p:cSld>
+  <p:clrMapOvr>
+    <a:masterClrMapping/>
+  </p:clrMapOvr>
+</p:notes>
+</file>
+
+<file path=ppt/notesSlides/notesSlide2.xml><?xml version="1.0" encoding="utf-8"?>
+<p:notes xmlns:a="http://schemas.openxmlformats.org/drawingml/2006/main" xmlns:r="http://schemas.openxmlformats.org/officeDocument/2006/relationships" xmlns:p="http://schemas.openxmlformats.org/presentationml/2006/main">
+  <p:cSld>
+    <p:spTree>
+      <p:nvGrpSpPr>
+        <p:cNvPr id="1" name=""/>
+        <p:cNvGrpSpPr/>
+        <p:nvPr/>
+      </p:nvGrpSpPr>
+      <p:grpSpPr>
+        <a:xfrm>
+          <a:off x="0" y="0"/>
+          <a:ext cx="0" cy="0"/>
+          <a:chOff x="0" y="0"/>
+          <a:chExt cx="0" cy="0"/>
+        </a:xfrm>
+      </p:grpSpPr>
+      <p:sp>
+        <p:nvSpPr>
+          <p:cNvPr id="2" name="Slide Image Placeholder 1"/>
+          <p:cNvSpPr>
+            <a:spLocks noGrp="1" noRot="1" noChangeAspect="1"/>
+          </p:cNvSpPr>
+          <p:nvPr>
+            <p:ph type="sldImg"/>
+          </p:nvPr>
+        </p:nvSpPr>
+        <p:spPr/>
+      </p:sp>
+      <p:sp>
+        <p:nvSpPr>
+          <p:cNvPr id="3" name="Notes Placeholder 2"/>
+          <p:cNvSpPr>
+            <a:spLocks noGrp="1"/>
+          </p:cNvSpPr>
+          <p:nvPr>
+            <p:ph type="body" idx="1"/>
+          </p:nvPr>
+        </p:nvSpPr>
+        <p:spPr/>
+        <p:txBody>
+          <a:bodyPr/>
+          <a:lstStyle/>
+          <a:p>
+            <a:pPr algn="l"/>
+            <a:r>
+              <a:rPr lang="en-US" b="0" i="0" dirty="0">
+                <a:solidFill>
+                  <a:srgbClr val="D5D5D5"/>
+                </a:solidFill>
+                <a:effectLst/>
+                <a:latin typeface="Roboto" panose="020B0604020202020204" pitchFamily="2" charset="0"/>
+              </a:rPr>
+              <a:t>Here was have that start of our training data.  First we import the </a:t>
+            </a:r>
+            <a:r>
+              <a:rPr lang="en-US" b="0" i="0" dirty="0" err="1">
+                <a:solidFill>
+                  <a:srgbClr val="D5D5D5"/>
+                </a:solidFill>
+                <a:effectLst/>
+                <a:latin typeface="Roboto" panose="020B0604020202020204" pitchFamily="2" charset="0"/>
+              </a:rPr>
+              <a:t>github</a:t>
+            </a:r>
+            <a:r>
+              <a:rPr lang="en-US" b="0" i="0" dirty="0">
+                <a:solidFill>
+                  <a:srgbClr val="D5D5D5"/>
+                </a:solidFill>
+                <a:effectLst/>
+                <a:latin typeface="Roboto" panose="020B0604020202020204" pitchFamily="2" charset="0"/>
+              </a:rPr>
+              <a:t> so our folder structure and files are present in Google Collab.  Then import our dependencies and the data.  Then strip the identifiers from it.</a:t>
+            </a:r>
+          </a:p>
+          <a:p>
+            <a:endParaRPr lang="en-US" dirty="0"/>
+          </a:p>
+        </p:txBody>
+      </p:sp>
+      <p:sp>
+        <p:nvSpPr>
+          <p:cNvPr id="4" name="Slide Number Placeholder 3"/>
+          <p:cNvSpPr>
+            <a:spLocks noGrp="1"/>
+          </p:cNvSpPr>
+          <p:nvPr>
+            <p:ph type="sldNum" sz="quarter" idx="5"/>
+          </p:nvPr>
+        </p:nvSpPr>
+        <p:spPr/>
+        <p:txBody>
+          <a:bodyPr/>
+          <a:lstStyle/>
+          <a:p>
+            <a:fld id="{05C1D8F7-2BDD-4C56-98AF-2E212EF349F3}" type="slidenum">
+              <a:rPr lang="en-US" smtClean="0"/>
+              <a:t>7</a:t>
+            </a:fld>
+            <a:endParaRPr lang="en-US"/>
+          </a:p>
+        </p:txBody>
+      </p:sp>
+    </p:spTree>
+    <p:extLst>
+      <p:ext uri="{BB962C8B-B14F-4D97-AF65-F5344CB8AC3E}">
+        <p14:creationId xmlns:p14="http://schemas.microsoft.com/office/powerpoint/2010/main" val="624160835"/>
+      </p:ext>
+    </p:extLst>
+  </p:cSld>
+  <p:clrMapOvr>
+    <a:masterClrMapping/>
+  </p:clrMapOvr>
+</p:notes>
+</file>
+
+<file path=ppt/notesSlides/notesSlide3.xml><?xml version="1.0" encoding="utf-8"?>
+<p:notes xmlns:a="http://schemas.openxmlformats.org/drawingml/2006/main" xmlns:r="http://schemas.openxmlformats.org/officeDocument/2006/relationships" xmlns:p="http://schemas.openxmlformats.org/presentationml/2006/main">
+  <p:cSld>
+    <p:spTree>
+      <p:nvGrpSpPr>
+        <p:cNvPr id="1" name=""/>
+        <p:cNvGrpSpPr/>
+        <p:nvPr/>
+      </p:nvGrpSpPr>
+      <p:grpSpPr>
+        <a:xfrm>
+          <a:off x="0" y="0"/>
+          <a:ext cx="0" cy="0"/>
+          <a:chOff x="0" y="0"/>
+          <a:chExt cx="0" cy="0"/>
+        </a:xfrm>
+      </p:grpSpPr>
+      <p:sp>
+        <p:nvSpPr>
+          <p:cNvPr id="2" name="Slide Image Placeholder 1"/>
+          <p:cNvSpPr>
+            <a:spLocks noGrp="1" noRot="1" noChangeAspect="1"/>
+          </p:cNvSpPr>
+          <p:nvPr>
+            <p:ph type="sldImg"/>
+          </p:nvPr>
+        </p:nvSpPr>
+        <p:spPr/>
+      </p:sp>
+      <p:sp>
+        <p:nvSpPr>
+          <p:cNvPr id="3" name="Notes Placeholder 2"/>
+          <p:cNvSpPr>
+            <a:spLocks noGrp="1"/>
+          </p:cNvSpPr>
+          <p:nvPr>
+            <p:ph type="body" idx="1"/>
+          </p:nvPr>
+        </p:nvSpPr>
+        <p:spPr/>
+        <p:txBody>
+          <a:bodyPr/>
+          <a:lstStyle/>
+          <a:p>
+            <a:pPr algn="l"/>
+            <a:r>
+              <a:rPr lang="en-US" b="0" i="0" dirty="0">
+                <a:solidFill>
+                  <a:srgbClr val="D5D5D5"/>
+                </a:solidFill>
+                <a:effectLst/>
+                <a:latin typeface="Roboto" panose="02000000000000000000" pitchFamily="2" charset="0"/>
+              </a:rPr>
+              <a:t>Ended up choosing conferences with ten percent or more drafted players because the other conferences subsets resulted in too few undrafted players and we ended up with the same problem. Instead of no one going to the NBA, everyone was going to the NBA.</a:t>
+            </a:r>
+          </a:p>
+          <a:p>
+            <a:pPr algn="l"/>
+            <a:endParaRPr lang="en-US" b="0" i="0" dirty="0">
+              <a:solidFill>
+                <a:srgbClr val="D5D5D5"/>
+              </a:solidFill>
+              <a:effectLst/>
+              <a:latin typeface="Roboto" panose="02000000000000000000" pitchFamily="2" charset="0"/>
+            </a:endParaRPr>
+          </a:p>
+          <a:p>
+            <a:pPr algn="l"/>
+            <a:r>
+              <a:rPr lang="en-US" b="0" i="0" dirty="0">
+                <a:solidFill>
+                  <a:srgbClr val="D5D5D5"/>
+                </a:solidFill>
+                <a:effectLst/>
+                <a:latin typeface="Roboto" panose="02000000000000000000" pitchFamily="2" charset="0"/>
+              </a:rPr>
+              <a:t>Old method of encoding</a:t>
+            </a:r>
+          </a:p>
+          <a:p>
+            <a:pPr algn="l"/>
+            <a:r>
+              <a:rPr lang="en-US" b="0" i="0" dirty="0">
+                <a:solidFill>
+                  <a:srgbClr val="D5D5D5"/>
+                </a:solidFill>
+                <a:effectLst/>
+                <a:latin typeface="Roboto" panose="02000000000000000000" pitchFamily="2" charset="0"/>
+              </a:rPr>
+              <a:t>This method resulted in around 400 columns of data being generated, which </a:t>
+            </a:r>
+            <a:r>
+              <a:rPr lang="en-US" b="0" i="0" dirty="0" err="1">
+                <a:solidFill>
+                  <a:srgbClr val="D5D5D5"/>
+                </a:solidFill>
+                <a:effectLst/>
+                <a:latin typeface="Roboto" panose="02000000000000000000" pitchFamily="2" charset="0"/>
+              </a:rPr>
+              <a:t>didnt</a:t>
+            </a:r>
+            <a:r>
+              <a:rPr lang="en-US" b="0" i="0" dirty="0">
+                <a:solidFill>
+                  <a:srgbClr val="D5D5D5"/>
+                </a:solidFill>
+                <a:effectLst/>
+                <a:latin typeface="Roboto" panose="02000000000000000000" pitchFamily="2" charset="0"/>
+              </a:rPr>
+              <a:t> increase computational complexity so much as make the data near impossible to manage afterwards without de encoding it.</a:t>
+            </a:r>
+          </a:p>
+          <a:p>
+            <a:endParaRPr lang="en-US" dirty="0"/>
+          </a:p>
+          <a:p>
+            <a:pPr algn="l"/>
+            <a:r>
+              <a:rPr lang="en-US" b="0" i="0" dirty="0">
+                <a:solidFill>
+                  <a:srgbClr val="D5D5D5"/>
+                </a:solidFill>
+                <a:effectLst/>
+                <a:latin typeface="Roboto" panose="02000000000000000000" pitchFamily="2" charset="0"/>
+              </a:rPr>
+              <a:t>New method of encoding</a:t>
+            </a:r>
+          </a:p>
+          <a:p>
+            <a:pPr algn="l"/>
+            <a:r>
+              <a:rPr lang="en-US" b="0" i="0" dirty="0">
+                <a:solidFill>
+                  <a:srgbClr val="D5D5D5"/>
+                </a:solidFill>
+                <a:effectLst/>
+                <a:latin typeface="Roboto" panose="02000000000000000000" pitchFamily="2" charset="0"/>
+              </a:rPr>
+              <a:t>As opposed to the old method, encoding based on label, lets all the data stay in one column exactly how we had it, and instead changes the categorical value to a numeral, making the data much easier to read and manage and verify. 62 columns</a:t>
+            </a:r>
+          </a:p>
+          <a:p>
+            <a:endParaRPr lang="en-US" dirty="0"/>
+          </a:p>
+        </p:txBody>
+      </p:sp>
+      <p:sp>
+        <p:nvSpPr>
+          <p:cNvPr id="4" name="Slide Number Placeholder 3"/>
+          <p:cNvSpPr>
+            <a:spLocks noGrp="1"/>
+          </p:cNvSpPr>
+          <p:nvPr>
+            <p:ph type="sldNum" sz="quarter" idx="5"/>
+          </p:nvPr>
+        </p:nvSpPr>
+        <p:spPr/>
+        <p:txBody>
+          <a:bodyPr/>
+          <a:lstStyle/>
+          <a:p>
+            <a:fld id="{05C1D8F7-2BDD-4C56-98AF-2E212EF349F3}" type="slidenum">
+              <a:rPr lang="en-US" smtClean="0"/>
+              <a:t>8</a:t>
+            </a:fld>
+            <a:endParaRPr lang="en-US"/>
+          </a:p>
+        </p:txBody>
+      </p:sp>
+    </p:spTree>
+    <p:extLst>
+      <p:ext uri="{BB962C8B-B14F-4D97-AF65-F5344CB8AC3E}">
+        <p14:creationId xmlns:p14="http://schemas.microsoft.com/office/powerpoint/2010/main" val="275316513"/>
+      </p:ext>
+    </p:extLst>
+  </p:cSld>
+  <p:clrMapOvr>
+    <a:masterClrMapping/>
+  </p:clrMapOvr>
+</p:notes>
+</file>
+
+<file path=ppt/notesSlides/notesSlide4.xml><?xml version="1.0" encoding="utf-8"?>
+<p:notes xmlns:a="http://schemas.openxmlformats.org/drawingml/2006/main" xmlns:r="http://schemas.openxmlformats.org/officeDocument/2006/relationships" xmlns:p="http://schemas.openxmlformats.org/presentationml/2006/main">
+  <p:cSld>
+    <p:spTree>
+      <p:nvGrpSpPr>
+        <p:cNvPr id="1" name=""/>
+        <p:cNvGrpSpPr/>
+        <p:nvPr/>
+      </p:nvGrpSpPr>
+      <p:grpSpPr>
+        <a:xfrm>
+          <a:off x="0" y="0"/>
+          <a:ext cx="0" cy="0"/>
+          <a:chOff x="0" y="0"/>
+          <a:chExt cx="0" cy="0"/>
+        </a:xfrm>
+      </p:grpSpPr>
+      <p:sp>
+        <p:nvSpPr>
+          <p:cNvPr id="2" name="Slide Image Placeholder 1"/>
+          <p:cNvSpPr>
+            <a:spLocks noGrp="1" noRot="1" noChangeAspect="1"/>
+          </p:cNvSpPr>
+          <p:nvPr>
+            <p:ph type="sldImg"/>
+          </p:nvPr>
+        </p:nvSpPr>
+        <p:spPr/>
+      </p:sp>
+      <p:sp>
+        <p:nvSpPr>
+          <p:cNvPr id="3" name="Notes Placeholder 2"/>
+          <p:cNvSpPr>
+            <a:spLocks noGrp="1"/>
+          </p:cNvSpPr>
+          <p:nvPr>
+            <p:ph type="body" idx="1"/>
+          </p:nvPr>
+        </p:nvSpPr>
+        <p:spPr/>
+        <p:txBody>
+          <a:bodyPr/>
+          <a:lstStyle/>
+          <a:p>
+            <a:pPr algn="l"/>
+            <a:r>
+              <a:rPr lang="en-US" b="0" i="0" dirty="0">
+                <a:solidFill>
+                  <a:srgbClr val="D5D5D5"/>
+                </a:solidFill>
+                <a:effectLst/>
+                <a:latin typeface="Roboto" panose="02000000000000000000" pitchFamily="2" charset="0"/>
+              </a:rPr>
+              <a:t>Split it</a:t>
+            </a:r>
+          </a:p>
+          <a:p>
+            <a:pPr algn="l"/>
+            <a:r>
+              <a:rPr lang="en-US" b="0" i="0" dirty="0">
+                <a:solidFill>
+                  <a:srgbClr val="D5D5D5"/>
+                </a:solidFill>
+                <a:effectLst/>
+                <a:latin typeface="Roboto" panose="02000000000000000000" pitchFamily="2" charset="0"/>
+              </a:rPr>
+              <a:t>The lists are for picking our X and dropping the chaff. W went with Drafted/Undrafted for our Y when they are picked doesn't really matter for our ask. When we split, 40% test was the sweet spot, 30% took twice as long to start learning and 50% caused the model to be overfit and not learn at all. Shuffling and Stratifying the data makes sure that we have equity in our train and test Y.</a:t>
+            </a:r>
+          </a:p>
+          <a:p>
+            <a:endParaRPr lang="en-US" dirty="0"/>
+          </a:p>
+        </p:txBody>
+      </p:sp>
+      <p:sp>
+        <p:nvSpPr>
+          <p:cNvPr id="4" name="Slide Number Placeholder 3"/>
+          <p:cNvSpPr>
+            <a:spLocks noGrp="1"/>
+          </p:cNvSpPr>
+          <p:nvPr>
+            <p:ph type="sldNum" sz="quarter" idx="5"/>
+          </p:nvPr>
+        </p:nvSpPr>
+        <p:spPr/>
+        <p:txBody>
+          <a:bodyPr/>
+          <a:lstStyle/>
+          <a:p>
+            <a:fld id="{05C1D8F7-2BDD-4C56-98AF-2E212EF349F3}" type="slidenum">
+              <a:rPr lang="en-US" smtClean="0"/>
+              <a:t>9</a:t>
+            </a:fld>
+            <a:endParaRPr lang="en-US"/>
+          </a:p>
+        </p:txBody>
+      </p:sp>
+    </p:spTree>
+    <p:extLst>
+      <p:ext uri="{BB962C8B-B14F-4D97-AF65-F5344CB8AC3E}">
+        <p14:creationId xmlns:p14="http://schemas.microsoft.com/office/powerpoint/2010/main" val="3743909054"/>
+      </p:ext>
+    </p:extLst>
+  </p:cSld>
+  <p:clrMapOvr>
+    <a:masterClrMapping/>
+  </p:clrMapOvr>
+</p:notes>
+</file>
+
+<file path=ppt/notesSlides/notesSlide5.xml><?xml version="1.0" encoding="utf-8"?>
+<p:notes xmlns:a="http://schemas.openxmlformats.org/drawingml/2006/main" xmlns:r="http://schemas.openxmlformats.org/officeDocument/2006/relationships" xmlns:p="http://schemas.openxmlformats.org/presentationml/2006/main">
+  <p:cSld>
+    <p:spTree>
+      <p:nvGrpSpPr>
+        <p:cNvPr id="1" name=""/>
+        <p:cNvGrpSpPr/>
+        <p:nvPr/>
+      </p:nvGrpSpPr>
+      <p:grpSpPr>
+        <a:xfrm>
+          <a:off x="0" y="0"/>
+          <a:ext cx="0" cy="0"/>
+          <a:chOff x="0" y="0"/>
+          <a:chExt cx="0" cy="0"/>
+        </a:xfrm>
+      </p:grpSpPr>
+      <p:sp>
+        <p:nvSpPr>
+          <p:cNvPr id="2" name="Slide Image Placeholder 1"/>
+          <p:cNvSpPr>
+            <a:spLocks noGrp="1" noRot="1" noChangeAspect="1"/>
+          </p:cNvSpPr>
+          <p:nvPr>
+            <p:ph type="sldImg"/>
+          </p:nvPr>
+        </p:nvSpPr>
+        <p:spPr/>
+      </p:sp>
+      <p:sp>
+        <p:nvSpPr>
+          <p:cNvPr id="3" name="Notes Placeholder 2"/>
+          <p:cNvSpPr>
+            <a:spLocks noGrp="1"/>
+          </p:cNvSpPr>
+          <p:nvPr>
+            <p:ph type="body" idx="1"/>
+          </p:nvPr>
+        </p:nvSpPr>
+        <p:spPr/>
+        <p:txBody>
+          <a:bodyPr/>
+          <a:lstStyle/>
+          <a:p>
+            <a:pPr algn="l"/>
+            <a:r>
+              <a:rPr lang="en-US" b="0" i="0" dirty="0">
+                <a:solidFill>
+                  <a:srgbClr val="D5D5D5"/>
+                </a:solidFill>
+                <a:effectLst/>
+                <a:latin typeface="Roboto" panose="02000000000000000000" pitchFamily="2" charset="0"/>
+              </a:rPr>
+              <a:t>Using </a:t>
+            </a:r>
+            <a:r>
+              <a:rPr lang="en-US" b="0" i="0" dirty="0" err="1">
+                <a:solidFill>
+                  <a:srgbClr val="D5D5D5"/>
+                </a:solidFill>
+                <a:effectLst/>
+                <a:latin typeface="Roboto" panose="02000000000000000000" pitchFamily="2" charset="0"/>
+              </a:rPr>
+              <a:t>TF.Keras</a:t>
+            </a:r>
+            <a:endParaRPr lang="en-US" b="0" i="0" dirty="0">
+              <a:solidFill>
+                <a:srgbClr val="D5D5D5"/>
+              </a:solidFill>
+              <a:effectLst/>
+              <a:latin typeface="Roboto" panose="02000000000000000000" pitchFamily="2" charset="0"/>
+            </a:endParaRPr>
+          </a:p>
+          <a:p>
+            <a:pPr algn="l"/>
+            <a:endParaRPr lang="en-US" b="0" i="0" dirty="0">
+              <a:solidFill>
+                <a:srgbClr val="D5D5D5"/>
+              </a:solidFill>
+              <a:effectLst/>
+              <a:latin typeface="Roboto" panose="02000000000000000000" pitchFamily="2" charset="0"/>
+            </a:endParaRPr>
+          </a:p>
+          <a:p>
+            <a:pPr algn="l"/>
+            <a:r>
+              <a:rPr lang="en-US" b="0" i="0" dirty="0">
+                <a:solidFill>
+                  <a:srgbClr val="D5D5D5"/>
+                </a:solidFill>
+                <a:effectLst/>
+                <a:latin typeface="Roboto" panose="02000000000000000000" pitchFamily="2" charset="0"/>
+              </a:rPr>
+              <a:t>Building and compiling the model.</a:t>
+            </a:r>
+          </a:p>
+          <a:p>
+            <a:pPr algn="l"/>
+            <a:endParaRPr lang="en-US" b="0" i="0" dirty="0">
+              <a:solidFill>
+                <a:srgbClr val="D5D5D5"/>
+              </a:solidFill>
+              <a:effectLst/>
+              <a:latin typeface="Roboto" panose="02000000000000000000" pitchFamily="2" charset="0"/>
+            </a:endParaRPr>
+          </a:p>
+          <a:p>
+            <a:pPr algn="l"/>
+            <a:r>
+              <a:rPr lang="en-US" b="0" i="0" dirty="0">
+                <a:solidFill>
+                  <a:srgbClr val="D5D5D5"/>
+                </a:solidFill>
+                <a:effectLst/>
+                <a:latin typeface="Roboto" panose="02000000000000000000" pitchFamily="2" charset="0"/>
+              </a:rPr>
+              <a:t>After finding this configuration, I began testing different iterations one variable at a time. What was found is that the first iteration was the optimal one, changing one thing in either direction would result in either a slower training model, or the whole model would revert to not learning even after 1000 epochs. The initial layer has seen success with 15 nodes, the kernel initializer was set to reduce the weights before starting to lower than default to reduce overfitting. The same reason we add dropout layers and a kernel </a:t>
+            </a:r>
+            <a:r>
+              <a:rPr lang="en-US" b="0" i="0" dirty="0" err="1">
+                <a:solidFill>
+                  <a:srgbClr val="D5D5D5"/>
+                </a:solidFill>
+                <a:effectLst/>
+                <a:latin typeface="Roboto" panose="02000000000000000000" pitchFamily="2" charset="0"/>
+              </a:rPr>
+              <a:t>regularizer</a:t>
+            </a:r>
+            <a:r>
+              <a:rPr lang="en-US" b="0" i="0" dirty="0">
+                <a:solidFill>
+                  <a:srgbClr val="D5D5D5"/>
+                </a:solidFill>
+                <a:effectLst/>
+                <a:latin typeface="Roboto" panose="02000000000000000000" pitchFamily="2" charset="0"/>
+              </a:rPr>
+              <a:t>, all to keep the model complex enough to work, but not learn so quickly it just memorizes the data.</a:t>
+            </a:r>
+          </a:p>
+          <a:p>
+            <a:pPr algn="l"/>
+            <a:endParaRPr lang="en-US" b="0" i="0" dirty="0">
+              <a:solidFill>
+                <a:srgbClr val="D5D5D5"/>
+              </a:solidFill>
+              <a:effectLst/>
+              <a:latin typeface="Roboto" panose="02000000000000000000" pitchFamily="2" charset="0"/>
+            </a:endParaRPr>
+          </a:p>
+          <a:p>
+            <a:pPr algn="l"/>
+            <a:r>
+              <a:rPr lang="en-US" b="0" i="0" dirty="0">
+                <a:solidFill>
+                  <a:srgbClr val="D5D5D5"/>
+                </a:solidFill>
+                <a:effectLst/>
+                <a:latin typeface="Roboto" panose="02000000000000000000" pitchFamily="2" charset="0"/>
+              </a:rPr>
+              <a:t>The </a:t>
+            </a:r>
+            <a:r>
+              <a:rPr lang="en-US" b="0" i="0" dirty="0" err="1">
+                <a:solidFill>
+                  <a:srgbClr val="D5D5D5"/>
+                </a:solidFill>
+                <a:effectLst/>
+                <a:latin typeface="Roboto" panose="02000000000000000000" pitchFamily="2" charset="0"/>
+              </a:rPr>
+              <a:t>adam</a:t>
+            </a:r>
+            <a:r>
+              <a:rPr lang="en-US" b="0" i="0" dirty="0">
+                <a:solidFill>
+                  <a:srgbClr val="D5D5D5"/>
+                </a:solidFill>
+                <a:effectLst/>
+                <a:latin typeface="Roboto" panose="02000000000000000000" pitchFamily="2" charset="0"/>
+              </a:rPr>
+              <a:t> optimizer was chosen due it's performance on the loss metric vs other optimizers. The learning rate was set low to help keep the model from converging too quickly and reverting back to not learning anything. Precision was added as a metric due to accuracy being unreliable on it's own with this model. Precision added a much needed visibility into the percentage of correct guesses of Drafted players, where as with the high number of </a:t>
+            </a:r>
+            <a:r>
+              <a:rPr lang="en-US" b="0" i="0" dirty="0" err="1">
+                <a:solidFill>
+                  <a:srgbClr val="D5D5D5"/>
+                </a:solidFill>
+                <a:effectLst/>
+                <a:latin typeface="Roboto" panose="02000000000000000000" pitchFamily="2" charset="0"/>
+              </a:rPr>
+              <a:t>nagatives</a:t>
+            </a:r>
+            <a:r>
+              <a:rPr lang="en-US" b="0" i="0" dirty="0">
+                <a:solidFill>
+                  <a:srgbClr val="D5D5D5"/>
+                </a:solidFill>
+                <a:effectLst/>
+                <a:latin typeface="Roboto" panose="02000000000000000000" pitchFamily="2" charset="0"/>
+              </a:rPr>
+              <a:t> in the dataset already, the model was achieving 80% accuracy on true/false negatives which left us blind to how the model was performing during training.</a:t>
+            </a:r>
+          </a:p>
+          <a:p>
+            <a:endParaRPr lang="en-US" dirty="0"/>
+          </a:p>
+        </p:txBody>
+      </p:sp>
+      <p:sp>
+        <p:nvSpPr>
+          <p:cNvPr id="4" name="Slide Number Placeholder 3"/>
+          <p:cNvSpPr>
+            <a:spLocks noGrp="1"/>
+          </p:cNvSpPr>
+          <p:nvPr>
+            <p:ph type="sldNum" sz="quarter" idx="5"/>
+          </p:nvPr>
+        </p:nvSpPr>
+        <p:spPr/>
+        <p:txBody>
+          <a:bodyPr/>
+          <a:lstStyle/>
+          <a:p>
+            <a:fld id="{05C1D8F7-2BDD-4C56-98AF-2E212EF349F3}" type="slidenum">
+              <a:rPr lang="en-US" smtClean="0"/>
+              <a:t>10</a:t>
+            </a:fld>
+            <a:endParaRPr lang="en-US"/>
+          </a:p>
+        </p:txBody>
+      </p:sp>
+    </p:spTree>
+    <p:extLst>
+      <p:ext uri="{BB962C8B-B14F-4D97-AF65-F5344CB8AC3E}">
+        <p14:creationId xmlns:p14="http://schemas.microsoft.com/office/powerpoint/2010/main" val="1180802638"/>
+      </p:ext>
+    </p:extLst>
+  </p:cSld>
+  <p:clrMapOvr>
+    <a:masterClrMapping/>
+  </p:clrMapOvr>
+</p:notes>
+</file>
+
+<file path=ppt/notesSlides/notesSlide6.xml><?xml version="1.0" encoding="utf-8"?>
+<p:notes xmlns:a="http://schemas.openxmlformats.org/drawingml/2006/main" xmlns:r="http://schemas.openxmlformats.org/officeDocument/2006/relationships" xmlns:p="http://schemas.openxmlformats.org/presentationml/2006/main">
+  <p:cSld>
+    <p:spTree>
+      <p:nvGrpSpPr>
+        <p:cNvPr id="1" name=""/>
+        <p:cNvGrpSpPr/>
+        <p:nvPr/>
+      </p:nvGrpSpPr>
+      <p:grpSpPr>
+        <a:xfrm>
+          <a:off x="0" y="0"/>
+          <a:ext cx="0" cy="0"/>
+          <a:chOff x="0" y="0"/>
+          <a:chExt cx="0" cy="0"/>
+        </a:xfrm>
+      </p:grpSpPr>
+      <p:sp>
+        <p:nvSpPr>
+          <p:cNvPr id="2" name="Slide Image Placeholder 1"/>
+          <p:cNvSpPr>
+            <a:spLocks noGrp="1" noRot="1" noChangeAspect="1"/>
+          </p:cNvSpPr>
+          <p:nvPr>
+            <p:ph type="sldImg"/>
+          </p:nvPr>
+        </p:nvSpPr>
+        <p:spPr/>
+      </p:sp>
+      <p:sp>
+        <p:nvSpPr>
+          <p:cNvPr id="3" name="Notes Placeholder 2"/>
+          <p:cNvSpPr>
+            <a:spLocks noGrp="1"/>
+          </p:cNvSpPr>
+          <p:nvPr>
+            <p:ph type="body" idx="1"/>
+          </p:nvPr>
+        </p:nvSpPr>
+        <p:spPr/>
+        <p:txBody>
+          <a:bodyPr/>
+          <a:lstStyle/>
+          <a:p>
+            <a:pPr algn="l"/>
+            <a:r>
+              <a:rPr lang="en-US" b="0" i="0" dirty="0">
+                <a:solidFill>
+                  <a:srgbClr val="D5D5D5"/>
+                </a:solidFill>
+                <a:effectLst/>
+                <a:latin typeface="Roboto" panose="020B0604020202020204" pitchFamily="2" charset="0"/>
+              </a:rPr>
+              <a:t>We decided after visualizing the data that separating it based on conference would be beneficial. There was much trial and error before coming to this conclusion where it became suspected that the data was just too prolific in undrafted players that the models could not predict the minority that represented drafted players. With all the stats being so close together the model would just pick that no one would be drafted.</a:t>
+            </a:r>
+          </a:p>
+          <a:p>
+            <a:pPr algn="l"/>
+            <a:r>
+              <a:rPr lang="en-US" b="0" i="0" dirty="0">
+                <a:solidFill>
+                  <a:srgbClr val="D5D5D5"/>
+                </a:solidFill>
+                <a:effectLst/>
+                <a:latin typeface="Roboto" panose="020B0604020202020204" pitchFamily="2" charset="0"/>
+              </a:rPr>
+              <a:t>To introduce parity between drafted and undrafted we take all drafted players and only take a subset of undrafted players based on conference.</a:t>
+            </a:r>
+          </a:p>
+          <a:p>
+            <a:pPr algn="l"/>
+            <a:endParaRPr lang="en-US" b="0" i="0" dirty="0">
+              <a:solidFill>
+                <a:srgbClr val="D5D5D5"/>
+              </a:solidFill>
+              <a:effectLst/>
+              <a:latin typeface="Roboto" panose="020B0604020202020204" pitchFamily="2" charset="0"/>
+            </a:endParaRPr>
+          </a:p>
+          <a:p>
+            <a:pPr algn="l"/>
+            <a:r>
+              <a:rPr lang="en-US" b="0" i="0" dirty="0">
+                <a:solidFill>
+                  <a:srgbClr val="D5D5D5"/>
+                </a:solidFill>
+                <a:effectLst/>
+                <a:latin typeface="Roboto" panose="020B0604020202020204" pitchFamily="2" charset="0"/>
+              </a:rPr>
+              <a:t>If you play around with the model, you can see this by uncommenting the second train data variable and running through the testing. I can show it here in image form</a:t>
+            </a:r>
+          </a:p>
+          <a:p>
+            <a:pPr algn="l"/>
+            <a:endParaRPr lang="en-US" b="0" i="0" dirty="0">
+              <a:solidFill>
+                <a:srgbClr val="D5D5D5"/>
+              </a:solidFill>
+              <a:effectLst/>
+              <a:latin typeface="Roboto" panose="020B0604020202020204" pitchFamily="2" charset="0"/>
+            </a:endParaRPr>
+          </a:p>
+          <a:p>
+            <a:pPr algn="l"/>
+            <a:r>
+              <a:rPr lang="en-US" b="0" i="0" dirty="0">
+                <a:solidFill>
+                  <a:srgbClr val="D5D5D5"/>
+                </a:solidFill>
+                <a:effectLst/>
+                <a:latin typeface="Roboto" panose="020B0604020202020204" pitchFamily="2" charset="0"/>
+              </a:rPr>
+              <a:t>What you see is that it very quickly converged to near 100% accuracy and near 0% loss in the first 5 epochs. However, it didn't start making good predictions on known data until around epoch 50 give or take. Skipping to the end, we can see that it never got better at prediction on known values, nor did it ever make a good prediction on an unknown value.</a:t>
+            </a:r>
+          </a:p>
+          <a:p>
+            <a:endParaRPr lang="en-US" dirty="0"/>
+          </a:p>
+          <a:p>
+            <a:endParaRPr lang="en-US" dirty="0"/>
+          </a:p>
+        </p:txBody>
+      </p:sp>
+      <p:sp>
+        <p:nvSpPr>
+          <p:cNvPr id="4" name="Slide Number Placeholder 3"/>
+          <p:cNvSpPr>
+            <a:spLocks noGrp="1"/>
+          </p:cNvSpPr>
+          <p:nvPr>
+            <p:ph type="sldNum" sz="quarter" idx="5"/>
+          </p:nvPr>
+        </p:nvSpPr>
+        <p:spPr/>
+        <p:txBody>
+          <a:bodyPr/>
+          <a:lstStyle/>
+          <a:p>
+            <a:fld id="{05C1D8F7-2BDD-4C56-98AF-2E212EF349F3}" type="slidenum">
+              <a:rPr lang="en-US" smtClean="0"/>
+              <a:t>11</a:t>
+            </a:fld>
+            <a:endParaRPr lang="en-US"/>
+          </a:p>
+        </p:txBody>
+      </p:sp>
+    </p:spTree>
+    <p:extLst>
+      <p:ext uri="{BB962C8B-B14F-4D97-AF65-F5344CB8AC3E}">
+        <p14:creationId xmlns:p14="http://schemas.microsoft.com/office/powerpoint/2010/main" val="3319548779"/>
+      </p:ext>
+    </p:extLst>
+  </p:cSld>
+  <p:clrMapOvr>
+    <a:masterClrMapping/>
+  </p:clrMapOvr>
+</p:notes>
+</file>
+
+<file path=ppt/notesSlides/notesSlide7.xml><?xml version="1.0" encoding="utf-8"?>
+<p:notes xmlns:a="http://schemas.openxmlformats.org/drawingml/2006/main" xmlns:r="http://schemas.openxmlformats.org/officeDocument/2006/relationships" xmlns:p="http://schemas.openxmlformats.org/presentationml/2006/main">
+  <p:cSld>
+    <p:spTree>
+      <p:nvGrpSpPr>
+        <p:cNvPr id="1" name=""/>
+        <p:cNvGrpSpPr/>
+        <p:nvPr/>
+      </p:nvGrpSpPr>
+      <p:grpSpPr>
+        <a:xfrm>
+          <a:off x="0" y="0"/>
+          <a:ext cx="0" cy="0"/>
+          <a:chOff x="0" y="0"/>
+          <a:chExt cx="0" cy="0"/>
+        </a:xfrm>
+      </p:grpSpPr>
+      <p:sp>
+        <p:nvSpPr>
+          <p:cNvPr id="2" name="Slide Image Placeholder 1"/>
+          <p:cNvSpPr>
+            <a:spLocks noGrp="1" noRot="1" noChangeAspect="1"/>
+          </p:cNvSpPr>
+          <p:nvPr>
+            <p:ph type="sldImg"/>
+          </p:nvPr>
+        </p:nvSpPr>
+        <p:spPr/>
+      </p:sp>
+      <p:sp>
+        <p:nvSpPr>
+          <p:cNvPr id="3" name="Notes Placeholder 2"/>
+          <p:cNvSpPr>
+            <a:spLocks noGrp="1"/>
+          </p:cNvSpPr>
+          <p:nvPr>
+            <p:ph type="body" idx="1"/>
+          </p:nvPr>
+        </p:nvSpPr>
+        <p:spPr/>
+        <p:txBody>
+          <a:bodyPr/>
+          <a:lstStyle/>
+          <a:p>
+            <a:endParaRPr lang="en-US" dirty="0"/>
+          </a:p>
+        </p:txBody>
+      </p:sp>
+      <p:sp>
+        <p:nvSpPr>
+          <p:cNvPr id="4" name="Slide Number Placeholder 3"/>
+          <p:cNvSpPr>
+            <a:spLocks noGrp="1"/>
+          </p:cNvSpPr>
+          <p:nvPr>
+            <p:ph type="sldNum" sz="quarter" idx="5"/>
+          </p:nvPr>
+        </p:nvSpPr>
+        <p:spPr/>
+        <p:txBody>
+          <a:bodyPr/>
+          <a:lstStyle/>
+          <a:p>
+            <a:fld id="{05C1D8F7-2BDD-4C56-98AF-2E212EF349F3}" type="slidenum">
+              <a:rPr lang="en-US" smtClean="0"/>
+              <a:t>15</a:t>
+            </a:fld>
+            <a:endParaRPr lang="en-US"/>
+          </a:p>
+        </p:txBody>
+      </p:sp>
+    </p:spTree>
+    <p:extLst>
+      <p:ext uri="{BB962C8B-B14F-4D97-AF65-F5344CB8AC3E}">
+        <p14:creationId xmlns:p14="http://schemas.microsoft.com/office/powerpoint/2010/main" val="812078292"/>
+      </p:ext>
+    </p:extLst>
+  </p:cSld>
+  <p:clrMapOvr>
+    <a:masterClrMapping/>
+  </p:clrMapOvr>
+</p:notes>
+</file>
+
+<file path=ppt/notesSlides/notesSlide8.xml><?xml version="1.0" encoding="utf-8"?>
+<p:notes xmlns:a="http://schemas.openxmlformats.org/drawingml/2006/main" xmlns:r="http://schemas.openxmlformats.org/officeDocument/2006/relationships" xmlns:p="http://schemas.openxmlformats.org/presentationml/2006/main">
+  <p:cSld>
+    <p:spTree>
+      <p:nvGrpSpPr>
+        <p:cNvPr id="1" name=""/>
+        <p:cNvGrpSpPr/>
+        <p:nvPr/>
+      </p:nvGrpSpPr>
+      <p:grpSpPr>
+        <a:xfrm>
+          <a:off x="0" y="0"/>
+          <a:ext cx="0" cy="0"/>
+          <a:chOff x="0" y="0"/>
+          <a:chExt cx="0" cy="0"/>
+        </a:xfrm>
+      </p:grpSpPr>
+      <p:sp>
+        <p:nvSpPr>
+          <p:cNvPr id="2" name="Slide Image Placeholder 1"/>
+          <p:cNvSpPr>
+            <a:spLocks noGrp="1" noRot="1" noChangeAspect="1"/>
+          </p:cNvSpPr>
+          <p:nvPr>
+            <p:ph type="sldImg"/>
+          </p:nvPr>
+        </p:nvSpPr>
+        <p:spPr/>
+      </p:sp>
+      <p:sp>
+        <p:nvSpPr>
+          <p:cNvPr id="3" name="Notes Placeholder 2"/>
+          <p:cNvSpPr>
+            <a:spLocks noGrp="1"/>
+          </p:cNvSpPr>
+          <p:nvPr>
+            <p:ph type="body" idx="1"/>
+          </p:nvPr>
+        </p:nvSpPr>
+        <p:spPr/>
+        <p:txBody>
+          <a:bodyPr/>
+          <a:lstStyle/>
+          <a:p>
+            <a:endParaRPr lang="en-US" dirty="0"/>
+          </a:p>
+        </p:txBody>
+      </p:sp>
+      <p:sp>
+        <p:nvSpPr>
+          <p:cNvPr id="4" name="Slide Number Placeholder 3"/>
+          <p:cNvSpPr>
+            <a:spLocks noGrp="1"/>
+          </p:cNvSpPr>
+          <p:nvPr>
+            <p:ph type="sldNum" sz="quarter" idx="5"/>
+          </p:nvPr>
+        </p:nvSpPr>
+        <p:spPr/>
+        <p:txBody>
+          <a:bodyPr/>
+          <a:lstStyle/>
+          <a:p>
+            <a:fld id="{05C1D8F7-2BDD-4C56-98AF-2E212EF349F3}" type="slidenum">
+              <a:rPr lang="en-US" smtClean="0"/>
+              <a:t>16</a:t>
+            </a:fld>
+            <a:endParaRPr lang="en-US"/>
+          </a:p>
+        </p:txBody>
+      </p:sp>
+    </p:spTree>
+    <p:extLst>
+      <p:ext uri="{BB962C8B-B14F-4D97-AF65-F5344CB8AC3E}">
+        <p14:creationId xmlns:p14="http://schemas.microsoft.com/office/powerpoint/2010/main" val="1596391325"/>
+      </p:ext>
+    </p:extLst>
+  </p:cSld>
+  <p:clrMapOvr>
+    <a:masterClrMapping/>
+  </p:clrMapOvr>
+</p:notes>
+</file>
+
 <file path=ppt/slideLayouts/slideLayout1.xml><?xml version="1.0" encoding="utf-8"?>
 <p:sldLayout xmlns:a="http://schemas.openxmlformats.org/drawingml/2006/main" xmlns:r="http://schemas.openxmlformats.org/officeDocument/2006/relationships" xmlns:p="http://schemas.openxmlformats.org/presentationml/2006/main" type="title" preserve="1">
   <p:cSld name="Title Slide">
@@ -2416,7 +3488,7 @@
           <a:p>
             <a:fld id="{3762EC29-B8C5-4C7A-B6DA-418494D5CB21}" type="datetimeFigureOut">
               <a:rPr lang="en-US" smtClean="0"/>
-              <a:t>4/13/2023</a:t>
+              <a:t>4/19/2023</a:t>
             </a:fld>
             <a:endParaRPr lang="en-US"/>
           </a:p>
@@ -2609,7 +3681,7 @@
           <a:p>
             <a:fld id="{3762EC29-B8C5-4C7A-B6DA-418494D5CB21}" type="datetimeFigureOut">
               <a:rPr lang="en-US" smtClean="0"/>
-              <a:t>4/13/2023</a:t>
+              <a:t>4/19/2023</a:t>
             </a:fld>
             <a:endParaRPr lang="en-US"/>
           </a:p>
@@ -2792,7 +3864,7 @@
           <a:p>
             <a:fld id="{3762EC29-B8C5-4C7A-B6DA-418494D5CB21}" type="datetimeFigureOut">
               <a:rPr lang="en-US" smtClean="0"/>
-              <a:t>4/13/2023</a:t>
+              <a:t>4/19/2023</a:t>
             </a:fld>
             <a:endParaRPr lang="en-US"/>
           </a:p>
@@ -3057,7 +4129,7 @@
           <a:p>
             <a:fld id="{3762EC29-B8C5-4C7A-B6DA-418494D5CB21}" type="datetimeFigureOut">
               <a:rPr lang="en-US" smtClean="0"/>
-              <a:t>4/13/2023</a:t>
+              <a:t>4/19/2023</a:t>
             </a:fld>
             <a:endParaRPr lang="en-US"/>
           </a:p>
@@ -3301,7 +4373,7 @@
           <a:p>
             <a:fld id="{3762EC29-B8C5-4C7A-B6DA-418494D5CB21}" type="datetimeFigureOut">
               <a:rPr lang="en-US" smtClean="0"/>
-              <a:t>4/13/2023</a:t>
+              <a:t>4/19/2023</a:t>
             </a:fld>
             <a:endParaRPr lang="en-US"/>
           </a:p>
@@ -3689,7 +4761,7 @@
           <a:p>
             <a:fld id="{3762EC29-B8C5-4C7A-B6DA-418494D5CB21}" type="datetimeFigureOut">
               <a:rPr lang="en-US" smtClean="0"/>
-              <a:t>4/13/2023</a:t>
+              <a:t>4/19/2023</a:t>
             </a:fld>
             <a:endParaRPr lang="en-US"/>
           </a:p>
@@ -3821,7 +4893,7 @@
           <a:p>
             <a:fld id="{3762EC29-B8C5-4C7A-B6DA-418494D5CB21}" type="datetimeFigureOut">
               <a:rPr lang="en-US" smtClean="0"/>
-              <a:t>4/13/2023</a:t>
+              <a:t>4/19/2023</a:t>
             </a:fld>
             <a:endParaRPr lang="en-US"/>
           </a:p>
@@ -3931,7 +5003,7 @@
           <a:p>
             <a:fld id="{3762EC29-B8C5-4C7A-B6DA-418494D5CB21}" type="datetimeFigureOut">
               <a:rPr lang="en-US" smtClean="0"/>
-              <a:t>4/13/2023</a:t>
+              <a:t>4/19/2023</a:t>
             </a:fld>
             <a:endParaRPr lang="en-US"/>
           </a:p>
@@ -4728,7 +5800,7 @@
             <a:fld id="{3762EC29-B8C5-4C7A-B6DA-418494D5CB21}" type="datetimeFigureOut">
               <a:rPr lang="en-US" smtClean="0"/>
               <a:pPr/>
-              <a:t>4/13/2023</a:t>
+              <a:t>4/19/2023</a:t>
             </a:fld>
             <a:endParaRPr lang="en-US"/>
           </a:p>
@@ -5215,7 +6287,7 @@
 </p:sld>
 </file>
 
-<file path=ppt/slides/slide2.xml><?xml version="1.0" encoding="utf-8"?>
+<file path=ppt/slides/slide10.xml><?xml version="1.0" encoding="utf-8"?>
 <p:sld xmlns:a="http://schemas.openxmlformats.org/drawingml/2006/main" xmlns:r="http://schemas.openxmlformats.org/officeDocument/2006/relationships" xmlns:p="http://schemas.openxmlformats.org/presentationml/2006/main">
   <p:cSld>
     <p:spTree>
@@ -5232,156 +6304,133 @@
           <a:chExt cx="0" cy="0"/>
         </a:xfrm>
       </p:grpSpPr>
-      <p:sp>
-        <p:nvSpPr>
-          <p:cNvPr id="2" name="Title 1"/>
-          <p:cNvSpPr>
-            <a:spLocks noGrp="1"/>
-          </p:cNvSpPr>
-          <p:nvPr>
-            <p:ph type="title"/>
-          </p:nvPr>
-        </p:nvSpPr>
-        <p:spPr/>
-        <p:txBody>
-          <a:bodyPr/>
-          <a:lstStyle/>
-          <a:p>
-            <a:r>
-              <a:rPr lang="en-US" dirty="0"/>
-              <a:t>Cleaning the Data</a:t>
-            </a:r>
-          </a:p>
-        </p:txBody>
-      </p:sp>
       <p:pic>
         <p:nvPicPr>
-          <p:cNvPr id="5" name="Picture Placeholder 4" descr="Basketball players raising hands together"/>
-          <p:cNvPicPr>
-            <a:picLocks noGrp="1" noChangeAspect="1"/>
-          </p:cNvPicPr>
-          <p:nvPr>
-            <p:ph type="pic" idx="1"/>
-          </p:nvPr>
-        </p:nvPicPr>
-        <p:blipFill rotWithShape="1">
-          <a:blip r:embed="rId2" cstate="print">
-            <a:extLst>
-              <a:ext uri="{28A0092B-C50C-407E-A947-70E740481C1C}">
-                <a14:useLocalDpi xmlns:a14="http://schemas.microsoft.com/office/drawing/2010/main" val="0"/>
-              </a:ext>
-            </a:extLst>
-          </a:blip>
-          <a:srcRect/>
-          <a:stretch/>
-        </p:blipFill>
-        <p:spPr/>
-      </p:pic>
-      <p:sp>
-        <p:nvSpPr>
-          <p:cNvPr id="6" name="Rounded Rectangle 5" hidden="1"/>
-          <p:cNvSpPr/>
-          <p:nvPr/>
-        </p:nvSpPr>
-        <p:spPr>
-          <a:xfrm>
-            <a:off x="12344400" y="152400"/>
-            <a:ext cx="1295400" cy="6553200"/>
-          </a:xfrm>
-          <a:prstGeom prst="roundRect">
-            <a:avLst>
-              <a:gd name="adj" fmla="val 9717"/>
-            </a:avLst>
-          </a:prstGeom>
-          <a:solidFill>
-            <a:srgbClr val="A6A6A6"/>
-          </a:solidFill>
-          <a:ln>
-            <a:noFill/>
-          </a:ln>
-        </p:spPr>
-        <p:style>
-          <a:lnRef idx="2">
-            <a:schemeClr val="accent1">
-              <a:shade val="50000"/>
-            </a:schemeClr>
-          </a:lnRef>
-          <a:fillRef idx="1">
-            <a:schemeClr val="accent1"/>
-          </a:fillRef>
-          <a:effectRef idx="0">
-            <a:schemeClr val="accent1"/>
-          </a:effectRef>
-          <a:fontRef idx="minor">
-            <a:schemeClr val="lt1"/>
-          </a:fontRef>
-        </p:style>
-        <p:txBody>
-          <a:bodyPr rot="0" spcFirstLastPara="0" vertOverflow="overflow" horzOverflow="overflow" vert="horz" wrap="square" lIns="91440" tIns="45720" rIns="91440" bIns="45720" numCol="1" spcCol="0" rtlCol="0" fromWordArt="0" anchor="t" anchorCtr="0" forceAA="0" compatLnSpc="1">
-            <a:prstTxWarp prst="textNoShape">
-              <a:avLst/>
-            </a:prstTxWarp>
-            <a:noAutofit/>
-          </a:bodyPr>
-          <a:lstStyle/>
-          <a:p>
-            <a:r>
-              <a:rPr lang="en-US" sz="1200" b="1" i="1" dirty="0">
-                <a:latin typeface="Arial" pitchFamily="34" charset="0"/>
-                <a:cs typeface="Arial" pitchFamily="34" charset="0"/>
-              </a:rPr>
-              <a:t>NOTE:</a:t>
-            </a:r>
-          </a:p>
-          <a:p>
-            <a:r>
-              <a:rPr lang="en-US" sz="1200" i="1" dirty="0">
-                <a:latin typeface="Arial" pitchFamily="34" charset="0"/>
-                <a:cs typeface="Arial" pitchFamily="34" charset="0"/>
-              </a:rPr>
-              <a:t>To change images on this slide, select a picture and delete it. Then click the Insert Picture icon</a:t>
-            </a:r>
-          </a:p>
-          <a:p>
-            <a:r>
-              <a:rPr lang="en-US" sz="1200" i="1" dirty="0">
-                <a:latin typeface="Arial" pitchFamily="34" charset="0"/>
-                <a:cs typeface="Arial" pitchFamily="34" charset="0"/>
-              </a:rPr>
-              <a:t>in the placeholder to insert your own image.</a:t>
-            </a:r>
-          </a:p>
-        </p:txBody>
-      </p:sp>
-      <p:sp>
-        <p:nvSpPr>
-          <p:cNvPr id="7" name="Text Placeholder 6">
+          <p:cNvPr id="6" name="Picture 5">
             <a:extLst>
               <a:ext uri="{FF2B5EF4-FFF2-40B4-BE49-F238E27FC236}">
-                <a16:creationId xmlns:a16="http://schemas.microsoft.com/office/drawing/2014/main" id="{1BA05E9A-2D24-1A51-FFE4-E1576CC56535}"/>
+                <a16:creationId xmlns:a16="http://schemas.microsoft.com/office/drawing/2014/main" id="{37D6ABD0-352A-9501-81BE-F8F7B7FC2512}"/>
               </a:ext>
             </a:extLst>
           </p:cNvPr>
-          <p:cNvSpPr>
-            <a:spLocks noGrp="1"/>
-          </p:cNvSpPr>
-          <p:nvPr>
-            <p:ph type="body" sz="half" idx="2"/>
-          </p:nvPr>
-        </p:nvSpPr>
-        <p:spPr/>
-        <p:txBody>
-          <a:bodyPr/>
+          <p:cNvPicPr>
+            <a:picLocks noChangeAspect="1"/>
+          </p:cNvPicPr>
+          <p:nvPr/>
+        </p:nvPicPr>
+        <p:blipFill>
+          <a:blip r:embed="rId3"/>
+          <a:stretch>
+            <a:fillRect/>
+          </a:stretch>
+        </p:blipFill>
+        <p:spPr>
+          <a:xfrm>
+            <a:off x="152400" y="381000"/>
+            <a:ext cx="6781800" cy="6248400"/>
+          </a:xfrm>
+          <a:prstGeom prst="rect">
+            <a:avLst/>
+          </a:prstGeom>
+        </p:spPr>
+        <p:style>
+          <a:lnRef idx="2">
+            <a:schemeClr val="accent6"/>
+          </a:lnRef>
+          <a:fillRef idx="1">
+            <a:schemeClr val="lt1"/>
+          </a:fillRef>
+          <a:effectRef idx="0">
+            <a:schemeClr val="accent6"/>
+          </a:effectRef>
+          <a:fontRef idx="minor">
+            <a:schemeClr val="dk1"/>
+          </a:fontRef>
+        </p:style>
+      </p:pic>
+      <p:pic>
+        <p:nvPicPr>
+          <p:cNvPr id="9" name="Picture 8">
+            <a:extLst>
+              <a:ext uri="{FF2B5EF4-FFF2-40B4-BE49-F238E27FC236}">
+                <a16:creationId xmlns:a16="http://schemas.microsoft.com/office/drawing/2014/main" id="{14A20CBC-A85F-D290-C61A-6E43E5901A3C}"/>
+              </a:ext>
+            </a:extLst>
+          </p:cNvPr>
+          <p:cNvPicPr>
+            <a:picLocks noChangeAspect="1"/>
+          </p:cNvPicPr>
+          <p:nvPr/>
+        </p:nvPicPr>
+        <p:blipFill>
+          <a:blip r:embed="rId4"/>
+          <a:stretch>
+            <a:fillRect/>
+          </a:stretch>
+        </p:blipFill>
+        <p:spPr>
+          <a:xfrm>
+            <a:off x="6858000" y="2133600"/>
+            <a:ext cx="5010849" cy="4115374"/>
+          </a:xfrm>
+          <a:prstGeom prst="rect">
+            <a:avLst/>
+          </a:prstGeom>
+        </p:spPr>
+        <p:style>
+          <a:lnRef idx="2">
+            <a:schemeClr val="accent6"/>
+          </a:lnRef>
+          <a:fillRef idx="1">
+            <a:schemeClr val="lt1"/>
+          </a:fillRef>
+          <a:effectRef idx="0">
+            <a:schemeClr val="accent6"/>
+          </a:effectRef>
+          <a:fontRef idx="minor">
+            <a:schemeClr val="dk1"/>
+          </a:fontRef>
+        </p:style>
+      </p:pic>
+      <p:sp>
+        <p:nvSpPr>
+          <p:cNvPr id="10" name="TextBox 9">
+            <a:extLst>
+              <a:ext uri="{FF2B5EF4-FFF2-40B4-BE49-F238E27FC236}">
+                <a16:creationId xmlns:a16="http://schemas.microsoft.com/office/drawing/2014/main" id="{35D355A4-BF60-BA8D-15F4-626A9ABF13A0}"/>
+              </a:ext>
+            </a:extLst>
+          </p:cNvPr>
+          <p:cNvSpPr txBox="1"/>
+          <p:nvPr/>
+        </p:nvSpPr>
+        <p:spPr>
+          <a:xfrm>
+            <a:off x="7878566" y="609026"/>
+            <a:ext cx="3657600" cy="830997"/>
+          </a:xfrm>
+          <a:prstGeom prst="rect">
+            <a:avLst/>
+          </a:prstGeom>
+          <a:noFill/>
+        </p:spPr>
+        <p:txBody>
+          <a:bodyPr wrap="square" rtlCol="0">
+            <a:spAutoFit/>
+          </a:bodyPr>
           <a:lstStyle/>
           <a:p>
-            <a:endParaRPr lang="en-US"/>
+            <a:r>
+              <a:rPr lang="en-US" sz="4800" dirty="0"/>
+              <a:t>The Robot</a:t>
+            </a:r>
           </a:p>
         </p:txBody>
       </p:sp>
     </p:spTree>
     <p:extLst>
       <p:ext uri="{BB962C8B-B14F-4D97-AF65-F5344CB8AC3E}">
-        <p14:creationId xmlns:p14="http://schemas.microsoft.com/office/powerpoint/2010/main" val="3053388791"/>
+        <p14:creationId xmlns:p14="http://schemas.microsoft.com/office/powerpoint/2010/main" val="2539962955"/>
       </p:ext>
     </p:extLst>
   </p:cSld>
@@ -5403,7 +6452,7 @@
 </p:sld>
 </file>
 
-<file path=ppt/slides/slide3.xml><?xml version="1.0" encoding="utf-8"?>
+<file path=ppt/slides/slide11.xml><?xml version="1.0" encoding="utf-8"?>
 <p:sld xmlns:a="http://schemas.openxmlformats.org/drawingml/2006/main" xmlns:r="http://schemas.openxmlformats.org/officeDocument/2006/relationships" xmlns:p="http://schemas.openxmlformats.org/presentationml/2006/main">
   <p:cSld>
     <p:spTree>
@@ -5420,385 +6469,12 @@
           <a:chExt cx="0" cy="0"/>
         </a:xfrm>
       </p:grpSpPr>
-      <p:sp>
-        <p:nvSpPr>
-          <p:cNvPr id="2" name="Title 1"/>
-          <p:cNvSpPr>
-            <a:spLocks noGrp="1"/>
-          </p:cNvSpPr>
-          <p:nvPr>
-            <p:ph type="title"/>
-          </p:nvPr>
-        </p:nvSpPr>
-        <p:spPr/>
-        <p:txBody>
-          <a:bodyPr/>
-          <a:lstStyle/>
-          <a:p>
-            <a:r>
-              <a:rPr lang="en-US" dirty="0"/>
-              <a:t>Cleaning the Data</a:t>
-            </a:r>
-          </a:p>
-        </p:txBody>
-      </p:sp>
-      <p:sp>
-        <p:nvSpPr>
-          <p:cNvPr id="6" name="Content Placeholder 2">
+      <p:pic>
+        <p:nvPicPr>
+          <p:cNvPr id="1026" name="Picture 2">
             <a:extLst>
               <a:ext uri="{FF2B5EF4-FFF2-40B4-BE49-F238E27FC236}">
-                <a16:creationId xmlns:a16="http://schemas.microsoft.com/office/drawing/2014/main" id="{88403B43-903E-3987-04B7-D921DE0CBAB5}"/>
-              </a:ext>
-            </a:extLst>
-          </p:cNvPr>
-          <p:cNvSpPr>
-            <a:spLocks noGrp="1"/>
-          </p:cNvSpPr>
-          <p:nvPr>
-            <p:ph idx="1"/>
-          </p:nvPr>
-        </p:nvSpPr>
-        <p:spPr>
-          <a:xfrm>
-            <a:off x="1066800" y="1676400"/>
-            <a:ext cx="10058400" cy="4343400"/>
-          </a:xfrm>
-        </p:spPr>
-        <p:txBody>
-          <a:bodyPr/>
-          <a:lstStyle/>
-          <a:p>
-            <a:r>
-              <a:rPr lang="en-US" sz="1600" dirty="0">
-                <a:hlinkClick r:id="rId2"/>
-              </a:rPr>
-              <a:t>Kaggle </a:t>
-            </a:r>
-            <a:r>
-              <a:rPr lang="en-US" sz="1600" dirty="0" err="1">
-                <a:hlinkClick r:id="rId2"/>
-              </a:rPr>
-              <a:t>Datasource</a:t>
-            </a:r>
-            <a:endParaRPr lang="en-US" sz="1600" dirty="0"/>
-          </a:p>
-          <a:p>
-            <a:r>
-              <a:rPr lang="en-US" sz="1600" dirty="0"/>
-              <a:t>Dropped several stats that were just provided for drafted players – a clear indicator between drafted and undrafted which would’ve led to overfitting</a:t>
-            </a:r>
-          </a:p>
-          <a:p>
-            <a:r>
-              <a:rPr lang="en-US" sz="1600" dirty="0"/>
-              <a:t>Dropped columns that had more </a:t>
-            </a:r>
-            <a:r>
-              <a:rPr lang="en-US" sz="1600"/>
-              <a:t>than 1K </a:t>
-            </a:r>
-            <a:r>
-              <a:rPr lang="en-US" sz="1600" dirty="0"/>
-              <a:t>nulls</a:t>
-            </a:r>
-          </a:p>
-          <a:p>
-            <a:r>
-              <a:rPr lang="en-US" sz="1600" dirty="0"/>
-              <a:t>Height column was in date format – transformed to total inches</a:t>
-            </a:r>
-          </a:p>
-          <a:p>
-            <a:r>
-              <a:rPr lang="en-US" sz="1600" dirty="0"/>
-              <a:t>Grouped by player ID (</a:t>
-            </a:r>
-            <a:r>
-              <a:rPr lang="en-US" sz="1600" dirty="0" err="1"/>
-              <a:t>pid</a:t>
-            </a:r>
-            <a:r>
-              <a:rPr lang="en-US" sz="1600" dirty="0"/>
-              <a:t>) unique identifier</a:t>
-            </a:r>
-            <a:endParaRPr lang="en-US" sz="1600" dirty="0">
-              <a:hlinkClick r:id="rId3"/>
-            </a:endParaRPr>
-          </a:p>
-          <a:p>
-            <a:r>
-              <a:rPr lang="en-US" sz="1600" dirty="0" err="1">
-                <a:hlinkClick r:id="rId3"/>
-              </a:rPr>
-              <a:t>Jupyter</a:t>
-            </a:r>
-            <a:r>
-              <a:rPr lang="en-US" sz="1600" dirty="0">
-                <a:hlinkClick r:id="rId3"/>
-              </a:rPr>
-              <a:t> Notebook File</a:t>
-            </a:r>
-            <a:endParaRPr lang="en-US" sz="1600" dirty="0"/>
-          </a:p>
-          <a:p>
-            <a:r>
-              <a:rPr lang="en-US" sz="1600" dirty="0"/>
-              <a:t>Prior to feeding model data:</a:t>
-            </a:r>
-          </a:p>
-          <a:p>
-            <a:pPr lvl="1"/>
-            <a:r>
-              <a:rPr lang="en-US" sz="1200" dirty="0"/>
-              <a:t>Identified and filtered to conferences that had drafted and undrafted players</a:t>
-            </a:r>
-          </a:p>
-          <a:p>
-            <a:pPr lvl="1"/>
-            <a:r>
-              <a:rPr lang="en-US" sz="1200" dirty="0"/>
-              <a:t>Filtered out players that played less than 8 games per year and averaged 7.5 mins per game.</a:t>
-            </a:r>
-          </a:p>
-        </p:txBody>
-      </p:sp>
-    </p:spTree>
-    <p:extLst>
-      <p:ext uri="{BB962C8B-B14F-4D97-AF65-F5344CB8AC3E}">
-        <p14:creationId xmlns:p14="http://schemas.microsoft.com/office/powerpoint/2010/main" val="2905083717"/>
-      </p:ext>
-    </p:extLst>
-  </p:cSld>
-  <p:clrMapOvr>
-    <a:masterClrMapping/>
-  </p:clrMapOvr>
-  <mc:AlternateContent xmlns:mc="http://schemas.openxmlformats.org/markup-compatibility/2006" xmlns:p14="http://schemas.microsoft.com/office/powerpoint/2010/main">
-    <mc:Choice Requires="p14">
-      <p:transition spd="med" p14:dur="700">
-        <p:fade/>
-      </p:transition>
-    </mc:Choice>
-    <mc:Fallback xmlns="">
-      <p:transition spd="med">
-        <p:fade/>
-      </p:transition>
-    </mc:Fallback>
-  </mc:AlternateContent>
-</p:sld>
-</file>
-
-<file path=ppt/slides/slide4.xml><?xml version="1.0" encoding="utf-8"?>
-<p:sld xmlns:a="http://schemas.openxmlformats.org/drawingml/2006/main" xmlns:r="http://schemas.openxmlformats.org/officeDocument/2006/relationships" xmlns:p="http://schemas.openxmlformats.org/presentationml/2006/main">
-  <p:cSld>
-    <p:spTree>
-      <p:nvGrpSpPr>
-        <p:cNvPr id="1" name=""/>
-        <p:cNvGrpSpPr/>
-        <p:nvPr/>
-      </p:nvGrpSpPr>
-      <p:grpSpPr>
-        <a:xfrm>
-          <a:off x="0" y="0"/>
-          <a:ext cx="0" cy="0"/>
-          <a:chOff x="0" y="0"/>
-          <a:chExt cx="0" cy="0"/>
-        </a:xfrm>
-      </p:grpSpPr>
-      <p:graphicFrame>
-        <p:nvGraphicFramePr>
-          <p:cNvPr id="10" name="Content Placeholder 9" descr="Clustered column chart showing the values of 3 series for 4 categories"/>
-          <p:cNvGraphicFramePr>
-            <a:graphicFrameLocks noGrp="1"/>
-          </p:cNvGraphicFramePr>
-          <p:nvPr>
-            <p:ph idx="1"/>
-            <p:extLst>
-              <p:ext uri="{D42A27DB-BD31-4B8C-83A1-F6EECF244321}">
-                <p14:modId xmlns:p14="http://schemas.microsoft.com/office/powerpoint/2010/main" val="2281812233"/>
-              </p:ext>
-            </p:extLst>
-          </p:nvPr>
-        </p:nvGraphicFramePr>
-        <p:xfrm>
-          <a:off x="609600" y="838200"/>
-          <a:ext cx="6172200" cy="5181600"/>
-        </p:xfrm>
-        <a:graphic>
-          <a:graphicData uri="http://schemas.openxmlformats.org/drawingml/2006/chart">
-            <c:chart xmlns:c="http://schemas.openxmlformats.org/drawingml/2006/chart" xmlns:r="http://schemas.openxmlformats.org/officeDocument/2006/relationships" r:id="rId2"/>
-          </a:graphicData>
-        </a:graphic>
-      </p:graphicFrame>
-      <p:sp>
-        <p:nvSpPr>
-          <p:cNvPr id="8" name="TextBox 7">
-            <a:extLst>
-              <a:ext uri="{FF2B5EF4-FFF2-40B4-BE49-F238E27FC236}">
-                <a16:creationId xmlns:a16="http://schemas.microsoft.com/office/drawing/2014/main" id="{07999E0F-1AB2-5ACE-0561-A35B9E61A813}"/>
-              </a:ext>
-            </a:extLst>
-          </p:cNvPr>
-          <p:cNvSpPr txBox="1"/>
-          <p:nvPr/>
-        </p:nvSpPr>
-        <p:spPr>
-          <a:xfrm>
-            <a:off x="7543800" y="1450848"/>
-            <a:ext cx="4495800" cy="4801314"/>
-          </a:xfrm>
-          <a:prstGeom prst="rect">
-            <a:avLst/>
-          </a:prstGeom>
-          <a:noFill/>
-        </p:spPr>
-        <p:txBody>
-          <a:bodyPr wrap="square" rtlCol="0">
-            <a:spAutoFit/>
-          </a:bodyPr>
-          <a:lstStyle/>
-          <a:p>
-            <a:pPr rtl="0" fontAlgn="base">
-              <a:spcBef>
-                <a:spcPts val="0"/>
-              </a:spcBef>
-              <a:spcAft>
-                <a:spcPts val="0"/>
-              </a:spcAft>
-              <a:buFont typeface="Arial" panose="020B0604020202020204" pitchFamily="34" charset="0"/>
-              <a:buChar char="•"/>
-            </a:pPr>
-            <a:r>
-              <a:rPr lang="en-US" sz="1800" b="1" i="0" u="none" strike="noStrike" dirty="0">
-                <a:effectLst/>
-                <a:latin typeface="Arial" panose="020B0604020202020204" pitchFamily="34" charset="0"/>
-              </a:rPr>
-              <a:t> Kentucky tends to have the most drafted players in the data we found. And the School with the second most drafted players was Duke which had 14 fewer players drafted than Kentucky. </a:t>
-            </a:r>
-          </a:p>
-          <a:p>
-            <a:pPr rtl="0" fontAlgn="base">
-              <a:spcBef>
-                <a:spcPts val="0"/>
-              </a:spcBef>
-              <a:spcAft>
-                <a:spcPts val="0"/>
-              </a:spcAft>
-            </a:pPr>
-            <a:endParaRPr lang="en-US" sz="1800" b="1" i="0" u="none" strike="noStrike" dirty="0">
-              <a:effectLst/>
-              <a:latin typeface="Arial" panose="020B0604020202020204" pitchFamily="34" charset="0"/>
-            </a:endParaRPr>
-          </a:p>
-          <a:p>
-            <a:pPr rtl="0" fontAlgn="base">
-              <a:spcBef>
-                <a:spcPts val="0"/>
-              </a:spcBef>
-              <a:spcAft>
-                <a:spcPts val="0"/>
-              </a:spcAft>
-              <a:buFont typeface="Arial" panose="020B0604020202020204" pitchFamily="34" charset="0"/>
-              <a:buChar char="•"/>
-            </a:pPr>
-            <a:r>
-              <a:rPr lang="en-US" sz="1800" b="1" i="0" u="none" strike="noStrike" dirty="0">
-                <a:effectLst/>
-                <a:latin typeface="Arial" panose="020B0604020202020204" pitchFamily="34" charset="0"/>
-              </a:rPr>
-              <a:t> Drafted players' heights typically are between six feet to seven feet (No surprise there). And sorry no one under five feet five inches was drafted. </a:t>
-            </a:r>
-          </a:p>
-          <a:p>
-            <a:pPr rtl="0" fontAlgn="base">
-              <a:spcBef>
-                <a:spcPts val="0"/>
-              </a:spcBef>
-              <a:spcAft>
-                <a:spcPts val="0"/>
-              </a:spcAft>
-            </a:pPr>
-            <a:endParaRPr lang="en-US" sz="1800" b="1" i="0" u="none" strike="noStrike" dirty="0">
-              <a:effectLst/>
-              <a:latin typeface="Arial" panose="020B0604020202020204" pitchFamily="34" charset="0"/>
-            </a:endParaRPr>
-          </a:p>
-          <a:p>
-            <a:pPr rtl="0" fontAlgn="base">
-              <a:spcBef>
-                <a:spcPts val="0"/>
-              </a:spcBef>
-              <a:spcAft>
-                <a:spcPts val="0"/>
-              </a:spcAft>
-              <a:buFont typeface="Arial" panose="020B0604020202020204" pitchFamily="34" charset="0"/>
-              <a:buChar char="•"/>
-            </a:pPr>
-            <a:r>
-              <a:rPr lang="en-US" sz="1800" b="1" i="0" u="none" strike="noStrike" dirty="0">
-                <a:effectLst/>
-                <a:latin typeface="Arial" panose="020B0604020202020204" pitchFamily="34" charset="0"/>
-              </a:rPr>
-              <a:t> Conferences with the schools associated as “Blue Bloods Schools” (Kentucky, Duke, North Carolina, Kansas, and UCLA) tends to have more drafted players than any other Conferences. </a:t>
-            </a:r>
-          </a:p>
-        </p:txBody>
-      </p:sp>
-      <p:sp>
-        <p:nvSpPr>
-          <p:cNvPr id="9" name="Title 7">
-            <a:extLst>
-              <a:ext uri="{FF2B5EF4-FFF2-40B4-BE49-F238E27FC236}">
-                <a16:creationId xmlns:a16="http://schemas.microsoft.com/office/drawing/2014/main" id="{61AD1C25-3ED0-14A6-05CA-F125827E6772}"/>
-              </a:ext>
-            </a:extLst>
-          </p:cNvPr>
-          <p:cNvSpPr>
-            <a:spLocks noGrp="1"/>
-          </p:cNvSpPr>
-          <p:nvPr>
-            <p:ph type="title"/>
-          </p:nvPr>
-        </p:nvSpPr>
-        <p:spPr>
-          <a:xfrm>
-            <a:off x="7772400" y="152400"/>
-            <a:ext cx="3886200" cy="1146048"/>
-          </a:xfrm>
-        </p:spPr>
-        <p:txBody>
-          <a:bodyPr>
-            <a:noAutofit/>
-          </a:bodyPr>
-          <a:lstStyle/>
-          <a:p>
-            <a:pPr rtl="0">
-              <a:spcBef>
-                <a:spcPts val="0"/>
-              </a:spcBef>
-              <a:spcAft>
-                <a:spcPts val="0"/>
-              </a:spcAft>
-            </a:pPr>
-            <a:r>
-              <a:rPr lang="en-US" sz="2400" i="0" u="none" strike="noStrike" dirty="0">
-                <a:solidFill>
-                  <a:srgbClr val="FFFFFF"/>
-                </a:solidFill>
-                <a:effectLst/>
-                <a:latin typeface="Impact" panose="020B0806030902050204" pitchFamily="34" charset="0"/>
-              </a:rPr>
-              <a:t>The possibility of being drafted using stats on School, height, and Conference.  </a:t>
-            </a:r>
-            <a:endParaRPr lang="en-US" sz="2400" dirty="0"/>
-          </a:p>
-        </p:txBody>
-      </p:sp>
-      <p:pic>
-        <p:nvPicPr>
-          <p:cNvPr id="11" name="Picture 2">
-            <a:extLst>
-              <a:ext uri="{FF2B5EF4-FFF2-40B4-BE49-F238E27FC236}">
-                <a16:creationId xmlns:a16="http://schemas.microsoft.com/office/drawing/2014/main" id="{3EDF2856-0DD7-635D-82BC-1D725F19D988}"/>
+                <a16:creationId xmlns:a16="http://schemas.microsoft.com/office/drawing/2014/main" id="{D519ED77-1A34-C74C-A1EA-21277536AE44}"/>
               </a:ext>
             </a:extLst>
           </p:cNvPr>
@@ -5822,28 +6498,727 @@
         </p:blipFill>
         <p:spPr bwMode="auto">
           <a:xfrm>
-            <a:off x="27433" y="304800"/>
-            <a:ext cx="7416873" cy="5638799"/>
+            <a:off x="67684" y="739314"/>
+            <a:ext cx="6265432" cy="2817813"/>
+          </a:xfrm>
+          <a:prstGeom prst="rect">
+            <a:avLst/>
+          </a:prstGeom>
+          <a:ln w="76200"/>
+        </p:spPr>
+        <p:style>
+          <a:lnRef idx="2">
+            <a:schemeClr val="dk1">
+              <a:shade val="50000"/>
+            </a:schemeClr>
+          </a:lnRef>
+          <a:fillRef idx="1">
+            <a:schemeClr val="dk1"/>
+          </a:fillRef>
+          <a:effectRef idx="0">
+            <a:schemeClr val="dk1"/>
+          </a:effectRef>
+          <a:fontRef idx="minor">
+            <a:schemeClr val="lt1"/>
+          </a:fontRef>
+        </p:style>
+      </p:pic>
+      <p:pic>
+        <p:nvPicPr>
+          <p:cNvPr id="1028" name="Picture 4">
+            <a:extLst>
+              <a:ext uri="{FF2B5EF4-FFF2-40B4-BE49-F238E27FC236}">
+                <a16:creationId xmlns:a16="http://schemas.microsoft.com/office/drawing/2014/main" id="{464E68DA-33EF-F961-3ACA-CBF850C8F133}"/>
+              </a:ext>
+            </a:extLst>
+          </p:cNvPr>
+          <p:cNvPicPr>
+            <a:picLocks noChangeAspect="1" noChangeArrowheads="1"/>
+          </p:cNvPicPr>
+          <p:nvPr/>
+        </p:nvPicPr>
+        <p:blipFill>
+          <a:blip r:embed="rId4">
+            <a:extLst>
+              <a:ext uri="{28A0092B-C50C-407E-A947-70E740481C1C}">
+                <a14:useLocalDpi xmlns:a14="http://schemas.microsoft.com/office/drawing/2010/main" val="0"/>
+              </a:ext>
+            </a:extLst>
+          </a:blip>
+          <a:srcRect/>
+          <a:stretch>
+            <a:fillRect/>
+          </a:stretch>
+        </p:blipFill>
+        <p:spPr bwMode="auto">
+          <a:xfrm>
+            <a:off x="5926569" y="3577180"/>
+            <a:ext cx="6265431" cy="3282825"/>
+          </a:xfrm>
+          <a:prstGeom prst="rect">
+            <a:avLst/>
+          </a:prstGeom>
+          <a:ln w="76200"/>
+        </p:spPr>
+        <p:style>
+          <a:lnRef idx="2">
+            <a:schemeClr val="dk1">
+              <a:shade val="50000"/>
+            </a:schemeClr>
+          </a:lnRef>
+          <a:fillRef idx="1">
+            <a:schemeClr val="dk1"/>
+          </a:fillRef>
+          <a:effectRef idx="0">
+            <a:schemeClr val="dk1"/>
+          </a:effectRef>
+          <a:fontRef idx="minor">
+            <a:schemeClr val="lt1"/>
+          </a:fontRef>
+        </p:style>
+      </p:pic>
+      <p:sp>
+        <p:nvSpPr>
+          <p:cNvPr id="9" name="TextBox 8">
+            <a:extLst>
+              <a:ext uri="{FF2B5EF4-FFF2-40B4-BE49-F238E27FC236}">
+                <a16:creationId xmlns:a16="http://schemas.microsoft.com/office/drawing/2014/main" id="{43704570-CB2F-128C-6762-C679AEF0965B}"/>
+              </a:ext>
+            </a:extLst>
+          </p:cNvPr>
+          <p:cNvSpPr txBox="1"/>
+          <p:nvPr/>
+        </p:nvSpPr>
+        <p:spPr>
+          <a:xfrm>
+            <a:off x="6477000" y="791463"/>
+            <a:ext cx="3429000" cy="369332"/>
           </a:xfrm>
           <a:prstGeom prst="rect">
             <a:avLst/>
           </a:prstGeom>
           <a:noFill/>
-          <a:extLst>
-            <a:ext uri="{909E8E84-426E-40DD-AFC4-6F175D3DCCD1}">
-              <a14:hiddenFill xmlns:a14="http://schemas.microsoft.com/office/drawing/2010/main">
-                <a:solidFill>
-                  <a:srgbClr val="FFFFFF"/>
-                </a:solidFill>
-              </a14:hiddenFill>
-            </a:ext>
-          </a:extLst>
-        </p:spPr>
-      </p:pic>
+        </p:spPr>
+        <p:txBody>
+          <a:bodyPr wrap="square" rtlCol="0">
+            <a:spAutoFit/>
+          </a:bodyPr>
+          <a:lstStyle/>
+          <a:p>
+            <a:r>
+              <a:rPr lang="en-US" dirty="0"/>
+              <a:t>Before Data Parity</a:t>
+            </a:r>
+          </a:p>
+        </p:txBody>
+      </p:sp>
+      <p:sp>
+        <p:nvSpPr>
+          <p:cNvPr id="10" name="TextBox 9">
+            <a:extLst>
+              <a:ext uri="{FF2B5EF4-FFF2-40B4-BE49-F238E27FC236}">
+                <a16:creationId xmlns:a16="http://schemas.microsoft.com/office/drawing/2014/main" id="{8718FC39-9820-8536-96B2-0F8A526BCE20}"/>
+              </a:ext>
+            </a:extLst>
+          </p:cNvPr>
+          <p:cNvSpPr txBox="1"/>
+          <p:nvPr/>
+        </p:nvSpPr>
+        <p:spPr>
+          <a:xfrm>
+            <a:off x="3886200" y="6031468"/>
+            <a:ext cx="3429000" cy="369332"/>
+          </a:xfrm>
+          <a:prstGeom prst="rect">
+            <a:avLst/>
+          </a:prstGeom>
+          <a:noFill/>
+        </p:spPr>
+        <p:txBody>
+          <a:bodyPr wrap="square" rtlCol="0">
+            <a:spAutoFit/>
+          </a:bodyPr>
+          <a:lstStyle/>
+          <a:p>
+            <a:r>
+              <a:rPr lang="en-US" dirty="0"/>
+              <a:t>After Data Parity</a:t>
+            </a:r>
+          </a:p>
+        </p:txBody>
+      </p:sp>
+      <p:cxnSp>
+        <p:nvCxnSpPr>
+          <p:cNvPr id="12" name="Straight Arrow Connector 11">
+            <a:extLst>
+              <a:ext uri="{FF2B5EF4-FFF2-40B4-BE49-F238E27FC236}">
+                <a16:creationId xmlns:a16="http://schemas.microsoft.com/office/drawing/2014/main" id="{6D649A2C-047F-98F8-9A36-0C8E674AF82E}"/>
+              </a:ext>
+            </a:extLst>
+          </p:cNvPr>
+          <p:cNvCxnSpPr>
+            <a:cxnSpLocks/>
+          </p:cNvCxnSpPr>
+          <p:nvPr/>
+        </p:nvCxnSpPr>
+        <p:spPr>
+          <a:xfrm>
+            <a:off x="1600200" y="2133600"/>
+            <a:ext cx="533400" cy="570707"/>
+          </a:xfrm>
+          <a:prstGeom prst="straightConnector1">
+            <a:avLst/>
+          </a:prstGeom>
+          <a:ln w="57150">
+            <a:tailEnd type="triangle"/>
+          </a:ln>
+        </p:spPr>
+        <p:style>
+          <a:lnRef idx="3">
+            <a:schemeClr val="accent2"/>
+          </a:lnRef>
+          <a:fillRef idx="0">
+            <a:schemeClr val="accent2"/>
+          </a:fillRef>
+          <a:effectRef idx="2">
+            <a:schemeClr val="accent2"/>
+          </a:effectRef>
+          <a:fontRef idx="minor">
+            <a:schemeClr val="tx1"/>
+          </a:fontRef>
+        </p:style>
+      </p:cxnSp>
+      <p:cxnSp>
+        <p:nvCxnSpPr>
+          <p:cNvPr id="16" name="Straight Arrow Connector 15">
+            <a:extLst>
+              <a:ext uri="{FF2B5EF4-FFF2-40B4-BE49-F238E27FC236}">
+                <a16:creationId xmlns:a16="http://schemas.microsoft.com/office/drawing/2014/main" id="{EE386FCA-6CBB-035E-EF7E-28DFD2AA0A80}"/>
+              </a:ext>
+            </a:extLst>
+          </p:cNvPr>
+          <p:cNvCxnSpPr>
+            <a:cxnSpLocks/>
+          </p:cNvCxnSpPr>
+          <p:nvPr/>
+        </p:nvCxnSpPr>
+        <p:spPr>
+          <a:xfrm flipV="1">
+            <a:off x="1600200" y="1668380"/>
+            <a:ext cx="685800" cy="497304"/>
+          </a:xfrm>
+          <a:prstGeom prst="straightConnector1">
+            <a:avLst/>
+          </a:prstGeom>
+          <a:ln w="57150">
+            <a:tailEnd type="triangle"/>
+          </a:ln>
+        </p:spPr>
+        <p:style>
+          <a:lnRef idx="3">
+            <a:schemeClr val="accent2"/>
+          </a:lnRef>
+          <a:fillRef idx="0">
+            <a:schemeClr val="accent2"/>
+          </a:fillRef>
+          <a:effectRef idx="2">
+            <a:schemeClr val="accent2"/>
+          </a:effectRef>
+          <a:fontRef idx="minor">
+            <a:schemeClr val="tx1"/>
+          </a:fontRef>
+        </p:style>
+      </p:cxnSp>
+      <p:cxnSp>
+        <p:nvCxnSpPr>
+          <p:cNvPr id="18" name="Straight Arrow Connector 17">
+            <a:extLst>
+              <a:ext uri="{FF2B5EF4-FFF2-40B4-BE49-F238E27FC236}">
+                <a16:creationId xmlns:a16="http://schemas.microsoft.com/office/drawing/2014/main" id="{47BEC33C-1783-5886-98A8-A07C48847E35}"/>
+              </a:ext>
+            </a:extLst>
+          </p:cNvPr>
+          <p:cNvCxnSpPr>
+            <a:cxnSpLocks/>
+          </p:cNvCxnSpPr>
+          <p:nvPr/>
+        </p:nvCxnSpPr>
+        <p:spPr>
+          <a:xfrm flipH="1" flipV="1">
+            <a:off x="3200400" y="1573339"/>
+            <a:ext cx="398552" cy="343693"/>
+          </a:xfrm>
+          <a:prstGeom prst="straightConnector1">
+            <a:avLst/>
+          </a:prstGeom>
+          <a:ln w="57150">
+            <a:tailEnd type="triangle"/>
+          </a:ln>
+        </p:spPr>
+        <p:style>
+          <a:lnRef idx="3">
+            <a:schemeClr val="accent2"/>
+          </a:lnRef>
+          <a:fillRef idx="0">
+            <a:schemeClr val="accent2"/>
+          </a:fillRef>
+          <a:effectRef idx="2">
+            <a:schemeClr val="accent2"/>
+          </a:effectRef>
+          <a:fontRef idx="minor">
+            <a:schemeClr val="tx1"/>
+          </a:fontRef>
+        </p:style>
+      </p:cxnSp>
+      <p:cxnSp>
+        <p:nvCxnSpPr>
+          <p:cNvPr id="20" name="Straight Arrow Connector 19">
+            <a:extLst>
+              <a:ext uri="{FF2B5EF4-FFF2-40B4-BE49-F238E27FC236}">
+                <a16:creationId xmlns:a16="http://schemas.microsoft.com/office/drawing/2014/main" id="{0394CBBE-E366-8109-FB2C-22E4E738556F}"/>
+              </a:ext>
+            </a:extLst>
+          </p:cNvPr>
+          <p:cNvCxnSpPr>
+            <a:cxnSpLocks/>
+          </p:cNvCxnSpPr>
+          <p:nvPr/>
+        </p:nvCxnSpPr>
+        <p:spPr>
+          <a:xfrm flipH="1">
+            <a:off x="3124200" y="1917032"/>
+            <a:ext cx="474752" cy="755190"/>
+          </a:xfrm>
+          <a:prstGeom prst="straightConnector1">
+            <a:avLst/>
+          </a:prstGeom>
+          <a:ln w="57150">
+            <a:tailEnd type="triangle"/>
+          </a:ln>
+        </p:spPr>
+        <p:style>
+          <a:lnRef idx="3">
+            <a:schemeClr val="accent2"/>
+          </a:lnRef>
+          <a:fillRef idx="0">
+            <a:schemeClr val="accent2"/>
+          </a:fillRef>
+          <a:effectRef idx="2">
+            <a:schemeClr val="accent2"/>
+          </a:effectRef>
+          <a:fontRef idx="minor">
+            <a:schemeClr val="tx1"/>
+          </a:fontRef>
+        </p:style>
+      </p:cxnSp>
+      <p:cxnSp>
+        <p:nvCxnSpPr>
+          <p:cNvPr id="23" name="Straight Arrow Connector 22">
+            <a:extLst>
+              <a:ext uri="{FF2B5EF4-FFF2-40B4-BE49-F238E27FC236}">
+                <a16:creationId xmlns:a16="http://schemas.microsoft.com/office/drawing/2014/main" id="{589EBEED-C9DA-46F5-EDBF-E4ABA6DF36C6}"/>
+              </a:ext>
+            </a:extLst>
+          </p:cNvPr>
+          <p:cNvCxnSpPr>
+            <a:cxnSpLocks/>
+          </p:cNvCxnSpPr>
+          <p:nvPr/>
+        </p:nvCxnSpPr>
+        <p:spPr>
+          <a:xfrm flipV="1">
+            <a:off x="5374105" y="1524969"/>
+            <a:ext cx="609600" cy="759687"/>
+          </a:xfrm>
+          <a:prstGeom prst="straightConnector1">
+            <a:avLst/>
+          </a:prstGeom>
+          <a:ln w="57150">
+            <a:tailEnd type="triangle"/>
+          </a:ln>
+        </p:spPr>
+        <p:style>
+          <a:lnRef idx="3">
+            <a:schemeClr val="accent2"/>
+          </a:lnRef>
+          <a:fillRef idx="0">
+            <a:schemeClr val="accent2"/>
+          </a:fillRef>
+          <a:effectRef idx="2">
+            <a:schemeClr val="accent2"/>
+          </a:effectRef>
+          <a:fontRef idx="minor">
+            <a:schemeClr val="tx1"/>
+          </a:fontRef>
+        </p:style>
+      </p:cxnSp>
+      <p:cxnSp>
+        <p:nvCxnSpPr>
+          <p:cNvPr id="26" name="Straight Arrow Connector 25">
+            <a:extLst>
+              <a:ext uri="{FF2B5EF4-FFF2-40B4-BE49-F238E27FC236}">
+                <a16:creationId xmlns:a16="http://schemas.microsoft.com/office/drawing/2014/main" id="{06BB4ECC-459B-B20E-AFEC-103FB173C41D}"/>
+              </a:ext>
+            </a:extLst>
+          </p:cNvPr>
+          <p:cNvCxnSpPr>
+            <a:cxnSpLocks/>
+          </p:cNvCxnSpPr>
+          <p:nvPr/>
+        </p:nvCxnSpPr>
+        <p:spPr>
+          <a:xfrm>
+            <a:off x="5410200" y="2257375"/>
+            <a:ext cx="381000" cy="963019"/>
+          </a:xfrm>
+          <a:prstGeom prst="straightConnector1">
+            <a:avLst/>
+          </a:prstGeom>
+          <a:ln w="57150">
+            <a:tailEnd type="triangle"/>
+          </a:ln>
+        </p:spPr>
+        <p:style>
+          <a:lnRef idx="3">
+            <a:schemeClr val="accent2"/>
+          </a:lnRef>
+          <a:fillRef idx="0">
+            <a:schemeClr val="accent2"/>
+          </a:fillRef>
+          <a:effectRef idx="2">
+            <a:schemeClr val="accent2"/>
+          </a:effectRef>
+          <a:fontRef idx="minor">
+            <a:schemeClr val="tx1"/>
+          </a:fontRef>
+        </p:style>
+      </p:cxnSp>
+      <p:cxnSp>
+        <p:nvCxnSpPr>
+          <p:cNvPr id="29" name="Straight Arrow Connector 28">
+            <a:extLst>
+              <a:ext uri="{FF2B5EF4-FFF2-40B4-BE49-F238E27FC236}">
+                <a16:creationId xmlns:a16="http://schemas.microsoft.com/office/drawing/2014/main" id="{143E4A2D-6BFF-B079-C64F-CBE35E161AE1}"/>
+              </a:ext>
+            </a:extLst>
+          </p:cNvPr>
+          <p:cNvCxnSpPr>
+            <a:cxnSpLocks/>
+          </p:cNvCxnSpPr>
+          <p:nvPr/>
+        </p:nvCxnSpPr>
+        <p:spPr>
+          <a:xfrm>
+            <a:off x="7196158" y="5292687"/>
+            <a:ext cx="723900" cy="697650"/>
+          </a:xfrm>
+          <a:prstGeom prst="straightConnector1">
+            <a:avLst/>
+          </a:prstGeom>
+          <a:ln w="57150">
+            <a:tailEnd type="triangle"/>
+          </a:ln>
+        </p:spPr>
+        <p:style>
+          <a:lnRef idx="3">
+            <a:schemeClr val="accent2"/>
+          </a:lnRef>
+          <a:fillRef idx="0">
+            <a:schemeClr val="accent2"/>
+          </a:fillRef>
+          <a:effectRef idx="2">
+            <a:schemeClr val="accent2"/>
+          </a:effectRef>
+          <a:fontRef idx="minor">
+            <a:schemeClr val="tx1"/>
+          </a:fontRef>
+        </p:style>
+      </p:cxnSp>
+      <p:cxnSp>
+        <p:nvCxnSpPr>
+          <p:cNvPr id="30" name="Straight Arrow Connector 29">
+            <a:extLst>
+              <a:ext uri="{FF2B5EF4-FFF2-40B4-BE49-F238E27FC236}">
+                <a16:creationId xmlns:a16="http://schemas.microsoft.com/office/drawing/2014/main" id="{E34FDF66-0B07-20A0-1A8E-46EF5B833423}"/>
+              </a:ext>
+            </a:extLst>
+          </p:cNvPr>
+          <p:cNvCxnSpPr>
+            <a:cxnSpLocks/>
+          </p:cNvCxnSpPr>
+          <p:nvPr/>
+        </p:nvCxnSpPr>
+        <p:spPr>
+          <a:xfrm flipH="1">
+            <a:off x="9748858" y="5023800"/>
+            <a:ext cx="477748" cy="0"/>
+          </a:xfrm>
+          <a:prstGeom prst="straightConnector1">
+            <a:avLst/>
+          </a:prstGeom>
+          <a:ln w="57150">
+            <a:tailEnd type="triangle"/>
+          </a:ln>
+        </p:spPr>
+        <p:style>
+          <a:lnRef idx="3">
+            <a:schemeClr val="accent2"/>
+          </a:lnRef>
+          <a:fillRef idx="0">
+            <a:schemeClr val="accent2"/>
+          </a:fillRef>
+          <a:effectRef idx="2">
+            <a:schemeClr val="accent2"/>
+          </a:effectRef>
+          <a:fontRef idx="minor">
+            <a:schemeClr val="tx1"/>
+          </a:fontRef>
+        </p:style>
+      </p:cxnSp>
+      <p:cxnSp>
+        <p:nvCxnSpPr>
+          <p:cNvPr id="31" name="Straight Arrow Connector 30">
+            <a:extLst>
+              <a:ext uri="{FF2B5EF4-FFF2-40B4-BE49-F238E27FC236}">
+                <a16:creationId xmlns:a16="http://schemas.microsoft.com/office/drawing/2014/main" id="{6984F86C-B7F2-3E7E-C28E-9A994533F069}"/>
+              </a:ext>
+            </a:extLst>
+          </p:cNvPr>
+          <p:cNvCxnSpPr>
+            <a:cxnSpLocks/>
+          </p:cNvCxnSpPr>
+          <p:nvPr/>
+        </p:nvCxnSpPr>
+        <p:spPr>
+          <a:xfrm flipH="1" flipV="1">
+            <a:off x="9748858" y="4313937"/>
+            <a:ext cx="477748" cy="709863"/>
+          </a:xfrm>
+          <a:prstGeom prst="straightConnector1">
+            <a:avLst/>
+          </a:prstGeom>
+          <a:ln w="57150">
+            <a:tailEnd type="triangle"/>
+          </a:ln>
+        </p:spPr>
+        <p:style>
+          <a:lnRef idx="3">
+            <a:schemeClr val="accent2"/>
+          </a:lnRef>
+          <a:fillRef idx="0">
+            <a:schemeClr val="accent2"/>
+          </a:fillRef>
+          <a:effectRef idx="2">
+            <a:schemeClr val="accent2"/>
+          </a:effectRef>
+          <a:fontRef idx="minor">
+            <a:schemeClr val="tx1"/>
+          </a:fontRef>
+        </p:style>
+      </p:cxnSp>
+      <p:cxnSp>
+        <p:nvCxnSpPr>
+          <p:cNvPr id="32" name="Straight Arrow Connector 31">
+            <a:extLst>
+              <a:ext uri="{FF2B5EF4-FFF2-40B4-BE49-F238E27FC236}">
+                <a16:creationId xmlns:a16="http://schemas.microsoft.com/office/drawing/2014/main" id="{237E70A2-2805-4266-C858-3FBB1DABA2A0}"/>
+              </a:ext>
+            </a:extLst>
+          </p:cNvPr>
+          <p:cNvCxnSpPr>
+            <a:cxnSpLocks/>
+          </p:cNvCxnSpPr>
+          <p:nvPr/>
+        </p:nvCxnSpPr>
+        <p:spPr>
+          <a:xfrm flipH="1">
+            <a:off x="9596458" y="5023800"/>
+            <a:ext cx="630148" cy="1042737"/>
+          </a:xfrm>
+          <a:prstGeom prst="straightConnector1">
+            <a:avLst/>
+          </a:prstGeom>
+          <a:ln w="57150">
+            <a:tailEnd type="triangle"/>
+          </a:ln>
+        </p:spPr>
+        <p:style>
+          <a:lnRef idx="3">
+            <a:schemeClr val="accent2"/>
+          </a:lnRef>
+          <a:fillRef idx="0">
+            <a:schemeClr val="accent2"/>
+          </a:fillRef>
+          <a:effectRef idx="2">
+            <a:schemeClr val="accent2"/>
+          </a:effectRef>
+          <a:fontRef idx="minor">
+            <a:schemeClr val="tx1"/>
+          </a:fontRef>
+        </p:style>
+      </p:cxnSp>
+      <p:cxnSp>
+        <p:nvCxnSpPr>
+          <p:cNvPr id="33" name="Straight Arrow Connector 32">
+            <a:extLst>
+              <a:ext uri="{FF2B5EF4-FFF2-40B4-BE49-F238E27FC236}">
+                <a16:creationId xmlns:a16="http://schemas.microsoft.com/office/drawing/2014/main" id="{86A71FC7-9A1F-0AC8-30F1-C2FF41B6A746}"/>
+              </a:ext>
+            </a:extLst>
+          </p:cNvPr>
+          <p:cNvCxnSpPr>
+            <a:cxnSpLocks/>
+          </p:cNvCxnSpPr>
+          <p:nvPr/>
+        </p:nvCxnSpPr>
+        <p:spPr>
+          <a:xfrm flipV="1">
+            <a:off x="11062541" y="4313937"/>
+            <a:ext cx="609600" cy="759687"/>
+          </a:xfrm>
+          <a:prstGeom prst="straightConnector1">
+            <a:avLst/>
+          </a:prstGeom>
+          <a:ln w="57150">
+            <a:tailEnd type="triangle"/>
+          </a:ln>
+        </p:spPr>
+        <p:style>
+          <a:lnRef idx="3">
+            <a:schemeClr val="accent2"/>
+          </a:lnRef>
+          <a:fillRef idx="0">
+            <a:schemeClr val="accent2"/>
+          </a:fillRef>
+          <a:effectRef idx="2">
+            <a:schemeClr val="accent2"/>
+          </a:effectRef>
+          <a:fontRef idx="minor">
+            <a:schemeClr val="tx1"/>
+          </a:fontRef>
+        </p:style>
+      </p:cxnSp>
+      <p:cxnSp>
+        <p:nvCxnSpPr>
+          <p:cNvPr id="34" name="Straight Arrow Connector 33">
+            <a:extLst>
+              <a:ext uri="{FF2B5EF4-FFF2-40B4-BE49-F238E27FC236}">
+                <a16:creationId xmlns:a16="http://schemas.microsoft.com/office/drawing/2014/main" id="{2FFFA5E2-5D84-C6A8-1E3D-0F4A265DF101}"/>
+              </a:ext>
+            </a:extLst>
+          </p:cNvPr>
+          <p:cNvCxnSpPr>
+            <a:cxnSpLocks/>
+          </p:cNvCxnSpPr>
+          <p:nvPr/>
+        </p:nvCxnSpPr>
+        <p:spPr>
+          <a:xfrm>
+            <a:off x="11049000" y="5029200"/>
+            <a:ext cx="528658" cy="884937"/>
+          </a:xfrm>
+          <a:prstGeom prst="straightConnector1">
+            <a:avLst/>
+          </a:prstGeom>
+          <a:ln w="57150">
+            <a:tailEnd type="triangle"/>
+          </a:ln>
+        </p:spPr>
+        <p:style>
+          <a:lnRef idx="3">
+            <a:schemeClr val="accent2"/>
+          </a:lnRef>
+          <a:fillRef idx="0">
+            <a:schemeClr val="accent2"/>
+          </a:fillRef>
+          <a:effectRef idx="2">
+            <a:schemeClr val="accent2"/>
+          </a:effectRef>
+          <a:fontRef idx="minor">
+            <a:schemeClr val="tx1"/>
+          </a:fontRef>
+        </p:style>
+      </p:cxnSp>
+      <p:cxnSp>
+        <p:nvCxnSpPr>
+          <p:cNvPr id="46" name="Straight Arrow Connector 45">
+            <a:extLst>
+              <a:ext uri="{FF2B5EF4-FFF2-40B4-BE49-F238E27FC236}">
+                <a16:creationId xmlns:a16="http://schemas.microsoft.com/office/drawing/2014/main" id="{05A1D62C-3664-92FD-9041-0B0B5BCB772F}"/>
+              </a:ext>
+            </a:extLst>
+          </p:cNvPr>
+          <p:cNvCxnSpPr>
+            <a:cxnSpLocks/>
+          </p:cNvCxnSpPr>
+          <p:nvPr/>
+        </p:nvCxnSpPr>
+        <p:spPr>
+          <a:xfrm flipV="1">
+            <a:off x="7196158" y="4588972"/>
+            <a:ext cx="838200" cy="703715"/>
+          </a:xfrm>
+          <a:prstGeom prst="straightConnector1">
+            <a:avLst/>
+          </a:prstGeom>
+          <a:ln w="57150">
+            <a:tailEnd type="triangle"/>
+          </a:ln>
+        </p:spPr>
+        <p:style>
+          <a:lnRef idx="3">
+            <a:schemeClr val="accent2"/>
+          </a:lnRef>
+          <a:fillRef idx="0">
+            <a:schemeClr val="accent2"/>
+          </a:fillRef>
+          <a:effectRef idx="2">
+            <a:schemeClr val="accent2"/>
+          </a:effectRef>
+          <a:fontRef idx="minor">
+            <a:schemeClr val="tx1"/>
+          </a:fontRef>
+        </p:style>
+      </p:cxnSp>
+      <p:sp>
+        <p:nvSpPr>
+          <p:cNvPr id="50" name="TextBox 49">
+            <a:extLst>
+              <a:ext uri="{FF2B5EF4-FFF2-40B4-BE49-F238E27FC236}">
+                <a16:creationId xmlns:a16="http://schemas.microsoft.com/office/drawing/2014/main" id="{A5B02FF8-CB66-0F7D-4FBB-D89BD87537BB}"/>
+              </a:ext>
+            </a:extLst>
+          </p:cNvPr>
+          <p:cNvSpPr txBox="1"/>
+          <p:nvPr/>
+        </p:nvSpPr>
+        <p:spPr>
+          <a:xfrm>
+            <a:off x="3588888" y="63793"/>
+            <a:ext cx="4640712" cy="523220"/>
+          </a:xfrm>
+          <a:prstGeom prst="rect">
+            <a:avLst/>
+          </a:prstGeom>
+          <a:noFill/>
+        </p:spPr>
+        <p:txBody>
+          <a:bodyPr wrap="square" rtlCol="0">
+            <a:spAutoFit/>
+          </a:bodyPr>
+          <a:lstStyle/>
+          <a:p>
+            <a:r>
+              <a:rPr lang="en-US" sz="2800" dirty="0"/>
+              <a:t>Why Good Data is important.</a:t>
+            </a:r>
+          </a:p>
+        </p:txBody>
+      </p:sp>
     </p:spTree>
     <p:extLst>
       <p:ext uri="{BB962C8B-B14F-4D97-AF65-F5344CB8AC3E}">
-        <p14:creationId xmlns:p14="http://schemas.microsoft.com/office/powerpoint/2010/main" val="1949577601"/>
+        <p14:creationId xmlns:p14="http://schemas.microsoft.com/office/powerpoint/2010/main" val="1006013442"/>
       </p:ext>
     </p:extLst>
   </p:cSld>
@@ -5865,7 +7240,7 @@
 </p:sld>
 </file>
 
-<file path=ppt/slides/slide5.xml><?xml version="1.0" encoding="utf-8"?>
+<file path=ppt/slides/slide12.xml><?xml version="1.0" encoding="utf-8"?>
 <p:sld xmlns:a="http://schemas.openxmlformats.org/drawingml/2006/main" xmlns:r="http://schemas.openxmlformats.org/officeDocument/2006/relationships" xmlns:p="http://schemas.openxmlformats.org/presentationml/2006/main">
   <p:cSld>
     <p:spTree>
@@ -5882,37 +7257,452 @@
           <a:chExt cx="0" cy="0"/>
         </a:xfrm>
       </p:grpSpPr>
-      <p:graphicFrame>
-        <p:nvGraphicFramePr>
-          <p:cNvPr id="10" name="Content Placeholder 9" descr="Clustered column chart showing the values of 3 series for 4 categories"/>
-          <p:cNvGraphicFramePr>
-            <a:graphicFrameLocks noGrp="1"/>
-          </p:cNvGraphicFramePr>
-          <p:nvPr>
-            <p:ph idx="1"/>
-            <p:extLst>
-              <p:ext uri="{D42A27DB-BD31-4B8C-83A1-F6EECF244321}">
-                <p14:modId xmlns:p14="http://schemas.microsoft.com/office/powerpoint/2010/main" val="1780112975"/>
-              </p:ext>
-            </p:extLst>
-          </p:nvPr>
-        </p:nvGraphicFramePr>
-        <p:xfrm>
-          <a:off x="228600" y="838200"/>
-          <a:ext cx="7086600" cy="5105400"/>
-        </p:xfrm>
-        <a:graphic>
-          <a:graphicData uri="http://schemas.openxmlformats.org/drawingml/2006/chart">
-            <c:chart xmlns:c="http://schemas.openxmlformats.org/drawingml/2006/chart" xmlns:r="http://schemas.openxmlformats.org/officeDocument/2006/relationships" r:id="rId2"/>
-          </a:graphicData>
-        </a:graphic>
-      </p:graphicFrame>
-      <p:sp>
-        <p:nvSpPr>
-          <p:cNvPr id="5" name="TextBox 4">
+      <p:pic>
+        <p:nvPicPr>
+          <p:cNvPr id="12" name="Picture 11">
             <a:extLst>
               <a:ext uri="{FF2B5EF4-FFF2-40B4-BE49-F238E27FC236}">
-                <a16:creationId xmlns:a16="http://schemas.microsoft.com/office/drawing/2014/main" id="{9B32831C-2658-1233-6C4A-5DC2FCBBDCBF}"/>
+                <a16:creationId xmlns:a16="http://schemas.microsoft.com/office/drawing/2014/main" id="{FC2BB08F-F408-1B39-2993-D0AA034B8273}"/>
+              </a:ext>
+            </a:extLst>
+          </p:cNvPr>
+          <p:cNvPicPr>
+            <a:picLocks noChangeAspect="1"/>
+          </p:cNvPicPr>
+          <p:nvPr/>
+        </p:nvPicPr>
+        <p:blipFill>
+          <a:blip r:embed="rId2"/>
+          <a:stretch>
+            <a:fillRect/>
+          </a:stretch>
+        </p:blipFill>
+        <p:spPr>
+          <a:xfrm>
+            <a:off x="314324" y="959740"/>
+            <a:ext cx="2057400" cy="594649"/>
+          </a:xfrm>
+          <a:prstGeom prst="rect">
+            <a:avLst/>
+          </a:prstGeom>
+        </p:spPr>
+        <p:style>
+          <a:lnRef idx="2">
+            <a:schemeClr val="accent6"/>
+          </a:lnRef>
+          <a:fillRef idx="1">
+            <a:schemeClr val="lt1"/>
+          </a:fillRef>
+          <a:effectRef idx="0">
+            <a:schemeClr val="accent6"/>
+          </a:effectRef>
+          <a:fontRef idx="minor">
+            <a:schemeClr val="dk1"/>
+          </a:fontRef>
+        </p:style>
+      </p:pic>
+      <p:pic>
+        <p:nvPicPr>
+          <p:cNvPr id="6" name="Picture 5">
+            <a:extLst>
+              <a:ext uri="{FF2B5EF4-FFF2-40B4-BE49-F238E27FC236}">
+                <a16:creationId xmlns:a16="http://schemas.microsoft.com/office/drawing/2014/main" id="{4C55247C-F45C-1DBC-847C-E2EA6EBC549F}"/>
+              </a:ext>
+            </a:extLst>
+          </p:cNvPr>
+          <p:cNvPicPr>
+            <a:picLocks noChangeAspect="1"/>
+          </p:cNvPicPr>
+          <p:nvPr/>
+        </p:nvPicPr>
+        <p:blipFill>
+          <a:blip r:embed="rId3"/>
+          <a:stretch>
+            <a:fillRect/>
+          </a:stretch>
+        </p:blipFill>
+        <p:spPr>
+          <a:xfrm>
+            <a:off x="228600" y="152400"/>
+            <a:ext cx="2228849" cy="457200"/>
+          </a:xfrm>
+          <a:prstGeom prst="rect">
+            <a:avLst/>
+          </a:prstGeom>
+        </p:spPr>
+        <p:style>
+          <a:lnRef idx="2">
+            <a:schemeClr val="accent6"/>
+          </a:lnRef>
+          <a:fillRef idx="1">
+            <a:schemeClr val="lt1"/>
+          </a:fillRef>
+          <a:effectRef idx="0">
+            <a:schemeClr val="accent6"/>
+          </a:effectRef>
+          <a:fontRef idx="minor">
+            <a:schemeClr val="dk1"/>
+          </a:fontRef>
+        </p:style>
+      </p:pic>
+      <p:pic>
+        <p:nvPicPr>
+          <p:cNvPr id="10" name="Picture 9">
+            <a:extLst>
+              <a:ext uri="{FF2B5EF4-FFF2-40B4-BE49-F238E27FC236}">
+                <a16:creationId xmlns:a16="http://schemas.microsoft.com/office/drawing/2014/main" id="{902F03FB-2946-F80A-136A-7EC5FF77BCE9}"/>
+              </a:ext>
+            </a:extLst>
+          </p:cNvPr>
+          <p:cNvPicPr>
+            <a:picLocks noChangeAspect="1"/>
+          </p:cNvPicPr>
+          <p:nvPr/>
+        </p:nvPicPr>
+        <p:blipFill>
+          <a:blip r:embed="rId4"/>
+          <a:stretch>
+            <a:fillRect/>
+          </a:stretch>
+        </p:blipFill>
+        <p:spPr>
+          <a:xfrm>
+            <a:off x="2209800" y="304800"/>
+            <a:ext cx="2784319" cy="1157481"/>
+          </a:xfrm>
+          <a:prstGeom prst="rect">
+            <a:avLst/>
+          </a:prstGeom>
+        </p:spPr>
+        <p:style>
+          <a:lnRef idx="2">
+            <a:schemeClr val="accent6"/>
+          </a:lnRef>
+          <a:fillRef idx="1">
+            <a:schemeClr val="lt1"/>
+          </a:fillRef>
+          <a:effectRef idx="0">
+            <a:schemeClr val="accent6"/>
+          </a:effectRef>
+          <a:fontRef idx="minor">
+            <a:schemeClr val="dk1"/>
+          </a:fontRef>
+        </p:style>
+      </p:pic>
+      <p:pic>
+        <p:nvPicPr>
+          <p:cNvPr id="14" name="Picture 13">
+            <a:extLst>
+              <a:ext uri="{FF2B5EF4-FFF2-40B4-BE49-F238E27FC236}">
+                <a16:creationId xmlns:a16="http://schemas.microsoft.com/office/drawing/2014/main" id="{1507CA86-958B-EFF8-ECBB-A3B31633DDD7}"/>
+              </a:ext>
+            </a:extLst>
+          </p:cNvPr>
+          <p:cNvPicPr>
+            <a:picLocks noChangeAspect="1"/>
+          </p:cNvPicPr>
+          <p:nvPr/>
+        </p:nvPicPr>
+        <p:blipFill>
+          <a:blip r:embed="rId5"/>
+          <a:stretch>
+            <a:fillRect/>
+          </a:stretch>
+        </p:blipFill>
+        <p:spPr>
+          <a:xfrm>
+            <a:off x="3834384" y="1860969"/>
+            <a:ext cx="7878274" cy="1038370"/>
+          </a:xfrm>
+          <a:prstGeom prst="rect">
+            <a:avLst/>
+          </a:prstGeom>
+        </p:spPr>
+        <p:style>
+          <a:lnRef idx="2">
+            <a:schemeClr val="accent6"/>
+          </a:lnRef>
+          <a:fillRef idx="1">
+            <a:schemeClr val="lt1"/>
+          </a:fillRef>
+          <a:effectRef idx="0">
+            <a:schemeClr val="accent6"/>
+          </a:effectRef>
+          <a:fontRef idx="minor">
+            <a:schemeClr val="dk1"/>
+          </a:fontRef>
+        </p:style>
+      </p:pic>
+      <p:pic>
+        <p:nvPicPr>
+          <p:cNvPr id="16" name="Picture 15">
+            <a:extLst>
+              <a:ext uri="{FF2B5EF4-FFF2-40B4-BE49-F238E27FC236}">
+                <a16:creationId xmlns:a16="http://schemas.microsoft.com/office/drawing/2014/main" id="{63DDF910-B67A-7850-01AC-83B8C0B90B3A}"/>
+              </a:ext>
+            </a:extLst>
+          </p:cNvPr>
+          <p:cNvPicPr>
+            <a:picLocks noChangeAspect="1"/>
+          </p:cNvPicPr>
+          <p:nvPr/>
+        </p:nvPicPr>
+        <p:blipFill>
+          <a:blip r:embed="rId6"/>
+          <a:stretch>
+            <a:fillRect/>
+          </a:stretch>
+        </p:blipFill>
+        <p:spPr>
+          <a:xfrm>
+            <a:off x="311449" y="2867362"/>
+            <a:ext cx="5620534" cy="600159"/>
+          </a:xfrm>
+          <a:prstGeom prst="rect">
+            <a:avLst/>
+          </a:prstGeom>
+        </p:spPr>
+        <p:style>
+          <a:lnRef idx="2">
+            <a:schemeClr val="accent6"/>
+          </a:lnRef>
+          <a:fillRef idx="1">
+            <a:schemeClr val="lt1"/>
+          </a:fillRef>
+          <a:effectRef idx="0">
+            <a:schemeClr val="accent6"/>
+          </a:effectRef>
+          <a:fontRef idx="minor">
+            <a:schemeClr val="dk1"/>
+          </a:fontRef>
+        </p:style>
+      </p:pic>
+      <p:pic>
+        <p:nvPicPr>
+          <p:cNvPr id="20" name="Picture 19">
+            <a:extLst>
+              <a:ext uri="{FF2B5EF4-FFF2-40B4-BE49-F238E27FC236}">
+                <a16:creationId xmlns:a16="http://schemas.microsoft.com/office/drawing/2014/main" id="{F0B5A0BC-7DDF-612F-ECA7-32C28DC95572}"/>
+              </a:ext>
+            </a:extLst>
+          </p:cNvPr>
+          <p:cNvPicPr>
+            <a:picLocks noChangeAspect="1"/>
+          </p:cNvPicPr>
+          <p:nvPr/>
+        </p:nvPicPr>
+        <p:blipFill>
+          <a:blip r:embed="rId7"/>
+          <a:stretch>
+            <a:fillRect/>
+          </a:stretch>
+        </p:blipFill>
+        <p:spPr>
+          <a:xfrm>
+            <a:off x="6068683" y="3450417"/>
+            <a:ext cx="3860391" cy="1686947"/>
+          </a:xfrm>
+          <a:prstGeom prst="rect">
+            <a:avLst/>
+          </a:prstGeom>
+        </p:spPr>
+        <p:style>
+          <a:lnRef idx="2">
+            <a:schemeClr val="accent6"/>
+          </a:lnRef>
+          <a:fillRef idx="1">
+            <a:schemeClr val="lt1"/>
+          </a:fillRef>
+          <a:effectRef idx="0">
+            <a:schemeClr val="accent6"/>
+          </a:effectRef>
+          <a:fontRef idx="minor">
+            <a:schemeClr val="dk1"/>
+          </a:fontRef>
+        </p:style>
+      </p:pic>
+      <p:pic>
+        <p:nvPicPr>
+          <p:cNvPr id="18" name="Picture 17">
+            <a:extLst>
+              <a:ext uri="{FF2B5EF4-FFF2-40B4-BE49-F238E27FC236}">
+                <a16:creationId xmlns:a16="http://schemas.microsoft.com/office/drawing/2014/main" id="{8D6774DC-8B82-AE43-0B75-7A362C37095E}"/>
+              </a:ext>
+            </a:extLst>
+          </p:cNvPr>
+          <p:cNvPicPr>
+            <a:picLocks noChangeAspect="1"/>
+          </p:cNvPicPr>
+          <p:nvPr/>
+        </p:nvPicPr>
+        <p:blipFill>
+          <a:blip r:embed="rId8"/>
+          <a:stretch>
+            <a:fillRect/>
+          </a:stretch>
+        </p:blipFill>
+        <p:spPr>
+          <a:xfrm>
+            <a:off x="7797945" y="3231376"/>
+            <a:ext cx="3500257" cy="271680"/>
+          </a:xfrm>
+          <a:prstGeom prst="rect">
+            <a:avLst/>
+          </a:prstGeom>
+        </p:spPr>
+        <p:style>
+          <a:lnRef idx="2">
+            <a:schemeClr val="accent6"/>
+          </a:lnRef>
+          <a:fillRef idx="1">
+            <a:schemeClr val="lt1"/>
+          </a:fillRef>
+          <a:effectRef idx="0">
+            <a:schemeClr val="accent6"/>
+          </a:effectRef>
+          <a:fontRef idx="minor">
+            <a:schemeClr val="dk1"/>
+          </a:fontRef>
+        </p:style>
+      </p:pic>
+      <p:pic>
+        <p:nvPicPr>
+          <p:cNvPr id="22" name="Picture 21">
+            <a:extLst>
+              <a:ext uri="{FF2B5EF4-FFF2-40B4-BE49-F238E27FC236}">
+                <a16:creationId xmlns:a16="http://schemas.microsoft.com/office/drawing/2014/main" id="{9210A39E-0056-45DC-689E-87A3AE50FFC6}"/>
+              </a:ext>
+            </a:extLst>
+          </p:cNvPr>
+          <p:cNvPicPr>
+            <a:picLocks noChangeAspect="1"/>
+          </p:cNvPicPr>
+          <p:nvPr/>
+        </p:nvPicPr>
+        <p:blipFill>
+          <a:blip r:embed="rId9"/>
+          <a:stretch>
+            <a:fillRect/>
+          </a:stretch>
+        </p:blipFill>
+        <p:spPr>
+          <a:xfrm>
+            <a:off x="9061993" y="4398140"/>
+            <a:ext cx="2824214" cy="739224"/>
+          </a:xfrm>
+          <a:prstGeom prst="rect">
+            <a:avLst/>
+          </a:prstGeom>
+        </p:spPr>
+        <p:style>
+          <a:lnRef idx="2">
+            <a:schemeClr val="accent6"/>
+          </a:lnRef>
+          <a:fillRef idx="1">
+            <a:schemeClr val="lt1"/>
+          </a:fillRef>
+          <a:effectRef idx="0">
+            <a:schemeClr val="accent6"/>
+          </a:effectRef>
+          <a:fontRef idx="minor">
+            <a:schemeClr val="dk1"/>
+          </a:fontRef>
+        </p:style>
+      </p:pic>
+      <p:pic>
+        <p:nvPicPr>
+          <p:cNvPr id="24" name="Picture 23">
+            <a:extLst>
+              <a:ext uri="{FF2B5EF4-FFF2-40B4-BE49-F238E27FC236}">
+                <a16:creationId xmlns:a16="http://schemas.microsoft.com/office/drawing/2014/main" id="{62D935C3-1D26-A2D5-8AE0-366680FE24BF}"/>
+              </a:ext>
+            </a:extLst>
+          </p:cNvPr>
+          <p:cNvPicPr>
+            <a:picLocks noChangeAspect="1"/>
+          </p:cNvPicPr>
+          <p:nvPr/>
+        </p:nvPicPr>
+        <p:blipFill>
+          <a:blip r:embed="rId10"/>
+          <a:stretch>
+            <a:fillRect/>
+          </a:stretch>
+        </p:blipFill>
+        <p:spPr>
+          <a:xfrm>
+            <a:off x="9716669" y="4998602"/>
+            <a:ext cx="2381943" cy="1074086"/>
+          </a:xfrm>
+          <a:prstGeom prst="rect">
+            <a:avLst/>
+          </a:prstGeom>
+        </p:spPr>
+        <p:style>
+          <a:lnRef idx="2">
+            <a:schemeClr val="accent6"/>
+          </a:lnRef>
+          <a:fillRef idx="1">
+            <a:schemeClr val="lt1"/>
+          </a:fillRef>
+          <a:effectRef idx="0">
+            <a:schemeClr val="accent6"/>
+          </a:effectRef>
+          <a:fontRef idx="minor">
+            <a:schemeClr val="dk1"/>
+          </a:fontRef>
+        </p:style>
+      </p:pic>
+      <p:pic>
+        <p:nvPicPr>
+          <p:cNvPr id="26" name="Picture 25">
+            <a:extLst>
+              <a:ext uri="{FF2B5EF4-FFF2-40B4-BE49-F238E27FC236}">
+                <a16:creationId xmlns:a16="http://schemas.microsoft.com/office/drawing/2014/main" id="{686A421D-B05B-B25F-D66B-F2DF20433802}"/>
+              </a:ext>
+            </a:extLst>
+          </p:cNvPr>
+          <p:cNvPicPr>
+            <a:picLocks noChangeAspect="1"/>
+          </p:cNvPicPr>
+          <p:nvPr/>
+        </p:nvPicPr>
+        <p:blipFill>
+          <a:blip r:embed="rId11"/>
+          <a:stretch>
+            <a:fillRect/>
+          </a:stretch>
+        </p:blipFill>
+        <p:spPr>
+          <a:xfrm>
+            <a:off x="228600" y="5362823"/>
+            <a:ext cx="7033008" cy="1369666"/>
+          </a:xfrm>
+          <a:prstGeom prst="rect">
+            <a:avLst/>
+          </a:prstGeom>
+        </p:spPr>
+        <p:style>
+          <a:lnRef idx="2">
+            <a:schemeClr val="accent6"/>
+          </a:lnRef>
+          <a:fillRef idx="1">
+            <a:schemeClr val="lt1"/>
+          </a:fillRef>
+          <a:effectRef idx="0">
+            <a:schemeClr val="accent6"/>
+          </a:effectRef>
+          <a:fontRef idx="minor">
+            <a:schemeClr val="dk1"/>
+          </a:fontRef>
+        </p:style>
+      </p:pic>
+      <p:sp>
+        <p:nvSpPr>
+          <p:cNvPr id="27" name="TextBox 26">
+            <a:extLst>
+              <a:ext uri="{FF2B5EF4-FFF2-40B4-BE49-F238E27FC236}">
+                <a16:creationId xmlns:a16="http://schemas.microsoft.com/office/drawing/2014/main" id="{1FAE99C6-F881-1C4B-6E4A-6EC8F5EBDD1D}"/>
               </a:ext>
             </a:extLst>
           </p:cNvPr>
@@ -5921,8 +7711,8 @@
         </p:nvSpPr>
         <p:spPr>
           <a:xfrm>
-            <a:off x="7620000" y="1048512"/>
-            <a:ext cx="3837432" cy="5909310"/>
+            <a:off x="6865189" y="1075225"/>
+            <a:ext cx="5334000" cy="369332"/>
           </a:xfrm>
           <a:prstGeom prst="rect">
             <a:avLst/>
@@ -5935,171 +7725,323 @@
           </a:bodyPr>
           <a:lstStyle/>
           <a:p>
-            <a:pPr rtl="0" fontAlgn="base">
-              <a:spcBef>
-                <a:spcPts val="0"/>
-              </a:spcBef>
-              <a:spcAft>
-                <a:spcPts val="0"/>
-              </a:spcAft>
-              <a:buFont typeface="Arial" panose="020B0604020202020204" pitchFamily="34" charset="0"/>
-              <a:buChar char="•"/>
-            </a:pPr>
-            <a:r>
-              <a:rPr lang="en-US" sz="1800" b="0" i="0" u="none" strike="noStrike" dirty="0">
-                <a:effectLst/>
-                <a:latin typeface="Arial" panose="020B0604020202020204" pitchFamily="34" charset="0"/>
-              </a:rPr>
-              <a:t>Although Schools and Conferences do help in determining whether a player gets drafted. Of the 640 players, the chart shows the spread across all conferences. </a:t>
-            </a:r>
-          </a:p>
-          <a:p>
-            <a:pPr rtl="0" fontAlgn="base">
-              <a:spcBef>
-                <a:spcPts val="0"/>
-              </a:spcBef>
-              <a:spcAft>
-                <a:spcPts val="0"/>
-              </a:spcAft>
-            </a:pPr>
-            <a:endParaRPr lang="en-US" sz="1800" b="0" i="0" u="none" strike="noStrike" dirty="0">
-              <a:effectLst/>
-              <a:latin typeface="Arial" panose="020B0604020202020204" pitchFamily="34" charset="0"/>
-            </a:endParaRPr>
-          </a:p>
-          <a:p>
-            <a:pPr rtl="0" fontAlgn="base">
-              <a:spcBef>
-                <a:spcPts val="0"/>
-              </a:spcBef>
-              <a:spcAft>
-                <a:spcPts val="0"/>
-              </a:spcAft>
-              <a:buFont typeface="Arial" panose="020B0604020202020204" pitchFamily="34" charset="0"/>
-              <a:buChar char="•"/>
-            </a:pPr>
-            <a:r>
-              <a:rPr lang="en-US" sz="1800" b="0" i="0" u="none" strike="noStrike" dirty="0">
-                <a:effectLst/>
-                <a:latin typeface="Arial" panose="020B0604020202020204" pitchFamily="34" charset="0"/>
-              </a:rPr>
-              <a:t>The position a player was in college did not contribute to a player being drafted.</a:t>
-            </a:r>
-          </a:p>
-          <a:p>
-            <a:pPr rtl="0" fontAlgn="base">
-              <a:spcBef>
-                <a:spcPts val="0"/>
-              </a:spcBef>
-              <a:spcAft>
-                <a:spcPts val="0"/>
-              </a:spcAft>
-              <a:buFont typeface="Arial" panose="020B0604020202020204" pitchFamily="34" charset="0"/>
-              <a:buChar char="•"/>
-            </a:pPr>
-            <a:endParaRPr lang="en-US" sz="1800" b="0" i="0" u="none" strike="noStrike" dirty="0">
-              <a:effectLst/>
-              <a:latin typeface="Arial" panose="020B0604020202020204" pitchFamily="34" charset="0"/>
-            </a:endParaRPr>
-          </a:p>
-          <a:p>
-            <a:pPr rtl="0" fontAlgn="base">
-              <a:spcBef>
-                <a:spcPts val="0"/>
-              </a:spcBef>
-              <a:spcAft>
-                <a:spcPts val="0"/>
-              </a:spcAft>
-              <a:buFont typeface="Arial" panose="020B0604020202020204" pitchFamily="34" charset="0"/>
-              <a:buChar char="•"/>
-            </a:pPr>
-            <a:r>
-              <a:rPr lang="en-US" sz="1800" b="0" i="0" u="none" strike="noStrike" dirty="0">
-                <a:effectLst/>
-                <a:latin typeface="Arial" panose="020B0604020202020204" pitchFamily="34" charset="0"/>
-              </a:rPr>
-              <a:t> The last year they played in college before being drafted did not contribute to a player being selected.</a:t>
-            </a:r>
-          </a:p>
-          <a:p>
-            <a:pPr rtl="0" fontAlgn="base">
-              <a:spcBef>
-                <a:spcPts val="0"/>
-              </a:spcBef>
-              <a:spcAft>
-                <a:spcPts val="0"/>
-              </a:spcAft>
-            </a:pPr>
-            <a:endParaRPr lang="en-US" sz="1800" b="0" i="0" u="none" strike="noStrike" dirty="0">
-              <a:effectLst/>
-              <a:latin typeface="Arial" panose="020B0604020202020204" pitchFamily="34" charset="0"/>
-            </a:endParaRPr>
-          </a:p>
-          <a:p>
-            <a:pPr rtl="0" fontAlgn="base">
-              <a:spcBef>
-                <a:spcPts val="0"/>
-              </a:spcBef>
-              <a:spcAft>
-                <a:spcPts val="0"/>
-              </a:spcAft>
-              <a:buFont typeface="Arial" panose="020B0604020202020204" pitchFamily="34" charset="0"/>
-              <a:buChar char="•"/>
-            </a:pPr>
-            <a:r>
-              <a:rPr lang="en-US" sz="1800" b="0" i="0" u="none" strike="noStrike" dirty="0">
-                <a:effectLst/>
-                <a:latin typeface="Arial" panose="020B0604020202020204" pitchFamily="34" charset="0"/>
-              </a:rPr>
-              <a:t>As for stats that most fans associate with basketball: points scored, assists, and rebounds. There </a:t>
-            </a:r>
-            <a:r>
-              <a:rPr lang="en-US" dirty="0">
-                <a:latin typeface="Arial" panose="020B0604020202020204" pitchFamily="34" charset="0"/>
-              </a:rPr>
-              <a:t>was a slight </a:t>
-            </a:r>
-            <a:r>
-              <a:rPr lang="en-US" sz="1800" b="0" i="0" u="none" strike="noStrike" dirty="0">
-                <a:effectLst/>
-                <a:latin typeface="Arial" panose="020B0604020202020204" pitchFamily="34" charset="0"/>
-              </a:rPr>
-              <a:t>difference in the average between undrafted and drafted players.  </a:t>
-            </a:r>
-          </a:p>
-        </p:txBody>
-      </p:sp>
-      <p:sp>
-        <p:nvSpPr>
-          <p:cNvPr id="6" name="Title 1">
+            <a:r>
+              <a:rPr lang="en-US" dirty="0"/>
+              <a:t>Import the dependencies again</a:t>
+            </a:r>
+          </a:p>
+        </p:txBody>
+      </p:sp>
+      <p:sp>
+        <p:nvSpPr>
+          <p:cNvPr id="28" name="TextBox 27">
             <a:extLst>
               <a:ext uri="{FF2B5EF4-FFF2-40B4-BE49-F238E27FC236}">
-                <a16:creationId xmlns:a16="http://schemas.microsoft.com/office/drawing/2014/main" id="{A8C9F0B0-14B7-BF12-1FA0-517DB545A3BF}"/>
+                <a16:creationId xmlns:a16="http://schemas.microsoft.com/office/drawing/2014/main" id="{E62D6490-0A0E-68F6-B151-1FE50DEF43D2}"/>
               </a:ext>
             </a:extLst>
           </p:cNvPr>
-          <p:cNvSpPr>
-            <a:spLocks noGrp="1"/>
-          </p:cNvSpPr>
-          <p:nvPr>
-            <p:ph type="title"/>
-          </p:nvPr>
+          <p:cNvSpPr txBox="1"/>
+          <p:nvPr/>
         </p:nvSpPr>
         <p:spPr>
           <a:xfrm>
-            <a:off x="7620000" y="-685800"/>
-            <a:ext cx="4474464" cy="1752600"/>
-          </a:xfrm>
-        </p:spPr>
-        <p:txBody>
-          <a:bodyPr>
-            <a:normAutofit/>
+            <a:off x="172959" y="1898636"/>
+            <a:ext cx="3429000" cy="646331"/>
+          </a:xfrm>
+          <a:prstGeom prst="rect">
+            <a:avLst/>
+          </a:prstGeom>
+          <a:noFill/>
+        </p:spPr>
+        <p:txBody>
+          <a:bodyPr wrap="square" rtlCol="0">
+            <a:spAutoFit/>
           </a:bodyPr>
           <a:lstStyle/>
           <a:p>
             <a:r>
-              <a:rPr lang="en-US" sz="2400" dirty="0"/>
-              <a:t>Stats that did not help to determine if a player will be drafted</a:t>
+              <a:rPr lang="en-US" dirty="0"/>
+              <a:t>Pick the test data and save the identifiers.</a:t>
+            </a:r>
+          </a:p>
+        </p:txBody>
+      </p:sp>
+      <p:sp>
+        <p:nvSpPr>
+          <p:cNvPr id="29" name="Arrow: Right 28">
+            <a:extLst>
+              <a:ext uri="{FF2B5EF4-FFF2-40B4-BE49-F238E27FC236}">
+                <a16:creationId xmlns:a16="http://schemas.microsoft.com/office/drawing/2014/main" id="{F90AEAA8-F8AA-0BA4-BAA6-C1D34850353F}"/>
+              </a:ext>
+            </a:extLst>
+          </p:cNvPr>
+          <p:cNvSpPr/>
+          <p:nvPr/>
+        </p:nvSpPr>
+        <p:spPr>
+          <a:xfrm rot="10800000">
+            <a:off x="5255985" y="1002017"/>
+            <a:ext cx="918514" cy="515748"/>
+          </a:xfrm>
+          <a:prstGeom prst="rightArrow">
+            <a:avLst/>
+          </a:prstGeom>
+          <a:ln w="57150"/>
+        </p:spPr>
+        <p:style>
+          <a:lnRef idx="1">
+            <a:schemeClr val="accent3"/>
+          </a:lnRef>
+          <a:fillRef idx="2">
+            <a:schemeClr val="accent3"/>
+          </a:fillRef>
+          <a:effectRef idx="1">
+            <a:schemeClr val="accent3"/>
+          </a:effectRef>
+          <a:fontRef idx="minor">
+            <a:schemeClr val="dk1"/>
+          </a:fontRef>
+        </p:style>
+        <p:txBody>
+          <a:bodyPr rtlCol="0" anchor="ctr"/>
+          <a:lstStyle/>
+          <a:p>
+            <a:pPr algn="ctr"/>
+            <a:endParaRPr lang="en-US"/>
+          </a:p>
+        </p:txBody>
+      </p:sp>
+      <p:sp>
+        <p:nvSpPr>
+          <p:cNvPr id="30" name="Arrow: Right 29">
+            <a:extLst>
+              <a:ext uri="{FF2B5EF4-FFF2-40B4-BE49-F238E27FC236}">
+                <a16:creationId xmlns:a16="http://schemas.microsoft.com/office/drawing/2014/main" id="{7B65B574-B9EE-5994-C455-F3DA750A5C26}"/>
+              </a:ext>
+            </a:extLst>
+          </p:cNvPr>
+          <p:cNvSpPr/>
+          <p:nvPr/>
+        </p:nvSpPr>
+        <p:spPr>
+          <a:xfrm rot="1736655">
+            <a:off x="2769219" y="2287093"/>
+            <a:ext cx="918514" cy="515748"/>
+          </a:xfrm>
+          <a:prstGeom prst="rightArrow">
+            <a:avLst/>
+          </a:prstGeom>
+          <a:ln w="57150"/>
+        </p:spPr>
+        <p:style>
+          <a:lnRef idx="1">
+            <a:schemeClr val="accent3"/>
+          </a:lnRef>
+          <a:fillRef idx="2">
+            <a:schemeClr val="accent3"/>
+          </a:fillRef>
+          <a:effectRef idx="1">
+            <a:schemeClr val="accent3"/>
+          </a:effectRef>
+          <a:fontRef idx="minor">
+            <a:schemeClr val="dk1"/>
+          </a:fontRef>
+        </p:style>
+        <p:txBody>
+          <a:bodyPr rtlCol="0" anchor="ctr"/>
+          <a:lstStyle/>
+          <a:p>
+            <a:pPr algn="ctr"/>
+            <a:endParaRPr lang="en-US"/>
+          </a:p>
+        </p:txBody>
+      </p:sp>
+      <p:sp>
+        <p:nvSpPr>
+          <p:cNvPr id="32" name="TextBox 31">
+            <a:extLst>
+              <a:ext uri="{FF2B5EF4-FFF2-40B4-BE49-F238E27FC236}">
+                <a16:creationId xmlns:a16="http://schemas.microsoft.com/office/drawing/2014/main" id="{7B13E6CE-C870-3CB3-10F8-DBF592311A02}"/>
+              </a:ext>
+            </a:extLst>
+          </p:cNvPr>
+          <p:cNvSpPr txBox="1"/>
+          <p:nvPr/>
+        </p:nvSpPr>
+        <p:spPr>
+          <a:xfrm>
+            <a:off x="1315883" y="3789916"/>
+            <a:ext cx="4143376" cy="1200329"/>
+          </a:xfrm>
+          <a:prstGeom prst="rect">
+            <a:avLst/>
+          </a:prstGeom>
+          <a:noFill/>
+        </p:spPr>
+        <p:txBody>
+          <a:bodyPr wrap="square" rtlCol="0">
+            <a:spAutoFit/>
+          </a:bodyPr>
+          <a:lstStyle/>
+          <a:p>
+            <a:r>
+              <a:rPr lang="en-US" dirty="0"/>
+              <a:t>Here we run the data through the same formatting as before, encoding categorical data, dropping bad columns and scaling.</a:t>
+            </a:r>
+          </a:p>
+        </p:txBody>
+      </p:sp>
+      <p:sp>
+        <p:nvSpPr>
+          <p:cNvPr id="33" name="Arrow: Right 32">
+            <a:extLst>
+              <a:ext uri="{FF2B5EF4-FFF2-40B4-BE49-F238E27FC236}">
+                <a16:creationId xmlns:a16="http://schemas.microsoft.com/office/drawing/2014/main" id="{72827A25-2C0D-8015-F040-AAAA4D480591}"/>
+              </a:ext>
+            </a:extLst>
+          </p:cNvPr>
+          <p:cNvSpPr/>
+          <p:nvPr/>
+        </p:nvSpPr>
+        <p:spPr>
+          <a:xfrm rot="20137666">
+            <a:off x="5015898" y="4509877"/>
+            <a:ext cx="918514" cy="515748"/>
+          </a:xfrm>
+          <a:prstGeom prst="rightArrow">
+            <a:avLst/>
+          </a:prstGeom>
+          <a:ln w="57150"/>
+        </p:spPr>
+        <p:style>
+          <a:lnRef idx="1">
+            <a:schemeClr val="accent3"/>
+          </a:lnRef>
+          <a:fillRef idx="2">
+            <a:schemeClr val="accent3"/>
+          </a:fillRef>
+          <a:effectRef idx="1">
+            <a:schemeClr val="accent3"/>
+          </a:effectRef>
+          <a:fontRef idx="minor">
+            <a:schemeClr val="dk1"/>
+          </a:fontRef>
+        </p:style>
+        <p:txBody>
+          <a:bodyPr rtlCol="0" anchor="ctr"/>
+          <a:lstStyle/>
+          <a:p>
+            <a:pPr algn="ctr"/>
+            <a:endParaRPr lang="en-US"/>
+          </a:p>
+        </p:txBody>
+      </p:sp>
+      <p:sp>
+        <p:nvSpPr>
+          <p:cNvPr id="34" name="TextBox 33">
+            <a:extLst>
+              <a:ext uri="{FF2B5EF4-FFF2-40B4-BE49-F238E27FC236}">
+                <a16:creationId xmlns:a16="http://schemas.microsoft.com/office/drawing/2014/main" id="{0436DFB3-049B-BB0E-0B4E-1DD3B18CC1FA}"/>
+              </a:ext>
+            </a:extLst>
+          </p:cNvPr>
+          <p:cNvSpPr txBox="1"/>
+          <p:nvPr/>
+        </p:nvSpPr>
+        <p:spPr>
+          <a:xfrm rot="1523763">
+            <a:off x="6108718" y="5603003"/>
+            <a:ext cx="1493495" cy="523220"/>
+          </a:xfrm>
+          <a:prstGeom prst="rect">
+            <a:avLst/>
+          </a:prstGeom>
+          <a:gradFill flip="none" rotWithShape="1">
+            <a:gsLst>
+              <a:gs pos="0">
+                <a:schemeClr val="accent2">
+                  <a:lumMod val="67000"/>
+                </a:schemeClr>
+              </a:gs>
+              <a:gs pos="48000">
+                <a:schemeClr val="accent2">
+                  <a:lumMod val="97000"/>
+                  <a:lumOff val="3000"/>
+                </a:schemeClr>
+              </a:gs>
+              <a:gs pos="100000">
+                <a:schemeClr val="accent2">
+                  <a:lumMod val="60000"/>
+                  <a:lumOff val="40000"/>
+                </a:schemeClr>
+              </a:gs>
+            </a:gsLst>
+            <a:lin ang="16200000" scaled="1"/>
+            <a:tileRect/>
+          </a:gradFill>
+          <a:ln>
+            <a:noFill/>
+          </a:ln>
+        </p:spPr>
+        <p:style>
+          <a:lnRef idx="0">
+            <a:scrgbClr r="0" g="0" b="0"/>
+          </a:lnRef>
+          <a:fillRef idx="0">
+            <a:scrgbClr r="0" g="0" b="0"/>
+          </a:fillRef>
+          <a:effectRef idx="0">
+            <a:scrgbClr r="0" g="0" b="0"/>
+          </a:effectRef>
+          <a:fontRef idx="minor">
+            <a:schemeClr val="lt1"/>
+          </a:fontRef>
+        </p:style>
+        <p:txBody>
+          <a:bodyPr wrap="square" rtlCol="0">
+            <a:spAutoFit/>
+          </a:bodyPr>
+          <a:lstStyle/>
+          <a:p>
+            <a:r>
+              <a:rPr lang="en-US" sz="2800" dirty="0"/>
+              <a:t>TESTED!</a:t>
+            </a:r>
+          </a:p>
+        </p:txBody>
+      </p:sp>
+      <p:sp>
+        <p:nvSpPr>
+          <p:cNvPr id="2" name="TextBox 1">
+            <a:extLst>
+              <a:ext uri="{FF2B5EF4-FFF2-40B4-BE49-F238E27FC236}">
+                <a16:creationId xmlns:a16="http://schemas.microsoft.com/office/drawing/2014/main" id="{7BBE2454-A641-9192-2BAD-0D4CD0D6EF45}"/>
+              </a:ext>
+            </a:extLst>
+          </p:cNvPr>
+          <p:cNvSpPr txBox="1"/>
+          <p:nvPr/>
+        </p:nvSpPr>
+        <p:spPr>
+          <a:xfrm>
+            <a:off x="5994149" y="117010"/>
+            <a:ext cx="4751541" cy="584775"/>
+          </a:xfrm>
+          <a:prstGeom prst="rect">
+            <a:avLst/>
+          </a:prstGeom>
+          <a:noFill/>
+        </p:spPr>
+        <p:txBody>
+          <a:bodyPr wrap="square" rtlCol="0">
+            <a:spAutoFit/>
+          </a:bodyPr>
+          <a:lstStyle/>
+          <a:p>
+            <a:r>
+              <a:rPr lang="en-US" sz="3200" dirty="0"/>
+              <a:t>Should we hire the robot.</a:t>
             </a:r>
           </a:p>
         </p:txBody>
@@ -6107,7 +8049,7 @@
     </p:spTree>
     <p:extLst>
       <p:ext uri="{BB962C8B-B14F-4D97-AF65-F5344CB8AC3E}">
-        <p14:creationId xmlns:p14="http://schemas.microsoft.com/office/powerpoint/2010/main" val="1382594025"/>
+        <p14:creationId xmlns:p14="http://schemas.microsoft.com/office/powerpoint/2010/main" val="2067348711"/>
       </p:ext>
     </p:extLst>
   </p:cSld>
@@ -6129,7 +8071,7 @@
 </p:sld>
 </file>
 
-<file path=ppt/slides/slide6.xml><?xml version="1.0" encoding="utf-8"?>
+<file path=ppt/slides/slide13.xml><?xml version="1.0" encoding="utf-8"?>
 <p:sld xmlns:a="http://schemas.openxmlformats.org/drawingml/2006/main" xmlns:r="http://schemas.openxmlformats.org/officeDocument/2006/relationships" xmlns:p="http://schemas.openxmlformats.org/presentationml/2006/main">
   <p:cSld>
     <p:spTree>
@@ -6146,319 +8088,217 @@
           <a:chExt cx="0" cy="0"/>
         </a:xfrm>
       </p:grpSpPr>
-      <p:sp>
-        <p:nvSpPr>
-          <p:cNvPr id="2" name="Title 1"/>
-          <p:cNvSpPr>
-            <a:spLocks noGrp="1"/>
-          </p:cNvSpPr>
-          <p:nvPr>
-            <p:ph type="title"/>
-          </p:nvPr>
-        </p:nvSpPr>
-        <p:spPr/>
-        <p:txBody>
-          <a:bodyPr/>
+      <p:pic>
+        <p:nvPicPr>
+          <p:cNvPr id="6" name="Picture 5">
+            <a:extLst>
+              <a:ext uri="{FF2B5EF4-FFF2-40B4-BE49-F238E27FC236}">
+                <a16:creationId xmlns:a16="http://schemas.microsoft.com/office/drawing/2014/main" id="{EA1C030C-61BD-0C5F-B7C2-87451584C85B}"/>
+              </a:ext>
+            </a:extLst>
+          </p:cNvPr>
+          <p:cNvPicPr>
+            <a:picLocks noChangeAspect="1"/>
+          </p:cNvPicPr>
+          <p:nvPr/>
+        </p:nvPicPr>
+        <p:blipFill>
+          <a:blip r:embed="rId2"/>
+          <a:stretch>
+            <a:fillRect/>
+          </a:stretch>
+        </p:blipFill>
+        <p:spPr>
+          <a:xfrm>
+            <a:off x="304800" y="914400"/>
+            <a:ext cx="4800600" cy="5638800"/>
+          </a:xfrm>
+          <a:prstGeom prst="rect">
+            <a:avLst/>
+          </a:prstGeom>
+        </p:spPr>
+        <p:style>
+          <a:lnRef idx="2">
+            <a:schemeClr val="accent6"/>
+          </a:lnRef>
+          <a:fillRef idx="1">
+            <a:schemeClr val="lt1"/>
+          </a:fillRef>
+          <a:effectRef idx="0">
+            <a:schemeClr val="accent6"/>
+          </a:effectRef>
+          <a:fontRef idx="minor">
+            <a:schemeClr val="dk1"/>
+          </a:fontRef>
+        </p:style>
+      </p:pic>
+      <p:sp>
+        <p:nvSpPr>
+          <p:cNvPr id="10" name="TextBox 9">
+            <a:extLst>
+              <a:ext uri="{FF2B5EF4-FFF2-40B4-BE49-F238E27FC236}">
+                <a16:creationId xmlns:a16="http://schemas.microsoft.com/office/drawing/2014/main" id="{A6236409-A9F4-6864-6C5A-87A702F8B9D0}"/>
+              </a:ext>
+            </a:extLst>
+          </p:cNvPr>
+          <p:cNvSpPr txBox="1"/>
+          <p:nvPr/>
+        </p:nvSpPr>
+        <p:spPr>
+          <a:xfrm>
+            <a:off x="7467600" y="1674674"/>
+            <a:ext cx="4573503" cy="1754326"/>
+          </a:xfrm>
+          <a:prstGeom prst="rect">
+            <a:avLst/>
+          </a:prstGeom>
+          <a:solidFill>
+            <a:schemeClr val="dk1">
+              <a:alpha val="50000"/>
+            </a:schemeClr>
+          </a:solidFill>
+          <a:ln>
+            <a:noFill/>
+          </a:ln>
+        </p:spPr>
+        <p:style>
+          <a:lnRef idx="0">
+            <a:scrgbClr r="0" g="0" b="0"/>
+          </a:lnRef>
+          <a:fillRef idx="0">
+            <a:scrgbClr r="0" g="0" b="0"/>
+          </a:fillRef>
+          <a:effectRef idx="0">
+            <a:scrgbClr r="0" g="0" b="0"/>
+          </a:effectRef>
+          <a:fontRef idx="minor">
+            <a:schemeClr val="lt1"/>
+          </a:fontRef>
+        </p:style>
+        <p:txBody>
+          <a:bodyPr wrap="square">
+            <a:spAutoFit/>
+          </a:bodyPr>
           <a:lstStyle/>
           <a:p>
             <a:r>
+              <a:rPr lang="en-US" b="0" i="0" dirty="0">
+                <a:solidFill>
+                  <a:srgbClr val="D5D5D5"/>
+                </a:solidFill>
+                <a:effectLst/>
+                <a:latin typeface="Courier New" panose="02070309020205020404" pitchFamily="49" charset="0"/>
+              </a:rPr>
+              <a:t>38/38 - 0s - loss: 0.2720 - accuracy: 0.8814 - precision: 0.7949 - 80ms/epoch - 2ms/step Loss: 0.2720300853252411, Accuracy: 0.881426215171814, Precision: 0.7948718070983887</a:t>
+            </a:r>
+            <a:endParaRPr lang="en-US" dirty="0"/>
+          </a:p>
+        </p:txBody>
+      </p:sp>
+      <p:sp>
+        <p:nvSpPr>
+          <p:cNvPr id="11" name="TextBox 10">
+            <a:extLst>
+              <a:ext uri="{FF2B5EF4-FFF2-40B4-BE49-F238E27FC236}">
+                <a16:creationId xmlns:a16="http://schemas.microsoft.com/office/drawing/2014/main" id="{1A526E48-BAAA-802A-75BF-CA2D018B3E65}"/>
+              </a:ext>
+            </a:extLst>
+          </p:cNvPr>
+          <p:cNvSpPr txBox="1"/>
+          <p:nvPr/>
+        </p:nvSpPr>
+        <p:spPr>
+          <a:xfrm>
+            <a:off x="5638800" y="3886200"/>
+            <a:ext cx="4419600" cy="2031325"/>
+          </a:xfrm>
+          <a:prstGeom prst="rect">
+            <a:avLst/>
+          </a:prstGeom>
+          <a:solidFill>
+            <a:schemeClr val="accent3">
+              <a:alpha val="50000"/>
+            </a:schemeClr>
+          </a:solidFill>
+          <a:ln>
+            <a:noFill/>
+          </a:ln>
+        </p:spPr>
+        <p:style>
+          <a:lnRef idx="0">
+            <a:scrgbClr r="0" g="0" b="0"/>
+          </a:lnRef>
+          <a:fillRef idx="0">
+            <a:scrgbClr r="0" g="0" b="0"/>
+          </a:fillRef>
+          <a:effectRef idx="0">
+            <a:scrgbClr r="0" g="0" b="0"/>
+          </a:effectRef>
+          <a:fontRef idx="minor">
+            <a:schemeClr val="lt1"/>
+          </a:fontRef>
+        </p:style>
+        <p:txBody>
+          <a:bodyPr wrap="square" rtlCol="0">
+            <a:spAutoFit/>
+          </a:bodyPr>
+          <a:lstStyle/>
+          <a:p>
+            <a:r>
               <a:rPr lang="en-US" dirty="0"/>
-              <a:t>Machine Learning</a:t>
-            </a:r>
-          </a:p>
-        </p:txBody>
-      </p:sp>
-      <p:sp>
-        <p:nvSpPr>
-          <p:cNvPr id="3" name="Content Placeholder 2"/>
-          <p:cNvSpPr>
-            <a:spLocks noGrp="1"/>
-          </p:cNvSpPr>
-          <p:nvPr>
-            <p:ph sz="half" idx="1"/>
-          </p:nvPr>
-        </p:nvSpPr>
-        <p:spPr/>
-        <p:txBody>
-          <a:bodyPr/>
+              <a:t>Confidently wrong is an understatement.</a:t>
+            </a:r>
+          </a:p>
+          <a:p>
+            <a:endParaRPr lang="en-US" dirty="0"/>
+          </a:p>
+          <a:p>
+            <a:r>
+              <a:rPr lang="en-US" dirty="0"/>
+              <a:t>The NN was able to accurately predict 18/120 drafted players. 42/60 of the predictions were false positives. This, all the while itself reporting an accuracy and precision of 80-90%</a:t>
+            </a:r>
+          </a:p>
+        </p:txBody>
+      </p:sp>
+      <p:sp>
+        <p:nvSpPr>
+          <p:cNvPr id="12" name="TextBox 11">
+            <a:extLst>
+              <a:ext uri="{FF2B5EF4-FFF2-40B4-BE49-F238E27FC236}">
+                <a16:creationId xmlns:a16="http://schemas.microsoft.com/office/drawing/2014/main" id="{77FA8F9F-46DC-D756-51E8-0180B6868C46}"/>
+              </a:ext>
+            </a:extLst>
+          </p:cNvPr>
+          <p:cNvSpPr txBox="1"/>
+          <p:nvPr/>
+        </p:nvSpPr>
+        <p:spPr>
+          <a:xfrm>
+            <a:off x="7772400" y="152400"/>
+            <a:ext cx="5486400" cy="584775"/>
+          </a:xfrm>
+          <a:prstGeom prst="rect">
+            <a:avLst/>
+          </a:prstGeom>
+          <a:noFill/>
+        </p:spPr>
+        <p:txBody>
+          <a:bodyPr wrap="square" rtlCol="0">
+            <a:spAutoFit/>
+          </a:bodyPr>
           <a:lstStyle/>
           <a:p>
             <a:r>
-              <a:rPr lang="en-US" dirty="0"/>
-              <a:t>First bullet point here</a:t>
-            </a:r>
-          </a:p>
-          <a:p>
-            <a:r>
-              <a:rPr lang="en-US" dirty="0"/>
-              <a:t>Second bullet point here</a:t>
-            </a:r>
-          </a:p>
-          <a:p>
-            <a:r>
-              <a:rPr lang="en-US" dirty="0"/>
-              <a:t>Third bullet point here</a:t>
-            </a:r>
-          </a:p>
-        </p:txBody>
-      </p:sp>
-      <p:graphicFrame>
-        <p:nvGraphicFramePr>
-          <p:cNvPr id="5" name="Content Placeholder 4"/>
-          <p:cNvGraphicFramePr>
-            <a:graphicFrameLocks noGrp="1"/>
-          </p:cNvGraphicFramePr>
-          <p:nvPr>
-            <p:ph sz="half" idx="2"/>
-            <p:extLst>
-              <p:ext uri="{D42A27DB-BD31-4B8C-83A1-F6EECF244321}">
-                <p14:modId xmlns:p14="http://schemas.microsoft.com/office/powerpoint/2010/main" val="4175791516"/>
-              </p:ext>
-            </p:extLst>
-          </p:nvPr>
-        </p:nvGraphicFramePr>
-        <p:xfrm>
-          <a:off x="6278563" y="1676400"/>
-          <a:ext cx="4846638" cy="2209800"/>
-        </p:xfrm>
-        <a:graphic>
-          <a:graphicData uri="http://schemas.openxmlformats.org/drawingml/2006/table">
-            <a:tbl>
-              <a:tblPr firstRow="1" bandRow="1">
-                <a:tableStyleId>{0E3FDE45-AF77-4B5C-9715-49D594BDF05E}</a:tableStyleId>
-              </a:tblPr>
-              <a:tblGrid>
-                <a:gridCol w="1615546">
-                  <a:extLst>
-                    <a:ext uri="{9D8B030D-6E8A-4147-A177-3AD203B41FA5}">
-                      <a16:colId xmlns:a16="http://schemas.microsoft.com/office/drawing/2014/main" val="20000"/>
-                    </a:ext>
-                  </a:extLst>
-                </a:gridCol>
-                <a:gridCol w="1615546">
-                  <a:extLst>
-                    <a:ext uri="{9D8B030D-6E8A-4147-A177-3AD203B41FA5}">
-                      <a16:colId xmlns:a16="http://schemas.microsoft.com/office/drawing/2014/main" val="20001"/>
-                    </a:ext>
-                  </a:extLst>
-                </a:gridCol>
-                <a:gridCol w="1615546">
-                  <a:extLst>
-                    <a:ext uri="{9D8B030D-6E8A-4147-A177-3AD203B41FA5}">
-                      <a16:colId xmlns:a16="http://schemas.microsoft.com/office/drawing/2014/main" val="20002"/>
-                    </a:ext>
-                  </a:extLst>
-                </a:gridCol>
-              </a:tblGrid>
-              <a:tr h="552450">
-                <a:tc>
-                  <a:txBody>
-                    <a:bodyPr/>
-                    <a:lstStyle/>
-                    <a:p>
-                      <a:pPr algn="ctr"/>
-                      <a:r>
-                        <a:rPr lang="en-US" dirty="0"/>
-                        <a:t>Class</a:t>
-                      </a:r>
-                    </a:p>
-                  </a:txBody>
-                  <a:tcPr anchor="ctr"/>
-                </a:tc>
-                <a:tc>
-                  <a:txBody>
-                    <a:bodyPr/>
-                    <a:lstStyle/>
-                    <a:p>
-                      <a:pPr algn="ctr"/>
-                      <a:r>
-                        <a:rPr lang="en-US" dirty="0"/>
-                        <a:t>Group 1</a:t>
-                      </a:r>
-                    </a:p>
-                  </a:txBody>
-                  <a:tcPr anchor="ctr"/>
-                </a:tc>
-                <a:tc>
-                  <a:txBody>
-                    <a:bodyPr/>
-                    <a:lstStyle/>
-                    <a:p>
-                      <a:pPr algn="ctr"/>
-                      <a:r>
-                        <a:rPr lang="en-US" dirty="0"/>
-                        <a:t>Group 2</a:t>
-                      </a:r>
-                    </a:p>
-                  </a:txBody>
-                  <a:tcPr anchor="ctr"/>
-                </a:tc>
-                <a:extLst>
-                  <a:ext uri="{0D108BD9-81ED-4DB2-BD59-A6C34878D82A}">
-                    <a16:rowId xmlns:a16="http://schemas.microsoft.com/office/drawing/2014/main" val="10000"/>
-                  </a:ext>
-                </a:extLst>
-              </a:tr>
-              <a:tr h="552450">
-                <a:tc>
-                  <a:txBody>
-                    <a:bodyPr/>
-                    <a:lstStyle/>
-                    <a:p>
-                      <a:pPr algn="ctr"/>
-                      <a:r>
-                        <a:rPr lang="en-US" dirty="0"/>
-                        <a:t>Class 1</a:t>
-                      </a:r>
-                    </a:p>
-                  </a:txBody>
-                  <a:tcPr anchor="ctr"/>
-                </a:tc>
-                <a:tc>
-                  <a:txBody>
-                    <a:bodyPr/>
-                    <a:lstStyle/>
-                    <a:p>
-                      <a:pPr algn="ctr"/>
-                      <a:r>
-                        <a:rPr lang="en-US" dirty="0"/>
-                        <a:t>82</a:t>
-                      </a:r>
-                    </a:p>
-                  </a:txBody>
-                  <a:tcPr anchor="ctr"/>
-                </a:tc>
-                <a:tc>
-                  <a:txBody>
-                    <a:bodyPr/>
-                    <a:lstStyle/>
-                    <a:p>
-                      <a:pPr algn="ctr"/>
-                      <a:r>
-                        <a:rPr lang="en-US" dirty="0"/>
-                        <a:t>95</a:t>
-                      </a:r>
-                    </a:p>
-                  </a:txBody>
-                  <a:tcPr anchor="ctr"/>
-                </a:tc>
-                <a:extLst>
-                  <a:ext uri="{0D108BD9-81ED-4DB2-BD59-A6C34878D82A}">
-                    <a16:rowId xmlns:a16="http://schemas.microsoft.com/office/drawing/2014/main" val="10001"/>
-                  </a:ext>
-                </a:extLst>
-              </a:tr>
-              <a:tr h="552450">
-                <a:tc>
-                  <a:txBody>
-                    <a:bodyPr/>
-                    <a:lstStyle/>
-                    <a:p>
-                      <a:pPr algn="ctr"/>
-                      <a:r>
-                        <a:rPr lang="en-US" dirty="0"/>
-                        <a:t>Class</a:t>
-                      </a:r>
-                      <a:r>
-                        <a:rPr lang="en-US" baseline="0" dirty="0"/>
-                        <a:t> 2</a:t>
-                      </a:r>
-                      <a:endParaRPr lang="en-US" dirty="0"/>
-                    </a:p>
-                  </a:txBody>
-                  <a:tcPr anchor="ctr"/>
-                </a:tc>
-                <a:tc>
-                  <a:txBody>
-                    <a:bodyPr/>
-                    <a:lstStyle/>
-                    <a:p>
-                      <a:pPr algn="ctr"/>
-                      <a:r>
-                        <a:rPr lang="en-US" dirty="0"/>
-                        <a:t>76</a:t>
-                      </a:r>
-                    </a:p>
-                  </a:txBody>
-                  <a:tcPr anchor="ctr"/>
-                </a:tc>
-                <a:tc>
-                  <a:txBody>
-                    <a:bodyPr/>
-                    <a:lstStyle/>
-                    <a:p>
-                      <a:pPr algn="ctr"/>
-                      <a:r>
-                        <a:rPr lang="en-US" dirty="0"/>
-                        <a:t>88</a:t>
-                      </a:r>
-                    </a:p>
-                  </a:txBody>
-                  <a:tcPr anchor="ctr"/>
-                </a:tc>
-                <a:extLst>
-                  <a:ext uri="{0D108BD9-81ED-4DB2-BD59-A6C34878D82A}">
-                    <a16:rowId xmlns:a16="http://schemas.microsoft.com/office/drawing/2014/main" val="10002"/>
-                  </a:ext>
-                </a:extLst>
-              </a:tr>
-              <a:tr h="552450">
-                <a:tc>
-                  <a:txBody>
-                    <a:bodyPr/>
-                    <a:lstStyle/>
-                    <a:p>
-                      <a:pPr algn="ctr"/>
-                      <a:r>
-                        <a:rPr lang="en-US" dirty="0"/>
-                        <a:t>Class 3</a:t>
-                      </a:r>
-                    </a:p>
-                  </a:txBody>
-                  <a:tcPr anchor="ctr"/>
-                </a:tc>
-                <a:tc>
-                  <a:txBody>
-                    <a:bodyPr/>
-                    <a:lstStyle/>
-                    <a:p>
-                      <a:pPr algn="ctr"/>
-                      <a:r>
-                        <a:rPr lang="en-US" dirty="0"/>
-                        <a:t>84</a:t>
-                      </a:r>
-                    </a:p>
-                  </a:txBody>
-                  <a:tcPr anchor="ctr"/>
-                </a:tc>
-                <a:tc>
-                  <a:txBody>
-                    <a:bodyPr/>
-                    <a:lstStyle/>
-                    <a:p>
-                      <a:pPr algn="ctr"/>
-                      <a:r>
-                        <a:rPr lang="en-US" dirty="0"/>
-                        <a:t>90</a:t>
-                      </a:r>
-                    </a:p>
-                  </a:txBody>
-                  <a:tcPr anchor="ctr"/>
-                </a:tc>
-                <a:extLst>
-                  <a:ext uri="{0D108BD9-81ED-4DB2-BD59-A6C34878D82A}">
-                    <a16:rowId xmlns:a16="http://schemas.microsoft.com/office/drawing/2014/main" val="10003"/>
-                  </a:ext>
-                </a:extLst>
-              </a:tr>
-            </a:tbl>
-          </a:graphicData>
-        </a:graphic>
-      </p:graphicFrame>
+              <a:rPr lang="en-US" sz="3200" dirty="0"/>
+              <a:t>No.</a:t>
+            </a:r>
+          </a:p>
+        </p:txBody>
+      </p:sp>
     </p:spTree>
     <p:extLst>
       <p:ext uri="{BB962C8B-B14F-4D97-AF65-F5344CB8AC3E}">
-        <p14:creationId xmlns:p14="http://schemas.microsoft.com/office/powerpoint/2010/main" val="2598391320"/>
+        <p14:creationId xmlns:p14="http://schemas.microsoft.com/office/powerpoint/2010/main" val="2753654941"/>
       </p:ext>
     </p:extLst>
   </p:cSld>
@@ -6480,7 +8320,7 @@
 </p:sld>
 </file>
 
-<file path=ppt/slides/slide7.xml><?xml version="1.0" encoding="utf-8"?>
+<file path=ppt/slides/slide14.xml><?xml version="1.0" encoding="utf-8"?>
 <p:sld xmlns:a="http://schemas.openxmlformats.org/drawingml/2006/main" xmlns:r="http://schemas.openxmlformats.org/officeDocument/2006/relationships" xmlns:p="http://schemas.openxmlformats.org/presentationml/2006/main">
   <p:cSld>
     <p:spTree>
@@ -6497,6 +8337,689 @@
           <a:chExt cx="0" cy="0"/>
         </a:xfrm>
       </p:grpSpPr>
+      <p:pic>
+        <p:nvPicPr>
+          <p:cNvPr id="8" name="Picture 7">
+            <a:extLst>
+              <a:ext uri="{FF2B5EF4-FFF2-40B4-BE49-F238E27FC236}">
+                <a16:creationId xmlns:a16="http://schemas.microsoft.com/office/drawing/2014/main" id="{0E74EABF-E2C1-EBB5-86CB-3DFA74B1A20E}"/>
+              </a:ext>
+            </a:extLst>
+          </p:cNvPr>
+          <p:cNvPicPr>
+            <a:picLocks noChangeAspect="1"/>
+          </p:cNvPicPr>
+          <p:nvPr/>
+        </p:nvPicPr>
+        <p:blipFill>
+          <a:blip r:embed="rId2"/>
+          <a:stretch>
+            <a:fillRect/>
+          </a:stretch>
+        </p:blipFill>
+        <p:spPr>
+          <a:xfrm>
+            <a:off x="1175406" y="1676400"/>
+            <a:ext cx="5355772" cy="914400"/>
+          </a:xfrm>
+          <a:prstGeom prst="rect">
+            <a:avLst/>
+          </a:prstGeom>
+          <a:noFill/>
+          <a:ln w="38100" cap="flat" cmpd="sng" algn="ctr">
+            <a:solidFill>
+              <a:schemeClr val="accent2"/>
+            </a:solidFill>
+            <a:prstDash val="solid"/>
+            <a:round/>
+            <a:headEnd type="none" w="med" len="med"/>
+            <a:tailEnd type="none" w="med" len="med"/>
+          </a:ln>
+        </p:spPr>
+        <p:style>
+          <a:lnRef idx="0">
+            <a:scrgbClr r="0" g="0" b="0"/>
+          </a:lnRef>
+          <a:fillRef idx="0">
+            <a:scrgbClr r="0" g="0" b="0"/>
+          </a:fillRef>
+          <a:effectRef idx="0">
+            <a:scrgbClr r="0" g="0" b="0"/>
+          </a:effectRef>
+          <a:fontRef idx="minor">
+            <a:schemeClr val="accent2"/>
+          </a:fontRef>
+        </p:style>
+      </p:pic>
+      <p:pic>
+        <p:nvPicPr>
+          <p:cNvPr id="12" name="Picture 11">
+            <a:extLst>
+              <a:ext uri="{FF2B5EF4-FFF2-40B4-BE49-F238E27FC236}">
+                <a16:creationId xmlns:a16="http://schemas.microsoft.com/office/drawing/2014/main" id="{C95A4CB7-CE65-B5EF-F35B-69A00C6837B8}"/>
+              </a:ext>
+            </a:extLst>
+          </p:cNvPr>
+          <p:cNvPicPr>
+            <a:picLocks noChangeAspect="1"/>
+          </p:cNvPicPr>
+          <p:nvPr/>
+        </p:nvPicPr>
+        <p:blipFill>
+          <a:blip r:embed="rId3"/>
+          <a:stretch>
+            <a:fillRect/>
+          </a:stretch>
+        </p:blipFill>
+        <p:spPr>
+          <a:xfrm>
+            <a:off x="139358" y="2806460"/>
+            <a:ext cx="3713934" cy="3960961"/>
+          </a:xfrm>
+          <a:prstGeom prst="rect">
+            <a:avLst/>
+          </a:prstGeom>
+          <a:noFill/>
+          <a:ln w="38100" cap="flat" cmpd="sng" algn="ctr">
+            <a:solidFill>
+              <a:schemeClr val="accent2"/>
+            </a:solidFill>
+            <a:prstDash val="solid"/>
+            <a:round/>
+            <a:headEnd type="none" w="med" len="med"/>
+            <a:tailEnd type="none" w="med" len="med"/>
+          </a:ln>
+        </p:spPr>
+        <p:style>
+          <a:lnRef idx="0">
+            <a:scrgbClr r="0" g="0" b="0"/>
+          </a:lnRef>
+          <a:fillRef idx="0">
+            <a:scrgbClr r="0" g="0" b="0"/>
+          </a:fillRef>
+          <a:effectRef idx="0">
+            <a:scrgbClr r="0" g="0" b="0"/>
+          </a:effectRef>
+          <a:fontRef idx="minor">
+            <a:schemeClr val="accent2"/>
+          </a:fontRef>
+        </p:style>
+      </p:pic>
+      <p:pic>
+        <p:nvPicPr>
+          <p:cNvPr id="14" name="Picture 13">
+            <a:extLst>
+              <a:ext uri="{FF2B5EF4-FFF2-40B4-BE49-F238E27FC236}">
+                <a16:creationId xmlns:a16="http://schemas.microsoft.com/office/drawing/2014/main" id="{9F88C9A3-5B1A-55D6-51A1-64253B1A8684}"/>
+              </a:ext>
+            </a:extLst>
+          </p:cNvPr>
+          <p:cNvPicPr>
+            <a:picLocks noChangeAspect="1"/>
+          </p:cNvPicPr>
+          <p:nvPr/>
+        </p:nvPicPr>
+        <p:blipFill>
+          <a:blip r:embed="rId4"/>
+          <a:stretch>
+            <a:fillRect/>
+          </a:stretch>
+        </p:blipFill>
+        <p:spPr>
+          <a:xfrm>
+            <a:off x="3981757" y="2819400"/>
+            <a:ext cx="7944261" cy="3960962"/>
+          </a:xfrm>
+          <a:prstGeom prst="rect">
+            <a:avLst/>
+          </a:prstGeom>
+          <a:noFill/>
+          <a:ln w="38100" cap="flat" cmpd="sng" algn="ctr">
+            <a:solidFill>
+              <a:schemeClr val="accent2"/>
+            </a:solidFill>
+            <a:prstDash val="solid"/>
+            <a:round/>
+            <a:headEnd type="none" w="med" len="med"/>
+            <a:tailEnd type="none" w="med" len="med"/>
+          </a:ln>
+        </p:spPr>
+        <p:style>
+          <a:lnRef idx="0">
+            <a:scrgbClr r="0" g="0" b="0"/>
+          </a:lnRef>
+          <a:fillRef idx="0">
+            <a:scrgbClr r="0" g="0" b="0"/>
+          </a:fillRef>
+          <a:effectRef idx="0">
+            <a:scrgbClr r="0" g="0" b="0"/>
+          </a:effectRef>
+          <a:fontRef idx="minor">
+            <a:schemeClr val="accent2"/>
+          </a:fontRef>
+        </p:style>
+      </p:pic>
+      <p:pic>
+        <p:nvPicPr>
+          <p:cNvPr id="10" name="Picture 9">
+            <a:extLst>
+              <a:ext uri="{FF2B5EF4-FFF2-40B4-BE49-F238E27FC236}">
+                <a16:creationId xmlns:a16="http://schemas.microsoft.com/office/drawing/2014/main" id="{F4D4DBAD-5BC4-CC88-5D21-5DF372E21BC0}"/>
+              </a:ext>
+            </a:extLst>
+          </p:cNvPr>
+          <p:cNvPicPr>
+            <a:picLocks noChangeAspect="1"/>
+          </p:cNvPicPr>
+          <p:nvPr/>
+        </p:nvPicPr>
+        <p:blipFill>
+          <a:blip r:embed="rId5"/>
+          <a:stretch>
+            <a:fillRect/>
+          </a:stretch>
+        </p:blipFill>
+        <p:spPr>
+          <a:xfrm>
+            <a:off x="7953887" y="685800"/>
+            <a:ext cx="3774453" cy="2546187"/>
+          </a:xfrm>
+          <a:prstGeom prst="rect">
+            <a:avLst/>
+          </a:prstGeom>
+          <a:noFill/>
+          <a:ln w="38100" cap="flat" cmpd="sng" algn="ctr">
+            <a:solidFill>
+              <a:schemeClr val="accent2"/>
+            </a:solidFill>
+            <a:prstDash val="solid"/>
+            <a:round/>
+            <a:headEnd type="none" w="med" len="med"/>
+            <a:tailEnd type="none" w="med" len="med"/>
+          </a:ln>
+        </p:spPr>
+        <p:style>
+          <a:lnRef idx="0">
+            <a:scrgbClr r="0" g="0" b="0"/>
+          </a:lnRef>
+          <a:fillRef idx="0">
+            <a:scrgbClr r="0" g="0" b="0"/>
+          </a:fillRef>
+          <a:effectRef idx="0">
+            <a:scrgbClr r="0" g="0" b="0"/>
+          </a:effectRef>
+          <a:fontRef idx="minor">
+            <a:schemeClr val="accent2"/>
+          </a:fontRef>
+        </p:style>
+      </p:pic>
+      <p:sp>
+        <p:nvSpPr>
+          <p:cNvPr id="17" name="TextBox 16">
+            <a:extLst>
+              <a:ext uri="{FF2B5EF4-FFF2-40B4-BE49-F238E27FC236}">
+                <a16:creationId xmlns:a16="http://schemas.microsoft.com/office/drawing/2014/main" id="{EFA95520-3723-504B-E5C2-975C32D3BEE1}"/>
+              </a:ext>
+            </a:extLst>
+          </p:cNvPr>
+          <p:cNvSpPr txBox="1"/>
+          <p:nvPr/>
+        </p:nvSpPr>
+        <p:spPr>
+          <a:xfrm>
+            <a:off x="2568778" y="381000"/>
+            <a:ext cx="3962400" cy="923330"/>
+          </a:xfrm>
+          <a:prstGeom prst="rect">
+            <a:avLst/>
+          </a:prstGeom>
+          <a:noFill/>
+        </p:spPr>
+        <p:txBody>
+          <a:bodyPr wrap="square" rtlCol="0">
+            <a:spAutoFit/>
+          </a:bodyPr>
+          <a:lstStyle/>
+          <a:p>
+            <a:r>
+              <a:rPr lang="en-US" sz="5400" dirty="0"/>
+              <a:t>K.I.S.S</a:t>
+            </a:r>
+          </a:p>
+        </p:txBody>
+      </p:sp>
+    </p:spTree>
+    <p:extLst>
+      <p:ext uri="{BB962C8B-B14F-4D97-AF65-F5344CB8AC3E}">
+        <p14:creationId xmlns:p14="http://schemas.microsoft.com/office/powerpoint/2010/main" val="1545014505"/>
+      </p:ext>
+    </p:extLst>
+  </p:cSld>
+  <p:clrMapOvr>
+    <a:masterClrMapping/>
+  </p:clrMapOvr>
+  <mc:AlternateContent xmlns:mc="http://schemas.openxmlformats.org/markup-compatibility/2006" xmlns:p14="http://schemas.microsoft.com/office/powerpoint/2010/main">
+    <mc:Choice Requires="p14">
+      <p:transition spd="med" p14:dur="700">
+        <p:fade/>
+      </p:transition>
+    </mc:Choice>
+    <mc:Fallback xmlns="">
+      <p:transition spd="med">
+        <p:fade/>
+      </p:transition>
+    </mc:Fallback>
+  </mc:AlternateContent>
+</p:sld>
+</file>
+
+<file path=ppt/slides/slide15.xml><?xml version="1.0" encoding="utf-8"?>
+<p:sld xmlns:a="http://schemas.openxmlformats.org/drawingml/2006/main" xmlns:r="http://schemas.openxmlformats.org/officeDocument/2006/relationships" xmlns:p="http://schemas.openxmlformats.org/presentationml/2006/main">
+  <p:cSld>
+    <p:spTree>
+      <p:nvGrpSpPr>
+        <p:cNvPr id="1" name=""/>
+        <p:cNvGrpSpPr/>
+        <p:nvPr/>
+      </p:nvGrpSpPr>
+      <p:grpSpPr>
+        <a:xfrm>
+          <a:off x="0" y="0"/>
+          <a:ext cx="0" cy="0"/>
+          <a:chOff x="0" y="0"/>
+          <a:chExt cx="0" cy="0"/>
+        </a:xfrm>
+      </p:grpSpPr>
+      <p:pic>
+        <p:nvPicPr>
+          <p:cNvPr id="6" name="Picture 5">
+            <a:extLst>
+              <a:ext uri="{FF2B5EF4-FFF2-40B4-BE49-F238E27FC236}">
+                <a16:creationId xmlns:a16="http://schemas.microsoft.com/office/drawing/2014/main" id="{19739F8F-16DA-E6BF-8A5C-6786F350F081}"/>
+              </a:ext>
+            </a:extLst>
+          </p:cNvPr>
+          <p:cNvPicPr>
+            <a:picLocks noChangeAspect="1"/>
+          </p:cNvPicPr>
+          <p:nvPr/>
+        </p:nvPicPr>
+        <p:blipFill>
+          <a:blip r:embed="rId3"/>
+          <a:stretch>
+            <a:fillRect/>
+          </a:stretch>
+        </p:blipFill>
+        <p:spPr>
+          <a:xfrm>
+            <a:off x="482003" y="316302"/>
+            <a:ext cx="1855095" cy="6172200"/>
+          </a:xfrm>
+          <a:prstGeom prst="rect">
+            <a:avLst/>
+          </a:prstGeom>
+          <a:ln w="57150"/>
+        </p:spPr>
+        <p:style>
+          <a:lnRef idx="1">
+            <a:schemeClr val="dk1"/>
+          </a:lnRef>
+          <a:fillRef idx="2">
+            <a:schemeClr val="dk1"/>
+          </a:fillRef>
+          <a:effectRef idx="1">
+            <a:schemeClr val="dk1"/>
+          </a:effectRef>
+          <a:fontRef idx="minor">
+            <a:schemeClr val="dk1"/>
+          </a:fontRef>
+        </p:style>
+      </p:pic>
+      <p:pic>
+        <p:nvPicPr>
+          <p:cNvPr id="8" name="Picture 7">
+            <a:extLst>
+              <a:ext uri="{FF2B5EF4-FFF2-40B4-BE49-F238E27FC236}">
+                <a16:creationId xmlns:a16="http://schemas.microsoft.com/office/drawing/2014/main" id="{9EF20966-2601-5513-2018-6EEFF8019633}"/>
+              </a:ext>
+            </a:extLst>
+          </p:cNvPr>
+          <p:cNvPicPr>
+            <a:picLocks noChangeAspect="1"/>
+          </p:cNvPicPr>
+          <p:nvPr/>
+        </p:nvPicPr>
+        <p:blipFill>
+          <a:blip r:embed="rId4"/>
+          <a:stretch>
+            <a:fillRect/>
+          </a:stretch>
+        </p:blipFill>
+        <p:spPr>
+          <a:xfrm>
+            <a:off x="2743200" y="273170"/>
+            <a:ext cx="1824629" cy="6172200"/>
+          </a:xfrm>
+          <a:prstGeom prst="rect">
+            <a:avLst/>
+          </a:prstGeom>
+          <a:ln w="57150"/>
+        </p:spPr>
+        <p:style>
+          <a:lnRef idx="1">
+            <a:schemeClr val="dk1"/>
+          </a:lnRef>
+          <a:fillRef idx="2">
+            <a:schemeClr val="dk1"/>
+          </a:fillRef>
+          <a:effectRef idx="1">
+            <a:schemeClr val="dk1"/>
+          </a:effectRef>
+          <a:fontRef idx="minor">
+            <a:schemeClr val="dk1"/>
+          </a:fontRef>
+        </p:style>
+      </p:pic>
+      <p:pic>
+        <p:nvPicPr>
+          <p:cNvPr id="10" name="Picture 9">
+            <a:extLst>
+              <a:ext uri="{FF2B5EF4-FFF2-40B4-BE49-F238E27FC236}">
+                <a16:creationId xmlns:a16="http://schemas.microsoft.com/office/drawing/2014/main" id="{F2BFF5E9-B1F8-F1BA-4B67-A0D896CA2D8A}"/>
+              </a:ext>
+            </a:extLst>
+          </p:cNvPr>
+          <p:cNvPicPr>
+            <a:picLocks noChangeAspect="1"/>
+          </p:cNvPicPr>
+          <p:nvPr/>
+        </p:nvPicPr>
+        <p:blipFill>
+          <a:blip r:embed="rId5"/>
+          <a:stretch>
+            <a:fillRect/>
+          </a:stretch>
+        </p:blipFill>
+        <p:spPr>
+          <a:xfrm>
+            <a:off x="4990108" y="287547"/>
+            <a:ext cx="1905824" cy="6200955"/>
+          </a:xfrm>
+          <a:prstGeom prst="rect">
+            <a:avLst/>
+          </a:prstGeom>
+          <a:ln w="57150"/>
+        </p:spPr>
+        <p:style>
+          <a:lnRef idx="1">
+            <a:schemeClr val="dk1"/>
+          </a:lnRef>
+          <a:fillRef idx="2">
+            <a:schemeClr val="dk1"/>
+          </a:fillRef>
+          <a:effectRef idx="1">
+            <a:schemeClr val="dk1"/>
+          </a:effectRef>
+          <a:fontRef idx="minor">
+            <a:schemeClr val="dk1"/>
+          </a:fontRef>
+        </p:style>
+      </p:pic>
+      <p:pic>
+        <p:nvPicPr>
+          <p:cNvPr id="12" name="Picture 11">
+            <a:extLst>
+              <a:ext uri="{FF2B5EF4-FFF2-40B4-BE49-F238E27FC236}">
+                <a16:creationId xmlns:a16="http://schemas.microsoft.com/office/drawing/2014/main" id="{BB353343-C143-0C93-45B9-E34A9FCF7AD2}"/>
+              </a:ext>
+            </a:extLst>
+          </p:cNvPr>
+          <p:cNvPicPr>
+            <a:picLocks noChangeAspect="1"/>
+          </p:cNvPicPr>
+          <p:nvPr/>
+        </p:nvPicPr>
+        <p:blipFill>
+          <a:blip r:embed="rId6"/>
+          <a:stretch>
+            <a:fillRect/>
+          </a:stretch>
+        </p:blipFill>
+        <p:spPr>
+          <a:xfrm>
+            <a:off x="7318211" y="260230"/>
+            <a:ext cx="1891754" cy="6172200"/>
+          </a:xfrm>
+          <a:prstGeom prst="rect">
+            <a:avLst/>
+          </a:prstGeom>
+          <a:ln w="57150"/>
+        </p:spPr>
+        <p:style>
+          <a:lnRef idx="1">
+            <a:schemeClr val="dk1"/>
+          </a:lnRef>
+          <a:fillRef idx="2">
+            <a:schemeClr val="dk1"/>
+          </a:fillRef>
+          <a:effectRef idx="1">
+            <a:schemeClr val="dk1"/>
+          </a:effectRef>
+          <a:fontRef idx="minor">
+            <a:schemeClr val="dk1"/>
+          </a:fontRef>
+        </p:style>
+      </p:pic>
+      <p:sp>
+        <p:nvSpPr>
+          <p:cNvPr id="13" name="TextBox 12">
+            <a:extLst>
+              <a:ext uri="{FF2B5EF4-FFF2-40B4-BE49-F238E27FC236}">
+                <a16:creationId xmlns:a16="http://schemas.microsoft.com/office/drawing/2014/main" id="{AB33D91C-BF5A-8377-E40C-7D8E644968CF}"/>
+              </a:ext>
+            </a:extLst>
+          </p:cNvPr>
+          <p:cNvSpPr txBox="1"/>
+          <p:nvPr/>
+        </p:nvSpPr>
+        <p:spPr>
+          <a:xfrm>
+            <a:off x="9867240" y="708123"/>
+            <a:ext cx="1752600" cy="1477328"/>
+          </a:xfrm>
+          <a:prstGeom prst="rect">
+            <a:avLst/>
+          </a:prstGeom>
+          <a:solidFill>
+            <a:schemeClr val="accent3">
+              <a:alpha val="50000"/>
+            </a:schemeClr>
+          </a:solidFill>
+          <a:ln>
+            <a:noFill/>
+          </a:ln>
+        </p:spPr>
+        <p:style>
+          <a:lnRef idx="0">
+            <a:scrgbClr r="0" g="0" b="0"/>
+          </a:lnRef>
+          <a:fillRef idx="0">
+            <a:scrgbClr r="0" g="0" b="0"/>
+          </a:fillRef>
+          <a:effectRef idx="0">
+            <a:scrgbClr r="0" g="0" b="0"/>
+          </a:effectRef>
+          <a:fontRef idx="minor">
+            <a:schemeClr val="lt1"/>
+          </a:fontRef>
+        </p:style>
+        <p:txBody>
+          <a:bodyPr wrap="square" rtlCol="0">
+            <a:spAutoFit/>
+          </a:bodyPr>
+          <a:lstStyle/>
+          <a:p>
+            <a:r>
+              <a:rPr lang="en-US" dirty="0"/>
+              <a:t>482 correct drafted players predicted with half as many false positives.</a:t>
+            </a:r>
+          </a:p>
+        </p:txBody>
+      </p:sp>
+      <p:sp>
+        <p:nvSpPr>
+          <p:cNvPr id="18" name="TextBox 17">
+            <a:extLst>
+              <a:ext uri="{FF2B5EF4-FFF2-40B4-BE49-F238E27FC236}">
+                <a16:creationId xmlns:a16="http://schemas.microsoft.com/office/drawing/2014/main" id="{5811C716-0C92-86FD-3F81-5746D795C804}"/>
+              </a:ext>
+            </a:extLst>
+          </p:cNvPr>
+          <p:cNvSpPr txBox="1"/>
+          <p:nvPr/>
+        </p:nvSpPr>
+        <p:spPr>
+          <a:xfrm>
+            <a:off x="9867240" y="2362200"/>
+            <a:ext cx="1752600" cy="1754326"/>
+          </a:xfrm>
+          <a:prstGeom prst="rect">
+            <a:avLst/>
+          </a:prstGeom>
+          <a:solidFill>
+            <a:schemeClr val="accent3">
+              <a:alpha val="50000"/>
+            </a:schemeClr>
+          </a:solidFill>
+          <a:ln>
+            <a:noFill/>
+          </a:ln>
+        </p:spPr>
+        <p:style>
+          <a:lnRef idx="0">
+            <a:scrgbClr r="0" g="0" b="0"/>
+          </a:lnRef>
+          <a:fillRef idx="0">
+            <a:scrgbClr r="0" g="0" b="0"/>
+          </a:fillRef>
+          <a:effectRef idx="0">
+            <a:scrgbClr r="0" g="0" b="0"/>
+          </a:effectRef>
+          <a:fontRef idx="minor">
+            <a:schemeClr val="lt1"/>
+          </a:fontRef>
+        </p:style>
+        <p:txBody>
+          <a:bodyPr wrap="square" rtlCol="0">
+            <a:spAutoFit/>
+          </a:bodyPr>
+          <a:lstStyle/>
+          <a:p>
+            <a:r>
+              <a:rPr lang="en-US" dirty="0"/>
+              <a:t>While still not perfect, it is leaps and bounds better than the NN performed.</a:t>
+            </a:r>
+          </a:p>
+        </p:txBody>
+      </p:sp>
+      <p:sp>
+        <p:nvSpPr>
+          <p:cNvPr id="19" name="TextBox 18">
+            <a:extLst>
+              <a:ext uri="{FF2B5EF4-FFF2-40B4-BE49-F238E27FC236}">
+                <a16:creationId xmlns:a16="http://schemas.microsoft.com/office/drawing/2014/main" id="{C64A73B2-A411-E0DD-6435-A0182B811C2F}"/>
+              </a:ext>
+            </a:extLst>
+          </p:cNvPr>
+          <p:cNvSpPr txBox="1"/>
+          <p:nvPr/>
+        </p:nvSpPr>
+        <p:spPr>
+          <a:xfrm>
+            <a:off x="9867240" y="4293275"/>
+            <a:ext cx="1752600" cy="2031325"/>
+          </a:xfrm>
+          <a:prstGeom prst="rect">
+            <a:avLst/>
+          </a:prstGeom>
+          <a:solidFill>
+            <a:schemeClr val="accent3">
+              <a:alpha val="50000"/>
+            </a:schemeClr>
+          </a:solidFill>
+          <a:ln>
+            <a:noFill/>
+          </a:ln>
+        </p:spPr>
+        <p:style>
+          <a:lnRef idx="0">
+            <a:scrgbClr r="0" g="0" b="0"/>
+          </a:lnRef>
+          <a:fillRef idx="0">
+            <a:scrgbClr r="0" g="0" b="0"/>
+          </a:fillRef>
+          <a:effectRef idx="0">
+            <a:scrgbClr r="0" g="0" b="0"/>
+          </a:effectRef>
+          <a:fontRef idx="minor">
+            <a:schemeClr val="lt1"/>
+          </a:fontRef>
+        </p:style>
+        <p:txBody>
+          <a:bodyPr wrap="square" rtlCol="0">
+            <a:spAutoFit/>
+          </a:bodyPr>
+          <a:lstStyle/>
+          <a:p>
+            <a:r>
+              <a:rPr lang="en-US" dirty="0"/>
+              <a:t>This model also had the benefit of taking less time to put together and troubleshoot than the NN.</a:t>
+            </a:r>
+          </a:p>
+        </p:txBody>
+      </p:sp>
+    </p:spTree>
+    <p:extLst>
+      <p:ext uri="{BB962C8B-B14F-4D97-AF65-F5344CB8AC3E}">
+        <p14:creationId xmlns:p14="http://schemas.microsoft.com/office/powerpoint/2010/main" val="1368440178"/>
+      </p:ext>
+    </p:extLst>
+  </p:cSld>
+  <p:clrMapOvr>
+    <a:masterClrMapping/>
+  </p:clrMapOvr>
+  <mc:AlternateContent xmlns:mc="http://schemas.openxmlformats.org/markup-compatibility/2006" xmlns:p14="http://schemas.microsoft.com/office/powerpoint/2010/main">
+    <mc:Choice Requires="p14">
+      <p:transition spd="med" p14:dur="700">
+        <p:fade/>
+      </p:transition>
+    </mc:Choice>
+    <mc:Fallback xmlns="">
+      <p:transition spd="med">
+        <p:fade/>
+      </p:transition>
+    </mc:Fallback>
+  </mc:AlternateContent>
+</p:sld>
+</file>
+
+<file path=ppt/slides/slide16.xml><?xml version="1.0" encoding="utf-8"?>
+<p:sld xmlns:a="http://schemas.openxmlformats.org/drawingml/2006/main" xmlns:r="http://schemas.openxmlformats.org/officeDocument/2006/relationships" xmlns:p="http://schemas.openxmlformats.org/presentationml/2006/main">
+  <p:cSld>
+    <p:spTree>
+      <p:nvGrpSpPr>
+        <p:cNvPr id="1" name=""/>
+        <p:cNvGrpSpPr/>
+        <p:nvPr/>
+      </p:nvGrpSpPr>
+      <p:grpSpPr>
+        <a:xfrm>
+          <a:off x="0" y="0"/>
+          <a:ext cx="0" cy="0"/>
+          <a:chOff x="0" y="0"/>
+          <a:chExt cx="0" cy="0"/>
+        </a:xfrm>
+      </p:grpSpPr>
       <p:sp>
         <p:nvSpPr>
           <p:cNvPr id="2" name="Title 1"/>
@@ -6537,38 +9060,43 @@
         <p:spPr>
           <a:xfrm>
             <a:off x="863009" y="1477484"/>
-            <a:ext cx="10058400" cy="1143000"/>
+            <a:ext cx="10058400" cy="2103916"/>
           </a:xfrm>
         </p:spPr>
         <p:txBody>
           <a:bodyPr>
-            <a:normAutofit lnSpcReduction="10000"/>
+            <a:normAutofit fontScale="92500" lnSpcReduction="20000"/>
           </a:bodyPr>
           <a:lstStyle/>
           <a:p>
             <a:r>
               <a:rPr lang="en-US" dirty="0"/>
-              <a:t>It is hard to make the data work with </a:t>
-            </a:r>
-            <a:r>
-              <a:rPr lang="en-US"/>
-              <a:t>machine learning </a:t>
-            </a:r>
+              <a:t>The data was not meant for a NN, but was simple enough that a simpler ML model was able to use it.</a:t>
+            </a:r>
+          </a:p>
+          <a:p>
             <a:r>
               <a:rPr lang="en-US" dirty="0"/>
-              <a:t>because only 2% of the total players were drafted</a:t>
-            </a:r>
-            <a:r>
-              <a:rPr lang="en-US"/>
-              <a:t>. </a:t>
-            </a:r>
-            <a:endParaRPr lang="en-US" dirty="0"/>
+              <a:t>While the data set seemed large at first with richness in the data.  It ultimately showed that a lot of the stats were just variations of other stats already present.    </a:t>
+            </a:r>
+          </a:p>
+          <a:p>
+            <a:r>
+              <a:rPr lang="en-US" dirty="0"/>
+              <a:t>Having so few positives (2% of drafted players) proved difficult to work with.</a:t>
+            </a:r>
           </a:p>
           <a:p>
             <a:r>
               <a:rPr lang="en-US" dirty="0"/>
               <a:t>Each draft year is specific to the needs of the NBA</a:t>
             </a:r>
+          </a:p>
+          <a:p>
+            <a:endParaRPr lang="en-US" dirty="0"/>
+          </a:p>
+          <a:p>
+            <a:endParaRPr lang="en-US" dirty="0"/>
           </a:p>
           <a:p>
             <a:endParaRPr lang="en-US" dirty="0"/>
@@ -6591,7 +9119,7 @@
         </p:nvSpPr>
         <p:spPr>
           <a:xfrm>
-            <a:off x="685800" y="2895601"/>
+            <a:off x="762000" y="4191000"/>
             <a:ext cx="10058400" cy="762001"/>
           </a:xfrm>
           <a:prstGeom prst="rect">
@@ -6645,7 +9173,7 @@
         </p:nvSpPr>
         <p:spPr>
           <a:xfrm>
-            <a:off x="674716" y="3932719"/>
+            <a:off x="802257" y="5029198"/>
             <a:ext cx="10058400" cy="1143000"/>
           </a:xfrm>
           <a:prstGeom prst="rect">
@@ -6654,7 +9182,7 @@
         </p:spPr>
         <p:txBody>
           <a:bodyPr vert="horz" lIns="91440" tIns="45720" rIns="91440" bIns="45720" rtlCol="0">
-            <a:normAutofit fontScale="92500" lnSpcReduction="20000"/>
+            <a:normAutofit fontScale="85000" lnSpcReduction="10000"/>
           </a:bodyPr>
           <a:lstStyle>
             <a:lvl1pPr marL="0" indent="0" algn="l" defTabSz="914400" rtl="0" eaLnBrk="1" latinLnBrk="0" hangingPunct="1">
@@ -6853,7 +9381,7 @@
           <a:p>
             <a:r>
               <a:rPr lang="en-US" dirty="0"/>
-              <a:t>   </a:t>
+              <a:t>Search for more robust data points.  i.e. Degree program, health, homelife, hobbies, etc.</a:t>
             </a:r>
           </a:p>
         </p:txBody>
@@ -6862,6 +9390,1507 @@
     <p:extLst>
       <p:ext uri="{BB962C8B-B14F-4D97-AF65-F5344CB8AC3E}">
         <p14:creationId xmlns:p14="http://schemas.microsoft.com/office/powerpoint/2010/main" val="2993111047"/>
+      </p:ext>
+    </p:extLst>
+  </p:cSld>
+  <p:clrMapOvr>
+    <a:masterClrMapping/>
+  </p:clrMapOvr>
+  <mc:AlternateContent xmlns:mc="http://schemas.openxmlformats.org/markup-compatibility/2006" xmlns:p14="http://schemas.microsoft.com/office/powerpoint/2010/main">
+    <mc:Choice Requires="p14">
+      <p:transition spd="med" p14:dur="700">
+        <p:fade/>
+      </p:transition>
+    </mc:Choice>
+    <mc:Fallback xmlns="">
+      <p:transition spd="med">
+        <p:fade/>
+      </p:transition>
+    </mc:Fallback>
+  </mc:AlternateContent>
+</p:sld>
+</file>
+
+<file path=ppt/slides/slide17.xml><?xml version="1.0" encoding="utf-8"?>
+<p:sld xmlns:a="http://schemas.openxmlformats.org/drawingml/2006/main" xmlns:r="http://schemas.openxmlformats.org/officeDocument/2006/relationships" xmlns:p="http://schemas.openxmlformats.org/presentationml/2006/main">
+  <p:cSld>
+    <p:spTree>
+      <p:nvGrpSpPr>
+        <p:cNvPr id="1" name=""/>
+        <p:cNvGrpSpPr/>
+        <p:nvPr/>
+      </p:nvGrpSpPr>
+      <p:grpSpPr>
+        <a:xfrm>
+          <a:off x="0" y="0"/>
+          <a:ext cx="0" cy="0"/>
+          <a:chOff x="0" y="0"/>
+          <a:chExt cx="0" cy="0"/>
+        </a:xfrm>
+      </p:grpSpPr>
+      <p:sp>
+        <p:nvSpPr>
+          <p:cNvPr id="2" name="Title 1">
+            <a:extLst>
+              <a:ext uri="{FF2B5EF4-FFF2-40B4-BE49-F238E27FC236}">
+                <a16:creationId xmlns:a16="http://schemas.microsoft.com/office/drawing/2014/main" id="{F5850A68-857F-7D7E-FC43-2AE8C5FB0484}"/>
+              </a:ext>
+            </a:extLst>
+          </p:cNvPr>
+          <p:cNvSpPr>
+            <a:spLocks noGrp="1"/>
+          </p:cNvSpPr>
+          <p:nvPr>
+            <p:ph type="title"/>
+          </p:nvPr>
+        </p:nvSpPr>
+        <p:spPr>
+          <a:xfrm>
+            <a:off x="2590800" y="2743199"/>
+            <a:ext cx="6102350" cy="1371601"/>
+          </a:xfrm>
+        </p:spPr>
+        <p:txBody>
+          <a:bodyPr>
+            <a:normAutofit/>
+          </a:bodyPr>
+          <a:lstStyle/>
+          <a:p>
+            <a:r>
+              <a:rPr lang="en-US" sz="8800" dirty="0"/>
+              <a:t>Questions??</a:t>
+            </a:r>
+          </a:p>
+        </p:txBody>
+      </p:sp>
+    </p:spTree>
+    <p:extLst>
+      <p:ext uri="{BB962C8B-B14F-4D97-AF65-F5344CB8AC3E}">
+        <p14:creationId xmlns:p14="http://schemas.microsoft.com/office/powerpoint/2010/main" val="1329346222"/>
+      </p:ext>
+    </p:extLst>
+  </p:cSld>
+  <p:clrMapOvr>
+    <a:masterClrMapping/>
+  </p:clrMapOvr>
+  <mc:AlternateContent xmlns:mc="http://schemas.openxmlformats.org/markup-compatibility/2006" xmlns:p14="http://schemas.microsoft.com/office/powerpoint/2010/main">
+    <mc:Choice Requires="p14">
+      <p:transition spd="med" p14:dur="700">
+        <p:fade/>
+      </p:transition>
+    </mc:Choice>
+    <mc:Fallback xmlns="">
+      <p:transition spd="med">
+        <p:fade/>
+      </p:transition>
+    </mc:Fallback>
+  </mc:AlternateContent>
+</p:sld>
+</file>
+
+<file path=ppt/slides/slide2.xml><?xml version="1.0" encoding="utf-8"?>
+<p:sld xmlns:a="http://schemas.openxmlformats.org/drawingml/2006/main" xmlns:r="http://schemas.openxmlformats.org/officeDocument/2006/relationships" xmlns:p="http://schemas.openxmlformats.org/presentationml/2006/main">
+  <p:cSld>
+    <p:spTree>
+      <p:nvGrpSpPr>
+        <p:cNvPr id="1" name=""/>
+        <p:cNvGrpSpPr/>
+        <p:nvPr/>
+      </p:nvGrpSpPr>
+      <p:grpSpPr>
+        <a:xfrm>
+          <a:off x="0" y="0"/>
+          <a:ext cx="0" cy="0"/>
+          <a:chOff x="0" y="0"/>
+          <a:chExt cx="0" cy="0"/>
+        </a:xfrm>
+      </p:grpSpPr>
+      <p:sp>
+        <p:nvSpPr>
+          <p:cNvPr id="2" name="Title 1"/>
+          <p:cNvSpPr>
+            <a:spLocks noGrp="1"/>
+          </p:cNvSpPr>
+          <p:nvPr>
+            <p:ph type="title"/>
+          </p:nvPr>
+        </p:nvSpPr>
+        <p:spPr/>
+        <p:txBody>
+          <a:bodyPr/>
+          <a:lstStyle/>
+          <a:p>
+            <a:r>
+              <a:rPr lang="en-US" dirty="0"/>
+              <a:t>Cleaning the Data</a:t>
+            </a:r>
+          </a:p>
+        </p:txBody>
+      </p:sp>
+      <p:pic>
+        <p:nvPicPr>
+          <p:cNvPr id="5" name="Picture Placeholder 4" descr="Basketball players raising hands together"/>
+          <p:cNvPicPr>
+            <a:picLocks noGrp="1" noChangeAspect="1"/>
+          </p:cNvPicPr>
+          <p:nvPr>
+            <p:ph type="pic" idx="1"/>
+          </p:nvPr>
+        </p:nvPicPr>
+        <p:blipFill rotWithShape="1">
+          <a:blip r:embed="rId2" cstate="print">
+            <a:extLst>
+              <a:ext uri="{28A0092B-C50C-407E-A947-70E740481C1C}">
+                <a14:useLocalDpi xmlns:a14="http://schemas.microsoft.com/office/drawing/2010/main" val="0"/>
+              </a:ext>
+            </a:extLst>
+          </a:blip>
+          <a:srcRect/>
+          <a:stretch/>
+        </p:blipFill>
+        <p:spPr/>
+      </p:pic>
+      <p:sp>
+        <p:nvSpPr>
+          <p:cNvPr id="6" name="Rounded Rectangle 5" hidden="1"/>
+          <p:cNvSpPr/>
+          <p:nvPr/>
+        </p:nvSpPr>
+        <p:spPr>
+          <a:xfrm>
+            <a:off x="12344400" y="152400"/>
+            <a:ext cx="1295400" cy="6553200"/>
+          </a:xfrm>
+          <a:prstGeom prst="roundRect">
+            <a:avLst>
+              <a:gd name="adj" fmla="val 9717"/>
+            </a:avLst>
+          </a:prstGeom>
+          <a:solidFill>
+            <a:srgbClr val="A6A6A6"/>
+          </a:solidFill>
+          <a:ln>
+            <a:noFill/>
+          </a:ln>
+        </p:spPr>
+        <p:style>
+          <a:lnRef idx="2">
+            <a:schemeClr val="accent1">
+              <a:shade val="50000"/>
+            </a:schemeClr>
+          </a:lnRef>
+          <a:fillRef idx="1">
+            <a:schemeClr val="accent1"/>
+          </a:fillRef>
+          <a:effectRef idx="0">
+            <a:schemeClr val="accent1"/>
+          </a:effectRef>
+          <a:fontRef idx="minor">
+            <a:schemeClr val="lt1"/>
+          </a:fontRef>
+        </p:style>
+        <p:txBody>
+          <a:bodyPr rot="0" spcFirstLastPara="0" vertOverflow="overflow" horzOverflow="overflow" vert="horz" wrap="square" lIns="91440" tIns="45720" rIns="91440" bIns="45720" numCol="1" spcCol="0" rtlCol="0" fromWordArt="0" anchor="t" anchorCtr="0" forceAA="0" compatLnSpc="1">
+            <a:prstTxWarp prst="textNoShape">
+              <a:avLst/>
+            </a:prstTxWarp>
+            <a:noAutofit/>
+          </a:bodyPr>
+          <a:lstStyle/>
+          <a:p>
+            <a:r>
+              <a:rPr lang="en-US" sz="1200" b="1" i="1" dirty="0">
+                <a:latin typeface="Arial" pitchFamily="34" charset="0"/>
+                <a:cs typeface="Arial" pitchFamily="34" charset="0"/>
+              </a:rPr>
+              <a:t>NOTE:</a:t>
+            </a:r>
+          </a:p>
+          <a:p>
+            <a:r>
+              <a:rPr lang="en-US" sz="1200" i="1" dirty="0">
+                <a:latin typeface="Arial" pitchFamily="34" charset="0"/>
+                <a:cs typeface="Arial" pitchFamily="34" charset="0"/>
+              </a:rPr>
+              <a:t>To change images on this slide, select a picture and delete it. Then click the Insert Picture icon</a:t>
+            </a:r>
+          </a:p>
+          <a:p>
+            <a:r>
+              <a:rPr lang="en-US" sz="1200" i="1" dirty="0">
+                <a:latin typeface="Arial" pitchFamily="34" charset="0"/>
+                <a:cs typeface="Arial" pitchFamily="34" charset="0"/>
+              </a:rPr>
+              <a:t>in the placeholder to insert your own image.</a:t>
+            </a:r>
+          </a:p>
+        </p:txBody>
+      </p:sp>
+      <p:sp>
+        <p:nvSpPr>
+          <p:cNvPr id="7" name="Text Placeholder 6">
+            <a:extLst>
+              <a:ext uri="{FF2B5EF4-FFF2-40B4-BE49-F238E27FC236}">
+                <a16:creationId xmlns:a16="http://schemas.microsoft.com/office/drawing/2014/main" id="{1BA05E9A-2D24-1A51-FFE4-E1576CC56535}"/>
+              </a:ext>
+            </a:extLst>
+          </p:cNvPr>
+          <p:cNvSpPr>
+            <a:spLocks noGrp="1"/>
+          </p:cNvSpPr>
+          <p:nvPr>
+            <p:ph type="body" sz="half" idx="2"/>
+          </p:nvPr>
+        </p:nvSpPr>
+        <p:spPr/>
+        <p:txBody>
+          <a:bodyPr/>
+          <a:lstStyle/>
+          <a:p>
+            <a:endParaRPr lang="en-US"/>
+          </a:p>
+        </p:txBody>
+      </p:sp>
+    </p:spTree>
+    <p:extLst>
+      <p:ext uri="{BB962C8B-B14F-4D97-AF65-F5344CB8AC3E}">
+        <p14:creationId xmlns:p14="http://schemas.microsoft.com/office/powerpoint/2010/main" val="3053388791"/>
+      </p:ext>
+    </p:extLst>
+  </p:cSld>
+  <p:clrMapOvr>
+    <a:masterClrMapping/>
+  </p:clrMapOvr>
+  <mc:AlternateContent xmlns:mc="http://schemas.openxmlformats.org/markup-compatibility/2006" xmlns:p14="http://schemas.microsoft.com/office/powerpoint/2010/main">
+    <mc:Choice Requires="p14">
+      <p:transition spd="med" p14:dur="700">
+        <p:fade/>
+      </p:transition>
+    </mc:Choice>
+    <mc:Fallback xmlns="">
+      <p:transition spd="med">
+        <p:fade/>
+      </p:transition>
+    </mc:Fallback>
+  </mc:AlternateContent>
+</p:sld>
+</file>
+
+<file path=ppt/slides/slide3.xml><?xml version="1.0" encoding="utf-8"?>
+<p:sld xmlns:a="http://schemas.openxmlformats.org/drawingml/2006/main" xmlns:r="http://schemas.openxmlformats.org/officeDocument/2006/relationships" xmlns:p="http://schemas.openxmlformats.org/presentationml/2006/main">
+  <p:cSld>
+    <p:spTree>
+      <p:nvGrpSpPr>
+        <p:cNvPr id="1" name=""/>
+        <p:cNvGrpSpPr/>
+        <p:nvPr/>
+      </p:nvGrpSpPr>
+      <p:grpSpPr>
+        <a:xfrm>
+          <a:off x="0" y="0"/>
+          <a:ext cx="0" cy="0"/>
+          <a:chOff x="0" y="0"/>
+          <a:chExt cx="0" cy="0"/>
+        </a:xfrm>
+      </p:grpSpPr>
+      <p:sp>
+        <p:nvSpPr>
+          <p:cNvPr id="2" name="Title 1"/>
+          <p:cNvSpPr>
+            <a:spLocks noGrp="1"/>
+          </p:cNvSpPr>
+          <p:nvPr>
+            <p:ph type="title"/>
+          </p:nvPr>
+        </p:nvSpPr>
+        <p:spPr/>
+        <p:txBody>
+          <a:bodyPr/>
+          <a:lstStyle/>
+          <a:p>
+            <a:r>
+              <a:rPr lang="en-US" dirty="0"/>
+              <a:t>Cleaning the Data</a:t>
+            </a:r>
+          </a:p>
+        </p:txBody>
+      </p:sp>
+      <p:sp>
+        <p:nvSpPr>
+          <p:cNvPr id="6" name="Content Placeholder 2">
+            <a:extLst>
+              <a:ext uri="{FF2B5EF4-FFF2-40B4-BE49-F238E27FC236}">
+                <a16:creationId xmlns:a16="http://schemas.microsoft.com/office/drawing/2014/main" id="{88403B43-903E-3987-04B7-D921DE0CBAB5}"/>
+              </a:ext>
+            </a:extLst>
+          </p:cNvPr>
+          <p:cNvSpPr>
+            <a:spLocks noGrp="1"/>
+          </p:cNvSpPr>
+          <p:nvPr>
+            <p:ph idx="1"/>
+          </p:nvPr>
+        </p:nvSpPr>
+        <p:spPr>
+          <a:xfrm>
+            <a:off x="1066800" y="1676400"/>
+            <a:ext cx="10058400" cy="4343400"/>
+          </a:xfrm>
+        </p:spPr>
+        <p:txBody>
+          <a:bodyPr/>
+          <a:lstStyle/>
+          <a:p>
+            <a:r>
+              <a:rPr lang="en-US" sz="1600" dirty="0">
+                <a:hlinkClick r:id="rId2"/>
+              </a:rPr>
+              <a:t>Kaggle </a:t>
+            </a:r>
+            <a:r>
+              <a:rPr lang="en-US" sz="1600" dirty="0" err="1">
+                <a:hlinkClick r:id="rId2"/>
+              </a:rPr>
+              <a:t>Datasource</a:t>
+            </a:r>
+            <a:endParaRPr lang="en-US" sz="1600" dirty="0"/>
+          </a:p>
+          <a:p>
+            <a:r>
+              <a:rPr lang="en-US" sz="1600" dirty="0"/>
+              <a:t>Dropped several stats that were just provided for drafted players – a clear indicator between drafted and undrafted which would’ve led to overfitting</a:t>
+            </a:r>
+          </a:p>
+          <a:p>
+            <a:r>
+              <a:rPr lang="en-US" sz="1600" dirty="0"/>
+              <a:t>Dropped columns that had more </a:t>
+            </a:r>
+            <a:r>
+              <a:rPr lang="en-US" sz="1600"/>
+              <a:t>than 1K </a:t>
+            </a:r>
+            <a:r>
+              <a:rPr lang="en-US" sz="1600" dirty="0"/>
+              <a:t>nulls</a:t>
+            </a:r>
+          </a:p>
+          <a:p>
+            <a:r>
+              <a:rPr lang="en-US" sz="1600" dirty="0"/>
+              <a:t>Height column was in date format – transformed to total inches</a:t>
+            </a:r>
+          </a:p>
+          <a:p>
+            <a:r>
+              <a:rPr lang="en-US" sz="1600" dirty="0"/>
+              <a:t>Grouped by player ID (</a:t>
+            </a:r>
+            <a:r>
+              <a:rPr lang="en-US" sz="1600" dirty="0" err="1"/>
+              <a:t>pid</a:t>
+            </a:r>
+            <a:r>
+              <a:rPr lang="en-US" sz="1600" dirty="0"/>
+              <a:t>) unique identifier</a:t>
+            </a:r>
+            <a:endParaRPr lang="en-US" sz="1600" dirty="0">
+              <a:hlinkClick r:id="rId3"/>
+            </a:endParaRPr>
+          </a:p>
+          <a:p>
+            <a:r>
+              <a:rPr lang="en-US" sz="1600" dirty="0" err="1">
+                <a:hlinkClick r:id="rId3"/>
+              </a:rPr>
+              <a:t>Jupyter</a:t>
+            </a:r>
+            <a:r>
+              <a:rPr lang="en-US" sz="1600" dirty="0">
+                <a:hlinkClick r:id="rId3"/>
+              </a:rPr>
+              <a:t> Notebook File</a:t>
+            </a:r>
+            <a:endParaRPr lang="en-US" sz="1600" dirty="0"/>
+          </a:p>
+          <a:p>
+            <a:r>
+              <a:rPr lang="en-US" sz="1600" dirty="0"/>
+              <a:t>Prior to feeding model data:</a:t>
+            </a:r>
+          </a:p>
+          <a:p>
+            <a:pPr lvl="1"/>
+            <a:r>
+              <a:rPr lang="en-US" sz="1200" dirty="0"/>
+              <a:t>Identified and filtered to conferences that had drafted and undrafted players</a:t>
+            </a:r>
+          </a:p>
+          <a:p>
+            <a:pPr lvl="1"/>
+            <a:r>
+              <a:rPr lang="en-US" sz="1200" dirty="0"/>
+              <a:t>Filtered out players that played less than 8 games per year and averaged 7.5 mins per game.</a:t>
+            </a:r>
+          </a:p>
+        </p:txBody>
+      </p:sp>
+    </p:spTree>
+    <p:extLst>
+      <p:ext uri="{BB962C8B-B14F-4D97-AF65-F5344CB8AC3E}">
+        <p14:creationId xmlns:p14="http://schemas.microsoft.com/office/powerpoint/2010/main" val="2905083717"/>
+      </p:ext>
+    </p:extLst>
+  </p:cSld>
+  <p:clrMapOvr>
+    <a:masterClrMapping/>
+  </p:clrMapOvr>
+  <mc:AlternateContent xmlns:mc="http://schemas.openxmlformats.org/markup-compatibility/2006" xmlns:p14="http://schemas.microsoft.com/office/powerpoint/2010/main">
+    <mc:Choice Requires="p14">
+      <p:transition spd="med" p14:dur="700">
+        <p:fade/>
+      </p:transition>
+    </mc:Choice>
+    <mc:Fallback xmlns="">
+      <p:transition spd="med">
+        <p:fade/>
+      </p:transition>
+    </mc:Fallback>
+  </mc:AlternateContent>
+</p:sld>
+</file>
+
+<file path=ppt/slides/slide4.xml><?xml version="1.0" encoding="utf-8"?>
+<p:sld xmlns:a="http://schemas.openxmlformats.org/drawingml/2006/main" xmlns:r="http://schemas.openxmlformats.org/officeDocument/2006/relationships" xmlns:p="http://schemas.openxmlformats.org/presentationml/2006/main">
+  <p:cSld>
+    <p:spTree>
+      <p:nvGrpSpPr>
+        <p:cNvPr id="1" name=""/>
+        <p:cNvGrpSpPr/>
+        <p:nvPr/>
+      </p:nvGrpSpPr>
+      <p:grpSpPr>
+        <a:xfrm>
+          <a:off x="0" y="0"/>
+          <a:ext cx="0" cy="0"/>
+          <a:chOff x="0" y="0"/>
+          <a:chExt cx="0" cy="0"/>
+        </a:xfrm>
+      </p:grpSpPr>
+      <p:graphicFrame>
+        <p:nvGraphicFramePr>
+          <p:cNvPr id="10" name="Content Placeholder 9" descr="Clustered column chart showing the values of 3 series for 4 categories"/>
+          <p:cNvGraphicFramePr>
+            <a:graphicFrameLocks noGrp="1"/>
+          </p:cNvGraphicFramePr>
+          <p:nvPr>
+            <p:ph idx="1"/>
+            <p:extLst>
+              <p:ext uri="{D42A27DB-BD31-4B8C-83A1-F6EECF244321}">
+                <p14:modId xmlns:p14="http://schemas.microsoft.com/office/powerpoint/2010/main" val="2281812233"/>
+              </p:ext>
+            </p:extLst>
+          </p:nvPr>
+        </p:nvGraphicFramePr>
+        <p:xfrm>
+          <a:off x="609600" y="838200"/>
+          <a:ext cx="6172200" cy="5181600"/>
+        </p:xfrm>
+        <a:graphic>
+          <a:graphicData uri="http://schemas.openxmlformats.org/drawingml/2006/chart">
+            <c:chart xmlns:c="http://schemas.openxmlformats.org/drawingml/2006/chart" xmlns:r="http://schemas.openxmlformats.org/officeDocument/2006/relationships" r:id="rId2"/>
+          </a:graphicData>
+        </a:graphic>
+      </p:graphicFrame>
+      <p:sp>
+        <p:nvSpPr>
+          <p:cNvPr id="8" name="TextBox 7">
+            <a:extLst>
+              <a:ext uri="{FF2B5EF4-FFF2-40B4-BE49-F238E27FC236}">
+                <a16:creationId xmlns:a16="http://schemas.microsoft.com/office/drawing/2014/main" id="{07999E0F-1AB2-5ACE-0561-A35B9E61A813}"/>
+              </a:ext>
+            </a:extLst>
+          </p:cNvPr>
+          <p:cNvSpPr txBox="1"/>
+          <p:nvPr/>
+        </p:nvSpPr>
+        <p:spPr>
+          <a:xfrm>
+            <a:off x="7543800" y="1450848"/>
+            <a:ext cx="4495800" cy="4801314"/>
+          </a:xfrm>
+          <a:prstGeom prst="rect">
+            <a:avLst/>
+          </a:prstGeom>
+          <a:noFill/>
+        </p:spPr>
+        <p:txBody>
+          <a:bodyPr wrap="square" rtlCol="0">
+            <a:spAutoFit/>
+          </a:bodyPr>
+          <a:lstStyle/>
+          <a:p>
+            <a:pPr rtl="0" fontAlgn="base">
+              <a:spcBef>
+                <a:spcPts val="0"/>
+              </a:spcBef>
+              <a:spcAft>
+                <a:spcPts val="0"/>
+              </a:spcAft>
+              <a:buFont typeface="Arial" panose="020B0604020202020204" pitchFamily="34" charset="0"/>
+              <a:buChar char="•"/>
+            </a:pPr>
+            <a:r>
+              <a:rPr lang="en-US" sz="1800" b="1" i="0" u="none" strike="noStrike" dirty="0">
+                <a:effectLst/>
+                <a:latin typeface="Arial" panose="020B0604020202020204" pitchFamily="34" charset="0"/>
+              </a:rPr>
+              <a:t> Kentucky tends to have the most drafted players in the data we found. And the School with the second most drafted players was Duke which had 14 fewer players drafted than Kentucky. </a:t>
+            </a:r>
+          </a:p>
+          <a:p>
+            <a:pPr rtl="0" fontAlgn="base">
+              <a:spcBef>
+                <a:spcPts val="0"/>
+              </a:spcBef>
+              <a:spcAft>
+                <a:spcPts val="0"/>
+              </a:spcAft>
+            </a:pPr>
+            <a:endParaRPr lang="en-US" sz="1800" b="1" i="0" u="none" strike="noStrike" dirty="0">
+              <a:effectLst/>
+              <a:latin typeface="Arial" panose="020B0604020202020204" pitchFamily="34" charset="0"/>
+            </a:endParaRPr>
+          </a:p>
+          <a:p>
+            <a:pPr rtl="0" fontAlgn="base">
+              <a:spcBef>
+                <a:spcPts val="0"/>
+              </a:spcBef>
+              <a:spcAft>
+                <a:spcPts val="0"/>
+              </a:spcAft>
+              <a:buFont typeface="Arial" panose="020B0604020202020204" pitchFamily="34" charset="0"/>
+              <a:buChar char="•"/>
+            </a:pPr>
+            <a:r>
+              <a:rPr lang="en-US" sz="1800" b="1" i="0" u="none" strike="noStrike" dirty="0">
+                <a:effectLst/>
+                <a:latin typeface="Arial" panose="020B0604020202020204" pitchFamily="34" charset="0"/>
+              </a:rPr>
+              <a:t> Drafted players' heights typically are between six feet to seven feet (No surprise there). And sorry no one under five feet five inches was drafted. </a:t>
+            </a:r>
+          </a:p>
+          <a:p>
+            <a:pPr rtl="0" fontAlgn="base">
+              <a:spcBef>
+                <a:spcPts val="0"/>
+              </a:spcBef>
+              <a:spcAft>
+                <a:spcPts val="0"/>
+              </a:spcAft>
+            </a:pPr>
+            <a:endParaRPr lang="en-US" sz="1800" b="1" i="0" u="none" strike="noStrike" dirty="0">
+              <a:effectLst/>
+              <a:latin typeface="Arial" panose="020B0604020202020204" pitchFamily="34" charset="0"/>
+            </a:endParaRPr>
+          </a:p>
+          <a:p>
+            <a:pPr rtl="0" fontAlgn="base">
+              <a:spcBef>
+                <a:spcPts val="0"/>
+              </a:spcBef>
+              <a:spcAft>
+                <a:spcPts val="0"/>
+              </a:spcAft>
+              <a:buFont typeface="Arial" panose="020B0604020202020204" pitchFamily="34" charset="0"/>
+              <a:buChar char="•"/>
+            </a:pPr>
+            <a:r>
+              <a:rPr lang="en-US" sz="1800" b="1" i="0" u="none" strike="noStrike" dirty="0">
+                <a:effectLst/>
+                <a:latin typeface="Arial" panose="020B0604020202020204" pitchFamily="34" charset="0"/>
+              </a:rPr>
+              <a:t> Conferences with the schools associated as “Blue Bloods Schools” (Kentucky, Duke, North Carolina, Kansas, and UCLA) tends to have more drafted players than any other Conferences. </a:t>
+            </a:r>
+          </a:p>
+        </p:txBody>
+      </p:sp>
+      <p:sp>
+        <p:nvSpPr>
+          <p:cNvPr id="9" name="Title 7">
+            <a:extLst>
+              <a:ext uri="{FF2B5EF4-FFF2-40B4-BE49-F238E27FC236}">
+                <a16:creationId xmlns:a16="http://schemas.microsoft.com/office/drawing/2014/main" id="{61AD1C25-3ED0-14A6-05CA-F125827E6772}"/>
+              </a:ext>
+            </a:extLst>
+          </p:cNvPr>
+          <p:cNvSpPr>
+            <a:spLocks noGrp="1"/>
+          </p:cNvSpPr>
+          <p:nvPr>
+            <p:ph type="title"/>
+          </p:nvPr>
+        </p:nvSpPr>
+        <p:spPr>
+          <a:xfrm>
+            <a:off x="7772400" y="152400"/>
+            <a:ext cx="3886200" cy="1146048"/>
+          </a:xfrm>
+        </p:spPr>
+        <p:txBody>
+          <a:bodyPr>
+            <a:noAutofit/>
+          </a:bodyPr>
+          <a:lstStyle/>
+          <a:p>
+            <a:pPr rtl="0">
+              <a:spcBef>
+                <a:spcPts val="0"/>
+              </a:spcBef>
+              <a:spcAft>
+                <a:spcPts val="0"/>
+              </a:spcAft>
+            </a:pPr>
+            <a:r>
+              <a:rPr lang="en-US" sz="2400" i="0" u="none" strike="noStrike" dirty="0">
+                <a:solidFill>
+                  <a:srgbClr val="FFFFFF"/>
+                </a:solidFill>
+                <a:effectLst/>
+                <a:latin typeface="Impact" panose="020B0806030902050204" pitchFamily="34" charset="0"/>
+              </a:rPr>
+              <a:t>The possibility of being drafted using stats on School, height, and Conference.  </a:t>
+            </a:r>
+            <a:endParaRPr lang="en-US" sz="2400" dirty="0"/>
+          </a:p>
+        </p:txBody>
+      </p:sp>
+      <p:pic>
+        <p:nvPicPr>
+          <p:cNvPr id="11" name="Picture 2">
+            <a:extLst>
+              <a:ext uri="{FF2B5EF4-FFF2-40B4-BE49-F238E27FC236}">
+                <a16:creationId xmlns:a16="http://schemas.microsoft.com/office/drawing/2014/main" id="{3EDF2856-0DD7-635D-82BC-1D725F19D988}"/>
+              </a:ext>
+            </a:extLst>
+          </p:cNvPr>
+          <p:cNvPicPr>
+            <a:picLocks noChangeAspect="1" noChangeArrowheads="1"/>
+          </p:cNvPicPr>
+          <p:nvPr/>
+        </p:nvPicPr>
+        <p:blipFill>
+          <a:blip r:embed="rId3">
+            <a:extLst>
+              <a:ext uri="{28A0092B-C50C-407E-A947-70E740481C1C}">
+                <a14:useLocalDpi xmlns:a14="http://schemas.microsoft.com/office/drawing/2010/main" val="0"/>
+              </a:ext>
+            </a:extLst>
+          </a:blip>
+          <a:srcRect/>
+          <a:stretch>
+            <a:fillRect/>
+          </a:stretch>
+        </p:blipFill>
+        <p:spPr bwMode="auto">
+          <a:xfrm>
+            <a:off x="27433" y="304800"/>
+            <a:ext cx="7416873" cy="5638799"/>
+          </a:xfrm>
+          <a:prstGeom prst="rect">
+            <a:avLst/>
+          </a:prstGeom>
+          <a:noFill/>
+          <a:extLst>
+            <a:ext uri="{909E8E84-426E-40DD-AFC4-6F175D3DCCD1}">
+              <a14:hiddenFill xmlns:a14="http://schemas.microsoft.com/office/drawing/2010/main">
+                <a:solidFill>
+                  <a:srgbClr val="FFFFFF"/>
+                </a:solidFill>
+              </a14:hiddenFill>
+            </a:ext>
+          </a:extLst>
+        </p:spPr>
+      </p:pic>
+    </p:spTree>
+    <p:extLst>
+      <p:ext uri="{BB962C8B-B14F-4D97-AF65-F5344CB8AC3E}">
+        <p14:creationId xmlns:p14="http://schemas.microsoft.com/office/powerpoint/2010/main" val="1949577601"/>
+      </p:ext>
+    </p:extLst>
+  </p:cSld>
+  <p:clrMapOvr>
+    <a:masterClrMapping/>
+  </p:clrMapOvr>
+  <mc:AlternateContent xmlns:mc="http://schemas.openxmlformats.org/markup-compatibility/2006" xmlns:p14="http://schemas.microsoft.com/office/powerpoint/2010/main">
+    <mc:Choice Requires="p14">
+      <p:transition spd="med" p14:dur="700">
+        <p:fade/>
+      </p:transition>
+    </mc:Choice>
+    <mc:Fallback xmlns="">
+      <p:transition spd="med">
+        <p:fade/>
+      </p:transition>
+    </mc:Fallback>
+  </mc:AlternateContent>
+</p:sld>
+</file>
+
+<file path=ppt/slides/slide5.xml><?xml version="1.0" encoding="utf-8"?>
+<p:sld xmlns:a="http://schemas.openxmlformats.org/drawingml/2006/main" xmlns:r="http://schemas.openxmlformats.org/officeDocument/2006/relationships" xmlns:p="http://schemas.openxmlformats.org/presentationml/2006/main">
+  <p:cSld>
+    <p:spTree>
+      <p:nvGrpSpPr>
+        <p:cNvPr id="1" name=""/>
+        <p:cNvGrpSpPr/>
+        <p:nvPr/>
+      </p:nvGrpSpPr>
+      <p:grpSpPr>
+        <a:xfrm>
+          <a:off x="0" y="0"/>
+          <a:ext cx="0" cy="0"/>
+          <a:chOff x="0" y="0"/>
+          <a:chExt cx="0" cy="0"/>
+        </a:xfrm>
+      </p:grpSpPr>
+      <p:graphicFrame>
+        <p:nvGraphicFramePr>
+          <p:cNvPr id="10" name="Content Placeholder 9" descr="Clustered column chart showing the values of 3 series for 4 categories"/>
+          <p:cNvGraphicFramePr>
+            <a:graphicFrameLocks noGrp="1"/>
+          </p:cNvGraphicFramePr>
+          <p:nvPr>
+            <p:ph idx="1"/>
+            <p:extLst>
+              <p:ext uri="{D42A27DB-BD31-4B8C-83A1-F6EECF244321}">
+                <p14:modId xmlns:p14="http://schemas.microsoft.com/office/powerpoint/2010/main" val="1780112975"/>
+              </p:ext>
+            </p:extLst>
+          </p:nvPr>
+        </p:nvGraphicFramePr>
+        <p:xfrm>
+          <a:off x="228600" y="838200"/>
+          <a:ext cx="7086600" cy="5105400"/>
+        </p:xfrm>
+        <a:graphic>
+          <a:graphicData uri="http://schemas.openxmlformats.org/drawingml/2006/chart">
+            <c:chart xmlns:c="http://schemas.openxmlformats.org/drawingml/2006/chart" xmlns:r="http://schemas.openxmlformats.org/officeDocument/2006/relationships" r:id="rId2"/>
+          </a:graphicData>
+        </a:graphic>
+      </p:graphicFrame>
+      <p:sp>
+        <p:nvSpPr>
+          <p:cNvPr id="5" name="TextBox 4">
+            <a:extLst>
+              <a:ext uri="{FF2B5EF4-FFF2-40B4-BE49-F238E27FC236}">
+                <a16:creationId xmlns:a16="http://schemas.microsoft.com/office/drawing/2014/main" id="{9B32831C-2658-1233-6C4A-5DC2FCBBDCBF}"/>
+              </a:ext>
+            </a:extLst>
+          </p:cNvPr>
+          <p:cNvSpPr txBox="1"/>
+          <p:nvPr/>
+        </p:nvSpPr>
+        <p:spPr>
+          <a:xfrm>
+            <a:off x="7620000" y="1048512"/>
+            <a:ext cx="3837432" cy="5909310"/>
+          </a:xfrm>
+          <a:prstGeom prst="rect">
+            <a:avLst/>
+          </a:prstGeom>
+          <a:noFill/>
+        </p:spPr>
+        <p:txBody>
+          <a:bodyPr wrap="square" rtlCol="0">
+            <a:spAutoFit/>
+          </a:bodyPr>
+          <a:lstStyle/>
+          <a:p>
+            <a:pPr rtl="0" fontAlgn="base">
+              <a:spcBef>
+                <a:spcPts val="0"/>
+              </a:spcBef>
+              <a:spcAft>
+                <a:spcPts val="0"/>
+              </a:spcAft>
+              <a:buFont typeface="Arial" panose="020B0604020202020204" pitchFamily="34" charset="0"/>
+              <a:buChar char="•"/>
+            </a:pPr>
+            <a:r>
+              <a:rPr lang="en-US" sz="1800" b="0" i="0" u="none" strike="noStrike" dirty="0">
+                <a:effectLst/>
+                <a:latin typeface="Arial" panose="020B0604020202020204" pitchFamily="34" charset="0"/>
+              </a:rPr>
+              <a:t>Although Schools and Conferences do help in determining whether a player gets drafted. Of the 640 players, the chart shows the spread across all conferences. </a:t>
+            </a:r>
+          </a:p>
+          <a:p>
+            <a:pPr rtl="0" fontAlgn="base">
+              <a:spcBef>
+                <a:spcPts val="0"/>
+              </a:spcBef>
+              <a:spcAft>
+                <a:spcPts val="0"/>
+              </a:spcAft>
+            </a:pPr>
+            <a:endParaRPr lang="en-US" sz="1800" b="0" i="0" u="none" strike="noStrike" dirty="0">
+              <a:effectLst/>
+              <a:latin typeface="Arial" panose="020B0604020202020204" pitchFamily="34" charset="0"/>
+            </a:endParaRPr>
+          </a:p>
+          <a:p>
+            <a:pPr rtl="0" fontAlgn="base">
+              <a:spcBef>
+                <a:spcPts val="0"/>
+              </a:spcBef>
+              <a:spcAft>
+                <a:spcPts val="0"/>
+              </a:spcAft>
+              <a:buFont typeface="Arial" panose="020B0604020202020204" pitchFamily="34" charset="0"/>
+              <a:buChar char="•"/>
+            </a:pPr>
+            <a:r>
+              <a:rPr lang="en-US" sz="1800" b="0" i="0" u="none" strike="noStrike" dirty="0">
+                <a:effectLst/>
+                <a:latin typeface="Arial" panose="020B0604020202020204" pitchFamily="34" charset="0"/>
+              </a:rPr>
+              <a:t>The position a player was in college did not contribute to a player being drafted.</a:t>
+            </a:r>
+          </a:p>
+          <a:p>
+            <a:pPr rtl="0" fontAlgn="base">
+              <a:spcBef>
+                <a:spcPts val="0"/>
+              </a:spcBef>
+              <a:spcAft>
+                <a:spcPts val="0"/>
+              </a:spcAft>
+              <a:buFont typeface="Arial" panose="020B0604020202020204" pitchFamily="34" charset="0"/>
+              <a:buChar char="•"/>
+            </a:pPr>
+            <a:endParaRPr lang="en-US" sz="1800" b="0" i="0" u="none" strike="noStrike" dirty="0">
+              <a:effectLst/>
+              <a:latin typeface="Arial" panose="020B0604020202020204" pitchFamily="34" charset="0"/>
+            </a:endParaRPr>
+          </a:p>
+          <a:p>
+            <a:pPr rtl="0" fontAlgn="base">
+              <a:spcBef>
+                <a:spcPts val="0"/>
+              </a:spcBef>
+              <a:spcAft>
+                <a:spcPts val="0"/>
+              </a:spcAft>
+              <a:buFont typeface="Arial" panose="020B0604020202020204" pitchFamily="34" charset="0"/>
+              <a:buChar char="•"/>
+            </a:pPr>
+            <a:r>
+              <a:rPr lang="en-US" sz="1800" b="0" i="0" u="none" strike="noStrike" dirty="0">
+                <a:effectLst/>
+                <a:latin typeface="Arial" panose="020B0604020202020204" pitchFamily="34" charset="0"/>
+              </a:rPr>
+              <a:t> The last year they played in college before being drafted did not contribute to a player being selected.</a:t>
+            </a:r>
+          </a:p>
+          <a:p>
+            <a:pPr rtl="0" fontAlgn="base">
+              <a:spcBef>
+                <a:spcPts val="0"/>
+              </a:spcBef>
+              <a:spcAft>
+                <a:spcPts val="0"/>
+              </a:spcAft>
+            </a:pPr>
+            <a:endParaRPr lang="en-US" sz="1800" b="0" i="0" u="none" strike="noStrike" dirty="0">
+              <a:effectLst/>
+              <a:latin typeface="Arial" panose="020B0604020202020204" pitchFamily="34" charset="0"/>
+            </a:endParaRPr>
+          </a:p>
+          <a:p>
+            <a:pPr rtl="0" fontAlgn="base">
+              <a:spcBef>
+                <a:spcPts val="0"/>
+              </a:spcBef>
+              <a:spcAft>
+                <a:spcPts val="0"/>
+              </a:spcAft>
+              <a:buFont typeface="Arial" panose="020B0604020202020204" pitchFamily="34" charset="0"/>
+              <a:buChar char="•"/>
+            </a:pPr>
+            <a:r>
+              <a:rPr lang="en-US" sz="1800" b="0" i="0" u="none" strike="noStrike" dirty="0">
+                <a:effectLst/>
+                <a:latin typeface="Arial" panose="020B0604020202020204" pitchFamily="34" charset="0"/>
+              </a:rPr>
+              <a:t>As for stats that most fans associate with basketball: points scored, assists, and rebounds. There </a:t>
+            </a:r>
+            <a:r>
+              <a:rPr lang="en-US" dirty="0">
+                <a:latin typeface="Arial" panose="020B0604020202020204" pitchFamily="34" charset="0"/>
+              </a:rPr>
+              <a:t>was a slight </a:t>
+            </a:r>
+            <a:r>
+              <a:rPr lang="en-US" sz="1800" b="0" i="0" u="none" strike="noStrike" dirty="0">
+                <a:effectLst/>
+                <a:latin typeface="Arial" panose="020B0604020202020204" pitchFamily="34" charset="0"/>
+              </a:rPr>
+              <a:t>difference in the average between undrafted and drafted players.  </a:t>
+            </a:r>
+          </a:p>
+        </p:txBody>
+      </p:sp>
+      <p:sp>
+        <p:nvSpPr>
+          <p:cNvPr id="6" name="Title 1">
+            <a:extLst>
+              <a:ext uri="{FF2B5EF4-FFF2-40B4-BE49-F238E27FC236}">
+                <a16:creationId xmlns:a16="http://schemas.microsoft.com/office/drawing/2014/main" id="{A8C9F0B0-14B7-BF12-1FA0-517DB545A3BF}"/>
+              </a:ext>
+            </a:extLst>
+          </p:cNvPr>
+          <p:cNvSpPr>
+            <a:spLocks noGrp="1"/>
+          </p:cNvSpPr>
+          <p:nvPr>
+            <p:ph type="title"/>
+          </p:nvPr>
+        </p:nvSpPr>
+        <p:spPr>
+          <a:xfrm>
+            <a:off x="7620000" y="-685800"/>
+            <a:ext cx="4474464" cy="1752600"/>
+          </a:xfrm>
+        </p:spPr>
+        <p:txBody>
+          <a:bodyPr>
+            <a:normAutofit/>
+          </a:bodyPr>
+          <a:lstStyle/>
+          <a:p>
+            <a:r>
+              <a:rPr lang="en-US" sz="2400" dirty="0"/>
+              <a:t>Stats that did not help to determine if a player will be drafted</a:t>
+            </a:r>
+          </a:p>
+        </p:txBody>
+      </p:sp>
+    </p:spTree>
+    <p:extLst>
+      <p:ext uri="{BB962C8B-B14F-4D97-AF65-F5344CB8AC3E}">
+        <p14:creationId xmlns:p14="http://schemas.microsoft.com/office/powerpoint/2010/main" val="1382594025"/>
+      </p:ext>
+    </p:extLst>
+  </p:cSld>
+  <p:clrMapOvr>
+    <a:masterClrMapping/>
+  </p:clrMapOvr>
+  <mc:AlternateContent xmlns:mc="http://schemas.openxmlformats.org/markup-compatibility/2006" xmlns:p14="http://schemas.microsoft.com/office/powerpoint/2010/main">
+    <mc:Choice Requires="p14">
+      <p:transition spd="med" p14:dur="700">
+        <p:fade/>
+      </p:transition>
+    </mc:Choice>
+    <mc:Fallback xmlns="">
+      <p:transition spd="med">
+        <p:fade/>
+      </p:transition>
+    </mc:Fallback>
+  </mc:AlternateContent>
+</p:sld>
+</file>
+
+<file path=ppt/slides/slide6.xml><?xml version="1.0" encoding="utf-8"?>
+<p:sld xmlns:a="http://schemas.openxmlformats.org/drawingml/2006/main" xmlns:r="http://schemas.openxmlformats.org/officeDocument/2006/relationships" xmlns:p="http://schemas.openxmlformats.org/presentationml/2006/main">
+  <p:cSld>
+    <p:spTree>
+      <p:nvGrpSpPr>
+        <p:cNvPr id="1" name=""/>
+        <p:cNvGrpSpPr/>
+        <p:nvPr/>
+      </p:nvGrpSpPr>
+      <p:grpSpPr>
+        <a:xfrm>
+          <a:off x="0" y="0"/>
+          <a:ext cx="0" cy="0"/>
+          <a:chOff x="0" y="0"/>
+          <a:chExt cx="0" cy="0"/>
+        </a:xfrm>
+      </p:grpSpPr>
+      <p:sp>
+        <p:nvSpPr>
+          <p:cNvPr id="2" name="Title 1"/>
+          <p:cNvSpPr>
+            <a:spLocks noGrp="1"/>
+          </p:cNvSpPr>
+          <p:nvPr>
+            <p:ph type="title"/>
+          </p:nvPr>
+        </p:nvSpPr>
+        <p:spPr>
+          <a:xfrm>
+            <a:off x="3733801" y="266699"/>
+            <a:ext cx="3810000" cy="1143000"/>
+          </a:xfrm>
+        </p:spPr>
+        <p:txBody>
+          <a:bodyPr/>
+          <a:lstStyle/>
+          <a:p>
+            <a:r>
+              <a:rPr lang="en-US" dirty="0"/>
+              <a:t>Robots Playing Basketball</a:t>
+            </a:r>
+          </a:p>
+        </p:txBody>
+      </p:sp>
+      <p:sp>
+        <p:nvSpPr>
+          <p:cNvPr id="3" name="Content Placeholder 2"/>
+          <p:cNvSpPr>
+            <a:spLocks noGrp="1"/>
+          </p:cNvSpPr>
+          <p:nvPr>
+            <p:ph sz="half" idx="1"/>
+          </p:nvPr>
+        </p:nvSpPr>
+        <p:spPr/>
+        <p:txBody>
+          <a:bodyPr/>
+          <a:lstStyle/>
+          <a:p>
+            <a:r>
+              <a:rPr lang="en-US" dirty="0"/>
+              <a:t>Choosing the correct model is highly important.</a:t>
+            </a:r>
+          </a:p>
+          <a:p>
+            <a:r>
+              <a:rPr lang="en-US" dirty="0"/>
+              <a:t>Having a good usable dataset is just as important as the model.</a:t>
+            </a:r>
+          </a:p>
+          <a:p>
+            <a:r>
+              <a:rPr lang="en-US" dirty="0"/>
+              <a:t>Sometimes it just comes down to trial and error.</a:t>
+            </a:r>
+          </a:p>
+          <a:p>
+            <a:r>
+              <a:rPr lang="en-US" dirty="0"/>
+              <a:t>A model that reports as doing very well may not always be doing what you think it should be doing.</a:t>
+            </a:r>
+          </a:p>
+        </p:txBody>
+      </p:sp>
+      <p:pic>
+        <p:nvPicPr>
+          <p:cNvPr id="14" name="Picture 13">
+            <a:extLst>
+              <a:ext uri="{FF2B5EF4-FFF2-40B4-BE49-F238E27FC236}">
+                <a16:creationId xmlns:a16="http://schemas.microsoft.com/office/drawing/2014/main" id="{FE95444C-7F65-10B6-6B61-1EDBFF289D6A}"/>
+              </a:ext>
+            </a:extLst>
+          </p:cNvPr>
+          <p:cNvPicPr>
+            <a:picLocks noChangeAspect="1"/>
+          </p:cNvPicPr>
+          <p:nvPr/>
+        </p:nvPicPr>
+        <p:blipFill>
+          <a:blip r:embed="rId3"/>
+          <a:stretch>
+            <a:fillRect/>
+          </a:stretch>
+        </p:blipFill>
+        <p:spPr>
+          <a:xfrm>
+            <a:off x="6553200" y="200024"/>
+            <a:ext cx="5353050" cy="6696075"/>
+          </a:xfrm>
+          <a:prstGeom prst="rect">
+            <a:avLst/>
+          </a:prstGeom>
+        </p:spPr>
+      </p:pic>
+    </p:spTree>
+    <p:extLst>
+      <p:ext uri="{BB962C8B-B14F-4D97-AF65-F5344CB8AC3E}">
+        <p14:creationId xmlns:p14="http://schemas.microsoft.com/office/powerpoint/2010/main" val="2598391320"/>
+      </p:ext>
+    </p:extLst>
+  </p:cSld>
+  <p:clrMapOvr>
+    <a:masterClrMapping/>
+  </p:clrMapOvr>
+  <mc:AlternateContent xmlns:mc="http://schemas.openxmlformats.org/markup-compatibility/2006" xmlns:p14="http://schemas.microsoft.com/office/powerpoint/2010/main">
+    <mc:Choice Requires="p14">
+      <p:transition spd="med" p14:dur="700">
+        <p:fade/>
+      </p:transition>
+    </mc:Choice>
+    <mc:Fallback xmlns="">
+      <p:transition spd="med">
+        <p:fade/>
+      </p:transition>
+    </mc:Fallback>
+  </mc:AlternateContent>
+</p:sld>
+</file>
+
+<file path=ppt/slides/slide7.xml><?xml version="1.0" encoding="utf-8"?>
+<p:sld xmlns:a="http://schemas.openxmlformats.org/drawingml/2006/main" xmlns:r="http://schemas.openxmlformats.org/officeDocument/2006/relationships" xmlns:p="http://schemas.openxmlformats.org/presentationml/2006/main">
+  <p:cSld>
+    <p:spTree>
+      <p:nvGrpSpPr>
+        <p:cNvPr id="1" name=""/>
+        <p:cNvGrpSpPr/>
+        <p:nvPr/>
+      </p:nvGrpSpPr>
+      <p:grpSpPr>
+        <a:xfrm>
+          <a:off x="0" y="0"/>
+          <a:ext cx="0" cy="0"/>
+          <a:chOff x="0" y="0"/>
+          <a:chExt cx="0" cy="0"/>
+        </a:xfrm>
+      </p:grpSpPr>
+      <p:pic>
+        <p:nvPicPr>
+          <p:cNvPr id="10" name="Picture 9">
+            <a:extLst>
+              <a:ext uri="{FF2B5EF4-FFF2-40B4-BE49-F238E27FC236}">
+                <a16:creationId xmlns:a16="http://schemas.microsoft.com/office/drawing/2014/main" id="{85A24622-65EE-10BC-2E83-672431819885}"/>
+              </a:ext>
+            </a:extLst>
+          </p:cNvPr>
+          <p:cNvPicPr>
+            <a:picLocks noChangeAspect="1"/>
+          </p:cNvPicPr>
+          <p:nvPr/>
+        </p:nvPicPr>
+        <p:blipFill>
+          <a:blip r:embed="rId3"/>
+          <a:stretch>
+            <a:fillRect/>
+          </a:stretch>
+        </p:blipFill>
+        <p:spPr>
+          <a:xfrm>
+            <a:off x="307964" y="3375916"/>
+            <a:ext cx="5726951" cy="2713891"/>
+          </a:xfrm>
+          <a:prstGeom prst="rect">
+            <a:avLst/>
+          </a:prstGeom>
+        </p:spPr>
+        <p:style>
+          <a:lnRef idx="2">
+            <a:schemeClr val="accent6"/>
+          </a:lnRef>
+          <a:fillRef idx="1">
+            <a:schemeClr val="lt1"/>
+          </a:fillRef>
+          <a:effectRef idx="0">
+            <a:schemeClr val="accent6"/>
+          </a:effectRef>
+          <a:fontRef idx="minor">
+            <a:schemeClr val="dk1"/>
+          </a:fontRef>
+        </p:style>
+      </p:pic>
+      <p:pic>
+        <p:nvPicPr>
+          <p:cNvPr id="6" name="Picture 5">
+            <a:extLst>
+              <a:ext uri="{FF2B5EF4-FFF2-40B4-BE49-F238E27FC236}">
+                <a16:creationId xmlns:a16="http://schemas.microsoft.com/office/drawing/2014/main" id="{8CF73385-A324-38F1-C7FA-7EB851059B53}"/>
+              </a:ext>
+            </a:extLst>
+          </p:cNvPr>
+          <p:cNvPicPr>
+            <a:picLocks noChangeAspect="1"/>
+          </p:cNvPicPr>
+          <p:nvPr/>
+        </p:nvPicPr>
+        <p:blipFill>
+          <a:blip r:embed="rId4"/>
+          <a:stretch>
+            <a:fillRect/>
+          </a:stretch>
+        </p:blipFill>
+        <p:spPr>
+          <a:xfrm>
+            <a:off x="307964" y="174661"/>
+            <a:ext cx="7352306" cy="1678112"/>
+          </a:xfrm>
+          <a:prstGeom prst="rect">
+            <a:avLst/>
+          </a:prstGeom>
+        </p:spPr>
+        <p:style>
+          <a:lnRef idx="2">
+            <a:schemeClr val="accent6"/>
+          </a:lnRef>
+          <a:fillRef idx="1">
+            <a:schemeClr val="lt1"/>
+          </a:fillRef>
+          <a:effectRef idx="0">
+            <a:schemeClr val="accent6"/>
+          </a:effectRef>
+          <a:fontRef idx="minor">
+            <a:schemeClr val="dk1"/>
+          </a:fontRef>
+        </p:style>
+      </p:pic>
+      <p:pic>
+        <p:nvPicPr>
+          <p:cNvPr id="8" name="Picture 7">
+            <a:extLst>
+              <a:ext uri="{FF2B5EF4-FFF2-40B4-BE49-F238E27FC236}">
+                <a16:creationId xmlns:a16="http://schemas.microsoft.com/office/drawing/2014/main" id="{D84CF052-8915-58F8-CDFB-B1CB270C6DAB}"/>
+              </a:ext>
+            </a:extLst>
+          </p:cNvPr>
+          <p:cNvPicPr>
+            <a:picLocks noChangeAspect="1"/>
+          </p:cNvPicPr>
+          <p:nvPr/>
+        </p:nvPicPr>
+        <p:blipFill>
+          <a:blip r:embed="rId5"/>
+          <a:stretch>
+            <a:fillRect/>
+          </a:stretch>
+        </p:blipFill>
+        <p:spPr>
+          <a:xfrm>
+            <a:off x="4413985" y="1464596"/>
+            <a:ext cx="7470051" cy="2123125"/>
+          </a:xfrm>
+          <a:prstGeom prst="rect">
+            <a:avLst/>
+          </a:prstGeom>
+        </p:spPr>
+        <p:style>
+          <a:lnRef idx="2">
+            <a:schemeClr val="accent6"/>
+          </a:lnRef>
+          <a:fillRef idx="1">
+            <a:schemeClr val="lt1"/>
+          </a:fillRef>
+          <a:effectRef idx="0">
+            <a:schemeClr val="accent6"/>
+          </a:effectRef>
+          <a:fontRef idx="minor">
+            <a:schemeClr val="dk1"/>
+          </a:fontRef>
+        </p:style>
+      </p:pic>
+      <p:pic>
+        <p:nvPicPr>
+          <p:cNvPr id="12" name="Picture 11">
+            <a:extLst>
+              <a:ext uri="{FF2B5EF4-FFF2-40B4-BE49-F238E27FC236}">
+                <a16:creationId xmlns:a16="http://schemas.microsoft.com/office/drawing/2014/main" id="{DAF98B63-C1CB-37F1-CE42-283DB097340A}"/>
+              </a:ext>
+            </a:extLst>
+          </p:cNvPr>
+          <p:cNvPicPr>
+            <a:picLocks noChangeAspect="1"/>
+          </p:cNvPicPr>
+          <p:nvPr/>
+        </p:nvPicPr>
+        <p:blipFill>
+          <a:blip r:embed="rId6"/>
+          <a:stretch>
+            <a:fillRect/>
+          </a:stretch>
+        </p:blipFill>
+        <p:spPr>
+          <a:xfrm>
+            <a:off x="6953429" y="3962400"/>
+            <a:ext cx="5255837" cy="2514600"/>
+          </a:xfrm>
+          <a:prstGeom prst="rect">
+            <a:avLst/>
+          </a:prstGeom>
+        </p:spPr>
+        <p:style>
+          <a:lnRef idx="2">
+            <a:schemeClr val="accent6"/>
+          </a:lnRef>
+          <a:fillRef idx="1">
+            <a:schemeClr val="lt1"/>
+          </a:fillRef>
+          <a:effectRef idx="0">
+            <a:schemeClr val="accent6"/>
+          </a:effectRef>
+          <a:fontRef idx="minor">
+            <a:schemeClr val="dk1"/>
+          </a:fontRef>
+        </p:style>
+      </p:pic>
+      <p:sp>
+        <p:nvSpPr>
+          <p:cNvPr id="14" name="Arrow: Bent 13">
+            <a:extLst>
+              <a:ext uri="{FF2B5EF4-FFF2-40B4-BE49-F238E27FC236}">
+                <a16:creationId xmlns:a16="http://schemas.microsoft.com/office/drawing/2014/main" id="{63D30E27-4241-F03B-88A6-691A80345219}"/>
+              </a:ext>
+            </a:extLst>
+          </p:cNvPr>
+          <p:cNvSpPr/>
+          <p:nvPr/>
+        </p:nvSpPr>
+        <p:spPr>
+          <a:xfrm rot="5400000" flipV="1">
+            <a:off x="3249412" y="2214777"/>
+            <a:ext cx="854996" cy="1010941"/>
+          </a:xfrm>
+          <a:prstGeom prst="bentArrow">
+            <a:avLst>
+              <a:gd name="adj1" fmla="val 25000"/>
+              <a:gd name="adj2" fmla="val 33447"/>
+              <a:gd name="adj3" fmla="val 25000"/>
+              <a:gd name="adj4" fmla="val 43750"/>
+            </a:avLst>
+          </a:prstGeom>
+          <a:ln w="57150"/>
+        </p:spPr>
+        <p:style>
+          <a:lnRef idx="1">
+            <a:schemeClr val="accent3"/>
+          </a:lnRef>
+          <a:fillRef idx="2">
+            <a:schemeClr val="accent3"/>
+          </a:fillRef>
+          <a:effectRef idx="1">
+            <a:schemeClr val="accent3"/>
+          </a:effectRef>
+          <a:fontRef idx="minor">
+            <a:schemeClr val="dk1"/>
+          </a:fontRef>
+        </p:style>
+        <p:txBody>
+          <a:bodyPr rtlCol="0" anchor="ctr"/>
+          <a:lstStyle/>
+          <a:p>
+            <a:pPr algn="ctr"/>
+            <a:endParaRPr lang="en-US">
+              <a:solidFill>
+                <a:schemeClr val="tx1"/>
+              </a:solidFill>
+            </a:endParaRPr>
+          </a:p>
+        </p:txBody>
+      </p:sp>
+      <p:sp>
+        <p:nvSpPr>
+          <p:cNvPr id="15" name="Arrow: Bent 14">
+            <a:extLst>
+              <a:ext uri="{FF2B5EF4-FFF2-40B4-BE49-F238E27FC236}">
+                <a16:creationId xmlns:a16="http://schemas.microsoft.com/office/drawing/2014/main" id="{8E904FFB-4EF5-3B93-92FC-FC7706459B01}"/>
+              </a:ext>
+            </a:extLst>
+          </p:cNvPr>
+          <p:cNvSpPr/>
+          <p:nvPr/>
+        </p:nvSpPr>
+        <p:spPr>
+          <a:xfrm rot="5400000">
+            <a:off x="8028507" y="734493"/>
+            <a:ext cx="854996" cy="910010"/>
+          </a:xfrm>
+          <a:prstGeom prst="bentArrow">
+            <a:avLst>
+              <a:gd name="adj1" fmla="val 25000"/>
+              <a:gd name="adj2" fmla="val 33447"/>
+              <a:gd name="adj3" fmla="val 25000"/>
+              <a:gd name="adj4" fmla="val 43750"/>
+            </a:avLst>
+          </a:prstGeom>
+          <a:ln w="57150"/>
+        </p:spPr>
+        <p:style>
+          <a:lnRef idx="1">
+            <a:schemeClr val="accent3"/>
+          </a:lnRef>
+          <a:fillRef idx="2">
+            <a:schemeClr val="accent3"/>
+          </a:fillRef>
+          <a:effectRef idx="1">
+            <a:schemeClr val="accent3"/>
+          </a:effectRef>
+          <a:fontRef idx="minor">
+            <a:schemeClr val="dk1"/>
+          </a:fontRef>
+        </p:style>
+        <p:txBody>
+          <a:bodyPr rtlCol="0" anchor="ctr"/>
+          <a:lstStyle/>
+          <a:p>
+            <a:pPr algn="ctr"/>
+            <a:endParaRPr lang="en-US">
+              <a:solidFill>
+                <a:schemeClr val="tx1"/>
+              </a:solidFill>
+            </a:endParaRPr>
+          </a:p>
+        </p:txBody>
+      </p:sp>
+      <p:sp>
+        <p:nvSpPr>
+          <p:cNvPr id="16" name="Arrow: Right 15">
+            <a:extLst>
+              <a:ext uri="{FF2B5EF4-FFF2-40B4-BE49-F238E27FC236}">
+                <a16:creationId xmlns:a16="http://schemas.microsoft.com/office/drawing/2014/main" id="{FB512E84-EA00-3B8F-F518-7D87B4F27716}"/>
+              </a:ext>
+            </a:extLst>
+          </p:cNvPr>
+          <p:cNvSpPr/>
+          <p:nvPr/>
+        </p:nvSpPr>
+        <p:spPr>
+          <a:xfrm>
+            <a:off x="6059357" y="4877656"/>
+            <a:ext cx="918514" cy="515748"/>
+          </a:xfrm>
+          <a:prstGeom prst="rightArrow">
+            <a:avLst/>
+          </a:prstGeom>
+          <a:ln w="57150"/>
+        </p:spPr>
+        <p:style>
+          <a:lnRef idx="1">
+            <a:schemeClr val="accent3"/>
+          </a:lnRef>
+          <a:fillRef idx="2">
+            <a:schemeClr val="accent3"/>
+          </a:fillRef>
+          <a:effectRef idx="1">
+            <a:schemeClr val="accent3"/>
+          </a:effectRef>
+          <a:fontRef idx="minor">
+            <a:schemeClr val="dk1"/>
+          </a:fontRef>
+        </p:style>
+        <p:txBody>
+          <a:bodyPr rtlCol="0" anchor="ctr"/>
+          <a:lstStyle/>
+          <a:p>
+            <a:pPr algn="ctr"/>
+            <a:endParaRPr lang="en-US"/>
+          </a:p>
+        </p:txBody>
+      </p:sp>
+    </p:spTree>
+    <p:extLst>
+      <p:ext uri="{BB962C8B-B14F-4D97-AF65-F5344CB8AC3E}">
+        <p14:creationId xmlns:p14="http://schemas.microsoft.com/office/powerpoint/2010/main" val="1130047656"/>
       </p:ext>
     </p:extLst>
   </p:cSld>
@@ -6900,37 +10929,239 @@
           <a:chExt cx="0" cy="0"/>
         </a:xfrm>
       </p:grpSpPr>
-      <p:sp>
-        <p:nvSpPr>
-          <p:cNvPr id="2" name="Title 1">
+      <p:pic>
+        <p:nvPicPr>
+          <p:cNvPr id="8" name="Picture 7">
             <a:extLst>
               <a:ext uri="{FF2B5EF4-FFF2-40B4-BE49-F238E27FC236}">
-                <a16:creationId xmlns:a16="http://schemas.microsoft.com/office/drawing/2014/main" id="{F5850A68-857F-7D7E-FC43-2AE8C5FB0484}"/>
+                <a16:creationId xmlns:a16="http://schemas.microsoft.com/office/drawing/2014/main" id="{2715331C-24B8-F168-E560-896EDA494C29}"/>
               </a:ext>
             </a:extLst>
           </p:cNvPr>
-          <p:cNvSpPr>
-            <a:spLocks noGrp="1"/>
-          </p:cNvSpPr>
-          <p:nvPr>
-            <p:ph type="title"/>
-          </p:nvPr>
-        </p:nvSpPr>
+          <p:cNvPicPr>
+            <a:picLocks noChangeAspect="1"/>
+          </p:cNvPicPr>
+          <p:nvPr/>
+        </p:nvPicPr>
+        <p:blipFill>
+          <a:blip r:embed="rId3"/>
+          <a:stretch>
+            <a:fillRect/>
+          </a:stretch>
+        </p:blipFill>
         <p:spPr>
           <a:xfrm>
-            <a:off x="2590800" y="2743199"/>
-            <a:ext cx="6102350" cy="1371601"/>
-          </a:xfrm>
-        </p:spPr>
-        <p:txBody>
-          <a:bodyPr>
-            <a:normAutofit/>
+            <a:off x="838200" y="656289"/>
+            <a:ext cx="9660049" cy="1844328"/>
+          </a:xfrm>
+          <a:prstGeom prst="rect">
+            <a:avLst/>
+          </a:prstGeom>
+        </p:spPr>
+        <p:style>
+          <a:lnRef idx="2">
+            <a:schemeClr val="accent6"/>
+          </a:lnRef>
+          <a:fillRef idx="1">
+            <a:schemeClr val="lt1"/>
+          </a:fillRef>
+          <a:effectRef idx="0">
+            <a:schemeClr val="accent6"/>
+          </a:effectRef>
+          <a:fontRef idx="minor">
+            <a:schemeClr val="dk1"/>
+          </a:fontRef>
+        </p:style>
+      </p:pic>
+      <p:pic>
+        <p:nvPicPr>
+          <p:cNvPr id="13" name="Picture 12">
+            <a:extLst>
+              <a:ext uri="{FF2B5EF4-FFF2-40B4-BE49-F238E27FC236}">
+                <a16:creationId xmlns:a16="http://schemas.microsoft.com/office/drawing/2014/main" id="{98AA3202-1868-F515-7F9A-386E068229E0}"/>
+              </a:ext>
+            </a:extLst>
+          </p:cNvPr>
+          <p:cNvPicPr>
+            <a:picLocks noChangeAspect="1"/>
+          </p:cNvPicPr>
+          <p:nvPr/>
+        </p:nvPicPr>
+        <p:blipFill>
+          <a:blip r:embed="rId4"/>
+          <a:stretch>
+            <a:fillRect/>
+          </a:stretch>
+        </p:blipFill>
+        <p:spPr>
+          <a:xfrm>
+            <a:off x="6303076" y="3931543"/>
+            <a:ext cx="5753903" cy="2457793"/>
+          </a:xfrm>
+          <a:prstGeom prst="rect">
+            <a:avLst/>
+          </a:prstGeom>
+        </p:spPr>
+        <p:style>
+          <a:lnRef idx="2">
+            <a:schemeClr val="accent6"/>
+          </a:lnRef>
+          <a:fillRef idx="1">
+            <a:schemeClr val="lt1"/>
+          </a:fillRef>
+          <a:effectRef idx="0">
+            <a:schemeClr val="accent6"/>
+          </a:effectRef>
+          <a:fontRef idx="minor">
+            <a:schemeClr val="dk1"/>
+          </a:fontRef>
+        </p:style>
+      </p:pic>
+      <p:pic>
+        <p:nvPicPr>
+          <p:cNvPr id="15" name="Picture 14">
+            <a:extLst>
+              <a:ext uri="{FF2B5EF4-FFF2-40B4-BE49-F238E27FC236}">
+                <a16:creationId xmlns:a16="http://schemas.microsoft.com/office/drawing/2014/main" id="{A47A0430-C459-1C1B-CE72-2BEA40E6E92A}"/>
+              </a:ext>
+            </a:extLst>
+          </p:cNvPr>
+          <p:cNvPicPr>
+            <a:picLocks noChangeAspect="1"/>
+          </p:cNvPicPr>
+          <p:nvPr/>
+        </p:nvPicPr>
+        <p:blipFill>
+          <a:blip r:embed="rId5"/>
+          <a:stretch>
+            <a:fillRect/>
+          </a:stretch>
+        </p:blipFill>
+        <p:spPr>
+          <a:xfrm>
+            <a:off x="228600" y="3266727"/>
+            <a:ext cx="5620534" cy="2838846"/>
+          </a:xfrm>
+          <a:prstGeom prst="rect">
+            <a:avLst/>
+          </a:prstGeom>
+        </p:spPr>
+        <p:style>
+          <a:lnRef idx="2">
+            <a:schemeClr val="accent6"/>
+          </a:lnRef>
+          <a:fillRef idx="1">
+            <a:schemeClr val="lt1"/>
+          </a:fillRef>
+          <a:effectRef idx="0">
+            <a:schemeClr val="accent6"/>
+          </a:effectRef>
+          <a:fontRef idx="minor">
+            <a:schemeClr val="dk1"/>
+          </a:fontRef>
+        </p:style>
+      </p:pic>
+      <p:sp>
+        <p:nvSpPr>
+          <p:cNvPr id="16" name="TextBox 15">
+            <a:extLst>
+              <a:ext uri="{FF2B5EF4-FFF2-40B4-BE49-F238E27FC236}">
+                <a16:creationId xmlns:a16="http://schemas.microsoft.com/office/drawing/2014/main" id="{064B115D-4C31-C56B-C206-C9E46153A1CE}"/>
+              </a:ext>
+            </a:extLst>
+          </p:cNvPr>
+          <p:cNvSpPr txBox="1"/>
+          <p:nvPr/>
+        </p:nvSpPr>
+        <p:spPr>
+          <a:xfrm>
+            <a:off x="838200" y="228600"/>
+            <a:ext cx="5334000" cy="369332"/>
+          </a:xfrm>
+          <a:prstGeom prst="rect">
+            <a:avLst/>
+          </a:prstGeom>
+          <a:noFill/>
+        </p:spPr>
+        <p:txBody>
+          <a:bodyPr wrap="square" rtlCol="0">
+            <a:spAutoFit/>
           </a:bodyPr>
           <a:lstStyle/>
           <a:p>
             <a:r>
-              <a:rPr lang="en-US" sz="8800" dirty="0"/>
-              <a:t>Questions??</a:t>
+              <a:rPr lang="en-US" dirty="0"/>
+              <a:t>Picking the training data</a:t>
+            </a:r>
+          </a:p>
+        </p:txBody>
+      </p:sp>
+      <p:sp>
+        <p:nvSpPr>
+          <p:cNvPr id="17" name="TextBox 16">
+            <a:extLst>
+              <a:ext uri="{FF2B5EF4-FFF2-40B4-BE49-F238E27FC236}">
+                <a16:creationId xmlns:a16="http://schemas.microsoft.com/office/drawing/2014/main" id="{69C7056F-774E-FE21-74AB-E67DD4A2D3F3}"/>
+              </a:ext>
+            </a:extLst>
+          </p:cNvPr>
+          <p:cNvSpPr txBox="1"/>
+          <p:nvPr/>
+        </p:nvSpPr>
+        <p:spPr>
+          <a:xfrm>
+            <a:off x="255917" y="2774468"/>
+            <a:ext cx="5334000" cy="369332"/>
+          </a:xfrm>
+          <a:prstGeom prst="rect">
+            <a:avLst/>
+          </a:prstGeom>
+          <a:noFill/>
+        </p:spPr>
+        <p:txBody>
+          <a:bodyPr wrap="square" rtlCol="0">
+            <a:spAutoFit/>
+          </a:bodyPr>
+          <a:lstStyle/>
+          <a:p>
+            <a:r>
+              <a:rPr lang="en-US" dirty="0"/>
+              <a:t>First method of encoding the data</a:t>
+            </a:r>
+          </a:p>
+        </p:txBody>
+      </p:sp>
+      <p:sp>
+        <p:nvSpPr>
+          <p:cNvPr id="18" name="TextBox 17">
+            <a:extLst>
+              <a:ext uri="{FF2B5EF4-FFF2-40B4-BE49-F238E27FC236}">
+                <a16:creationId xmlns:a16="http://schemas.microsoft.com/office/drawing/2014/main" id="{9383C89F-D72B-B4C3-8A3A-B01324C2A19C}"/>
+              </a:ext>
+            </a:extLst>
+          </p:cNvPr>
+          <p:cNvSpPr txBox="1"/>
+          <p:nvPr/>
+        </p:nvSpPr>
+        <p:spPr>
+          <a:xfrm>
+            <a:off x="6486543" y="3460630"/>
+            <a:ext cx="4011706" cy="369332"/>
+          </a:xfrm>
+          <a:prstGeom prst="rect">
+            <a:avLst/>
+          </a:prstGeom>
+          <a:noFill/>
+        </p:spPr>
+        <p:txBody>
+          <a:bodyPr wrap="square" rtlCol="0">
+            <a:spAutoFit/>
+          </a:bodyPr>
+          <a:lstStyle/>
+          <a:p>
+            <a:r>
+              <a:rPr lang="en-US" dirty="0"/>
+              <a:t>Better method of encoding the data</a:t>
             </a:r>
           </a:p>
         </p:txBody>
@@ -6938,7 +11169,328 @@
     </p:spTree>
     <p:extLst>
       <p:ext uri="{BB962C8B-B14F-4D97-AF65-F5344CB8AC3E}">
-        <p14:creationId xmlns:p14="http://schemas.microsoft.com/office/powerpoint/2010/main" val="1329346222"/>
+        <p14:creationId xmlns:p14="http://schemas.microsoft.com/office/powerpoint/2010/main" val="10426917"/>
+      </p:ext>
+    </p:extLst>
+  </p:cSld>
+  <p:clrMapOvr>
+    <a:masterClrMapping/>
+  </p:clrMapOvr>
+  <mc:AlternateContent xmlns:mc="http://schemas.openxmlformats.org/markup-compatibility/2006" xmlns:p14="http://schemas.microsoft.com/office/powerpoint/2010/main">
+    <mc:Choice Requires="p14">
+      <p:transition spd="med" p14:dur="700">
+        <p:fade/>
+      </p:transition>
+    </mc:Choice>
+    <mc:Fallback xmlns="">
+      <p:transition spd="med">
+        <p:fade/>
+      </p:transition>
+    </mc:Fallback>
+  </mc:AlternateContent>
+</p:sld>
+</file>
+
+<file path=ppt/slides/slide9.xml><?xml version="1.0" encoding="utf-8"?>
+<p:sld xmlns:a="http://schemas.openxmlformats.org/drawingml/2006/main" xmlns:r="http://schemas.openxmlformats.org/officeDocument/2006/relationships" xmlns:p="http://schemas.openxmlformats.org/presentationml/2006/main">
+  <p:cSld>
+    <p:spTree>
+      <p:nvGrpSpPr>
+        <p:cNvPr id="1" name=""/>
+        <p:cNvGrpSpPr/>
+        <p:nvPr/>
+      </p:nvGrpSpPr>
+      <p:grpSpPr>
+        <a:xfrm>
+          <a:off x="0" y="0"/>
+          <a:ext cx="0" cy="0"/>
+          <a:chOff x="0" y="0"/>
+          <a:chExt cx="0" cy="0"/>
+        </a:xfrm>
+      </p:grpSpPr>
+      <p:pic>
+        <p:nvPicPr>
+          <p:cNvPr id="10" name="Picture 9">
+            <a:extLst>
+              <a:ext uri="{FF2B5EF4-FFF2-40B4-BE49-F238E27FC236}">
+                <a16:creationId xmlns:a16="http://schemas.microsoft.com/office/drawing/2014/main" id="{392E725B-B5AD-7D84-5B84-E0C47A6CF87D}"/>
+              </a:ext>
+            </a:extLst>
+          </p:cNvPr>
+          <p:cNvPicPr>
+            <a:picLocks noChangeAspect="1"/>
+          </p:cNvPicPr>
+          <p:nvPr/>
+        </p:nvPicPr>
+        <p:blipFill>
+          <a:blip r:embed="rId3"/>
+          <a:stretch>
+            <a:fillRect/>
+          </a:stretch>
+        </p:blipFill>
+        <p:spPr>
+          <a:xfrm>
+            <a:off x="990600" y="4495651"/>
+            <a:ext cx="3667637" cy="2133898"/>
+          </a:xfrm>
+          <a:prstGeom prst="rect">
+            <a:avLst/>
+          </a:prstGeom>
+        </p:spPr>
+        <p:style>
+          <a:lnRef idx="2">
+            <a:schemeClr val="accent6"/>
+          </a:lnRef>
+          <a:fillRef idx="1">
+            <a:schemeClr val="lt1"/>
+          </a:fillRef>
+          <a:effectRef idx="0">
+            <a:schemeClr val="accent6"/>
+          </a:effectRef>
+          <a:fontRef idx="minor">
+            <a:schemeClr val="dk1"/>
+          </a:fontRef>
+        </p:style>
+      </p:pic>
+      <p:pic>
+        <p:nvPicPr>
+          <p:cNvPr id="6" name="Picture 5">
+            <a:extLst>
+              <a:ext uri="{FF2B5EF4-FFF2-40B4-BE49-F238E27FC236}">
+                <a16:creationId xmlns:a16="http://schemas.microsoft.com/office/drawing/2014/main" id="{9682036D-5CD4-A4DB-5529-4EDEEF4F3DB7}"/>
+              </a:ext>
+            </a:extLst>
+          </p:cNvPr>
+          <p:cNvPicPr>
+            <a:picLocks noChangeAspect="1"/>
+          </p:cNvPicPr>
+          <p:nvPr/>
+        </p:nvPicPr>
+        <p:blipFill>
+          <a:blip r:embed="rId4"/>
+          <a:stretch>
+            <a:fillRect/>
+          </a:stretch>
+        </p:blipFill>
+        <p:spPr>
+          <a:xfrm>
+            <a:off x="609600" y="381000"/>
+            <a:ext cx="4250014" cy="3810000"/>
+          </a:xfrm>
+          <a:prstGeom prst="rect">
+            <a:avLst/>
+          </a:prstGeom>
+        </p:spPr>
+        <p:style>
+          <a:lnRef idx="2">
+            <a:schemeClr val="accent6"/>
+          </a:lnRef>
+          <a:fillRef idx="1">
+            <a:schemeClr val="lt1"/>
+          </a:fillRef>
+          <a:effectRef idx="0">
+            <a:schemeClr val="accent6"/>
+          </a:effectRef>
+          <a:fontRef idx="minor">
+            <a:schemeClr val="dk1"/>
+          </a:fontRef>
+        </p:style>
+      </p:pic>
+      <p:pic>
+        <p:nvPicPr>
+          <p:cNvPr id="8" name="Picture 7">
+            <a:extLst>
+              <a:ext uri="{FF2B5EF4-FFF2-40B4-BE49-F238E27FC236}">
+                <a16:creationId xmlns:a16="http://schemas.microsoft.com/office/drawing/2014/main" id="{5EAB8DF8-7FCC-BE54-1CAA-C96E9A5744A5}"/>
+              </a:ext>
+            </a:extLst>
+          </p:cNvPr>
+          <p:cNvPicPr>
+            <a:picLocks noChangeAspect="1"/>
+          </p:cNvPicPr>
+          <p:nvPr/>
+        </p:nvPicPr>
+        <p:blipFill>
+          <a:blip r:embed="rId5"/>
+          <a:stretch>
+            <a:fillRect/>
+          </a:stretch>
+        </p:blipFill>
+        <p:spPr>
+          <a:xfrm>
+            <a:off x="4495800" y="2438400"/>
+            <a:ext cx="7506748" cy="3238952"/>
+          </a:xfrm>
+          <a:prstGeom prst="rect">
+            <a:avLst/>
+          </a:prstGeom>
+        </p:spPr>
+        <p:style>
+          <a:lnRef idx="2">
+            <a:schemeClr val="accent6"/>
+          </a:lnRef>
+          <a:fillRef idx="1">
+            <a:schemeClr val="lt1"/>
+          </a:fillRef>
+          <a:effectRef idx="0">
+            <a:schemeClr val="accent6"/>
+          </a:effectRef>
+          <a:fontRef idx="minor">
+            <a:schemeClr val="dk1"/>
+          </a:fontRef>
+        </p:style>
+      </p:pic>
+      <p:sp>
+        <p:nvSpPr>
+          <p:cNvPr id="11" name="TextBox 10">
+            <a:extLst>
+              <a:ext uri="{FF2B5EF4-FFF2-40B4-BE49-F238E27FC236}">
+                <a16:creationId xmlns:a16="http://schemas.microsoft.com/office/drawing/2014/main" id="{C25EE639-52B6-DEDD-19F0-EB99CF641521}"/>
+              </a:ext>
+            </a:extLst>
+          </p:cNvPr>
+          <p:cNvSpPr txBox="1"/>
+          <p:nvPr/>
+        </p:nvSpPr>
+        <p:spPr>
+          <a:xfrm>
+            <a:off x="6934200" y="416667"/>
+            <a:ext cx="3505200" cy="1200329"/>
+          </a:xfrm>
+          <a:prstGeom prst="rect">
+            <a:avLst/>
+          </a:prstGeom>
+          <a:noFill/>
+        </p:spPr>
+        <p:txBody>
+          <a:bodyPr wrap="square" rtlCol="0">
+            <a:spAutoFit/>
+          </a:bodyPr>
+          <a:lstStyle/>
+          <a:p>
+            <a:r>
+              <a:rPr lang="en-US" sz="2400" dirty="0"/>
+              <a:t>Split ting &amp; </a:t>
+            </a:r>
+            <a:r>
+              <a:rPr lang="en-US" sz="4800" dirty="0"/>
+              <a:t>Scaling</a:t>
+            </a:r>
+          </a:p>
+        </p:txBody>
+      </p:sp>
+      <p:sp>
+        <p:nvSpPr>
+          <p:cNvPr id="12" name="Arrow: Bent 11">
+            <a:extLst>
+              <a:ext uri="{FF2B5EF4-FFF2-40B4-BE49-F238E27FC236}">
+                <a16:creationId xmlns:a16="http://schemas.microsoft.com/office/drawing/2014/main" id="{13EDF019-D098-696C-9874-018D519D5922}"/>
+              </a:ext>
+            </a:extLst>
+          </p:cNvPr>
+          <p:cNvSpPr/>
+          <p:nvPr/>
+        </p:nvSpPr>
+        <p:spPr>
+          <a:xfrm rot="5400000">
+            <a:off x="4887121" y="1555897"/>
+            <a:ext cx="854996" cy="910010"/>
+          </a:xfrm>
+          <a:prstGeom prst="bentArrow">
+            <a:avLst>
+              <a:gd name="adj1" fmla="val 25000"/>
+              <a:gd name="adj2" fmla="val 33447"/>
+              <a:gd name="adj3" fmla="val 25000"/>
+              <a:gd name="adj4" fmla="val 43750"/>
+            </a:avLst>
+          </a:prstGeom>
+          <a:ln w="57150"/>
+        </p:spPr>
+        <p:style>
+          <a:lnRef idx="1">
+            <a:schemeClr val="accent3"/>
+          </a:lnRef>
+          <a:fillRef idx="2">
+            <a:schemeClr val="accent3"/>
+          </a:fillRef>
+          <a:effectRef idx="1">
+            <a:schemeClr val="accent3"/>
+          </a:effectRef>
+          <a:fontRef idx="minor">
+            <a:schemeClr val="dk1"/>
+          </a:fontRef>
+        </p:style>
+        <p:txBody>
+          <a:bodyPr rtlCol="0" anchor="ctr"/>
+          <a:lstStyle/>
+          <a:p>
+            <a:pPr algn="ctr"/>
+            <a:endParaRPr lang="en-US">
+              <a:solidFill>
+                <a:schemeClr val="tx1"/>
+              </a:solidFill>
+            </a:endParaRPr>
+          </a:p>
+        </p:txBody>
+      </p:sp>
+      <p:sp>
+        <p:nvSpPr>
+          <p:cNvPr id="13" name="Arrow: Bent 12">
+            <a:extLst>
+              <a:ext uri="{FF2B5EF4-FFF2-40B4-BE49-F238E27FC236}">
+                <a16:creationId xmlns:a16="http://schemas.microsoft.com/office/drawing/2014/main" id="{5620037C-9E7B-013B-C34B-001418ADA18C}"/>
+              </a:ext>
+            </a:extLst>
+          </p:cNvPr>
+          <p:cNvSpPr/>
+          <p:nvPr/>
+        </p:nvSpPr>
+        <p:spPr>
+          <a:xfrm rot="10800000">
+            <a:off x="4495800" y="5793395"/>
+            <a:ext cx="854996" cy="910010"/>
+          </a:xfrm>
+          <a:prstGeom prst="bentArrow">
+            <a:avLst>
+              <a:gd name="adj1" fmla="val 25000"/>
+              <a:gd name="adj2" fmla="val 33447"/>
+              <a:gd name="adj3" fmla="val 25000"/>
+              <a:gd name="adj4" fmla="val 43750"/>
+            </a:avLst>
+          </a:prstGeom>
+          <a:ln w="57150"/>
+        </p:spPr>
+        <p:style>
+          <a:lnRef idx="1">
+            <a:schemeClr val="accent3"/>
+          </a:lnRef>
+          <a:fillRef idx="2">
+            <a:schemeClr val="accent3"/>
+          </a:fillRef>
+          <a:effectRef idx="1">
+            <a:schemeClr val="accent3"/>
+          </a:effectRef>
+          <a:fontRef idx="minor">
+            <a:schemeClr val="dk1"/>
+          </a:fontRef>
+        </p:style>
+        <p:txBody>
+          <a:bodyPr rtlCol="0" anchor="ctr"/>
+          <a:lstStyle/>
+          <a:p>
+            <a:pPr algn="ctr"/>
+            <a:endParaRPr lang="en-US">
+              <a:solidFill>
+                <a:schemeClr val="tx1"/>
+              </a:solidFill>
+            </a:endParaRPr>
+          </a:p>
+        </p:txBody>
+      </p:sp>
+    </p:spTree>
+    <p:extLst>
+      <p:ext uri="{BB962C8B-B14F-4D97-AF65-F5344CB8AC3E}">
+        <p14:creationId xmlns:p14="http://schemas.microsoft.com/office/powerpoint/2010/main" val="3266657859"/>
       </p:ext>
     </p:extLst>
   </p:cSld>

--- a/Powerpoint.pptx
+++ b/Powerpoint.pptx
@@ -5,10 +5,10 @@
     <p:sldMasterId id="2147483648" r:id="rId1"/>
   </p:sldMasterIdLst>
   <p:notesMasterIdLst>
-    <p:notesMasterId r:id="rId19"/>
+    <p:notesMasterId r:id="rId10"/>
   </p:notesMasterIdLst>
   <p:handoutMasterIdLst>
-    <p:handoutMasterId r:id="rId20"/>
+    <p:handoutMasterId r:id="rId11"/>
   </p:handoutMasterIdLst>
   <p:sldIdLst>
     <p:sldId id="257" r:id="rId2"/>
@@ -17,17 +17,8 @@
     <p:sldId id="264" r:id="rId5"/>
     <p:sldId id="272" r:id="rId6"/>
     <p:sldId id="267" r:id="rId7"/>
-    <p:sldId id="276" r:id="rId8"/>
-    <p:sldId id="277" r:id="rId9"/>
-    <p:sldId id="278" r:id="rId10"/>
-    <p:sldId id="279" r:id="rId11"/>
-    <p:sldId id="274" r:id="rId12"/>
-    <p:sldId id="280" r:id="rId13"/>
-    <p:sldId id="275" r:id="rId14"/>
-    <p:sldId id="281" r:id="rId15"/>
-    <p:sldId id="282" r:id="rId16"/>
-    <p:sldId id="268" r:id="rId17"/>
-    <p:sldId id="273" r:id="rId18"/>
+    <p:sldId id="268" r:id="rId8"/>
+    <p:sldId id="273" r:id="rId9"/>
   </p:sldIdLst>
   <p:sldSz cx="12192000" cy="6858000"/>
   <p:notesSz cx="6858000" cy="9144000"/>
@@ -1699,7 +1690,7 @@
           <a:p>
             <a:fld id="{D8DE8356-FFDA-4E74-B804-79023C7DD259}" type="datetimeFigureOut">
               <a:rPr lang="en-US" smtClean="0"/>
-              <a:t>4/19/2023</a:t>
+              <a:t>4/13/2023</a:t>
             </a:fld>
             <a:endParaRPr lang="en-US"/>
           </a:p>
@@ -1864,7 +1855,7 @@
           <a:p>
             <a:fld id="{B43DDCE7-616C-4285-A468-7301F171BC93}" type="datetimeFigureOut">
               <a:rPr lang="en-US" smtClean="0"/>
-              <a:t>4/19/2023</a:t>
+              <a:t>4/13/2023</a:t>
             </a:fld>
             <a:endParaRPr lang="en-US"/>
           </a:p>
@@ -2131,1069 +2122,6 @@
 </p:notesMaster>
 </file>
 
-<file path=ppt/notesSlides/notesSlide1.xml><?xml version="1.0" encoding="utf-8"?>
-<p:notes xmlns:a="http://schemas.openxmlformats.org/drawingml/2006/main" xmlns:r="http://schemas.openxmlformats.org/officeDocument/2006/relationships" xmlns:p="http://schemas.openxmlformats.org/presentationml/2006/main">
-  <p:cSld>
-    <p:spTree>
-      <p:nvGrpSpPr>
-        <p:cNvPr id="1" name=""/>
-        <p:cNvGrpSpPr/>
-        <p:nvPr/>
-      </p:nvGrpSpPr>
-      <p:grpSpPr>
-        <a:xfrm>
-          <a:off x="0" y="0"/>
-          <a:ext cx="0" cy="0"/>
-          <a:chOff x="0" y="0"/>
-          <a:chExt cx="0" cy="0"/>
-        </a:xfrm>
-      </p:grpSpPr>
-      <p:sp>
-        <p:nvSpPr>
-          <p:cNvPr id="2" name="Slide Image Placeholder 1"/>
-          <p:cNvSpPr>
-            <a:spLocks noGrp="1" noRot="1" noChangeAspect="1"/>
-          </p:cNvSpPr>
-          <p:nvPr>
-            <p:ph type="sldImg"/>
-          </p:nvPr>
-        </p:nvSpPr>
-        <p:spPr/>
-      </p:sp>
-      <p:sp>
-        <p:nvSpPr>
-          <p:cNvPr id="3" name="Notes Placeholder 2"/>
-          <p:cNvSpPr>
-            <a:spLocks noGrp="1"/>
-          </p:cNvSpPr>
-          <p:nvPr>
-            <p:ph type="body" idx="1"/>
-          </p:nvPr>
-        </p:nvSpPr>
-        <p:spPr/>
-        <p:txBody>
-          <a:bodyPr/>
-          <a:lstStyle/>
-          <a:p>
-            <a:endParaRPr lang="en-US" dirty="0"/>
-          </a:p>
-        </p:txBody>
-      </p:sp>
-      <p:sp>
-        <p:nvSpPr>
-          <p:cNvPr id="4" name="Slide Number Placeholder 3"/>
-          <p:cNvSpPr>
-            <a:spLocks noGrp="1"/>
-          </p:cNvSpPr>
-          <p:nvPr>
-            <p:ph type="sldNum" sz="quarter" idx="5"/>
-          </p:nvPr>
-        </p:nvSpPr>
-        <p:spPr/>
-        <p:txBody>
-          <a:bodyPr/>
-          <a:lstStyle/>
-          <a:p>
-            <a:fld id="{05C1D8F7-2BDD-4C56-98AF-2E212EF349F3}" type="slidenum">
-              <a:rPr lang="en-US" smtClean="0"/>
-              <a:t>6</a:t>
-            </a:fld>
-            <a:endParaRPr lang="en-US"/>
-          </a:p>
-        </p:txBody>
-      </p:sp>
-    </p:spTree>
-    <p:extLst>
-      <p:ext uri="{BB962C8B-B14F-4D97-AF65-F5344CB8AC3E}">
-        <p14:creationId xmlns:p14="http://schemas.microsoft.com/office/powerpoint/2010/main" val="2359569171"/>
-      </p:ext>
-    </p:extLst>
-  </p:cSld>
-  <p:clrMapOvr>
-    <a:masterClrMapping/>
-  </p:clrMapOvr>
-</p:notes>
-</file>
-
-<file path=ppt/notesSlides/notesSlide2.xml><?xml version="1.0" encoding="utf-8"?>
-<p:notes xmlns:a="http://schemas.openxmlformats.org/drawingml/2006/main" xmlns:r="http://schemas.openxmlformats.org/officeDocument/2006/relationships" xmlns:p="http://schemas.openxmlformats.org/presentationml/2006/main">
-  <p:cSld>
-    <p:spTree>
-      <p:nvGrpSpPr>
-        <p:cNvPr id="1" name=""/>
-        <p:cNvGrpSpPr/>
-        <p:nvPr/>
-      </p:nvGrpSpPr>
-      <p:grpSpPr>
-        <a:xfrm>
-          <a:off x="0" y="0"/>
-          <a:ext cx="0" cy="0"/>
-          <a:chOff x="0" y="0"/>
-          <a:chExt cx="0" cy="0"/>
-        </a:xfrm>
-      </p:grpSpPr>
-      <p:sp>
-        <p:nvSpPr>
-          <p:cNvPr id="2" name="Slide Image Placeholder 1"/>
-          <p:cNvSpPr>
-            <a:spLocks noGrp="1" noRot="1" noChangeAspect="1"/>
-          </p:cNvSpPr>
-          <p:nvPr>
-            <p:ph type="sldImg"/>
-          </p:nvPr>
-        </p:nvSpPr>
-        <p:spPr/>
-      </p:sp>
-      <p:sp>
-        <p:nvSpPr>
-          <p:cNvPr id="3" name="Notes Placeholder 2"/>
-          <p:cNvSpPr>
-            <a:spLocks noGrp="1"/>
-          </p:cNvSpPr>
-          <p:nvPr>
-            <p:ph type="body" idx="1"/>
-          </p:nvPr>
-        </p:nvSpPr>
-        <p:spPr/>
-        <p:txBody>
-          <a:bodyPr/>
-          <a:lstStyle/>
-          <a:p>
-            <a:pPr algn="l"/>
-            <a:r>
-              <a:rPr lang="en-US" b="0" i="0" dirty="0">
-                <a:solidFill>
-                  <a:srgbClr val="D5D5D5"/>
-                </a:solidFill>
-                <a:effectLst/>
-                <a:latin typeface="Roboto" panose="020B0604020202020204" pitchFamily="2" charset="0"/>
-              </a:rPr>
-              <a:t>Here was have that start of our training data.  First we import the </a:t>
-            </a:r>
-            <a:r>
-              <a:rPr lang="en-US" b="0" i="0" dirty="0" err="1">
-                <a:solidFill>
-                  <a:srgbClr val="D5D5D5"/>
-                </a:solidFill>
-                <a:effectLst/>
-                <a:latin typeface="Roboto" panose="020B0604020202020204" pitchFamily="2" charset="0"/>
-              </a:rPr>
-              <a:t>github</a:t>
-            </a:r>
-            <a:r>
-              <a:rPr lang="en-US" b="0" i="0" dirty="0">
-                <a:solidFill>
-                  <a:srgbClr val="D5D5D5"/>
-                </a:solidFill>
-                <a:effectLst/>
-                <a:latin typeface="Roboto" panose="020B0604020202020204" pitchFamily="2" charset="0"/>
-              </a:rPr>
-              <a:t> so our folder structure and files are present in Google Collab.  Then import our dependencies and the data.  Then strip the identifiers from it.</a:t>
-            </a:r>
-          </a:p>
-          <a:p>
-            <a:endParaRPr lang="en-US" dirty="0"/>
-          </a:p>
-        </p:txBody>
-      </p:sp>
-      <p:sp>
-        <p:nvSpPr>
-          <p:cNvPr id="4" name="Slide Number Placeholder 3"/>
-          <p:cNvSpPr>
-            <a:spLocks noGrp="1"/>
-          </p:cNvSpPr>
-          <p:nvPr>
-            <p:ph type="sldNum" sz="quarter" idx="5"/>
-          </p:nvPr>
-        </p:nvSpPr>
-        <p:spPr/>
-        <p:txBody>
-          <a:bodyPr/>
-          <a:lstStyle/>
-          <a:p>
-            <a:fld id="{05C1D8F7-2BDD-4C56-98AF-2E212EF349F3}" type="slidenum">
-              <a:rPr lang="en-US" smtClean="0"/>
-              <a:t>7</a:t>
-            </a:fld>
-            <a:endParaRPr lang="en-US"/>
-          </a:p>
-        </p:txBody>
-      </p:sp>
-    </p:spTree>
-    <p:extLst>
-      <p:ext uri="{BB962C8B-B14F-4D97-AF65-F5344CB8AC3E}">
-        <p14:creationId xmlns:p14="http://schemas.microsoft.com/office/powerpoint/2010/main" val="624160835"/>
-      </p:ext>
-    </p:extLst>
-  </p:cSld>
-  <p:clrMapOvr>
-    <a:masterClrMapping/>
-  </p:clrMapOvr>
-</p:notes>
-</file>
-
-<file path=ppt/notesSlides/notesSlide3.xml><?xml version="1.0" encoding="utf-8"?>
-<p:notes xmlns:a="http://schemas.openxmlformats.org/drawingml/2006/main" xmlns:r="http://schemas.openxmlformats.org/officeDocument/2006/relationships" xmlns:p="http://schemas.openxmlformats.org/presentationml/2006/main">
-  <p:cSld>
-    <p:spTree>
-      <p:nvGrpSpPr>
-        <p:cNvPr id="1" name=""/>
-        <p:cNvGrpSpPr/>
-        <p:nvPr/>
-      </p:nvGrpSpPr>
-      <p:grpSpPr>
-        <a:xfrm>
-          <a:off x="0" y="0"/>
-          <a:ext cx="0" cy="0"/>
-          <a:chOff x="0" y="0"/>
-          <a:chExt cx="0" cy="0"/>
-        </a:xfrm>
-      </p:grpSpPr>
-      <p:sp>
-        <p:nvSpPr>
-          <p:cNvPr id="2" name="Slide Image Placeholder 1"/>
-          <p:cNvSpPr>
-            <a:spLocks noGrp="1" noRot="1" noChangeAspect="1"/>
-          </p:cNvSpPr>
-          <p:nvPr>
-            <p:ph type="sldImg"/>
-          </p:nvPr>
-        </p:nvSpPr>
-        <p:spPr/>
-      </p:sp>
-      <p:sp>
-        <p:nvSpPr>
-          <p:cNvPr id="3" name="Notes Placeholder 2"/>
-          <p:cNvSpPr>
-            <a:spLocks noGrp="1"/>
-          </p:cNvSpPr>
-          <p:nvPr>
-            <p:ph type="body" idx="1"/>
-          </p:nvPr>
-        </p:nvSpPr>
-        <p:spPr/>
-        <p:txBody>
-          <a:bodyPr/>
-          <a:lstStyle/>
-          <a:p>
-            <a:pPr algn="l"/>
-            <a:r>
-              <a:rPr lang="en-US" b="0" i="0" dirty="0">
-                <a:solidFill>
-                  <a:srgbClr val="D5D5D5"/>
-                </a:solidFill>
-                <a:effectLst/>
-                <a:latin typeface="Roboto" panose="02000000000000000000" pitchFamily="2" charset="0"/>
-              </a:rPr>
-              <a:t>Ended up choosing conferences with ten percent or more drafted players because the other conferences subsets resulted in too few undrafted players and we ended up with the same problem. Instead of no one going to the NBA, everyone was going to the NBA.</a:t>
-            </a:r>
-          </a:p>
-          <a:p>
-            <a:pPr algn="l"/>
-            <a:endParaRPr lang="en-US" b="0" i="0" dirty="0">
-              <a:solidFill>
-                <a:srgbClr val="D5D5D5"/>
-              </a:solidFill>
-              <a:effectLst/>
-              <a:latin typeface="Roboto" panose="02000000000000000000" pitchFamily="2" charset="0"/>
-            </a:endParaRPr>
-          </a:p>
-          <a:p>
-            <a:pPr algn="l"/>
-            <a:r>
-              <a:rPr lang="en-US" b="0" i="0" dirty="0">
-                <a:solidFill>
-                  <a:srgbClr val="D5D5D5"/>
-                </a:solidFill>
-                <a:effectLst/>
-                <a:latin typeface="Roboto" panose="02000000000000000000" pitchFamily="2" charset="0"/>
-              </a:rPr>
-              <a:t>Old method of encoding</a:t>
-            </a:r>
-          </a:p>
-          <a:p>
-            <a:pPr algn="l"/>
-            <a:r>
-              <a:rPr lang="en-US" b="0" i="0" dirty="0">
-                <a:solidFill>
-                  <a:srgbClr val="D5D5D5"/>
-                </a:solidFill>
-                <a:effectLst/>
-                <a:latin typeface="Roboto" panose="02000000000000000000" pitchFamily="2" charset="0"/>
-              </a:rPr>
-              <a:t>This method resulted in around 400 columns of data being generated, which </a:t>
-            </a:r>
-            <a:r>
-              <a:rPr lang="en-US" b="0" i="0" dirty="0" err="1">
-                <a:solidFill>
-                  <a:srgbClr val="D5D5D5"/>
-                </a:solidFill>
-                <a:effectLst/>
-                <a:latin typeface="Roboto" panose="02000000000000000000" pitchFamily="2" charset="0"/>
-              </a:rPr>
-              <a:t>didnt</a:t>
-            </a:r>
-            <a:r>
-              <a:rPr lang="en-US" b="0" i="0" dirty="0">
-                <a:solidFill>
-                  <a:srgbClr val="D5D5D5"/>
-                </a:solidFill>
-                <a:effectLst/>
-                <a:latin typeface="Roboto" panose="02000000000000000000" pitchFamily="2" charset="0"/>
-              </a:rPr>
-              <a:t> increase computational complexity so much as make the data near impossible to manage afterwards without de encoding it.</a:t>
-            </a:r>
-          </a:p>
-          <a:p>
-            <a:endParaRPr lang="en-US" dirty="0"/>
-          </a:p>
-          <a:p>
-            <a:pPr algn="l"/>
-            <a:r>
-              <a:rPr lang="en-US" b="0" i="0" dirty="0">
-                <a:solidFill>
-                  <a:srgbClr val="D5D5D5"/>
-                </a:solidFill>
-                <a:effectLst/>
-                <a:latin typeface="Roboto" panose="02000000000000000000" pitchFamily="2" charset="0"/>
-              </a:rPr>
-              <a:t>New method of encoding</a:t>
-            </a:r>
-          </a:p>
-          <a:p>
-            <a:pPr algn="l"/>
-            <a:r>
-              <a:rPr lang="en-US" b="0" i="0" dirty="0">
-                <a:solidFill>
-                  <a:srgbClr val="D5D5D5"/>
-                </a:solidFill>
-                <a:effectLst/>
-                <a:latin typeface="Roboto" panose="02000000000000000000" pitchFamily="2" charset="0"/>
-              </a:rPr>
-              <a:t>As opposed to the old method, encoding based on label, lets all the data stay in one column exactly how we had it, and instead changes the categorical value to a numeral, making the data much easier to read and manage and verify. 62 columns</a:t>
-            </a:r>
-          </a:p>
-          <a:p>
-            <a:endParaRPr lang="en-US" dirty="0"/>
-          </a:p>
-        </p:txBody>
-      </p:sp>
-      <p:sp>
-        <p:nvSpPr>
-          <p:cNvPr id="4" name="Slide Number Placeholder 3"/>
-          <p:cNvSpPr>
-            <a:spLocks noGrp="1"/>
-          </p:cNvSpPr>
-          <p:nvPr>
-            <p:ph type="sldNum" sz="quarter" idx="5"/>
-          </p:nvPr>
-        </p:nvSpPr>
-        <p:spPr/>
-        <p:txBody>
-          <a:bodyPr/>
-          <a:lstStyle/>
-          <a:p>
-            <a:fld id="{05C1D8F7-2BDD-4C56-98AF-2E212EF349F3}" type="slidenum">
-              <a:rPr lang="en-US" smtClean="0"/>
-              <a:t>8</a:t>
-            </a:fld>
-            <a:endParaRPr lang="en-US"/>
-          </a:p>
-        </p:txBody>
-      </p:sp>
-    </p:spTree>
-    <p:extLst>
-      <p:ext uri="{BB962C8B-B14F-4D97-AF65-F5344CB8AC3E}">
-        <p14:creationId xmlns:p14="http://schemas.microsoft.com/office/powerpoint/2010/main" val="275316513"/>
-      </p:ext>
-    </p:extLst>
-  </p:cSld>
-  <p:clrMapOvr>
-    <a:masterClrMapping/>
-  </p:clrMapOvr>
-</p:notes>
-</file>
-
-<file path=ppt/notesSlides/notesSlide4.xml><?xml version="1.0" encoding="utf-8"?>
-<p:notes xmlns:a="http://schemas.openxmlformats.org/drawingml/2006/main" xmlns:r="http://schemas.openxmlformats.org/officeDocument/2006/relationships" xmlns:p="http://schemas.openxmlformats.org/presentationml/2006/main">
-  <p:cSld>
-    <p:spTree>
-      <p:nvGrpSpPr>
-        <p:cNvPr id="1" name=""/>
-        <p:cNvGrpSpPr/>
-        <p:nvPr/>
-      </p:nvGrpSpPr>
-      <p:grpSpPr>
-        <a:xfrm>
-          <a:off x="0" y="0"/>
-          <a:ext cx="0" cy="0"/>
-          <a:chOff x="0" y="0"/>
-          <a:chExt cx="0" cy="0"/>
-        </a:xfrm>
-      </p:grpSpPr>
-      <p:sp>
-        <p:nvSpPr>
-          <p:cNvPr id="2" name="Slide Image Placeholder 1"/>
-          <p:cNvSpPr>
-            <a:spLocks noGrp="1" noRot="1" noChangeAspect="1"/>
-          </p:cNvSpPr>
-          <p:nvPr>
-            <p:ph type="sldImg"/>
-          </p:nvPr>
-        </p:nvSpPr>
-        <p:spPr/>
-      </p:sp>
-      <p:sp>
-        <p:nvSpPr>
-          <p:cNvPr id="3" name="Notes Placeholder 2"/>
-          <p:cNvSpPr>
-            <a:spLocks noGrp="1"/>
-          </p:cNvSpPr>
-          <p:nvPr>
-            <p:ph type="body" idx="1"/>
-          </p:nvPr>
-        </p:nvSpPr>
-        <p:spPr/>
-        <p:txBody>
-          <a:bodyPr/>
-          <a:lstStyle/>
-          <a:p>
-            <a:pPr algn="l"/>
-            <a:r>
-              <a:rPr lang="en-US" b="0" i="0" dirty="0">
-                <a:solidFill>
-                  <a:srgbClr val="D5D5D5"/>
-                </a:solidFill>
-                <a:effectLst/>
-                <a:latin typeface="Roboto" panose="02000000000000000000" pitchFamily="2" charset="0"/>
-              </a:rPr>
-              <a:t>Split it</a:t>
-            </a:r>
-          </a:p>
-          <a:p>
-            <a:pPr algn="l"/>
-            <a:r>
-              <a:rPr lang="en-US" b="0" i="0" dirty="0">
-                <a:solidFill>
-                  <a:srgbClr val="D5D5D5"/>
-                </a:solidFill>
-                <a:effectLst/>
-                <a:latin typeface="Roboto" panose="02000000000000000000" pitchFamily="2" charset="0"/>
-              </a:rPr>
-              <a:t>The lists are for picking our X and dropping the chaff. W went with Drafted/Undrafted for our Y when they are picked doesn't really matter for our ask. When we split, 40% test was the sweet spot, 30% took twice as long to start learning and 50% caused the model to be overfit and not learn at all. Shuffling and Stratifying the data makes sure that we have equity in our train and test Y.</a:t>
-            </a:r>
-          </a:p>
-          <a:p>
-            <a:endParaRPr lang="en-US" dirty="0"/>
-          </a:p>
-        </p:txBody>
-      </p:sp>
-      <p:sp>
-        <p:nvSpPr>
-          <p:cNvPr id="4" name="Slide Number Placeholder 3"/>
-          <p:cNvSpPr>
-            <a:spLocks noGrp="1"/>
-          </p:cNvSpPr>
-          <p:nvPr>
-            <p:ph type="sldNum" sz="quarter" idx="5"/>
-          </p:nvPr>
-        </p:nvSpPr>
-        <p:spPr/>
-        <p:txBody>
-          <a:bodyPr/>
-          <a:lstStyle/>
-          <a:p>
-            <a:fld id="{05C1D8F7-2BDD-4C56-98AF-2E212EF349F3}" type="slidenum">
-              <a:rPr lang="en-US" smtClean="0"/>
-              <a:t>9</a:t>
-            </a:fld>
-            <a:endParaRPr lang="en-US"/>
-          </a:p>
-        </p:txBody>
-      </p:sp>
-    </p:spTree>
-    <p:extLst>
-      <p:ext uri="{BB962C8B-B14F-4D97-AF65-F5344CB8AC3E}">
-        <p14:creationId xmlns:p14="http://schemas.microsoft.com/office/powerpoint/2010/main" val="3743909054"/>
-      </p:ext>
-    </p:extLst>
-  </p:cSld>
-  <p:clrMapOvr>
-    <a:masterClrMapping/>
-  </p:clrMapOvr>
-</p:notes>
-</file>
-
-<file path=ppt/notesSlides/notesSlide5.xml><?xml version="1.0" encoding="utf-8"?>
-<p:notes xmlns:a="http://schemas.openxmlformats.org/drawingml/2006/main" xmlns:r="http://schemas.openxmlformats.org/officeDocument/2006/relationships" xmlns:p="http://schemas.openxmlformats.org/presentationml/2006/main">
-  <p:cSld>
-    <p:spTree>
-      <p:nvGrpSpPr>
-        <p:cNvPr id="1" name=""/>
-        <p:cNvGrpSpPr/>
-        <p:nvPr/>
-      </p:nvGrpSpPr>
-      <p:grpSpPr>
-        <a:xfrm>
-          <a:off x="0" y="0"/>
-          <a:ext cx="0" cy="0"/>
-          <a:chOff x="0" y="0"/>
-          <a:chExt cx="0" cy="0"/>
-        </a:xfrm>
-      </p:grpSpPr>
-      <p:sp>
-        <p:nvSpPr>
-          <p:cNvPr id="2" name="Slide Image Placeholder 1"/>
-          <p:cNvSpPr>
-            <a:spLocks noGrp="1" noRot="1" noChangeAspect="1"/>
-          </p:cNvSpPr>
-          <p:nvPr>
-            <p:ph type="sldImg"/>
-          </p:nvPr>
-        </p:nvSpPr>
-        <p:spPr/>
-      </p:sp>
-      <p:sp>
-        <p:nvSpPr>
-          <p:cNvPr id="3" name="Notes Placeholder 2"/>
-          <p:cNvSpPr>
-            <a:spLocks noGrp="1"/>
-          </p:cNvSpPr>
-          <p:nvPr>
-            <p:ph type="body" idx="1"/>
-          </p:nvPr>
-        </p:nvSpPr>
-        <p:spPr/>
-        <p:txBody>
-          <a:bodyPr/>
-          <a:lstStyle/>
-          <a:p>
-            <a:pPr algn="l"/>
-            <a:r>
-              <a:rPr lang="en-US" b="0" i="0" dirty="0">
-                <a:solidFill>
-                  <a:srgbClr val="D5D5D5"/>
-                </a:solidFill>
-                <a:effectLst/>
-                <a:latin typeface="Roboto" panose="02000000000000000000" pitchFamily="2" charset="0"/>
-              </a:rPr>
-              <a:t>Using </a:t>
-            </a:r>
-            <a:r>
-              <a:rPr lang="en-US" b="0" i="0" dirty="0" err="1">
-                <a:solidFill>
-                  <a:srgbClr val="D5D5D5"/>
-                </a:solidFill>
-                <a:effectLst/>
-                <a:latin typeface="Roboto" panose="02000000000000000000" pitchFamily="2" charset="0"/>
-              </a:rPr>
-              <a:t>TF.Keras</a:t>
-            </a:r>
-            <a:endParaRPr lang="en-US" b="0" i="0" dirty="0">
-              <a:solidFill>
-                <a:srgbClr val="D5D5D5"/>
-              </a:solidFill>
-              <a:effectLst/>
-              <a:latin typeface="Roboto" panose="02000000000000000000" pitchFamily="2" charset="0"/>
-            </a:endParaRPr>
-          </a:p>
-          <a:p>
-            <a:pPr algn="l"/>
-            <a:endParaRPr lang="en-US" b="0" i="0" dirty="0">
-              <a:solidFill>
-                <a:srgbClr val="D5D5D5"/>
-              </a:solidFill>
-              <a:effectLst/>
-              <a:latin typeface="Roboto" panose="02000000000000000000" pitchFamily="2" charset="0"/>
-            </a:endParaRPr>
-          </a:p>
-          <a:p>
-            <a:pPr algn="l"/>
-            <a:r>
-              <a:rPr lang="en-US" b="0" i="0" dirty="0">
-                <a:solidFill>
-                  <a:srgbClr val="D5D5D5"/>
-                </a:solidFill>
-                <a:effectLst/>
-                <a:latin typeface="Roboto" panose="02000000000000000000" pitchFamily="2" charset="0"/>
-              </a:rPr>
-              <a:t>Building and compiling the model.</a:t>
-            </a:r>
-          </a:p>
-          <a:p>
-            <a:pPr algn="l"/>
-            <a:endParaRPr lang="en-US" b="0" i="0" dirty="0">
-              <a:solidFill>
-                <a:srgbClr val="D5D5D5"/>
-              </a:solidFill>
-              <a:effectLst/>
-              <a:latin typeface="Roboto" panose="02000000000000000000" pitchFamily="2" charset="0"/>
-            </a:endParaRPr>
-          </a:p>
-          <a:p>
-            <a:pPr algn="l"/>
-            <a:r>
-              <a:rPr lang="en-US" b="0" i="0" dirty="0">
-                <a:solidFill>
-                  <a:srgbClr val="D5D5D5"/>
-                </a:solidFill>
-                <a:effectLst/>
-                <a:latin typeface="Roboto" panose="02000000000000000000" pitchFamily="2" charset="0"/>
-              </a:rPr>
-              <a:t>After finding this configuration, I began testing different iterations one variable at a time. What was found is that the first iteration was the optimal one, changing one thing in either direction would result in either a slower training model, or the whole model would revert to not learning even after 1000 epochs. The initial layer has seen success with 15 nodes, the kernel initializer was set to reduce the weights before starting to lower than default to reduce overfitting. The same reason we add dropout layers and a kernel </a:t>
-            </a:r>
-            <a:r>
-              <a:rPr lang="en-US" b="0" i="0" dirty="0" err="1">
-                <a:solidFill>
-                  <a:srgbClr val="D5D5D5"/>
-                </a:solidFill>
-                <a:effectLst/>
-                <a:latin typeface="Roboto" panose="02000000000000000000" pitchFamily="2" charset="0"/>
-              </a:rPr>
-              <a:t>regularizer</a:t>
-            </a:r>
-            <a:r>
-              <a:rPr lang="en-US" b="0" i="0" dirty="0">
-                <a:solidFill>
-                  <a:srgbClr val="D5D5D5"/>
-                </a:solidFill>
-                <a:effectLst/>
-                <a:latin typeface="Roboto" panose="02000000000000000000" pitchFamily="2" charset="0"/>
-              </a:rPr>
-              <a:t>, all to keep the model complex enough to work, but not learn so quickly it just memorizes the data.</a:t>
-            </a:r>
-          </a:p>
-          <a:p>
-            <a:pPr algn="l"/>
-            <a:endParaRPr lang="en-US" b="0" i="0" dirty="0">
-              <a:solidFill>
-                <a:srgbClr val="D5D5D5"/>
-              </a:solidFill>
-              <a:effectLst/>
-              <a:latin typeface="Roboto" panose="02000000000000000000" pitchFamily="2" charset="0"/>
-            </a:endParaRPr>
-          </a:p>
-          <a:p>
-            <a:pPr algn="l"/>
-            <a:r>
-              <a:rPr lang="en-US" b="0" i="0" dirty="0">
-                <a:solidFill>
-                  <a:srgbClr val="D5D5D5"/>
-                </a:solidFill>
-                <a:effectLst/>
-                <a:latin typeface="Roboto" panose="02000000000000000000" pitchFamily="2" charset="0"/>
-              </a:rPr>
-              <a:t>The </a:t>
-            </a:r>
-            <a:r>
-              <a:rPr lang="en-US" b="0" i="0" dirty="0" err="1">
-                <a:solidFill>
-                  <a:srgbClr val="D5D5D5"/>
-                </a:solidFill>
-                <a:effectLst/>
-                <a:latin typeface="Roboto" panose="02000000000000000000" pitchFamily="2" charset="0"/>
-              </a:rPr>
-              <a:t>adam</a:t>
-            </a:r>
-            <a:r>
-              <a:rPr lang="en-US" b="0" i="0" dirty="0">
-                <a:solidFill>
-                  <a:srgbClr val="D5D5D5"/>
-                </a:solidFill>
-                <a:effectLst/>
-                <a:latin typeface="Roboto" panose="02000000000000000000" pitchFamily="2" charset="0"/>
-              </a:rPr>
-              <a:t> optimizer was chosen due it's performance on the loss metric vs other optimizers. The learning rate was set low to help keep the model from converging too quickly and reverting back to not learning anything. Precision was added as a metric due to accuracy being unreliable on it's own with this model. Precision added a much needed visibility into the percentage of correct guesses of Drafted players, where as with the high number of </a:t>
-            </a:r>
-            <a:r>
-              <a:rPr lang="en-US" b="0" i="0" dirty="0" err="1">
-                <a:solidFill>
-                  <a:srgbClr val="D5D5D5"/>
-                </a:solidFill>
-                <a:effectLst/>
-                <a:latin typeface="Roboto" panose="02000000000000000000" pitchFamily="2" charset="0"/>
-              </a:rPr>
-              <a:t>nagatives</a:t>
-            </a:r>
-            <a:r>
-              <a:rPr lang="en-US" b="0" i="0" dirty="0">
-                <a:solidFill>
-                  <a:srgbClr val="D5D5D5"/>
-                </a:solidFill>
-                <a:effectLst/>
-                <a:latin typeface="Roboto" panose="02000000000000000000" pitchFamily="2" charset="0"/>
-              </a:rPr>
-              <a:t> in the dataset already, the model was achieving 80% accuracy on true/false negatives which left us blind to how the model was performing during training.</a:t>
-            </a:r>
-          </a:p>
-          <a:p>
-            <a:endParaRPr lang="en-US" dirty="0"/>
-          </a:p>
-        </p:txBody>
-      </p:sp>
-      <p:sp>
-        <p:nvSpPr>
-          <p:cNvPr id="4" name="Slide Number Placeholder 3"/>
-          <p:cNvSpPr>
-            <a:spLocks noGrp="1"/>
-          </p:cNvSpPr>
-          <p:nvPr>
-            <p:ph type="sldNum" sz="quarter" idx="5"/>
-          </p:nvPr>
-        </p:nvSpPr>
-        <p:spPr/>
-        <p:txBody>
-          <a:bodyPr/>
-          <a:lstStyle/>
-          <a:p>
-            <a:fld id="{05C1D8F7-2BDD-4C56-98AF-2E212EF349F3}" type="slidenum">
-              <a:rPr lang="en-US" smtClean="0"/>
-              <a:t>10</a:t>
-            </a:fld>
-            <a:endParaRPr lang="en-US"/>
-          </a:p>
-        </p:txBody>
-      </p:sp>
-    </p:spTree>
-    <p:extLst>
-      <p:ext uri="{BB962C8B-B14F-4D97-AF65-F5344CB8AC3E}">
-        <p14:creationId xmlns:p14="http://schemas.microsoft.com/office/powerpoint/2010/main" val="1180802638"/>
-      </p:ext>
-    </p:extLst>
-  </p:cSld>
-  <p:clrMapOvr>
-    <a:masterClrMapping/>
-  </p:clrMapOvr>
-</p:notes>
-</file>
-
-<file path=ppt/notesSlides/notesSlide6.xml><?xml version="1.0" encoding="utf-8"?>
-<p:notes xmlns:a="http://schemas.openxmlformats.org/drawingml/2006/main" xmlns:r="http://schemas.openxmlformats.org/officeDocument/2006/relationships" xmlns:p="http://schemas.openxmlformats.org/presentationml/2006/main">
-  <p:cSld>
-    <p:spTree>
-      <p:nvGrpSpPr>
-        <p:cNvPr id="1" name=""/>
-        <p:cNvGrpSpPr/>
-        <p:nvPr/>
-      </p:nvGrpSpPr>
-      <p:grpSpPr>
-        <a:xfrm>
-          <a:off x="0" y="0"/>
-          <a:ext cx="0" cy="0"/>
-          <a:chOff x="0" y="0"/>
-          <a:chExt cx="0" cy="0"/>
-        </a:xfrm>
-      </p:grpSpPr>
-      <p:sp>
-        <p:nvSpPr>
-          <p:cNvPr id="2" name="Slide Image Placeholder 1"/>
-          <p:cNvSpPr>
-            <a:spLocks noGrp="1" noRot="1" noChangeAspect="1"/>
-          </p:cNvSpPr>
-          <p:nvPr>
-            <p:ph type="sldImg"/>
-          </p:nvPr>
-        </p:nvSpPr>
-        <p:spPr/>
-      </p:sp>
-      <p:sp>
-        <p:nvSpPr>
-          <p:cNvPr id="3" name="Notes Placeholder 2"/>
-          <p:cNvSpPr>
-            <a:spLocks noGrp="1"/>
-          </p:cNvSpPr>
-          <p:nvPr>
-            <p:ph type="body" idx="1"/>
-          </p:nvPr>
-        </p:nvSpPr>
-        <p:spPr/>
-        <p:txBody>
-          <a:bodyPr/>
-          <a:lstStyle/>
-          <a:p>
-            <a:pPr algn="l"/>
-            <a:r>
-              <a:rPr lang="en-US" b="0" i="0" dirty="0">
-                <a:solidFill>
-                  <a:srgbClr val="D5D5D5"/>
-                </a:solidFill>
-                <a:effectLst/>
-                <a:latin typeface="Roboto" panose="020B0604020202020204" pitchFamily="2" charset="0"/>
-              </a:rPr>
-              <a:t>We decided after visualizing the data that separating it based on conference would be beneficial. There was much trial and error before coming to this conclusion where it became suspected that the data was just too prolific in undrafted players that the models could not predict the minority that represented drafted players. With all the stats being so close together the model would just pick that no one would be drafted.</a:t>
-            </a:r>
-          </a:p>
-          <a:p>
-            <a:pPr algn="l"/>
-            <a:r>
-              <a:rPr lang="en-US" b="0" i="0" dirty="0">
-                <a:solidFill>
-                  <a:srgbClr val="D5D5D5"/>
-                </a:solidFill>
-                <a:effectLst/>
-                <a:latin typeface="Roboto" panose="020B0604020202020204" pitchFamily="2" charset="0"/>
-              </a:rPr>
-              <a:t>To introduce parity between drafted and undrafted we take all drafted players and only take a subset of undrafted players based on conference.</a:t>
-            </a:r>
-          </a:p>
-          <a:p>
-            <a:pPr algn="l"/>
-            <a:endParaRPr lang="en-US" b="0" i="0" dirty="0">
-              <a:solidFill>
-                <a:srgbClr val="D5D5D5"/>
-              </a:solidFill>
-              <a:effectLst/>
-              <a:latin typeface="Roboto" panose="020B0604020202020204" pitchFamily="2" charset="0"/>
-            </a:endParaRPr>
-          </a:p>
-          <a:p>
-            <a:pPr algn="l"/>
-            <a:r>
-              <a:rPr lang="en-US" b="0" i="0" dirty="0">
-                <a:solidFill>
-                  <a:srgbClr val="D5D5D5"/>
-                </a:solidFill>
-                <a:effectLst/>
-                <a:latin typeface="Roboto" panose="020B0604020202020204" pitchFamily="2" charset="0"/>
-              </a:rPr>
-              <a:t>If you play around with the model, you can see this by uncommenting the second train data variable and running through the testing. I can show it here in image form</a:t>
-            </a:r>
-          </a:p>
-          <a:p>
-            <a:pPr algn="l"/>
-            <a:endParaRPr lang="en-US" b="0" i="0" dirty="0">
-              <a:solidFill>
-                <a:srgbClr val="D5D5D5"/>
-              </a:solidFill>
-              <a:effectLst/>
-              <a:latin typeface="Roboto" panose="020B0604020202020204" pitchFamily="2" charset="0"/>
-            </a:endParaRPr>
-          </a:p>
-          <a:p>
-            <a:pPr algn="l"/>
-            <a:r>
-              <a:rPr lang="en-US" b="0" i="0" dirty="0">
-                <a:solidFill>
-                  <a:srgbClr val="D5D5D5"/>
-                </a:solidFill>
-                <a:effectLst/>
-                <a:latin typeface="Roboto" panose="020B0604020202020204" pitchFamily="2" charset="0"/>
-              </a:rPr>
-              <a:t>What you see is that it very quickly converged to near 100% accuracy and near 0% loss in the first 5 epochs. However, it didn't start making good predictions on known data until around epoch 50 give or take. Skipping to the end, we can see that it never got better at prediction on known values, nor did it ever make a good prediction on an unknown value.</a:t>
-            </a:r>
-          </a:p>
-          <a:p>
-            <a:endParaRPr lang="en-US" dirty="0"/>
-          </a:p>
-          <a:p>
-            <a:endParaRPr lang="en-US" dirty="0"/>
-          </a:p>
-        </p:txBody>
-      </p:sp>
-      <p:sp>
-        <p:nvSpPr>
-          <p:cNvPr id="4" name="Slide Number Placeholder 3"/>
-          <p:cNvSpPr>
-            <a:spLocks noGrp="1"/>
-          </p:cNvSpPr>
-          <p:nvPr>
-            <p:ph type="sldNum" sz="quarter" idx="5"/>
-          </p:nvPr>
-        </p:nvSpPr>
-        <p:spPr/>
-        <p:txBody>
-          <a:bodyPr/>
-          <a:lstStyle/>
-          <a:p>
-            <a:fld id="{05C1D8F7-2BDD-4C56-98AF-2E212EF349F3}" type="slidenum">
-              <a:rPr lang="en-US" smtClean="0"/>
-              <a:t>11</a:t>
-            </a:fld>
-            <a:endParaRPr lang="en-US"/>
-          </a:p>
-        </p:txBody>
-      </p:sp>
-    </p:spTree>
-    <p:extLst>
-      <p:ext uri="{BB962C8B-B14F-4D97-AF65-F5344CB8AC3E}">
-        <p14:creationId xmlns:p14="http://schemas.microsoft.com/office/powerpoint/2010/main" val="3319548779"/>
-      </p:ext>
-    </p:extLst>
-  </p:cSld>
-  <p:clrMapOvr>
-    <a:masterClrMapping/>
-  </p:clrMapOvr>
-</p:notes>
-</file>
-
-<file path=ppt/notesSlides/notesSlide7.xml><?xml version="1.0" encoding="utf-8"?>
-<p:notes xmlns:a="http://schemas.openxmlformats.org/drawingml/2006/main" xmlns:r="http://schemas.openxmlformats.org/officeDocument/2006/relationships" xmlns:p="http://schemas.openxmlformats.org/presentationml/2006/main">
-  <p:cSld>
-    <p:spTree>
-      <p:nvGrpSpPr>
-        <p:cNvPr id="1" name=""/>
-        <p:cNvGrpSpPr/>
-        <p:nvPr/>
-      </p:nvGrpSpPr>
-      <p:grpSpPr>
-        <a:xfrm>
-          <a:off x="0" y="0"/>
-          <a:ext cx="0" cy="0"/>
-          <a:chOff x="0" y="0"/>
-          <a:chExt cx="0" cy="0"/>
-        </a:xfrm>
-      </p:grpSpPr>
-      <p:sp>
-        <p:nvSpPr>
-          <p:cNvPr id="2" name="Slide Image Placeholder 1"/>
-          <p:cNvSpPr>
-            <a:spLocks noGrp="1" noRot="1" noChangeAspect="1"/>
-          </p:cNvSpPr>
-          <p:nvPr>
-            <p:ph type="sldImg"/>
-          </p:nvPr>
-        </p:nvSpPr>
-        <p:spPr/>
-      </p:sp>
-      <p:sp>
-        <p:nvSpPr>
-          <p:cNvPr id="3" name="Notes Placeholder 2"/>
-          <p:cNvSpPr>
-            <a:spLocks noGrp="1"/>
-          </p:cNvSpPr>
-          <p:nvPr>
-            <p:ph type="body" idx="1"/>
-          </p:nvPr>
-        </p:nvSpPr>
-        <p:spPr/>
-        <p:txBody>
-          <a:bodyPr/>
-          <a:lstStyle/>
-          <a:p>
-            <a:endParaRPr lang="en-US" dirty="0"/>
-          </a:p>
-        </p:txBody>
-      </p:sp>
-      <p:sp>
-        <p:nvSpPr>
-          <p:cNvPr id="4" name="Slide Number Placeholder 3"/>
-          <p:cNvSpPr>
-            <a:spLocks noGrp="1"/>
-          </p:cNvSpPr>
-          <p:nvPr>
-            <p:ph type="sldNum" sz="quarter" idx="5"/>
-          </p:nvPr>
-        </p:nvSpPr>
-        <p:spPr/>
-        <p:txBody>
-          <a:bodyPr/>
-          <a:lstStyle/>
-          <a:p>
-            <a:fld id="{05C1D8F7-2BDD-4C56-98AF-2E212EF349F3}" type="slidenum">
-              <a:rPr lang="en-US" smtClean="0"/>
-              <a:t>15</a:t>
-            </a:fld>
-            <a:endParaRPr lang="en-US"/>
-          </a:p>
-        </p:txBody>
-      </p:sp>
-    </p:spTree>
-    <p:extLst>
-      <p:ext uri="{BB962C8B-B14F-4D97-AF65-F5344CB8AC3E}">
-        <p14:creationId xmlns:p14="http://schemas.microsoft.com/office/powerpoint/2010/main" val="812078292"/>
-      </p:ext>
-    </p:extLst>
-  </p:cSld>
-  <p:clrMapOvr>
-    <a:masterClrMapping/>
-  </p:clrMapOvr>
-</p:notes>
-</file>
-
-<file path=ppt/notesSlides/notesSlide8.xml><?xml version="1.0" encoding="utf-8"?>
-<p:notes xmlns:a="http://schemas.openxmlformats.org/drawingml/2006/main" xmlns:r="http://schemas.openxmlformats.org/officeDocument/2006/relationships" xmlns:p="http://schemas.openxmlformats.org/presentationml/2006/main">
-  <p:cSld>
-    <p:spTree>
-      <p:nvGrpSpPr>
-        <p:cNvPr id="1" name=""/>
-        <p:cNvGrpSpPr/>
-        <p:nvPr/>
-      </p:nvGrpSpPr>
-      <p:grpSpPr>
-        <a:xfrm>
-          <a:off x="0" y="0"/>
-          <a:ext cx="0" cy="0"/>
-          <a:chOff x="0" y="0"/>
-          <a:chExt cx="0" cy="0"/>
-        </a:xfrm>
-      </p:grpSpPr>
-      <p:sp>
-        <p:nvSpPr>
-          <p:cNvPr id="2" name="Slide Image Placeholder 1"/>
-          <p:cNvSpPr>
-            <a:spLocks noGrp="1" noRot="1" noChangeAspect="1"/>
-          </p:cNvSpPr>
-          <p:nvPr>
-            <p:ph type="sldImg"/>
-          </p:nvPr>
-        </p:nvSpPr>
-        <p:spPr/>
-      </p:sp>
-      <p:sp>
-        <p:nvSpPr>
-          <p:cNvPr id="3" name="Notes Placeholder 2"/>
-          <p:cNvSpPr>
-            <a:spLocks noGrp="1"/>
-          </p:cNvSpPr>
-          <p:nvPr>
-            <p:ph type="body" idx="1"/>
-          </p:nvPr>
-        </p:nvSpPr>
-        <p:spPr/>
-        <p:txBody>
-          <a:bodyPr/>
-          <a:lstStyle/>
-          <a:p>
-            <a:endParaRPr lang="en-US" dirty="0"/>
-          </a:p>
-        </p:txBody>
-      </p:sp>
-      <p:sp>
-        <p:nvSpPr>
-          <p:cNvPr id="4" name="Slide Number Placeholder 3"/>
-          <p:cNvSpPr>
-            <a:spLocks noGrp="1"/>
-          </p:cNvSpPr>
-          <p:nvPr>
-            <p:ph type="sldNum" sz="quarter" idx="5"/>
-          </p:nvPr>
-        </p:nvSpPr>
-        <p:spPr/>
-        <p:txBody>
-          <a:bodyPr/>
-          <a:lstStyle/>
-          <a:p>
-            <a:fld id="{05C1D8F7-2BDD-4C56-98AF-2E212EF349F3}" type="slidenum">
-              <a:rPr lang="en-US" smtClean="0"/>
-              <a:t>16</a:t>
-            </a:fld>
-            <a:endParaRPr lang="en-US"/>
-          </a:p>
-        </p:txBody>
-      </p:sp>
-    </p:spTree>
-    <p:extLst>
-      <p:ext uri="{BB962C8B-B14F-4D97-AF65-F5344CB8AC3E}">
-        <p14:creationId xmlns:p14="http://schemas.microsoft.com/office/powerpoint/2010/main" val="1596391325"/>
-      </p:ext>
-    </p:extLst>
-  </p:cSld>
-  <p:clrMapOvr>
-    <a:masterClrMapping/>
-  </p:clrMapOvr>
-</p:notes>
-</file>
-
 <file path=ppt/slideLayouts/slideLayout1.xml><?xml version="1.0" encoding="utf-8"?>
 <p:sldLayout xmlns:a="http://schemas.openxmlformats.org/drawingml/2006/main" xmlns:r="http://schemas.openxmlformats.org/officeDocument/2006/relationships" xmlns:p="http://schemas.openxmlformats.org/presentationml/2006/main" type="title" preserve="1">
   <p:cSld name="Title Slide">
@@ -3488,7 +2416,7 @@
           <a:p>
             <a:fld id="{3762EC29-B8C5-4C7A-B6DA-418494D5CB21}" type="datetimeFigureOut">
               <a:rPr lang="en-US" smtClean="0"/>
-              <a:t>4/19/2023</a:t>
+              <a:t>4/13/2023</a:t>
             </a:fld>
             <a:endParaRPr lang="en-US"/>
           </a:p>
@@ -3681,7 +2609,7 @@
           <a:p>
             <a:fld id="{3762EC29-B8C5-4C7A-B6DA-418494D5CB21}" type="datetimeFigureOut">
               <a:rPr lang="en-US" smtClean="0"/>
-              <a:t>4/19/2023</a:t>
+              <a:t>4/13/2023</a:t>
             </a:fld>
             <a:endParaRPr lang="en-US"/>
           </a:p>
@@ -3864,7 +2792,7 @@
           <a:p>
             <a:fld id="{3762EC29-B8C5-4C7A-B6DA-418494D5CB21}" type="datetimeFigureOut">
               <a:rPr lang="en-US" smtClean="0"/>
-              <a:t>4/19/2023</a:t>
+              <a:t>4/13/2023</a:t>
             </a:fld>
             <a:endParaRPr lang="en-US"/>
           </a:p>
@@ -4129,7 +3057,7 @@
           <a:p>
             <a:fld id="{3762EC29-B8C5-4C7A-B6DA-418494D5CB21}" type="datetimeFigureOut">
               <a:rPr lang="en-US" smtClean="0"/>
-              <a:t>4/19/2023</a:t>
+              <a:t>4/13/2023</a:t>
             </a:fld>
             <a:endParaRPr lang="en-US"/>
           </a:p>
@@ -4373,7 +3301,7 @@
           <a:p>
             <a:fld id="{3762EC29-B8C5-4C7A-B6DA-418494D5CB21}" type="datetimeFigureOut">
               <a:rPr lang="en-US" smtClean="0"/>
-              <a:t>4/19/2023</a:t>
+              <a:t>4/13/2023</a:t>
             </a:fld>
             <a:endParaRPr lang="en-US"/>
           </a:p>
@@ -4761,7 +3689,7 @@
           <a:p>
             <a:fld id="{3762EC29-B8C5-4C7A-B6DA-418494D5CB21}" type="datetimeFigureOut">
               <a:rPr lang="en-US" smtClean="0"/>
-              <a:t>4/19/2023</a:t>
+              <a:t>4/13/2023</a:t>
             </a:fld>
             <a:endParaRPr lang="en-US"/>
           </a:p>
@@ -4893,7 +3821,7 @@
           <a:p>
             <a:fld id="{3762EC29-B8C5-4C7A-B6DA-418494D5CB21}" type="datetimeFigureOut">
               <a:rPr lang="en-US" smtClean="0"/>
-              <a:t>4/19/2023</a:t>
+              <a:t>4/13/2023</a:t>
             </a:fld>
             <a:endParaRPr lang="en-US"/>
           </a:p>
@@ -5003,7 +3931,7 @@
           <a:p>
             <a:fld id="{3762EC29-B8C5-4C7A-B6DA-418494D5CB21}" type="datetimeFigureOut">
               <a:rPr lang="en-US" smtClean="0"/>
-              <a:t>4/19/2023</a:t>
+              <a:t>4/13/2023</a:t>
             </a:fld>
             <a:endParaRPr lang="en-US"/>
           </a:p>
@@ -5800,7 +4728,7 @@
             <a:fld id="{3762EC29-B8C5-4C7A-B6DA-418494D5CB21}" type="datetimeFigureOut">
               <a:rPr lang="en-US" smtClean="0"/>
               <a:pPr/>
-              <a:t>4/19/2023</a:t>
+              <a:t>4/13/2023</a:t>
             </a:fld>
             <a:endParaRPr lang="en-US"/>
           </a:p>
@@ -6287,7 +5215,7 @@
 </p:sld>
 </file>
 
-<file path=ppt/slides/slide10.xml><?xml version="1.0" encoding="utf-8"?>
+<file path=ppt/slides/slide2.xml><?xml version="1.0" encoding="utf-8"?>
 <p:sld xmlns:a="http://schemas.openxmlformats.org/drawingml/2006/main" xmlns:r="http://schemas.openxmlformats.org/officeDocument/2006/relationships" xmlns:p="http://schemas.openxmlformats.org/presentationml/2006/main">
   <p:cSld>
     <p:spTree>
@@ -6304,133 +5232,156 @@
           <a:chExt cx="0" cy="0"/>
         </a:xfrm>
       </p:grpSpPr>
+      <p:sp>
+        <p:nvSpPr>
+          <p:cNvPr id="2" name="Title 1"/>
+          <p:cNvSpPr>
+            <a:spLocks noGrp="1"/>
+          </p:cNvSpPr>
+          <p:nvPr>
+            <p:ph type="title"/>
+          </p:nvPr>
+        </p:nvSpPr>
+        <p:spPr/>
+        <p:txBody>
+          <a:bodyPr/>
+          <a:lstStyle/>
+          <a:p>
+            <a:r>
+              <a:rPr lang="en-US" dirty="0"/>
+              <a:t>Cleaning the Data</a:t>
+            </a:r>
+          </a:p>
+        </p:txBody>
+      </p:sp>
       <p:pic>
         <p:nvPicPr>
-          <p:cNvPr id="6" name="Picture 5">
+          <p:cNvPr id="5" name="Picture Placeholder 4" descr="Basketball players raising hands together"/>
+          <p:cNvPicPr>
+            <a:picLocks noGrp="1" noChangeAspect="1"/>
+          </p:cNvPicPr>
+          <p:nvPr>
+            <p:ph type="pic" idx="1"/>
+          </p:nvPr>
+        </p:nvPicPr>
+        <p:blipFill rotWithShape="1">
+          <a:blip r:embed="rId2" cstate="print">
+            <a:extLst>
+              <a:ext uri="{28A0092B-C50C-407E-A947-70E740481C1C}">
+                <a14:useLocalDpi xmlns:a14="http://schemas.microsoft.com/office/drawing/2010/main" val="0"/>
+              </a:ext>
+            </a:extLst>
+          </a:blip>
+          <a:srcRect/>
+          <a:stretch/>
+        </p:blipFill>
+        <p:spPr/>
+      </p:pic>
+      <p:sp>
+        <p:nvSpPr>
+          <p:cNvPr id="6" name="Rounded Rectangle 5" hidden="1"/>
+          <p:cNvSpPr/>
+          <p:nvPr/>
+        </p:nvSpPr>
+        <p:spPr>
+          <a:xfrm>
+            <a:off x="12344400" y="152400"/>
+            <a:ext cx="1295400" cy="6553200"/>
+          </a:xfrm>
+          <a:prstGeom prst="roundRect">
+            <a:avLst>
+              <a:gd name="adj" fmla="val 9717"/>
+            </a:avLst>
+          </a:prstGeom>
+          <a:solidFill>
+            <a:srgbClr val="A6A6A6"/>
+          </a:solidFill>
+          <a:ln>
+            <a:noFill/>
+          </a:ln>
+        </p:spPr>
+        <p:style>
+          <a:lnRef idx="2">
+            <a:schemeClr val="accent1">
+              <a:shade val="50000"/>
+            </a:schemeClr>
+          </a:lnRef>
+          <a:fillRef idx="1">
+            <a:schemeClr val="accent1"/>
+          </a:fillRef>
+          <a:effectRef idx="0">
+            <a:schemeClr val="accent1"/>
+          </a:effectRef>
+          <a:fontRef idx="minor">
+            <a:schemeClr val="lt1"/>
+          </a:fontRef>
+        </p:style>
+        <p:txBody>
+          <a:bodyPr rot="0" spcFirstLastPara="0" vertOverflow="overflow" horzOverflow="overflow" vert="horz" wrap="square" lIns="91440" tIns="45720" rIns="91440" bIns="45720" numCol="1" spcCol="0" rtlCol="0" fromWordArt="0" anchor="t" anchorCtr="0" forceAA="0" compatLnSpc="1">
+            <a:prstTxWarp prst="textNoShape">
+              <a:avLst/>
+            </a:prstTxWarp>
+            <a:noAutofit/>
+          </a:bodyPr>
+          <a:lstStyle/>
+          <a:p>
+            <a:r>
+              <a:rPr lang="en-US" sz="1200" b="1" i="1" dirty="0">
+                <a:latin typeface="Arial" pitchFamily="34" charset="0"/>
+                <a:cs typeface="Arial" pitchFamily="34" charset="0"/>
+              </a:rPr>
+              <a:t>NOTE:</a:t>
+            </a:r>
+          </a:p>
+          <a:p>
+            <a:r>
+              <a:rPr lang="en-US" sz="1200" i="1" dirty="0">
+                <a:latin typeface="Arial" pitchFamily="34" charset="0"/>
+                <a:cs typeface="Arial" pitchFamily="34" charset="0"/>
+              </a:rPr>
+              <a:t>To change images on this slide, select a picture and delete it. Then click the Insert Picture icon</a:t>
+            </a:r>
+          </a:p>
+          <a:p>
+            <a:r>
+              <a:rPr lang="en-US" sz="1200" i="1" dirty="0">
+                <a:latin typeface="Arial" pitchFamily="34" charset="0"/>
+                <a:cs typeface="Arial" pitchFamily="34" charset="0"/>
+              </a:rPr>
+              <a:t>in the placeholder to insert your own image.</a:t>
+            </a:r>
+          </a:p>
+        </p:txBody>
+      </p:sp>
+      <p:sp>
+        <p:nvSpPr>
+          <p:cNvPr id="7" name="Text Placeholder 6">
             <a:extLst>
               <a:ext uri="{FF2B5EF4-FFF2-40B4-BE49-F238E27FC236}">
-                <a16:creationId xmlns:a16="http://schemas.microsoft.com/office/drawing/2014/main" id="{37D6ABD0-352A-9501-81BE-F8F7B7FC2512}"/>
+                <a16:creationId xmlns:a16="http://schemas.microsoft.com/office/drawing/2014/main" id="{1BA05E9A-2D24-1A51-FFE4-E1576CC56535}"/>
               </a:ext>
             </a:extLst>
           </p:cNvPr>
-          <p:cNvPicPr>
-            <a:picLocks noChangeAspect="1"/>
-          </p:cNvPicPr>
-          <p:nvPr/>
-        </p:nvPicPr>
-        <p:blipFill>
-          <a:blip r:embed="rId3"/>
-          <a:stretch>
-            <a:fillRect/>
-          </a:stretch>
-        </p:blipFill>
-        <p:spPr>
-          <a:xfrm>
-            <a:off x="152400" y="381000"/>
-            <a:ext cx="6781800" cy="6248400"/>
-          </a:xfrm>
-          <a:prstGeom prst="rect">
-            <a:avLst/>
-          </a:prstGeom>
-        </p:spPr>
-        <p:style>
-          <a:lnRef idx="2">
-            <a:schemeClr val="accent6"/>
-          </a:lnRef>
-          <a:fillRef idx="1">
-            <a:schemeClr val="lt1"/>
-          </a:fillRef>
-          <a:effectRef idx="0">
-            <a:schemeClr val="accent6"/>
-          </a:effectRef>
-          <a:fontRef idx="minor">
-            <a:schemeClr val="dk1"/>
-          </a:fontRef>
-        </p:style>
-      </p:pic>
-      <p:pic>
-        <p:nvPicPr>
-          <p:cNvPr id="9" name="Picture 8">
-            <a:extLst>
-              <a:ext uri="{FF2B5EF4-FFF2-40B4-BE49-F238E27FC236}">
-                <a16:creationId xmlns:a16="http://schemas.microsoft.com/office/drawing/2014/main" id="{14A20CBC-A85F-D290-C61A-6E43E5901A3C}"/>
-              </a:ext>
-            </a:extLst>
-          </p:cNvPr>
-          <p:cNvPicPr>
-            <a:picLocks noChangeAspect="1"/>
-          </p:cNvPicPr>
-          <p:nvPr/>
-        </p:nvPicPr>
-        <p:blipFill>
-          <a:blip r:embed="rId4"/>
-          <a:stretch>
-            <a:fillRect/>
-          </a:stretch>
-        </p:blipFill>
-        <p:spPr>
-          <a:xfrm>
-            <a:off x="6858000" y="2133600"/>
-            <a:ext cx="5010849" cy="4115374"/>
-          </a:xfrm>
-          <a:prstGeom prst="rect">
-            <a:avLst/>
-          </a:prstGeom>
-        </p:spPr>
-        <p:style>
-          <a:lnRef idx="2">
-            <a:schemeClr val="accent6"/>
-          </a:lnRef>
-          <a:fillRef idx="1">
-            <a:schemeClr val="lt1"/>
-          </a:fillRef>
-          <a:effectRef idx="0">
-            <a:schemeClr val="accent6"/>
-          </a:effectRef>
-          <a:fontRef idx="minor">
-            <a:schemeClr val="dk1"/>
-          </a:fontRef>
-        </p:style>
-      </p:pic>
-      <p:sp>
-        <p:nvSpPr>
-          <p:cNvPr id="10" name="TextBox 9">
-            <a:extLst>
-              <a:ext uri="{FF2B5EF4-FFF2-40B4-BE49-F238E27FC236}">
-                <a16:creationId xmlns:a16="http://schemas.microsoft.com/office/drawing/2014/main" id="{35D355A4-BF60-BA8D-15F4-626A9ABF13A0}"/>
-              </a:ext>
-            </a:extLst>
-          </p:cNvPr>
-          <p:cNvSpPr txBox="1"/>
-          <p:nvPr/>
-        </p:nvSpPr>
-        <p:spPr>
-          <a:xfrm>
-            <a:off x="7878566" y="609026"/>
-            <a:ext cx="3657600" cy="830997"/>
-          </a:xfrm>
-          <a:prstGeom prst="rect">
-            <a:avLst/>
-          </a:prstGeom>
-          <a:noFill/>
-        </p:spPr>
-        <p:txBody>
-          <a:bodyPr wrap="square" rtlCol="0">
-            <a:spAutoFit/>
-          </a:bodyPr>
+          <p:cNvSpPr>
+            <a:spLocks noGrp="1"/>
+          </p:cNvSpPr>
+          <p:nvPr>
+            <p:ph type="body" sz="half" idx="2"/>
+          </p:nvPr>
+        </p:nvSpPr>
+        <p:spPr/>
+        <p:txBody>
+          <a:bodyPr/>
           <a:lstStyle/>
           <a:p>
-            <a:r>
-              <a:rPr lang="en-US" sz="4800" dirty="0"/>
-              <a:t>The Robot</a:t>
-            </a:r>
+            <a:endParaRPr lang="en-US"/>
           </a:p>
         </p:txBody>
       </p:sp>
     </p:spTree>
     <p:extLst>
       <p:ext uri="{BB962C8B-B14F-4D97-AF65-F5344CB8AC3E}">
-        <p14:creationId xmlns:p14="http://schemas.microsoft.com/office/powerpoint/2010/main" val="2539962955"/>
+        <p14:creationId xmlns:p14="http://schemas.microsoft.com/office/powerpoint/2010/main" val="3053388791"/>
       </p:ext>
     </p:extLst>
   </p:cSld>
@@ -6452,7 +5403,7 @@
 </p:sld>
 </file>
 
-<file path=ppt/slides/slide11.xml><?xml version="1.0" encoding="utf-8"?>
+<file path=ppt/slides/slide3.xml><?xml version="1.0" encoding="utf-8"?>
 <p:sld xmlns:a="http://schemas.openxmlformats.org/drawingml/2006/main" xmlns:r="http://schemas.openxmlformats.org/officeDocument/2006/relationships" xmlns:p="http://schemas.openxmlformats.org/presentationml/2006/main">
   <p:cSld>
     <p:spTree>
@@ -6469,12 +5420,385 @@
           <a:chExt cx="0" cy="0"/>
         </a:xfrm>
       </p:grpSpPr>
+      <p:sp>
+        <p:nvSpPr>
+          <p:cNvPr id="2" name="Title 1"/>
+          <p:cNvSpPr>
+            <a:spLocks noGrp="1"/>
+          </p:cNvSpPr>
+          <p:nvPr>
+            <p:ph type="title"/>
+          </p:nvPr>
+        </p:nvSpPr>
+        <p:spPr/>
+        <p:txBody>
+          <a:bodyPr/>
+          <a:lstStyle/>
+          <a:p>
+            <a:r>
+              <a:rPr lang="en-US" dirty="0"/>
+              <a:t>Cleaning the Data</a:t>
+            </a:r>
+          </a:p>
+        </p:txBody>
+      </p:sp>
+      <p:sp>
+        <p:nvSpPr>
+          <p:cNvPr id="6" name="Content Placeholder 2">
+            <a:extLst>
+              <a:ext uri="{FF2B5EF4-FFF2-40B4-BE49-F238E27FC236}">
+                <a16:creationId xmlns:a16="http://schemas.microsoft.com/office/drawing/2014/main" id="{88403B43-903E-3987-04B7-D921DE0CBAB5}"/>
+              </a:ext>
+            </a:extLst>
+          </p:cNvPr>
+          <p:cNvSpPr>
+            <a:spLocks noGrp="1"/>
+          </p:cNvSpPr>
+          <p:nvPr>
+            <p:ph idx="1"/>
+          </p:nvPr>
+        </p:nvSpPr>
+        <p:spPr>
+          <a:xfrm>
+            <a:off x="1066800" y="1676400"/>
+            <a:ext cx="10058400" cy="4343400"/>
+          </a:xfrm>
+        </p:spPr>
+        <p:txBody>
+          <a:bodyPr/>
+          <a:lstStyle/>
+          <a:p>
+            <a:r>
+              <a:rPr lang="en-US" sz="1600" dirty="0">
+                <a:hlinkClick r:id="rId2"/>
+              </a:rPr>
+              <a:t>Kaggle </a:t>
+            </a:r>
+            <a:r>
+              <a:rPr lang="en-US" sz="1600" dirty="0" err="1">
+                <a:hlinkClick r:id="rId2"/>
+              </a:rPr>
+              <a:t>Datasource</a:t>
+            </a:r>
+            <a:endParaRPr lang="en-US" sz="1600" dirty="0"/>
+          </a:p>
+          <a:p>
+            <a:r>
+              <a:rPr lang="en-US" sz="1600" dirty="0"/>
+              <a:t>Dropped several stats that were just provided for drafted players – a clear indicator between drafted and undrafted which would’ve led to overfitting</a:t>
+            </a:r>
+          </a:p>
+          <a:p>
+            <a:r>
+              <a:rPr lang="en-US" sz="1600" dirty="0"/>
+              <a:t>Dropped columns that had more </a:t>
+            </a:r>
+            <a:r>
+              <a:rPr lang="en-US" sz="1600"/>
+              <a:t>than 1K </a:t>
+            </a:r>
+            <a:r>
+              <a:rPr lang="en-US" sz="1600" dirty="0"/>
+              <a:t>nulls</a:t>
+            </a:r>
+          </a:p>
+          <a:p>
+            <a:r>
+              <a:rPr lang="en-US" sz="1600" dirty="0"/>
+              <a:t>Height column was in date format – transformed to total inches</a:t>
+            </a:r>
+          </a:p>
+          <a:p>
+            <a:r>
+              <a:rPr lang="en-US" sz="1600" dirty="0"/>
+              <a:t>Grouped by player ID (</a:t>
+            </a:r>
+            <a:r>
+              <a:rPr lang="en-US" sz="1600" dirty="0" err="1"/>
+              <a:t>pid</a:t>
+            </a:r>
+            <a:r>
+              <a:rPr lang="en-US" sz="1600" dirty="0"/>
+              <a:t>) unique identifier</a:t>
+            </a:r>
+            <a:endParaRPr lang="en-US" sz="1600" dirty="0">
+              <a:hlinkClick r:id="rId3"/>
+            </a:endParaRPr>
+          </a:p>
+          <a:p>
+            <a:r>
+              <a:rPr lang="en-US" sz="1600" dirty="0" err="1">
+                <a:hlinkClick r:id="rId3"/>
+              </a:rPr>
+              <a:t>Jupyter</a:t>
+            </a:r>
+            <a:r>
+              <a:rPr lang="en-US" sz="1600" dirty="0">
+                <a:hlinkClick r:id="rId3"/>
+              </a:rPr>
+              <a:t> Notebook File</a:t>
+            </a:r>
+            <a:endParaRPr lang="en-US" sz="1600" dirty="0"/>
+          </a:p>
+          <a:p>
+            <a:r>
+              <a:rPr lang="en-US" sz="1600" dirty="0"/>
+              <a:t>Prior to feeding model data:</a:t>
+            </a:r>
+          </a:p>
+          <a:p>
+            <a:pPr lvl="1"/>
+            <a:r>
+              <a:rPr lang="en-US" sz="1200" dirty="0"/>
+              <a:t>Identified and filtered to conferences that had drafted and undrafted players</a:t>
+            </a:r>
+          </a:p>
+          <a:p>
+            <a:pPr lvl="1"/>
+            <a:r>
+              <a:rPr lang="en-US" sz="1200" dirty="0"/>
+              <a:t>Filtered out players that played less than 8 games per year and averaged 7.5 mins per game.</a:t>
+            </a:r>
+          </a:p>
+        </p:txBody>
+      </p:sp>
+    </p:spTree>
+    <p:extLst>
+      <p:ext uri="{BB962C8B-B14F-4D97-AF65-F5344CB8AC3E}">
+        <p14:creationId xmlns:p14="http://schemas.microsoft.com/office/powerpoint/2010/main" val="2905083717"/>
+      </p:ext>
+    </p:extLst>
+  </p:cSld>
+  <p:clrMapOvr>
+    <a:masterClrMapping/>
+  </p:clrMapOvr>
+  <mc:AlternateContent xmlns:mc="http://schemas.openxmlformats.org/markup-compatibility/2006" xmlns:p14="http://schemas.microsoft.com/office/powerpoint/2010/main">
+    <mc:Choice Requires="p14">
+      <p:transition spd="med" p14:dur="700">
+        <p:fade/>
+      </p:transition>
+    </mc:Choice>
+    <mc:Fallback xmlns="">
+      <p:transition spd="med">
+        <p:fade/>
+      </p:transition>
+    </mc:Fallback>
+  </mc:AlternateContent>
+</p:sld>
+</file>
+
+<file path=ppt/slides/slide4.xml><?xml version="1.0" encoding="utf-8"?>
+<p:sld xmlns:a="http://schemas.openxmlformats.org/drawingml/2006/main" xmlns:r="http://schemas.openxmlformats.org/officeDocument/2006/relationships" xmlns:p="http://schemas.openxmlformats.org/presentationml/2006/main">
+  <p:cSld>
+    <p:spTree>
+      <p:nvGrpSpPr>
+        <p:cNvPr id="1" name=""/>
+        <p:cNvGrpSpPr/>
+        <p:nvPr/>
+      </p:nvGrpSpPr>
+      <p:grpSpPr>
+        <a:xfrm>
+          <a:off x="0" y="0"/>
+          <a:ext cx="0" cy="0"/>
+          <a:chOff x="0" y="0"/>
+          <a:chExt cx="0" cy="0"/>
+        </a:xfrm>
+      </p:grpSpPr>
+      <p:graphicFrame>
+        <p:nvGraphicFramePr>
+          <p:cNvPr id="10" name="Content Placeholder 9" descr="Clustered column chart showing the values of 3 series for 4 categories"/>
+          <p:cNvGraphicFramePr>
+            <a:graphicFrameLocks noGrp="1"/>
+          </p:cNvGraphicFramePr>
+          <p:nvPr>
+            <p:ph idx="1"/>
+            <p:extLst>
+              <p:ext uri="{D42A27DB-BD31-4B8C-83A1-F6EECF244321}">
+                <p14:modId xmlns:p14="http://schemas.microsoft.com/office/powerpoint/2010/main" val="2281812233"/>
+              </p:ext>
+            </p:extLst>
+          </p:nvPr>
+        </p:nvGraphicFramePr>
+        <p:xfrm>
+          <a:off x="609600" y="838200"/>
+          <a:ext cx="6172200" cy="5181600"/>
+        </p:xfrm>
+        <a:graphic>
+          <a:graphicData uri="http://schemas.openxmlformats.org/drawingml/2006/chart">
+            <c:chart xmlns:c="http://schemas.openxmlformats.org/drawingml/2006/chart" xmlns:r="http://schemas.openxmlformats.org/officeDocument/2006/relationships" r:id="rId2"/>
+          </a:graphicData>
+        </a:graphic>
+      </p:graphicFrame>
+      <p:sp>
+        <p:nvSpPr>
+          <p:cNvPr id="8" name="TextBox 7">
+            <a:extLst>
+              <a:ext uri="{FF2B5EF4-FFF2-40B4-BE49-F238E27FC236}">
+                <a16:creationId xmlns:a16="http://schemas.microsoft.com/office/drawing/2014/main" id="{07999E0F-1AB2-5ACE-0561-A35B9E61A813}"/>
+              </a:ext>
+            </a:extLst>
+          </p:cNvPr>
+          <p:cNvSpPr txBox="1"/>
+          <p:nvPr/>
+        </p:nvSpPr>
+        <p:spPr>
+          <a:xfrm>
+            <a:off x="8430766" y="1450848"/>
+            <a:ext cx="3608833" cy="4770537"/>
+          </a:xfrm>
+          <a:prstGeom prst="rect">
+            <a:avLst/>
+          </a:prstGeom>
+          <a:noFill/>
+        </p:spPr>
+        <p:txBody>
+          <a:bodyPr wrap="square" rtlCol="0">
+            <a:spAutoFit/>
+          </a:bodyPr>
+          <a:lstStyle/>
+          <a:p>
+            <a:pPr rtl="0" fontAlgn="base">
+              <a:spcBef>
+                <a:spcPts val="0"/>
+              </a:spcBef>
+              <a:spcAft>
+                <a:spcPts val="0"/>
+              </a:spcAft>
+              <a:buFont typeface="Arial" panose="020B0604020202020204" pitchFamily="34" charset="0"/>
+              <a:buChar char="•"/>
+            </a:pPr>
+            <a:r>
+              <a:rPr lang="en-US" sz="1600" b="1" i="0" u="none" strike="noStrike" dirty="0">
+                <a:effectLst/>
+                <a:latin typeface="Arial" panose="020B0604020202020204" pitchFamily="34" charset="0"/>
+              </a:rPr>
+              <a:t> Kentucky tends to have the most drafted players in the data we found. And the School with the second most drafted players was Duke which had 14 fewer players drafted than Kentucky. </a:t>
+            </a:r>
+          </a:p>
+          <a:p>
+            <a:pPr rtl="0" fontAlgn="base">
+              <a:spcBef>
+                <a:spcPts val="0"/>
+              </a:spcBef>
+              <a:spcAft>
+                <a:spcPts val="0"/>
+              </a:spcAft>
+            </a:pPr>
+            <a:endParaRPr lang="en-US" sz="1600" b="1" i="0" u="none" strike="noStrike" dirty="0">
+              <a:effectLst/>
+              <a:latin typeface="Arial" panose="020B0604020202020204" pitchFamily="34" charset="0"/>
+            </a:endParaRPr>
+          </a:p>
+          <a:p>
+            <a:pPr rtl="0" fontAlgn="base">
+              <a:spcBef>
+                <a:spcPts val="0"/>
+              </a:spcBef>
+              <a:spcAft>
+                <a:spcPts val="0"/>
+              </a:spcAft>
+              <a:buFont typeface="Arial" panose="020B0604020202020204" pitchFamily="34" charset="0"/>
+              <a:buChar char="•"/>
+            </a:pPr>
+            <a:r>
+              <a:rPr lang="en-US" sz="1600" b="1" i="0" u="none" strike="noStrike" dirty="0">
+                <a:effectLst/>
+                <a:latin typeface="Arial" panose="020B0604020202020204" pitchFamily="34" charset="0"/>
+              </a:rPr>
+              <a:t> Drafted players' heights typically are between six feet to seven feet (No surprise there). And sorry no one under five feet five inches was drafted. </a:t>
+            </a:r>
+          </a:p>
+          <a:p>
+            <a:pPr rtl="0" fontAlgn="base">
+              <a:spcBef>
+                <a:spcPts val="0"/>
+              </a:spcBef>
+              <a:spcAft>
+                <a:spcPts val="0"/>
+              </a:spcAft>
+            </a:pPr>
+            <a:endParaRPr lang="en-US" sz="1600" b="1" i="0" u="none" strike="noStrike" dirty="0">
+              <a:effectLst/>
+              <a:latin typeface="Arial" panose="020B0604020202020204" pitchFamily="34" charset="0"/>
+            </a:endParaRPr>
+          </a:p>
+          <a:p>
+            <a:pPr rtl="0" fontAlgn="base">
+              <a:spcBef>
+                <a:spcPts val="0"/>
+              </a:spcBef>
+              <a:spcAft>
+                <a:spcPts val="0"/>
+              </a:spcAft>
+              <a:buFont typeface="Arial" panose="020B0604020202020204" pitchFamily="34" charset="0"/>
+              <a:buChar char="•"/>
+            </a:pPr>
+            <a:r>
+              <a:rPr lang="en-US" sz="1600" b="1" i="0" u="none" strike="noStrike" dirty="0">
+                <a:effectLst/>
+                <a:latin typeface="Arial" panose="020B0604020202020204" pitchFamily="34" charset="0"/>
+              </a:rPr>
+              <a:t> Conferences with the schools associated as “Blue Bloods Schools” (Kentucky, Duke, North Carolina, Kansas, and UCLA) tends to have more drafted players than any other Conferences. </a:t>
+            </a:r>
+          </a:p>
+        </p:txBody>
+      </p:sp>
+      <p:sp>
+        <p:nvSpPr>
+          <p:cNvPr id="9" name="Title 7">
+            <a:extLst>
+              <a:ext uri="{FF2B5EF4-FFF2-40B4-BE49-F238E27FC236}">
+                <a16:creationId xmlns:a16="http://schemas.microsoft.com/office/drawing/2014/main" id="{61AD1C25-3ED0-14A6-05CA-F125827E6772}"/>
+              </a:ext>
+            </a:extLst>
+          </p:cNvPr>
+          <p:cNvSpPr>
+            <a:spLocks noGrp="1"/>
+          </p:cNvSpPr>
+          <p:nvPr>
+            <p:ph type="title"/>
+          </p:nvPr>
+        </p:nvSpPr>
+        <p:spPr>
+          <a:xfrm>
+            <a:off x="8430766" y="304800"/>
+            <a:ext cx="3608834" cy="1146048"/>
+          </a:xfrm>
+        </p:spPr>
+        <p:txBody>
+          <a:bodyPr>
+            <a:noAutofit/>
+          </a:bodyPr>
+          <a:lstStyle/>
+          <a:p>
+            <a:pPr algn="ctr" rtl="0">
+              <a:spcBef>
+                <a:spcPts val="0"/>
+              </a:spcBef>
+              <a:spcAft>
+                <a:spcPts val="0"/>
+              </a:spcAft>
+            </a:pPr>
+            <a:r>
+              <a:rPr lang="en-US" sz="2400" i="0" u="none" strike="noStrike" dirty="0">
+                <a:solidFill>
+                  <a:srgbClr val="FFFFFF"/>
+                </a:solidFill>
+                <a:effectLst/>
+                <a:latin typeface="Impact" panose="020B0806030902050204" pitchFamily="34" charset="0"/>
+              </a:rPr>
+              <a:t>The possibility of being drafted using stats on School, height, and Conference.  </a:t>
+            </a:r>
+            <a:endParaRPr lang="en-US" sz="2400" dirty="0"/>
+          </a:p>
+        </p:txBody>
+      </p:sp>
       <p:pic>
         <p:nvPicPr>
-          <p:cNvPr id="1026" name="Picture 2">
+          <p:cNvPr id="11" name="Picture 2">
             <a:extLst>
               <a:ext uri="{FF2B5EF4-FFF2-40B4-BE49-F238E27FC236}">
-                <a16:creationId xmlns:a16="http://schemas.microsoft.com/office/drawing/2014/main" id="{D519ED77-1A34-C74C-A1EA-21277536AE44}"/>
+                <a16:creationId xmlns:a16="http://schemas.microsoft.com/office/drawing/2014/main" id="{3EDF2856-0DD7-635D-82BC-1D725F19D988}"/>
               </a:ext>
             </a:extLst>
           </p:cNvPr>
@@ -6498,727 +5822,28 @@
         </p:blipFill>
         <p:spPr bwMode="auto">
           <a:xfrm>
-            <a:off x="67684" y="739314"/>
-            <a:ext cx="6265432" cy="2817813"/>
-          </a:xfrm>
-          <a:prstGeom prst="rect">
-            <a:avLst/>
-          </a:prstGeom>
-          <a:ln w="76200"/>
-        </p:spPr>
-        <p:style>
-          <a:lnRef idx="2">
-            <a:schemeClr val="dk1">
-              <a:shade val="50000"/>
-            </a:schemeClr>
-          </a:lnRef>
-          <a:fillRef idx="1">
-            <a:schemeClr val="dk1"/>
-          </a:fillRef>
-          <a:effectRef idx="0">
-            <a:schemeClr val="dk1"/>
-          </a:effectRef>
-          <a:fontRef idx="minor">
-            <a:schemeClr val="lt1"/>
-          </a:fontRef>
-        </p:style>
-      </p:pic>
-      <p:pic>
-        <p:nvPicPr>
-          <p:cNvPr id="1028" name="Picture 4">
-            <a:extLst>
-              <a:ext uri="{FF2B5EF4-FFF2-40B4-BE49-F238E27FC236}">
-                <a16:creationId xmlns:a16="http://schemas.microsoft.com/office/drawing/2014/main" id="{464E68DA-33EF-F961-3ACA-CBF850C8F133}"/>
-              </a:ext>
-            </a:extLst>
-          </p:cNvPr>
-          <p:cNvPicPr>
-            <a:picLocks noChangeAspect="1" noChangeArrowheads="1"/>
-          </p:cNvPicPr>
-          <p:nvPr/>
-        </p:nvPicPr>
-        <p:blipFill>
-          <a:blip r:embed="rId4">
-            <a:extLst>
-              <a:ext uri="{28A0092B-C50C-407E-A947-70E740481C1C}">
-                <a14:useLocalDpi xmlns:a14="http://schemas.microsoft.com/office/drawing/2010/main" val="0"/>
-              </a:ext>
-            </a:extLst>
-          </a:blip>
-          <a:srcRect/>
-          <a:stretch>
-            <a:fillRect/>
-          </a:stretch>
-        </p:blipFill>
-        <p:spPr bwMode="auto">
-          <a:xfrm>
-            <a:off x="5926569" y="3577180"/>
-            <a:ext cx="6265431" cy="3282825"/>
-          </a:xfrm>
-          <a:prstGeom prst="rect">
-            <a:avLst/>
-          </a:prstGeom>
-          <a:ln w="76200"/>
-        </p:spPr>
-        <p:style>
-          <a:lnRef idx="2">
-            <a:schemeClr val="dk1">
-              <a:shade val="50000"/>
-            </a:schemeClr>
-          </a:lnRef>
-          <a:fillRef idx="1">
-            <a:schemeClr val="dk1"/>
-          </a:fillRef>
-          <a:effectRef idx="0">
-            <a:schemeClr val="dk1"/>
-          </a:effectRef>
-          <a:fontRef idx="minor">
-            <a:schemeClr val="lt1"/>
-          </a:fontRef>
-        </p:style>
-      </p:pic>
-      <p:sp>
-        <p:nvSpPr>
-          <p:cNvPr id="9" name="TextBox 8">
-            <a:extLst>
-              <a:ext uri="{FF2B5EF4-FFF2-40B4-BE49-F238E27FC236}">
-                <a16:creationId xmlns:a16="http://schemas.microsoft.com/office/drawing/2014/main" id="{43704570-CB2F-128C-6762-C679AEF0965B}"/>
-              </a:ext>
-            </a:extLst>
-          </p:cNvPr>
-          <p:cNvSpPr txBox="1"/>
-          <p:nvPr/>
-        </p:nvSpPr>
-        <p:spPr>
-          <a:xfrm>
-            <a:off x="6477000" y="791463"/>
-            <a:ext cx="3429000" cy="369332"/>
+            <a:off x="27433" y="304800"/>
+            <a:ext cx="8354567" cy="6096000"/>
           </a:xfrm>
           <a:prstGeom prst="rect">
             <a:avLst/>
           </a:prstGeom>
           <a:noFill/>
+          <a:extLst>
+            <a:ext uri="{909E8E84-426E-40DD-AFC4-6F175D3DCCD1}">
+              <a14:hiddenFill xmlns:a14="http://schemas.microsoft.com/office/drawing/2010/main">
+                <a:solidFill>
+                  <a:srgbClr val="FFFFFF"/>
+                </a:solidFill>
+              </a14:hiddenFill>
+            </a:ext>
+          </a:extLst>
         </p:spPr>
-        <p:txBody>
-          <a:bodyPr wrap="square" rtlCol="0">
-            <a:spAutoFit/>
-          </a:bodyPr>
-          <a:lstStyle/>
-          <a:p>
-            <a:r>
-              <a:rPr lang="en-US" dirty="0"/>
-              <a:t>Before Data Parity</a:t>
-            </a:r>
-          </a:p>
-        </p:txBody>
-      </p:sp>
-      <p:sp>
-        <p:nvSpPr>
-          <p:cNvPr id="10" name="TextBox 9">
-            <a:extLst>
-              <a:ext uri="{FF2B5EF4-FFF2-40B4-BE49-F238E27FC236}">
-                <a16:creationId xmlns:a16="http://schemas.microsoft.com/office/drawing/2014/main" id="{8718FC39-9820-8536-96B2-0F8A526BCE20}"/>
-              </a:ext>
-            </a:extLst>
-          </p:cNvPr>
-          <p:cNvSpPr txBox="1"/>
-          <p:nvPr/>
-        </p:nvSpPr>
-        <p:spPr>
-          <a:xfrm>
-            <a:off x="3886200" y="6031468"/>
-            <a:ext cx="3429000" cy="369332"/>
-          </a:xfrm>
-          <a:prstGeom prst="rect">
-            <a:avLst/>
-          </a:prstGeom>
-          <a:noFill/>
-        </p:spPr>
-        <p:txBody>
-          <a:bodyPr wrap="square" rtlCol="0">
-            <a:spAutoFit/>
-          </a:bodyPr>
-          <a:lstStyle/>
-          <a:p>
-            <a:r>
-              <a:rPr lang="en-US" dirty="0"/>
-              <a:t>After Data Parity</a:t>
-            </a:r>
-          </a:p>
-        </p:txBody>
-      </p:sp>
-      <p:cxnSp>
-        <p:nvCxnSpPr>
-          <p:cNvPr id="12" name="Straight Arrow Connector 11">
-            <a:extLst>
-              <a:ext uri="{FF2B5EF4-FFF2-40B4-BE49-F238E27FC236}">
-                <a16:creationId xmlns:a16="http://schemas.microsoft.com/office/drawing/2014/main" id="{6D649A2C-047F-98F8-9A36-0C8E674AF82E}"/>
-              </a:ext>
-            </a:extLst>
-          </p:cNvPr>
-          <p:cNvCxnSpPr>
-            <a:cxnSpLocks/>
-          </p:cNvCxnSpPr>
-          <p:nvPr/>
-        </p:nvCxnSpPr>
-        <p:spPr>
-          <a:xfrm>
-            <a:off x="1600200" y="2133600"/>
-            <a:ext cx="533400" cy="570707"/>
-          </a:xfrm>
-          <a:prstGeom prst="straightConnector1">
-            <a:avLst/>
-          </a:prstGeom>
-          <a:ln w="57150">
-            <a:tailEnd type="triangle"/>
-          </a:ln>
-        </p:spPr>
-        <p:style>
-          <a:lnRef idx="3">
-            <a:schemeClr val="accent2"/>
-          </a:lnRef>
-          <a:fillRef idx="0">
-            <a:schemeClr val="accent2"/>
-          </a:fillRef>
-          <a:effectRef idx="2">
-            <a:schemeClr val="accent2"/>
-          </a:effectRef>
-          <a:fontRef idx="minor">
-            <a:schemeClr val="tx1"/>
-          </a:fontRef>
-        </p:style>
-      </p:cxnSp>
-      <p:cxnSp>
-        <p:nvCxnSpPr>
-          <p:cNvPr id="16" name="Straight Arrow Connector 15">
-            <a:extLst>
-              <a:ext uri="{FF2B5EF4-FFF2-40B4-BE49-F238E27FC236}">
-                <a16:creationId xmlns:a16="http://schemas.microsoft.com/office/drawing/2014/main" id="{EE386FCA-6CBB-035E-EF7E-28DFD2AA0A80}"/>
-              </a:ext>
-            </a:extLst>
-          </p:cNvPr>
-          <p:cNvCxnSpPr>
-            <a:cxnSpLocks/>
-          </p:cNvCxnSpPr>
-          <p:nvPr/>
-        </p:nvCxnSpPr>
-        <p:spPr>
-          <a:xfrm flipV="1">
-            <a:off x="1600200" y="1668380"/>
-            <a:ext cx="685800" cy="497304"/>
-          </a:xfrm>
-          <a:prstGeom prst="straightConnector1">
-            <a:avLst/>
-          </a:prstGeom>
-          <a:ln w="57150">
-            <a:tailEnd type="triangle"/>
-          </a:ln>
-        </p:spPr>
-        <p:style>
-          <a:lnRef idx="3">
-            <a:schemeClr val="accent2"/>
-          </a:lnRef>
-          <a:fillRef idx="0">
-            <a:schemeClr val="accent2"/>
-          </a:fillRef>
-          <a:effectRef idx="2">
-            <a:schemeClr val="accent2"/>
-          </a:effectRef>
-          <a:fontRef idx="minor">
-            <a:schemeClr val="tx1"/>
-          </a:fontRef>
-        </p:style>
-      </p:cxnSp>
-      <p:cxnSp>
-        <p:nvCxnSpPr>
-          <p:cNvPr id="18" name="Straight Arrow Connector 17">
-            <a:extLst>
-              <a:ext uri="{FF2B5EF4-FFF2-40B4-BE49-F238E27FC236}">
-                <a16:creationId xmlns:a16="http://schemas.microsoft.com/office/drawing/2014/main" id="{47BEC33C-1783-5886-98A8-A07C48847E35}"/>
-              </a:ext>
-            </a:extLst>
-          </p:cNvPr>
-          <p:cNvCxnSpPr>
-            <a:cxnSpLocks/>
-          </p:cNvCxnSpPr>
-          <p:nvPr/>
-        </p:nvCxnSpPr>
-        <p:spPr>
-          <a:xfrm flipH="1" flipV="1">
-            <a:off x="3200400" y="1573339"/>
-            <a:ext cx="398552" cy="343693"/>
-          </a:xfrm>
-          <a:prstGeom prst="straightConnector1">
-            <a:avLst/>
-          </a:prstGeom>
-          <a:ln w="57150">
-            <a:tailEnd type="triangle"/>
-          </a:ln>
-        </p:spPr>
-        <p:style>
-          <a:lnRef idx="3">
-            <a:schemeClr val="accent2"/>
-          </a:lnRef>
-          <a:fillRef idx="0">
-            <a:schemeClr val="accent2"/>
-          </a:fillRef>
-          <a:effectRef idx="2">
-            <a:schemeClr val="accent2"/>
-          </a:effectRef>
-          <a:fontRef idx="minor">
-            <a:schemeClr val="tx1"/>
-          </a:fontRef>
-        </p:style>
-      </p:cxnSp>
-      <p:cxnSp>
-        <p:nvCxnSpPr>
-          <p:cNvPr id="20" name="Straight Arrow Connector 19">
-            <a:extLst>
-              <a:ext uri="{FF2B5EF4-FFF2-40B4-BE49-F238E27FC236}">
-                <a16:creationId xmlns:a16="http://schemas.microsoft.com/office/drawing/2014/main" id="{0394CBBE-E366-8109-FB2C-22E4E738556F}"/>
-              </a:ext>
-            </a:extLst>
-          </p:cNvPr>
-          <p:cNvCxnSpPr>
-            <a:cxnSpLocks/>
-          </p:cNvCxnSpPr>
-          <p:nvPr/>
-        </p:nvCxnSpPr>
-        <p:spPr>
-          <a:xfrm flipH="1">
-            <a:off x="3124200" y="1917032"/>
-            <a:ext cx="474752" cy="755190"/>
-          </a:xfrm>
-          <a:prstGeom prst="straightConnector1">
-            <a:avLst/>
-          </a:prstGeom>
-          <a:ln w="57150">
-            <a:tailEnd type="triangle"/>
-          </a:ln>
-        </p:spPr>
-        <p:style>
-          <a:lnRef idx="3">
-            <a:schemeClr val="accent2"/>
-          </a:lnRef>
-          <a:fillRef idx="0">
-            <a:schemeClr val="accent2"/>
-          </a:fillRef>
-          <a:effectRef idx="2">
-            <a:schemeClr val="accent2"/>
-          </a:effectRef>
-          <a:fontRef idx="minor">
-            <a:schemeClr val="tx1"/>
-          </a:fontRef>
-        </p:style>
-      </p:cxnSp>
-      <p:cxnSp>
-        <p:nvCxnSpPr>
-          <p:cNvPr id="23" name="Straight Arrow Connector 22">
-            <a:extLst>
-              <a:ext uri="{FF2B5EF4-FFF2-40B4-BE49-F238E27FC236}">
-                <a16:creationId xmlns:a16="http://schemas.microsoft.com/office/drawing/2014/main" id="{589EBEED-C9DA-46F5-EDBF-E4ABA6DF36C6}"/>
-              </a:ext>
-            </a:extLst>
-          </p:cNvPr>
-          <p:cNvCxnSpPr>
-            <a:cxnSpLocks/>
-          </p:cNvCxnSpPr>
-          <p:nvPr/>
-        </p:nvCxnSpPr>
-        <p:spPr>
-          <a:xfrm flipV="1">
-            <a:off x="5374105" y="1524969"/>
-            <a:ext cx="609600" cy="759687"/>
-          </a:xfrm>
-          <a:prstGeom prst="straightConnector1">
-            <a:avLst/>
-          </a:prstGeom>
-          <a:ln w="57150">
-            <a:tailEnd type="triangle"/>
-          </a:ln>
-        </p:spPr>
-        <p:style>
-          <a:lnRef idx="3">
-            <a:schemeClr val="accent2"/>
-          </a:lnRef>
-          <a:fillRef idx="0">
-            <a:schemeClr val="accent2"/>
-          </a:fillRef>
-          <a:effectRef idx="2">
-            <a:schemeClr val="accent2"/>
-          </a:effectRef>
-          <a:fontRef idx="minor">
-            <a:schemeClr val="tx1"/>
-          </a:fontRef>
-        </p:style>
-      </p:cxnSp>
-      <p:cxnSp>
-        <p:nvCxnSpPr>
-          <p:cNvPr id="26" name="Straight Arrow Connector 25">
-            <a:extLst>
-              <a:ext uri="{FF2B5EF4-FFF2-40B4-BE49-F238E27FC236}">
-                <a16:creationId xmlns:a16="http://schemas.microsoft.com/office/drawing/2014/main" id="{06BB4ECC-459B-B20E-AFEC-103FB173C41D}"/>
-              </a:ext>
-            </a:extLst>
-          </p:cNvPr>
-          <p:cNvCxnSpPr>
-            <a:cxnSpLocks/>
-          </p:cNvCxnSpPr>
-          <p:nvPr/>
-        </p:nvCxnSpPr>
-        <p:spPr>
-          <a:xfrm>
-            <a:off x="5410200" y="2257375"/>
-            <a:ext cx="381000" cy="963019"/>
-          </a:xfrm>
-          <a:prstGeom prst="straightConnector1">
-            <a:avLst/>
-          </a:prstGeom>
-          <a:ln w="57150">
-            <a:tailEnd type="triangle"/>
-          </a:ln>
-        </p:spPr>
-        <p:style>
-          <a:lnRef idx="3">
-            <a:schemeClr val="accent2"/>
-          </a:lnRef>
-          <a:fillRef idx="0">
-            <a:schemeClr val="accent2"/>
-          </a:fillRef>
-          <a:effectRef idx="2">
-            <a:schemeClr val="accent2"/>
-          </a:effectRef>
-          <a:fontRef idx="minor">
-            <a:schemeClr val="tx1"/>
-          </a:fontRef>
-        </p:style>
-      </p:cxnSp>
-      <p:cxnSp>
-        <p:nvCxnSpPr>
-          <p:cNvPr id="29" name="Straight Arrow Connector 28">
-            <a:extLst>
-              <a:ext uri="{FF2B5EF4-FFF2-40B4-BE49-F238E27FC236}">
-                <a16:creationId xmlns:a16="http://schemas.microsoft.com/office/drawing/2014/main" id="{143E4A2D-6BFF-B079-C64F-CBE35E161AE1}"/>
-              </a:ext>
-            </a:extLst>
-          </p:cNvPr>
-          <p:cNvCxnSpPr>
-            <a:cxnSpLocks/>
-          </p:cNvCxnSpPr>
-          <p:nvPr/>
-        </p:nvCxnSpPr>
-        <p:spPr>
-          <a:xfrm>
-            <a:off x="7196158" y="5292687"/>
-            <a:ext cx="723900" cy="697650"/>
-          </a:xfrm>
-          <a:prstGeom prst="straightConnector1">
-            <a:avLst/>
-          </a:prstGeom>
-          <a:ln w="57150">
-            <a:tailEnd type="triangle"/>
-          </a:ln>
-        </p:spPr>
-        <p:style>
-          <a:lnRef idx="3">
-            <a:schemeClr val="accent2"/>
-          </a:lnRef>
-          <a:fillRef idx="0">
-            <a:schemeClr val="accent2"/>
-          </a:fillRef>
-          <a:effectRef idx="2">
-            <a:schemeClr val="accent2"/>
-          </a:effectRef>
-          <a:fontRef idx="minor">
-            <a:schemeClr val="tx1"/>
-          </a:fontRef>
-        </p:style>
-      </p:cxnSp>
-      <p:cxnSp>
-        <p:nvCxnSpPr>
-          <p:cNvPr id="30" name="Straight Arrow Connector 29">
-            <a:extLst>
-              <a:ext uri="{FF2B5EF4-FFF2-40B4-BE49-F238E27FC236}">
-                <a16:creationId xmlns:a16="http://schemas.microsoft.com/office/drawing/2014/main" id="{E34FDF66-0B07-20A0-1A8E-46EF5B833423}"/>
-              </a:ext>
-            </a:extLst>
-          </p:cNvPr>
-          <p:cNvCxnSpPr>
-            <a:cxnSpLocks/>
-          </p:cNvCxnSpPr>
-          <p:nvPr/>
-        </p:nvCxnSpPr>
-        <p:spPr>
-          <a:xfrm flipH="1">
-            <a:off x="9748858" y="5023800"/>
-            <a:ext cx="477748" cy="0"/>
-          </a:xfrm>
-          <a:prstGeom prst="straightConnector1">
-            <a:avLst/>
-          </a:prstGeom>
-          <a:ln w="57150">
-            <a:tailEnd type="triangle"/>
-          </a:ln>
-        </p:spPr>
-        <p:style>
-          <a:lnRef idx="3">
-            <a:schemeClr val="accent2"/>
-          </a:lnRef>
-          <a:fillRef idx="0">
-            <a:schemeClr val="accent2"/>
-          </a:fillRef>
-          <a:effectRef idx="2">
-            <a:schemeClr val="accent2"/>
-          </a:effectRef>
-          <a:fontRef idx="minor">
-            <a:schemeClr val="tx1"/>
-          </a:fontRef>
-        </p:style>
-      </p:cxnSp>
-      <p:cxnSp>
-        <p:nvCxnSpPr>
-          <p:cNvPr id="31" name="Straight Arrow Connector 30">
-            <a:extLst>
-              <a:ext uri="{FF2B5EF4-FFF2-40B4-BE49-F238E27FC236}">
-                <a16:creationId xmlns:a16="http://schemas.microsoft.com/office/drawing/2014/main" id="{6984F86C-B7F2-3E7E-C28E-9A994533F069}"/>
-              </a:ext>
-            </a:extLst>
-          </p:cNvPr>
-          <p:cNvCxnSpPr>
-            <a:cxnSpLocks/>
-          </p:cNvCxnSpPr>
-          <p:nvPr/>
-        </p:nvCxnSpPr>
-        <p:spPr>
-          <a:xfrm flipH="1" flipV="1">
-            <a:off x="9748858" y="4313937"/>
-            <a:ext cx="477748" cy="709863"/>
-          </a:xfrm>
-          <a:prstGeom prst="straightConnector1">
-            <a:avLst/>
-          </a:prstGeom>
-          <a:ln w="57150">
-            <a:tailEnd type="triangle"/>
-          </a:ln>
-        </p:spPr>
-        <p:style>
-          <a:lnRef idx="3">
-            <a:schemeClr val="accent2"/>
-          </a:lnRef>
-          <a:fillRef idx="0">
-            <a:schemeClr val="accent2"/>
-          </a:fillRef>
-          <a:effectRef idx="2">
-            <a:schemeClr val="accent2"/>
-          </a:effectRef>
-          <a:fontRef idx="minor">
-            <a:schemeClr val="tx1"/>
-          </a:fontRef>
-        </p:style>
-      </p:cxnSp>
-      <p:cxnSp>
-        <p:nvCxnSpPr>
-          <p:cNvPr id="32" name="Straight Arrow Connector 31">
-            <a:extLst>
-              <a:ext uri="{FF2B5EF4-FFF2-40B4-BE49-F238E27FC236}">
-                <a16:creationId xmlns:a16="http://schemas.microsoft.com/office/drawing/2014/main" id="{237E70A2-2805-4266-C858-3FBB1DABA2A0}"/>
-              </a:ext>
-            </a:extLst>
-          </p:cNvPr>
-          <p:cNvCxnSpPr>
-            <a:cxnSpLocks/>
-          </p:cNvCxnSpPr>
-          <p:nvPr/>
-        </p:nvCxnSpPr>
-        <p:spPr>
-          <a:xfrm flipH="1">
-            <a:off x="9596458" y="5023800"/>
-            <a:ext cx="630148" cy="1042737"/>
-          </a:xfrm>
-          <a:prstGeom prst="straightConnector1">
-            <a:avLst/>
-          </a:prstGeom>
-          <a:ln w="57150">
-            <a:tailEnd type="triangle"/>
-          </a:ln>
-        </p:spPr>
-        <p:style>
-          <a:lnRef idx="3">
-            <a:schemeClr val="accent2"/>
-          </a:lnRef>
-          <a:fillRef idx="0">
-            <a:schemeClr val="accent2"/>
-          </a:fillRef>
-          <a:effectRef idx="2">
-            <a:schemeClr val="accent2"/>
-          </a:effectRef>
-          <a:fontRef idx="minor">
-            <a:schemeClr val="tx1"/>
-          </a:fontRef>
-        </p:style>
-      </p:cxnSp>
-      <p:cxnSp>
-        <p:nvCxnSpPr>
-          <p:cNvPr id="33" name="Straight Arrow Connector 32">
-            <a:extLst>
-              <a:ext uri="{FF2B5EF4-FFF2-40B4-BE49-F238E27FC236}">
-                <a16:creationId xmlns:a16="http://schemas.microsoft.com/office/drawing/2014/main" id="{86A71FC7-9A1F-0AC8-30F1-C2FF41B6A746}"/>
-              </a:ext>
-            </a:extLst>
-          </p:cNvPr>
-          <p:cNvCxnSpPr>
-            <a:cxnSpLocks/>
-          </p:cNvCxnSpPr>
-          <p:nvPr/>
-        </p:nvCxnSpPr>
-        <p:spPr>
-          <a:xfrm flipV="1">
-            <a:off x="11062541" y="4313937"/>
-            <a:ext cx="609600" cy="759687"/>
-          </a:xfrm>
-          <a:prstGeom prst="straightConnector1">
-            <a:avLst/>
-          </a:prstGeom>
-          <a:ln w="57150">
-            <a:tailEnd type="triangle"/>
-          </a:ln>
-        </p:spPr>
-        <p:style>
-          <a:lnRef idx="3">
-            <a:schemeClr val="accent2"/>
-          </a:lnRef>
-          <a:fillRef idx="0">
-            <a:schemeClr val="accent2"/>
-          </a:fillRef>
-          <a:effectRef idx="2">
-            <a:schemeClr val="accent2"/>
-          </a:effectRef>
-          <a:fontRef idx="minor">
-            <a:schemeClr val="tx1"/>
-          </a:fontRef>
-        </p:style>
-      </p:cxnSp>
-      <p:cxnSp>
-        <p:nvCxnSpPr>
-          <p:cNvPr id="34" name="Straight Arrow Connector 33">
-            <a:extLst>
-              <a:ext uri="{FF2B5EF4-FFF2-40B4-BE49-F238E27FC236}">
-                <a16:creationId xmlns:a16="http://schemas.microsoft.com/office/drawing/2014/main" id="{2FFFA5E2-5D84-C6A8-1E3D-0F4A265DF101}"/>
-              </a:ext>
-            </a:extLst>
-          </p:cNvPr>
-          <p:cNvCxnSpPr>
-            <a:cxnSpLocks/>
-          </p:cNvCxnSpPr>
-          <p:nvPr/>
-        </p:nvCxnSpPr>
-        <p:spPr>
-          <a:xfrm>
-            <a:off x="11049000" y="5029200"/>
-            <a:ext cx="528658" cy="884937"/>
-          </a:xfrm>
-          <a:prstGeom prst="straightConnector1">
-            <a:avLst/>
-          </a:prstGeom>
-          <a:ln w="57150">
-            <a:tailEnd type="triangle"/>
-          </a:ln>
-        </p:spPr>
-        <p:style>
-          <a:lnRef idx="3">
-            <a:schemeClr val="accent2"/>
-          </a:lnRef>
-          <a:fillRef idx="0">
-            <a:schemeClr val="accent2"/>
-          </a:fillRef>
-          <a:effectRef idx="2">
-            <a:schemeClr val="accent2"/>
-          </a:effectRef>
-          <a:fontRef idx="minor">
-            <a:schemeClr val="tx1"/>
-          </a:fontRef>
-        </p:style>
-      </p:cxnSp>
-      <p:cxnSp>
-        <p:nvCxnSpPr>
-          <p:cNvPr id="46" name="Straight Arrow Connector 45">
-            <a:extLst>
-              <a:ext uri="{FF2B5EF4-FFF2-40B4-BE49-F238E27FC236}">
-                <a16:creationId xmlns:a16="http://schemas.microsoft.com/office/drawing/2014/main" id="{05A1D62C-3664-92FD-9041-0B0B5BCB772F}"/>
-              </a:ext>
-            </a:extLst>
-          </p:cNvPr>
-          <p:cNvCxnSpPr>
-            <a:cxnSpLocks/>
-          </p:cNvCxnSpPr>
-          <p:nvPr/>
-        </p:nvCxnSpPr>
-        <p:spPr>
-          <a:xfrm flipV="1">
-            <a:off x="7196158" y="4588972"/>
-            <a:ext cx="838200" cy="703715"/>
-          </a:xfrm>
-          <a:prstGeom prst="straightConnector1">
-            <a:avLst/>
-          </a:prstGeom>
-          <a:ln w="57150">
-            <a:tailEnd type="triangle"/>
-          </a:ln>
-        </p:spPr>
-        <p:style>
-          <a:lnRef idx="3">
-            <a:schemeClr val="accent2"/>
-          </a:lnRef>
-          <a:fillRef idx="0">
-            <a:schemeClr val="accent2"/>
-          </a:fillRef>
-          <a:effectRef idx="2">
-            <a:schemeClr val="accent2"/>
-          </a:effectRef>
-          <a:fontRef idx="minor">
-            <a:schemeClr val="tx1"/>
-          </a:fontRef>
-        </p:style>
-      </p:cxnSp>
-      <p:sp>
-        <p:nvSpPr>
-          <p:cNvPr id="50" name="TextBox 49">
-            <a:extLst>
-              <a:ext uri="{FF2B5EF4-FFF2-40B4-BE49-F238E27FC236}">
-                <a16:creationId xmlns:a16="http://schemas.microsoft.com/office/drawing/2014/main" id="{A5B02FF8-CB66-0F7D-4FBB-D89BD87537BB}"/>
-              </a:ext>
-            </a:extLst>
-          </p:cNvPr>
-          <p:cNvSpPr txBox="1"/>
-          <p:nvPr/>
-        </p:nvSpPr>
-        <p:spPr>
-          <a:xfrm>
-            <a:off x="3588888" y="63793"/>
-            <a:ext cx="4640712" cy="523220"/>
-          </a:xfrm>
-          <a:prstGeom prst="rect">
-            <a:avLst/>
-          </a:prstGeom>
-          <a:noFill/>
-        </p:spPr>
-        <p:txBody>
-          <a:bodyPr wrap="square" rtlCol="0">
-            <a:spAutoFit/>
-          </a:bodyPr>
-          <a:lstStyle/>
-          <a:p>
-            <a:r>
-              <a:rPr lang="en-US" sz="2800" dirty="0"/>
-              <a:t>Why Good Data is important.</a:t>
-            </a:r>
-          </a:p>
-        </p:txBody>
-      </p:sp>
+      </p:pic>
     </p:spTree>
     <p:extLst>
       <p:ext uri="{BB962C8B-B14F-4D97-AF65-F5344CB8AC3E}">
-        <p14:creationId xmlns:p14="http://schemas.microsoft.com/office/powerpoint/2010/main" val="1006013442"/>
+        <p14:creationId xmlns:p14="http://schemas.microsoft.com/office/powerpoint/2010/main" val="1949577601"/>
       </p:ext>
     </p:extLst>
   </p:cSld>
@@ -7240,7 +5865,7 @@
 </p:sld>
 </file>
 
-<file path=ppt/slides/slide12.xml><?xml version="1.0" encoding="utf-8"?>
+<file path=ppt/slides/slide5.xml><?xml version="1.0" encoding="utf-8"?>
 <p:sld xmlns:a="http://schemas.openxmlformats.org/drawingml/2006/main" xmlns:r="http://schemas.openxmlformats.org/officeDocument/2006/relationships" xmlns:p="http://schemas.openxmlformats.org/presentationml/2006/main">
   <p:cSld>
     <p:spTree>
@@ -7257,452 +5882,37 @@
           <a:chExt cx="0" cy="0"/>
         </a:xfrm>
       </p:grpSpPr>
-      <p:pic>
-        <p:nvPicPr>
-          <p:cNvPr id="12" name="Picture 11">
+      <p:graphicFrame>
+        <p:nvGraphicFramePr>
+          <p:cNvPr id="10" name="Content Placeholder 9" descr="Clustered column chart showing the values of 3 series for 4 categories"/>
+          <p:cNvGraphicFramePr>
+            <a:graphicFrameLocks noGrp="1"/>
+          </p:cNvGraphicFramePr>
+          <p:nvPr>
+            <p:ph idx="1"/>
+            <p:extLst>
+              <p:ext uri="{D42A27DB-BD31-4B8C-83A1-F6EECF244321}">
+                <p14:modId xmlns:p14="http://schemas.microsoft.com/office/powerpoint/2010/main" val="1935154284"/>
+              </p:ext>
+            </p:extLst>
+          </p:nvPr>
+        </p:nvGraphicFramePr>
+        <p:xfrm>
+          <a:off x="228600" y="457200"/>
+          <a:ext cx="8250936" cy="5791200"/>
+        </p:xfrm>
+        <a:graphic>
+          <a:graphicData uri="http://schemas.openxmlformats.org/drawingml/2006/chart">
+            <c:chart xmlns:c="http://schemas.openxmlformats.org/drawingml/2006/chart" xmlns:r="http://schemas.openxmlformats.org/officeDocument/2006/relationships" r:id="rId2"/>
+          </a:graphicData>
+        </a:graphic>
+      </p:graphicFrame>
+      <p:sp>
+        <p:nvSpPr>
+          <p:cNvPr id="5" name="TextBox 4">
             <a:extLst>
               <a:ext uri="{FF2B5EF4-FFF2-40B4-BE49-F238E27FC236}">
-                <a16:creationId xmlns:a16="http://schemas.microsoft.com/office/drawing/2014/main" id="{FC2BB08F-F408-1B39-2993-D0AA034B8273}"/>
-              </a:ext>
-            </a:extLst>
-          </p:cNvPr>
-          <p:cNvPicPr>
-            <a:picLocks noChangeAspect="1"/>
-          </p:cNvPicPr>
-          <p:nvPr/>
-        </p:nvPicPr>
-        <p:blipFill>
-          <a:blip r:embed="rId2"/>
-          <a:stretch>
-            <a:fillRect/>
-          </a:stretch>
-        </p:blipFill>
-        <p:spPr>
-          <a:xfrm>
-            <a:off x="314324" y="959740"/>
-            <a:ext cx="2057400" cy="594649"/>
-          </a:xfrm>
-          <a:prstGeom prst="rect">
-            <a:avLst/>
-          </a:prstGeom>
-        </p:spPr>
-        <p:style>
-          <a:lnRef idx="2">
-            <a:schemeClr val="accent6"/>
-          </a:lnRef>
-          <a:fillRef idx="1">
-            <a:schemeClr val="lt1"/>
-          </a:fillRef>
-          <a:effectRef idx="0">
-            <a:schemeClr val="accent6"/>
-          </a:effectRef>
-          <a:fontRef idx="minor">
-            <a:schemeClr val="dk1"/>
-          </a:fontRef>
-        </p:style>
-      </p:pic>
-      <p:pic>
-        <p:nvPicPr>
-          <p:cNvPr id="6" name="Picture 5">
-            <a:extLst>
-              <a:ext uri="{FF2B5EF4-FFF2-40B4-BE49-F238E27FC236}">
-                <a16:creationId xmlns:a16="http://schemas.microsoft.com/office/drawing/2014/main" id="{4C55247C-F45C-1DBC-847C-E2EA6EBC549F}"/>
-              </a:ext>
-            </a:extLst>
-          </p:cNvPr>
-          <p:cNvPicPr>
-            <a:picLocks noChangeAspect="1"/>
-          </p:cNvPicPr>
-          <p:nvPr/>
-        </p:nvPicPr>
-        <p:blipFill>
-          <a:blip r:embed="rId3"/>
-          <a:stretch>
-            <a:fillRect/>
-          </a:stretch>
-        </p:blipFill>
-        <p:spPr>
-          <a:xfrm>
-            <a:off x="228600" y="152400"/>
-            <a:ext cx="2228849" cy="457200"/>
-          </a:xfrm>
-          <a:prstGeom prst="rect">
-            <a:avLst/>
-          </a:prstGeom>
-        </p:spPr>
-        <p:style>
-          <a:lnRef idx="2">
-            <a:schemeClr val="accent6"/>
-          </a:lnRef>
-          <a:fillRef idx="1">
-            <a:schemeClr val="lt1"/>
-          </a:fillRef>
-          <a:effectRef idx="0">
-            <a:schemeClr val="accent6"/>
-          </a:effectRef>
-          <a:fontRef idx="minor">
-            <a:schemeClr val="dk1"/>
-          </a:fontRef>
-        </p:style>
-      </p:pic>
-      <p:pic>
-        <p:nvPicPr>
-          <p:cNvPr id="10" name="Picture 9">
-            <a:extLst>
-              <a:ext uri="{FF2B5EF4-FFF2-40B4-BE49-F238E27FC236}">
-                <a16:creationId xmlns:a16="http://schemas.microsoft.com/office/drawing/2014/main" id="{902F03FB-2946-F80A-136A-7EC5FF77BCE9}"/>
-              </a:ext>
-            </a:extLst>
-          </p:cNvPr>
-          <p:cNvPicPr>
-            <a:picLocks noChangeAspect="1"/>
-          </p:cNvPicPr>
-          <p:nvPr/>
-        </p:nvPicPr>
-        <p:blipFill>
-          <a:blip r:embed="rId4"/>
-          <a:stretch>
-            <a:fillRect/>
-          </a:stretch>
-        </p:blipFill>
-        <p:spPr>
-          <a:xfrm>
-            <a:off x="2209800" y="304800"/>
-            <a:ext cx="2784319" cy="1157481"/>
-          </a:xfrm>
-          <a:prstGeom prst="rect">
-            <a:avLst/>
-          </a:prstGeom>
-        </p:spPr>
-        <p:style>
-          <a:lnRef idx="2">
-            <a:schemeClr val="accent6"/>
-          </a:lnRef>
-          <a:fillRef idx="1">
-            <a:schemeClr val="lt1"/>
-          </a:fillRef>
-          <a:effectRef idx="0">
-            <a:schemeClr val="accent6"/>
-          </a:effectRef>
-          <a:fontRef idx="minor">
-            <a:schemeClr val="dk1"/>
-          </a:fontRef>
-        </p:style>
-      </p:pic>
-      <p:pic>
-        <p:nvPicPr>
-          <p:cNvPr id="14" name="Picture 13">
-            <a:extLst>
-              <a:ext uri="{FF2B5EF4-FFF2-40B4-BE49-F238E27FC236}">
-                <a16:creationId xmlns:a16="http://schemas.microsoft.com/office/drawing/2014/main" id="{1507CA86-958B-EFF8-ECBB-A3B31633DDD7}"/>
-              </a:ext>
-            </a:extLst>
-          </p:cNvPr>
-          <p:cNvPicPr>
-            <a:picLocks noChangeAspect="1"/>
-          </p:cNvPicPr>
-          <p:nvPr/>
-        </p:nvPicPr>
-        <p:blipFill>
-          <a:blip r:embed="rId5"/>
-          <a:stretch>
-            <a:fillRect/>
-          </a:stretch>
-        </p:blipFill>
-        <p:spPr>
-          <a:xfrm>
-            <a:off x="3834384" y="1860969"/>
-            <a:ext cx="7878274" cy="1038370"/>
-          </a:xfrm>
-          <a:prstGeom prst="rect">
-            <a:avLst/>
-          </a:prstGeom>
-        </p:spPr>
-        <p:style>
-          <a:lnRef idx="2">
-            <a:schemeClr val="accent6"/>
-          </a:lnRef>
-          <a:fillRef idx="1">
-            <a:schemeClr val="lt1"/>
-          </a:fillRef>
-          <a:effectRef idx="0">
-            <a:schemeClr val="accent6"/>
-          </a:effectRef>
-          <a:fontRef idx="minor">
-            <a:schemeClr val="dk1"/>
-          </a:fontRef>
-        </p:style>
-      </p:pic>
-      <p:pic>
-        <p:nvPicPr>
-          <p:cNvPr id="16" name="Picture 15">
-            <a:extLst>
-              <a:ext uri="{FF2B5EF4-FFF2-40B4-BE49-F238E27FC236}">
-                <a16:creationId xmlns:a16="http://schemas.microsoft.com/office/drawing/2014/main" id="{63DDF910-B67A-7850-01AC-83B8C0B90B3A}"/>
-              </a:ext>
-            </a:extLst>
-          </p:cNvPr>
-          <p:cNvPicPr>
-            <a:picLocks noChangeAspect="1"/>
-          </p:cNvPicPr>
-          <p:nvPr/>
-        </p:nvPicPr>
-        <p:blipFill>
-          <a:blip r:embed="rId6"/>
-          <a:stretch>
-            <a:fillRect/>
-          </a:stretch>
-        </p:blipFill>
-        <p:spPr>
-          <a:xfrm>
-            <a:off x="311449" y="2867362"/>
-            <a:ext cx="5620534" cy="600159"/>
-          </a:xfrm>
-          <a:prstGeom prst="rect">
-            <a:avLst/>
-          </a:prstGeom>
-        </p:spPr>
-        <p:style>
-          <a:lnRef idx="2">
-            <a:schemeClr val="accent6"/>
-          </a:lnRef>
-          <a:fillRef idx="1">
-            <a:schemeClr val="lt1"/>
-          </a:fillRef>
-          <a:effectRef idx="0">
-            <a:schemeClr val="accent6"/>
-          </a:effectRef>
-          <a:fontRef idx="minor">
-            <a:schemeClr val="dk1"/>
-          </a:fontRef>
-        </p:style>
-      </p:pic>
-      <p:pic>
-        <p:nvPicPr>
-          <p:cNvPr id="20" name="Picture 19">
-            <a:extLst>
-              <a:ext uri="{FF2B5EF4-FFF2-40B4-BE49-F238E27FC236}">
-                <a16:creationId xmlns:a16="http://schemas.microsoft.com/office/drawing/2014/main" id="{F0B5A0BC-7DDF-612F-ECA7-32C28DC95572}"/>
-              </a:ext>
-            </a:extLst>
-          </p:cNvPr>
-          <p:cNvPicPr>
-            <a:picLocks noChangeAspect="1"/>
-          </p:cNvPicPr>
-          <p:nvPr/>
-        </p:nvPicPr>
-        <p:blipFill>
-          <a:blip r:embed="rId7"/>
-          <a:stretch>
-            <a:fillRect/>
-          </a:stretch>
-        </p:blipFill>
-        <p:spPr>
-          <a:xfrm>
-            <a:off x="6068683" y="3450417"/>
-            <a:ext cx="3860391" cy="1686947"/>
-          </a:xfrm>
-          <a:prstGeom prst="rect">
-            <a:avLst/>
-          </a:prstGeom>
-        </p:spPr>
-        <p:style>
-          <a:lnRef idx="2">
-            <a:schemeClr val="accent6"/>
-          </a:lnRef>
-          <a:fillRef idx="1">
-            <a:schemeClr val="lt1"/>
-          </a:fillRef>
-          <a:effectRef idx="0">
-            <a:schemeClr val="accent6"/>
-          </a:effectRef>
-          <a:fontRef idx="minor">
-            <a:schemeClr val="dk1"/>
-          </a:fontRef>
-        </p:style>
-      </p:pic>
-      <p:pic>
-        <p:nvPicPr>
-          <p:cNvPr id="18" name="Picture 17">
-            <a:extLst>
-              <a:ext uri="{FF2B5EF4-FFF2-40B4-BE49-F238E27FC236}">
-                <a16:creationId xmlns:a16="http://schemas.microsoft.com/office/drawing/2014/main" id="{8D6774DC-8B82-AE43-0B75-7A362C37095E}"/>
-              </a:ext>
-            </a:extLst>
-          </p:cNvPr>
-          <p:cNvPicPr>
-            <a:picLocks noChangeAspect="1"/>
-          </p:cNvPicPr>
-          <p:nvPr/>
-        </p:nvPicPr>
-        <p:blipFill>
-          <a:blip r:embed="rId8"/>
-          <a:stretch>
-            <a:fillRect/>
-          </a:stretch>
-        </p:blipFill>
-        <p:spPr>
-          <a:xfrm>
-            <a:off x="7797945" y="3231376"/>
-            <a:ext cx="3500257" cy="271680"/>
-          </a:xfrm>
-          <a:prstGeom prst="rect">
-            <a:avLst/>
-          </a:prstGeom>
-        </p:spPr>
-        <p:style>
-          <a:lnRef idx="2">
-            <a:schemeClr val="accent6"/>
-          </a:lnRef>
-          <a:fillRef idx="1">
-            <a:schemeClr val="lt1"/>
-          </a:fillRef>
-          <a:effectRef idx="0">
-            <a:schemeClr val="accent6"/>
-          </a:effectRef>
-          <a:fontRef idx="minor">
-            <a:schemeClr val="dk1"/>
-          </a:fontRef>
-        </p:style>
-      </p:pic>
-      <p:pic>
-        <p:nvPicPr>
-          <p:cNvPr id="22" name="Picture 21">
-            <a:extLst>
-              <a:ext uri="{FF2B5EF4-FFF2-40B4-BE49-F238E27FC236}">
-                <a16:creationId xmlns:a16="http://schemas.microsoft.com/office/drawing/2014/main" id="{9210A39E-0056-45DC-689E-87A3AE50FFC6}"/>
-              </a:ext>
-            </a:extLst>
-          </p:cNvPr>
-          <p:cNvPicPr>
-            <a:picLocks noChangeAspect="1"/>
-          </p:cNvPicPr>
-          <p:nvPr/>
-        </p:nvPicPr>
-        <p:blipFill>
-          <a:blip r:embed="rId9"/>
-          <a:stretch>
-            <a:fillRect/>
-          </a:stretch>
-        </p:blipFill>
-        <p:spPr>
-          <a:xfrm>
-            <a:off x="9061993" y="4398140"/>
-            <a:ext cx="2824214" cy="739224"/>
-          </a:xfrm>
-          <a:prstGeom prst="rect">
-            <a:avLst/>
-          </a:prstGeom>
-        </p:spPr>
-        <p:style>
-          <a:lnRef idx="2">
-            <a:schemeClr val="accent6"/>
-          </a:lnRef>
-          <a:fillRef idx="1">
-            <a:schemeClr val="lt1"/>
-          </a:fillRef>
-          <a:effectRef idx="0">
-            <a:schemeClr val="accent6"/>
-          </a:effectRef>
-          <a:fontRef idx="minor">
-            <a:schemeClr val="dk1"/>
-          </a:fontRef>
-        </p:style>
-      </p:pic>
-      <p:pic>
-        <p:nvPicPr>
-          <p:cNvPr id="24" name="Picture 23">
-            <a:extLst>
-              <a:ext uri="{FF2B5EF4-FFF2-40B4-BE49-F238E27FC236}">
-                <a16:creationId xmlns:a16="http://schemas.microsoft.com/office/drawing/2014/main" id="{62D935C3-1D26-A2D5-8AE0-366680FE24BF}"/>
-              </a:ext>
-            </a:extLst>
-          </p:cNvPr>
-          <p:cNvPicPr>
-            <a:picLocks noChangeAspect="1"/>
-          </p:cNvPicPr>
-          <p:nvPr/>
-        </p:nvPicPr>
-        <p:blipFill>
-          <a:blip r:embed="rId10"/>
-          <a:stretch>
-            <a:fillRect/>
-          </a:stretch>
-        </p:blipFill>
-        <p:spPr>
-          <a:xfrm>
-            <a:off x="9716669" y="4998602"/>
-            <a:ext cx="2381943" cy="1074086"/>
-          </a:xfrm>
-          <a:prstGeom prst="rect">
-            <a:avLst/>
-          </a:prstGeom>
-        </p:spPr>
-        <p:style>
-          <a:lnRef idx="2">
-            <a:schemeClr val="accent6"/>
-          </a:lnRef>
-          <a:fillRef idx="1">
-            <a:schemeClr val="lt1"/>
-          </a:fillRef>
-          <a:effectRef idx="0">
-            <a:schemeClr val="accent6"/>
-          </a:effectRef>
-          <a:fontRef idx="minor">
-            <a:schemeClr val="dk1"/>
-          </a:fontRef>
-        </p:style>
-      </p:pic>
-      <p:pic>
-        <p:nvPicPr>
-          <p:cNvPr id="26" name="Picture 25">
-            <a:extLst>
-              <a:ext uri="{FF2B5EF4-FFF2-40B4-BE49-F238E27FC236}">
-                <a16:creationId xmlns:a16="http://schemas.microsoft.com/office/drawing/2014/main" id="{686A421D-B05B-B25F-D66B-F2DF20433802}"/>
-              </a:ext>
-            </a:extLst>
-          </p:cNvPr>
-          <p:cNvPicPr>
-            <a:picLocks noChangeAspect="1"/>
-          </p:cNvPicPr>
-          <p:nvPr/>
-        </p:nvPicPr>
-        <p:blipFill>
-          <a:blip r:embed="rId11"/>
-          <a:stretch>
-            <a:fillRect/>
-          </a:stretch>
-        </p:blipFill>
-        <p:spPr>
-          <a:xfrm>
-            <a:off x="228600" y="5362823"/>
-            <a:ext cx="7033008" cy="1369666"/>
-          </a:xfrm>
-          <a:prstGeom prst="rect">
-            <a:avLst/>
-          </a:prstGeom>
-        </p:spPr>
-        <p:style>
-          <a:lnRef idx="2">
-            <a:schemeClr val="accent6"/>
-          </a:lnRef>
-          <a:fillRef idx="1">
-            <a:schemeClr val="lt1"/>
-          </a:fillRef>
-          <a:effectRef idx="0">
-            <a:schemeClr val="accent6"/>
-          </a:effectRef>
-          <a:fontRef idx="minor">
-            <a:schemeClr val="dk1"/>
-          </a:fontRef>
-        </p:style>
-      </p:pic>
-      <p:sp>
-        <p:nvSpPr>
-          <p:cNvPr id="27" name="TextBox 26">
-            <a:extLst>
-              <a:ext uri="{FF2B5EF4-FFF2-40B4-BE49-F238E27FC236}">
-                <a16:creationId xmlns:a16="http://schemas.microsoft.com/office/drawing/2014/main" id="{1FAE99C6-F881-1C4B-6E4A-6EC8F5EBDD1D}"/>
+                <a16:creationId xmlns:a16="http://schemas.microsoft.com/office/drawing/2014/main" id="{9B32831C-2658-1233-6C4A-5DC2FCBBDCBF}"/>
               </a:ext>
             </a:extLst>
           </p:cNvPr>
@@ -7711,8 +5921,8 @@
         </p:nvSpPr>
         <p:spPr>
           <a:xfrm>
-            <a:off x="6865189" y="1075225"/>
-            <a:ext cx="5334000" cy="369332"/>
+            <a:off x="8610600" y="1066800"/>
+            <a:ext cx="3352800" cy="5509200"/>
           </a:xfrm>
           <a:prstGeom prst="rect">
             <a:avLst/>
@@ -7725,323 +5935,172 @@
           </a:bodyPr>
           <a:lstStyle/>
           <a:p>
-            <a:r>
-              <a:rPr lang="en-US" dirty="0"/>
-              <a:t>Import the dependencies again</a:t>
-            </a:r>
-          </a:p>
-        </p:txBody>
-      </p:sp>
-      <p:sp>
-        <p:nvSpPr>
-          <p:cNvPr id="28" name="TextBox 27">
+            <a:pPr rtl="0" fontAlgn="base">
+              <a:spcBef>
+                <a:spcPts val="0"/>
+              </a:spcBef>
+              <a:spcAft>
+                <a:spcPts val="0"/>
+              </a:spcAft>
+              <a:buFont typeface="Arial" panose="020B0604020202020204" pitchFamily="34" charset="0"/>
+              <a:buChar char="•"/>
+            </a:pPr>
+            <a:r>
+              <a:rPr lang="en-US" sz="1600" b="0" i="0" u="none" strike="noStrike" dirty="0">
+                <a:effectLst/>
+                <a:latin typeface="Arial" panose="020B0604020202020204" pitchFamily="34" charset="0"/>
+              </a:rPr>
+              <a:t>Although Schools and Conferences do help in determining whether a player gets drafted. Of the 640 players, the chart shows the spread across all conferences. </a:t>
+            </a:r>
+          </a:p>
+          <a:p>
+            <a:pPr rtl="0" fontAlgn="base">
+              <a:spcBef>
+                <a:spcPts val="0"/>
+              </a:spcBef>
+              <a:spcAft>
+                <a:spcPts val="0"/>
+              </a:spcAft>
+            </a:pPr>
+            <a:endParaRPr lang="en-US" sz="1600" b="0" i="0" u="none" strike="noStrike" dirty="0">
+              <a:effectLst/>
+              <a:latin typeface="Arial" panose="020B0604020202020204" pitchFamily="34" charset="0"/>
+            </a:endParaRPr>
+          </a:p>
+          <a:p>
+            <a:pPr rtl="0" fontAlgn="base">
+              <a:spcBef>
+                <a:spcPts val="0"/>
+              </a:spcBef>
+              <a:spcAft>
+                <a:spcPts val="0"/>
+              </a:spcAft>
+              <a:buFont typeface="Arial" panose="020B0604020202020204" pitchFamily="34" charset="0"/>
+              <a:buChar char="•"/>
+            </a:pPr>
+            <a:r>
+              <a:rPr lang="en-US" sz="1600" b="0" i="0" u="none" strike="noStrike" dirty="0">
+                <a:effectLst/>
+                <a:latin typeface="Arial" panose="020B0604020202020204" pitchFamily="34" charset="0"/>
+              </a:rPr>
+              <a:t>The position a player was in college did not contribute to a player being drafted.</a:t>
+            </a:r>
+          </a:p>
+          <a:p>
+            <a:pPr rtl="0" fontAlgn="base">
+              <a:spcBef>
+                <a:spcPts val="0"/>
+              </a:spcBef>
+              <a:spcAft>
+                <a:spcPts val="0"/>
+              </a:spcAft>
+              <a:buFont typeface="Arial" panose="020B0604020202020204" pitchFamily="34" charset="0"/>
+              <a:buChar char="•"/>
+            </a:pPr>
+            <a:endParaRPr lang="en-US" sz="1600" b="0" i="0" u="none" strike="noStrike" dirty="0">
+              <a:effectLst/>
+              <a:latin typeface="Arial" panose="020B0604020202020204" pitchFamily="34" charset="0"/>
+            </a:endParaRPr>
+          </a:p>
+          <a:p>
+            <a:pPr rtl="0" fontAlgn="base">
+              <a:spcBef>
+                <a:spcPts val="0"/>
+              </a:spcBef>
+              <a:spcAft>
+                <a:spcPts val="0"/>
+              </a:spcAft>
+              <a:buFont typeface="Arial" panose="020B0604020202020204" pitchFamily="34" charset="0"/>
+              <a:buChar char="•"/>
+            </a:pPr>
+            <a:r>
+              <a:rPr lang="en-US" sz="1600" b="0" i="0" u="none" strike="noStrike" dirty="0">
+                <a:effectLst/>
+                <a:latin typeface="Arial" panose="020B0604020202020204" pitchFamily="34" charset="0"/>
+              </a:rPr>
+              <a:t> The last year they played in college before being drafted did not contribute to a player being selected.</a:t>
+            </a:r>
+          </a:p>
+          <a:p>
+            <a:pPr rtl="0" fontAlgn="base">
+              <a:spcBef>
+                <a:spcPts val="0"/>
+              </a:spcBef>
+              <a:spcAft>
+                <a:spcPts val="0"/>
+              </a:spcAft>
+            </a:pPr>
+            <a:endParaRPr lang="en-US" sz="1600" b="0" i="0" u="none" strike="noStrike" dirty="0">
+              <a:effectLst/>
+              <a:latin typeface="Arial" panose="020B0604020202020204" pitchFamily="34" charset="0"/>
+            </a:endParaRPr>
+          </a:p>
+          <a:p>
+            <a:pPr rtl="0" fontAlgn="base">
+              <a:spcBef>
+                <a:spcPts val="0"/>
+              </a:spcBef>
+              <a:spcAft>
+                <a:spcPts val="0"/>
+              </a:spcAft>
+              <a:buFont typeface="Arial" panose="020B0604020202020204" pitchFamily="34" charset="0"/>
+              <a:buChar char="•"/>
+            </a:pPr>
+            <a:r>
+              <a:rPr lang="en-US" sz="1600" b="0" i="0" u="none" strike="noStrike" dirty="0">
+                <a:effectLst/>
+                <a:latin typeface="Arial" panose="020B0604020202020204" pitchFamily="34" charset="0"/>
+              </a:rPr>
+              <a:t>As for stats that most fans associate with basketball: points scored, assists, and rebounds. There </a:t>
+            </a:r>
+            <a:r>
+              <a:rPr lang="en-US" sz="1600" dirty="0">
+                <a:latin typeface="Arial" panose="020B0604020202020204" pitchFamily="34" charset="0"/>
+              </a:rPr>
+              <a:t>was a slight </a:t>
+            </a:r>
+            <a:r>
+              <a:rPr lang="en-US" sz="1600" b="0" i="0" u="none" strike="noStrike" dirty="0">
+                <a:effectLst/>
+                <a:latin typeface="Arial" panose="020B0604020202020204" pitchFamily="34" charset="0"/>
+              </a:rPr>
+              <a:t>difference in the average between undrafted and drafted players.  </a:t>
+            </a:r>
+          </a:p>
+        </p:txBody>
+      </p:sp>
+      <p:sp>
+        <p:nvSpPr>
+          <p:cNvPr id="6" name="Title 1">
             <a:extLst>
               <a:ext uri="{FF2B5EF4-FFF2-40B4-BE49-F238E27FC236}">
-                <a16:creationId xmlns:a16="http://schemas.microsoft.com/office/drawing/2014/main" id="{E62D6490-0A0E-68F6-B151-1FE50DEF43D2}"/>
+                <a16:creationId xmlns:a16="http://schemas.microsoft.com/office/drawing/2014/main" id="{A8C9F0B0-14B7-BF12-1FA0-517DB545A3BF}"/>
               </a:ext>
             </a:extLst>
           </p:cNvPr>
-          <p:cNvSpPr txBox="1"/>
-          <p:nvPr/>
+          <p:cNvSpPr>
+            <a:spLocks noGrp="1"/>
+          </p:cNvSpPr>
+          <p:nvPr>
+            <p:ph type="title"/>
+          </p:nvPr>
         </p:nvSpPr>
         <p:spPr>
           <a:xfrm>
-            <a:off x="172959" y="1898636"/>
-            <a:ext cx="3429000" cy="646331"/>
+            <a:off x="8125968" y="-685800"/>
+            <a:ext cx="3968496" cy="1752600"/>
           </a:xfrm>
-          <a:prstGeom prst="rect">
-            <a:avLst/>
-          </a:prstGeom>
-          <a:noFill/>
         </p:spPr>
         <p:txBody>
-          <a:bodyPr wrap="square" rtlCol="0">
-            <a:spAutoFit/>
+          <a:bodyPr>
+            <a:normAutofit/>
           </a:bodyPr>
           <a:lstStyle/>
           <a:p>
-            <a:r>
-              <a:rPr lang="en-US" dirty="0"/>
-              <a:t>Pick the test data and save the identifiers.</a:t>
-            </a:r>
-          </a:p>
-        </p:txBody>
-      </p:sp>
-      <p:sp>
-        <p:nvSpPr>
-          <p:cNvPr id="29" name="Arrow: Right 28">
-            <a:extLst>
-              <a:ext uri="{FF2B5EF4-FFF2-40B4-BE49-F238E27FC236}">
-                <a16:creationId xmlns:a16="http://schemas.microsoft.com/office/drawing/2014/main" id="{F90AEAA8-F8AA-0BA4-BAA6-C1D34850353F}"/>
-              </a:ext>
-            </a:extLst>
-          </p:cNvPr>
-          <p:cNvSpPr/>
-          <p:nvPr/>
-        </p:nvSpPr>
-        <p:spPr>
-          <a:xfrm rot="10800000">
-            <a:off x="5255985" y="1002017"/>
-            <a:ext cx="918514" cy="515748"/>
-          </a:xfrm>
-          <a:prstGeom prst="rightArrow">
-            <a:avLst/>
-          </a:prstGeom>
-          <a:ln w="57150"/>
-        </p:spPr>
-        <p:style>
-          <a:lnRef idx="1">
-            <a:schemeClr val="accent3"/>
-          </a:lnRef>
-          <a:fillRef idx="2">
-            <a:schemeClr val="accent3"/>
-          </a:fillRef>
-          <a:effectRef idx="1">
-            <a:schemeClr val="accent3"/>
-          </a:effectRef>
-          <a:fontRef idx="minor">
-            <a:schemeClr val="dk1"/>
-          </a:fontRef>
-        </p:style>
-        <p:txBody>
-          <a:bodyPr rtlCol="0" anchor="ctr"/>
-          <a:lstStyle/>
-          <a:p>
             <a:pPr algn="ctr"/>
-            <a:endParaRPr lang="en-US"/>
-          </a:p>
-        </p:txBody>
-      </p:sp>
-      <p:sp>
-        <p:nvSpPr>
-          <p:cNvPr id="30" name="Arrow: Right 29">
-            <a:extLst>
-              <a:ext uri="{FF2B5EF4-FFF2-40B4-BE49-F238E27FC236}">
-                <a16:creationId xmlns:a16="http://schemas.microsoft.com/office/drawing/2014/main" id="{7B65B574-B9EE-5994-C455-F3DA750A5C26}"/>
-              </a:ext>
-            </a:extLst>
-          </p:cNvPr>
-          <p:cNvSpPr/>
-          <p:nvPr/>
-        </p:nvSpPr>
-        <p:spPr>
-          <a:xfrm rot="1736655">
-            <a:off x="2769219" y="2287093"/>
-            <a:ext cx="918514" cy="515748"/>
-          </a:xfrm>
-          <a:prstGeom prst="rightArrow">
-            <a:avLst/>
-          </a:prstGeom>
-          <a:ln w="57150"/>
-        </p:spPr>
-        <p:style>
-          <a:lnRef idx="1">
-            <a:schemeClr val="accent3"/>
-          </a:lnRef>
-          <a:fillRef idx="2">
-            <a:schemeClr val="accent3"/>
-          </a:fillRef>
-          <a:effectRef idx="1">
-            <a:schemeClr val="accent3"/>
-          </a:effectRef>
-          <a:fontRef idx="minor">
-            <a:schemeClr val="dk1"/>
-          </a:fontRef>
-        </p:style>
-        <p:txBody>
-          <a:bodyPr rtlCol="0" anchor="ctr"/>
-          <a:lstStyle/>
-          <a:p>
-            <a:pPr algn="ctr"/>
-            <a:endParaRPr lang="en-US"/>
-          </a:p>
-        </p:txBody>
-      </p:sp>
-      <p:sp>
-        <p:nvSpPr>
-          <p:cNvPr id="32" name="TextBox 31">
-            <a:extLst>
-              <a:ext uri="{FF2B5EF4-FFF2-40B4-BE49-F238E27FC236}">
-                <a16:creationId xmlns:a16="http://schemas.microsoft.com/office/drawing/2014/main" id="{7B13E6CE-C870-3CB3-10F8-DBF592311A02}"/>
-              </a:ext>
-            </a:extLst>
-          </p:cNvPr>
-          <p:cNvSpPr txBox="1"/>
-          <p:nvPr/>
-        </p:nvSpPr>
-        <p:spPr>
-          <a:xfrm>
-            <a:off x="1315883" y="3789916"/>
-            <a:ext cx="4143376" cy="1200329"/>
-          </a:xfrm>
-          <a:prstGeom prst="rect">
-            <a:avLst/>
-          </a:prstGeom>
-          <a:noFill/>
-        </p:spPr>
-        <p:txBody>
-          <a:bodyPr wrap="square" rtlCol="0">
-            <a:spAutoFit/>
-          </a:bodyPr>
-          <a:lstStyle/>
-          <a:p>
-            <a:r>
-              <a:rPr lang="en-US" dirty="0"/>
-              <a:t>Here we run the data through the same formatting as before, encoding categorical data, dropping bad columns and scaling.</a:t>
-            </a:r>
-          </a:p>
-        </p:txBody>
-      </p:sp>
-      <p:sp>
-        <p:nvSpPr>
-          <p:cNvPr id="33" name="Arrow: Right 32">
-            <a:extLst>
-              <a:ext uri="{FF2B5EF4-FFF2-40B4-BE49-F238E27FC236}">
-                <a16:creationId xmlns:a16="http://schemas.microsoft.com/office/drawing/2014/main" id="{72827A25-2C0D-8015-F040-AAAA4D480591}"/>
-              </a:ext>
-            </a:extLst>
-          </p:cNvPr>
-          <p:cNvSpPr/>
-          <p:nvPr/>
-        </p:nvSpPr>
-        <p:spPr>
-          <a:xfrm rot="20137666">
-            <a:off x="5015898" y="4509877"/>
-            <a:ext cx="918514" cy="515748"/>
-          </a:xfrm>
-          <a:prstGeom prst="rightArrow">
-            <a:avLst/>
-          </a:prstGeom>
-          <a:ln w="57150"/>
-        </p:spPr>
-        <p:style>
-          <a:lnRef idx="1">
-            <a:schemeClr val="accent3"/>
-          </a:lnRef>
-          <a:fillRef idx="2">
-            <a:schemeClr val="accent3"/>
-          </a:fillRef>
-          <a:effectRef idx="1">
-            <a:schemeClr val="accent3"/>
-          </a:effectRef>
-          <a:fontRef idx="minor">
-            <a:schemeClr val="dk1"/>
-          </a:fontRef>
-        </p:style>
-        <p:txBody>
-          <a:bodyPr rtlCol="0" anchor="ctr"/>
-          <a:lstStyle/>
-          <a:p>
-            <a:pPr algn="ctr"/>
-            <a:endParaRPr lang="en-US"/>
-          </a:p>
-        </p:txBody>
-      </p:sp>
-      <p:sp>
-        <p:nvSpPr>
-          <p:cNvPr id="34" name="TextBox 33">
-            <a:extLst>
-              <a:ext uri="{FF2B5EF4-FFF2-40B4-BE49-F238E27FC236}">
-                <a16:creationId xmlns:a16="http://schemas.microsoft.com/office/drawing/2014/main" id="{0436DFB3-049B-BB0E-0B4E-1DD3B18CC1FA}"/>
-              </a:ext>
-            </a:extLst>
-          </p:cNvPr>
-          <p:cNvSpPr txBox="1"/>
-          <p:nvPr/>
-        </p:nvSpPr>
-        <p:spPr>
-          <a:xfrm rot="1523763">
-            <a:off x="6108718" y="5603003"/>
-            <a:ext cx="1493495" cy="523220"/>
-          </a:xfrm>
-          <a:prstGeom prst="rect">
-            <a:avLst/>
-          </a:prstGeom>
-          <a:gradFill flip="none" rotWithShape="1">
-            <a:gsLst>
-              <a:gs pos="0">
-                <a:schemeClr val="accent2">
-                  <a:lumMod val="67000"/>
-                </a:schemeClr>
-              </a:gs>
-              <a:gs pos="48000">
-                <a:schemeClr val="accent2">
-                  <a:lumMod val="97000"/>
-                  <a:lumOff val="3000"/>
-                </a:schemeClr>
-              </a:gs>
-              <a:gs pos="100000">
-                <a:schemeClr val="accent2">
-                  <a:lumMod val="60000"/>
-                  <a:lumOff val="40000"/>
-                </a:schemeClr>
-              </a:gs>
-            </a:gsLst>
-            <a:lin ang="16200000" scaled="1"/>
-            <a:tileRect/>
-          </a:gradFill>
-          <a:ln>
-            <a:noFill/>
-          </a:ln>
-        </p:spPr>
-        <p:style>
-          <a:lnRef idx="0">
-            <a:scrgbClr r="0" g="0" b="0"/>
-          </a:lnRef>
-          <a:fillRef idx="0">
-            <a:scrgbClr r="0" g="0" b="0"/>
-          </a:fillRef>
-          <a:effectRef idx="0">
-            <a:scrgbClr r="0" g="0" b="0"/>
-          </a:effectRef>
-          <a:fontRef idx="minor">
-            <a:schemeClr val="lt1"/>
-          </a:fontRef>
-        </p:style>
-        <p:txBody>
-          <a:bodyPr wrap="square" rtlCol="0">
-            <a:spAutoFit/>
-          </a:bodyPr>
-          <a:lstStyle/>
-          <a:p>
-            <a:r>
-              <a:rPr lang="en-US" sz="2800" dirty="0"/>
-              <a:t>TESTED!</a:t>
-            </a:r>
-          </a:p>
-        </p:txBody>
-      </p:sp>
-      <p:sp>
-        <p:nvSpPr>
-          <p:cNvPr id="2" name="TextBox 1">
-            <a:extLst>
-              <a:ext uri="{FF2B5EF4-FFF2-40B4-BE49-F238E27FC236}">
-                <a16:creationId xmlns:a16="http://schemas.microsoft.com/office/drawing/2014/main" id="{7BBE2454-A641-9192-2BAD-0D4CD0D6EF45}"/>
-              </a:ext>
-            </a:extLst>
-          </p:cNvPr>
-          <p:cNvSpPr txBox="1"/>
-          <p:nvPr/>
-        </p:nvSpPr>
-        <p:spPr>
-          <a:xfrm>
-            <a:off x="5994149" y="117010"/>
-            <a:ext cx="4751541" cy="584775"/>
-          </a:xfrm>
-          <a:prstGeom prst="rect">
-            <a:avLst/>
-          </a:prstGeom>
-          <a:noFill/>
-        </p:spPr>
-        <p:txBody>
-          <a:bodyPr wrap="square" rtlCol="0">
-            <a:spAutoFit/>
-          </a:bodyPr>
-          <a:lstStyle/>
-          <a:p>
-            <a:r>
-              <a:rPr lang="en-US" sz="3200" dirty="0"/>
-              <a:t>Should we hire the robot.</a:t>
+            <a:r>
+              <a:rPr lang="en-US" sz="2400" dirty="0"/>
+              <a:t>Stats that did not help to determine if a player will be drafted</a:t>
             </a:r>
           </a:p>
         </p:txBody>
@@ -8049,7 +6108,7 @@
     </p:spTree>
     <p:extLst>
       <p:ext uri="{BB962C8B-B14F-4D97-AF65-F5344CB8AC3E}">
-        <p14:creationId xmlns:p14="http://schemas.microsoft.com/office/powerpoint/2010/main" val="2067348711"/>
+        <p14:creationId xmlns:p14="http://schemas.microsoft.com/office/powerpoint/2010/main" val="1382594025"/>
       </p:ext>
     </p:extLst>
   </p:cSld>
@@ -8071,7 +6130,7 @@
 </p:sld>
 </file>
 
-<file path=ppt/slides/slide13.xml><?xml version="1.0" encoding="utf-8"?>
+<file path=ppt/slides/slide6.xml><?xml version="1.0" encoding="utf-8"?>
 <p:sld xmlns:a="http://schemas.openxmlformats.org/drawingml/2006/main" xmlns:r="http://schemas.openxmlformats.org/officeDocument/2006/relationships" xmlns:p="http://schemas.openxmlformats.org/presentationml/2006/main">
   <p:cSld>
     <p:spTree>
@@ -8088,217 +6147,319 @@
           <a:chExt cx="0" cy="0"/>
         </a:xfrm>
       </p:grpSpPr>
-      <p:pic>
-        <p:nvPicPr>
-          <p:cNvPr id="6" name="Picture 5">
-            <a:extLst>
-              <a:ext uri="{FF2B5EF4-FFF2-40B4-BE49-F238E27FC236}">
-                <a16:creationId xmlns:a16="http://schemas.microsoft.com/office/drawing/2014/main" id="{EA1C030C-61BD-0C5F-B7C2-87451584C85B}"/>
-              </a:ext>
-            </a:extLst>
-          </p:cNvPr>
-          <p:cNvPicPr>
-            <a:picLocks noChangeAspect="1"/>
-          </p:cNvPicPr>
-          <p:nvPr/>
-        </p:nvPicPr>
-        <p:blipFill>
-          <a:blip r:embed="rId2"/>
-          <a:stretch>
-            <a:fillRect/>
-          </a:stretch>
-        </p:blipFill>
-        <p:spPr>
-          <a:xfrm>
-            <a:off x="304800" y="914400"/>
-            <a:ext cx="4800600" cy="5638800"/>
-          </a:xfrm>
-          <a:prstGeom prst="rect">
-            <a:avLst/>
-          </a:prstGeom>
-        </p:spPr>
-        <p:style>
-          <a:lnRef idx="2">
-            <a:schemeClr val="accent6"/>
-          </a:lnRef>
-          <a:fillRef idx="1">
-            <a:schemeClr val="lt1"/>
-          </a:fillRef>
-          <a:effectRef idx="0">
-            <a:schemeClr val="accent6"/>
-          </a:effectRef>
-          <a:fontRef idx="minor">
-            <a:schemeClr val="dk1"/>
-          </a:fontRef>
-        </p:style>
-      </p:pic>
-      <p:sp>
-        <p:nvSpPr>
-          <p:cNvPr id="10" name="TextBox 9">
-            <a:extLst>
-              <a:ext uri="{FF2B5EF4-FFF2-40B4-BE49-F238E27FC236}">
-                <a16:creationId xmlns:a16="http://schemas.microsoft.com/office/drawing/2014/main" id="{A6236409-A9F4-6864-6C5A-87A702F8B9D0}"/>
-              </a:ext>
-            </a:extLst>
-          </p:cNvPr>
-          <p:cNvSpPr txBox="1"/>
-          <p:nvPr/>
-        </p:nvSpPr>
-        <p:spPr>
-          <a:xfrm>
-            <a:off x="7467600" y="1674674"/>
-            <a:ext cx="4573503" cy="1754326"/>
-          </a:xfrm>
-          <a:prstGeom prst="rect">
-            <a:avLst/>
-          </a:prstGeom>
-          <a:solidFill>
-            <a:schemeClr val="dk1">
-              <a:alpha val="50000"/>
-            </a:schemeClr>
-          </a:solidFill>
-          <a:ln>
-            <a:noFill/>
-          </a:ln>
-        </p:spPr>
-        <p:style>
-          <a:lnRef idx="0">
-            <a:scrgbClr r="0" g="0" b="0"/>
-          </a:lnRef>
-          <a:fillRef idx="0">
-            <a:scrgbClr r="0" g="0" b="0"/>
-          </a:fillRef>
-          <a:effectRef idx="0">
-            <a:scrgbClr r="0" g="0" b="0"/>
-          </a:effectRef>
-          <a:fontRef idx="minor">
-            <a:schemeClr val="lt1"/>
-          </a:fontRef>
-        </p:style>
-        <p:txBody>
-          <a:bodyPr wrap="square">
-            <a:spAutoFit/>
-          </a:bodyPr>
+      <p:sp>
+        <p:nvSpPr>
+          <p:cNvPr id="2" name="Title 1"/>
+          <p:cNvSpPr>
+            <a:spLocks noGrp="1"/>
+          </p:cNvSpPr>
+          <p:nvPr>
+            <p:ph type="title"/>
+          </p:nvPr>
+        </p:nvSpPr>
+        <p:spPr/>
+        <p:txBody>
+          <a:bodyPr/>
           <a:lstStyle/>
           <a:p>
             <a:r>
-              <a:rPr lang="en-US" b="0" i="0" dirty="0">
-                <a:solidFill>
-                  <a:srgbClr val="D5D5D5"/>
-                </a:solidFill>
-                <a:effectLst/>
-                <a:latin typeface="Courier New" panose="02070309020205020404" pitchFamily="49" charset="0"/>
-              </a:rPr>
-              <a:t>38/38 - 0s - loss: 0.2720 - accuracy: 0.8814 - precision: 0.7949 - 80ms/epoch - 2ms/step Loss: 0.2720300853252411, Accuracy: 0.881426215171814, Precision: 0.7948718070983887</a:t>
-            </a:r>
-            <a:endParaRPr lang="en-US" dirty="0"/>
-          </a:p>
-        </p:txBody>
-      </p:sp>
-      <p:sp>
-        <p:nvSpPr>
-          <p:cNvPr id="11" name="TextBox 10">
-            <a:extLst>
-              <a:ext uri="{FF2B5EF4-FFF2-40B4-BE49-F238E27FC236}">
-                <a16:creationId xmlns:a16="http://schemas.microsoft.com/office/drawing/2014/main" id="{1A526E48-BAAA-802A-75BF-CA2D018B3E65}"/>
-              </a:ext>
-            </a:extLst>
-          </p:cNvPr>
-          <p:cNvSpPr txBox="1"/>
-          <p:nvPr/>
-        </p:nvSpPr>
-        <p:spPr>
-          <a:xfrm>
-            <a:off x="5638800" y="3886200"/>
-            <a:ext cx="4419600" cy="2031325"/>
-          </a:xfrm>
-          <a:prstGeom prst="rect">
-            <a:avLst/>
-          </a:prstGeom>
-          <a:solidFill>
-            <a:schemeClr val="accent3">
-              <a:alpha val="50000"/>
-            </a:schemeClr>
-          </a:solidFill>
-          <a:ln>
-            <a:noFill/>
-          </a:ln>
-        </p:spPr>
-        <p:style>
-          <a:lnRef idx="0">
-            <a:scrgbClr r="0" g="0" b="0"/>
-          </a:lnRef>
-          <a:fillRef idx="0">
-            <a:scrgbClr r="0" g="0" b="0"/>
-          </a:fillRef>
-          <a:effectRef idx="0">
-            <a:scrgbClr r="0" g="0" b="0"/>
-          </a:effectRef>
-          <a:fontRef idx="minor">
-            <a:schemeClr val="lt1"/>
-          </a:fontRef>
-        </p:style>
-        <p:txBody>
-          <a:bodyPr wrap="square" rtlCol="0">
-            <a:spAutoFit/>
-          </a:bodyPr>
+              <a:rPr lang="en-US" dirty="0"/>
+              <a:t>Machine Learning</a:t>
+            </a:r>
+          </a:p>
+        </p:txBody>
+      </p:sp>
+      <p:sp>
+        <p:nvSpPr>
+          <p:cNvPr id="3" name="Content Placeholder 2"/>
+          <p:cNvSpPr>
+            <a:spLocks noGrp="1"/>
+          </p:cNvSpPr>
+          <p:nvPr>
+            <p:ph sz="half" idx="1"/>
+          </p:nvPr>
+        </p:nvSpPr>
+        <p:spPr/>
+        <p:txBody>
+          <a:bodyPr/>
           <a:lstStyle/>
           <a:p>
             <a:r>
               <a:rPr lang="en-US" dirty="0"/>
-              <a:t>Confidently wrong is an understatement.</a:t>
-            </a:r>
-          </a:p>
-          <a:p>
-            <a:endParaRPr lang="en-US" dirty="0"/>
+              <a:t>First bullet point here</a:t>
+            </a:r>
           </a:p>
           <a:p>
             <a:r>
               <a:rPr lang="en-US" dirty="0"/>
-              <a:t>The NN was able to accurately predict 18/120 drafted players. 42/60 of the predictions were false positives. This, all the while itself reporting an accuracy and precision of 80-90%</a:t>
-            </a:r>
-          </a:p>
-        </p:txBody>
-      </p:sp>
-      <p:sp>
-        <p:nvSpPr>
-          <p:cNvPr id="12" name="TextBox 11">
-            <a:extLst>
-              <a:ext uri="{FF2B5EF4-FFF2-40B4-BE49-F238E27FC236}">
-                <a16:creationId xmlns:a16="http://schemas.microsoft.com/office/drawing/2014/main" id="{77FA8F9F-46DC-D756-51E8-0180B6868C46}"/>
-              </a:ext>
-            </a:extLst>
-          </p:cNvPr>
-          <p:cNvSpPr txBox="1"/>
-          <p:nvPr/>
-        </p:nvSpPr>
-        <p:spPr>
-          <a:xfrm>
-            <a:off x="7772400" y="152400"/>
-            <a:ext cx="5486400" cy="584775"/>
-          </a:xfrm>
-          <a:prstGeom prst="rect">
-            <a:avLst/>
-          </a:prstGeom>
-          <a:noFill/>
-        </p:spPr>
-        <p:txBody>
-          <a:bodyPr wrap="square" rtlCol="0">
-            <a:spAutoFit/>
-          </a:bodyPr>
-          <a:lstStyle/>
-          <a:p>
-            <a:r>
-              <a:rPr lang="en-US" sz="3200" dirty="0"/>
-              <a:t>No.</a:t>
-            </a:r>
-          </a:p>
-        </p:txBody>
-      </p:sp>
+              <a:t>Second bullet point here</a:t>
+            </a:r>
+          </a:p>
+          <a:p>
+            <a:r>
+              <a:rPr lang="en-US" dirty="0"/>
+              <a:t>Third bullet point here</a:t>
+            </a:r>
+          </a:p>
+        </p:txBody>
+      </p:sp>
+      <p:graphicFrame>
+        <p:nvGraphicFramePr>
+          <p:cNvPr id="5" name="Content Placeholder 4"/>
+          <p:cNvGraphicFramePr>
+            <a:graphicFrameLocks noGrp="1"/>
+          </p:cNvGraphicFramePr>
+          <p:nvPr>
+            <p:ph sz="half" idx="2"/>
+            <p:extLst>
+              <p:ext uri="{D42A27DB-BD31-4B8C-83A1-F6EECF244321}">
+                <p14:modId xmlns:p14="http://schemas.microsoft.com/office/powerpoint/2010/main" val="4175791516"/>
+              </p:ext>
+            </p:extLst>
+          </p:nvPr>
+        </p:nvGraphicFramePr>
+        <p:xfrm>
+          <a:off x="6278563" y="1676400"/>
+          <a:ext cx="4846638" cy="2209800"/>
+        </p:xfrm>
+        <a:graphic>
+          <a:graphicData uri="http://schemas.openxmlformats.org/drawingml/2006/table">
+            <a:tbl>
+              <a:tblPr firstRow="1" bandRow="1">
+                <a:tableStyleId>{0E3FDE45-AF77-4B5C-9715-49D594BDF05E}</a:tableStyleId>
+              </a:tblPr>
+              <a:tblGrid>
+                <a:gridCol w="1615546">
+                  <a:extLst>
+                    <a:ext uri="{9D8B030D-6E8A-4147-A177-3AD203B41FA5}">
+                      <a16:colId xmlns:a16="http://schemas.microsoft.com/office/drawing/2014/main" val="20000"/>
+                    </a:ext>
+                  </a:extLst>
+                </a:gridCol>
+                <a:gridCol w="1615546">
+                  <a:extLst>
+                    <a:ext uri="{9D8B030D-6E8A-4147-A177-3AD203B41FA5}">
+                      <a16:colId xmlns:a16="http://schemas.microsoft.com/office/drawing/2014/main" val="20001"/>
+                    </a:ext>
+                  </a:extLst>
+                </a:gridCol>
+                <a:gridCol w="1615546">
+                  <a:extLst>
+                    <a:ext uri="{9D8B030D-6E8A-4147-A177-3AD203B41FA5}">
+                      <a16:colId xmlns:a16="http://schemas.microsoft.com/office/drawing/2014/main" val="20002"/>
+                    </a:ext>
+                  </a:extLst>
+                </a:gridCol>
+              </a:tblGrid>
+              <a:tr h="552450">
+                <a:tc>
+                  <a:txBody>
+                    <a:bodyPr/>
+                    <a:lstStyle/>
+                    <a:p>
+                      <a:pPr algn="ctr"/>
+                      <a:r>
+                        <a:rPr lang="en-US" dirty="0"/>
+                        <a:t>Class</a:t>
+                      </a:r>
+                    </a:p>
+                  </a:txBody>
+                  <a:tcPr anchor="ctr"/>
+                </a:tc>
+                <a:tc>
+                  <a:txBody>
+                    <a:bodyPr/>
+                    <a:lstStyle/>
+                    <a:p>
+                      <a:pPr algn="ctr"/>
+                      <a:r>
+                        <a:rPr lang="en-US" dirty="0"/>
+                        <a:t>Group 1</a:t>
+                      </a:r>
+                    </a:p>
+                  </a:txBody>
+                  <a:tcPr anchor="ctr"/>
+                </a:tc>
+                <a:tc>
+                  <a:txBody>
+                    <a:bodyPr/>
+                    <a:lstStyle/>
+                    <a:p>
+                      <a:pPr algn="ctr"/>
+                      <a:r>
+                        <a:rPr lang="en-US" dirty="0"/>
+                        <a:t>Group 2</a:t>
+                      </a:r>
+                    </a:p>
+                  </a:txBody>
+                  <a:tcPr anchor="ctr"/>
+                </a:tc>
+                <a:extLst>
+                  <a:ext uri="{0D108BD9-81ED-4DB2-BD59-A6C34878D82A}">
+                    <a16:rowId xmlns:a16="http://schemas.microsoft.com/office/drawing/2014/main" val="10000"/>
+                  </a:ext>
+                </a:extLst>
+              </a:tr>
+              <a:tr h="552450">
+                <a:tc>
+                  <a:txBody>
+                    <a:bodyPr/>
+                    <a:lstStyle/>
+                    <a:p>
+                      <a:pPr algn="ctr"/>
+                      <a:r>
+                        <a:rPr lang="en-US" dirty="0"/>
+                        <a:t>Class 1</a:t>
+                      </a:r>
+                    </a:p>
+                  </a:txBody>
+                  <a:tcPr anchor="ctr"/>
+                </a:tc>
+                <a:tc>
+                  <a:txBody>
+                    <a:bodyPr/>
+                    <a:lstStyle/>
+                    <a:p>
+                      <a:pPr algn="ctr"/>
+                      <a:r>
+                        <a:rPr lang="en-US" dirty="0"/>
+                        <a:t>82</a:t>
+                      </a:r>
+                    </a:p>
+                  </a:txBody>
+                  <a:tcPr anchor="ctr"/>
+                </a:tc>
+                <a:tc>
+                  <a:txBody>
+                    <a:bodyPr/>
+                    <a:lstStyle/>
+                    <a:p>
+                      <a:pPr algn="ctr"/>
+                      <a:r>
+                        <a:rPr lang="en-US" dirty="0"/>
+                        <a:t>95</a:t>
+                      </a:r>
+                    </a:p>
+                  </a:txBody>
+                  <a:tcPr anchor="ctr"/>
+                </a:tc>
+                <a:extLst>
+                  <a:ext uri="{0D108BD9-81ED-4DB2-BD59-A6C34878D82A}">
+                    <a16:rowId xmlns:a16="http://schemas.microsoft.com/office/drawing/2014/main" val="10001"/>
+                  </a:ext>
+                </a:extLst>
+              </a:tr>
+              <a:tr h="552450">
+                <a:tc>
+                  <a:txBody>
+                    <a:bodyPr/>
+                    <a:lstStyle/>
+                    <a:p>
+                      <a:pPr algn="ctr"/>
+                      <a:r>
+                        <a:rPr lang="en-US" dirty="0"/>
+                        <a:t>Class</a:t>
+                      </a:r>
+                      <a:r>
+                        <a:rPr lang="en-US" baseline="0" dirty="0"/>
+                        <a:t> 2</a:t>
+                      </a:r>
+                      <a:endParaRPr lang="en-US" dirty="0"/>
+                    </a:p>
+                  </a:txBody>
+                  <a:tcPr anchor="ctr"/>
+                </a:tc>
+                <a:tc>
+                  <a:txBody>
+                    <a:bodyPr/>
+                    <a:lstStyle/>
+                    <a:p>
+                      <a:pPr algn="ctr"/>
+                      <a:r>
+                        <a:rPr lang="en-US" dirty="0"/>
+                        <a:t>76</a:t>
+                      </a:r>
+                    </a:p>
+                  </a:txBody>
+                  <a:tcPr anchor="ctr"/>
+                </a:tc>
+                <a:tc>
+                  <a:txBody>
+                    <a:bodyPr/>
+                    <a:lstStyle/>
+                    <a:p>
+                      <a:pPr algn="ctr"/>
+                      <a:r>
+                        <a:rPr lang="en-US" dirty="0"/>
+                        <a:t>88</a:t>
+                      </a:r>
+                    </a:p>
+                  </a:txBody>
+                  <a:tcPr anchor="ctr"/>
+                </a:tc>
+                <a:extLst>
+                  <a:ext uri="{0D108BD9-81ED-4DB2-BD59-A6C34878D82A}">
+                    <a16:rowId xmlns:a16="http://schemas.microsoft.com/office/drawing/2014/main" val="10002"/>
+                  </a:ext>
+                </a:extLst>
+              </a:tr>
+              <a:tr h="552450">
+                <a:tc>
+                  <a:txBody>
+                    <a:bodyPr/>
+                    <a:lstStyle/>
+                    <a:p>
+                      <a:pPr algn="ctr"/>
+                      <a:r>
+                        <a:rPr lang="en-US" dirty="0"/>
+                        <a:t>Class 3</a:t>
+                      </a:r>
+                    </a:p>
+                  </a:txBody>
+                  <a:tcPr anchor="ctr"/>
+                </a:tc>
+                <a:tc>
+                  <a:txBody>
+                    <a:bodyPr/>
+                    <a:lstStyle/>
+                    <a:p>
+                      <a:pPr algn="ctr"/>
+                      <a:r>
+                        <a:rPr lang="en-US" dirty="0"/>
+                        <a:t>84</a:t>
+                      </a:r>
+                    </a:p>
+                  </a:txBody>
+                  <a:tcPr anchor="ctr"/>
+                </a:tc>
+                <a:tc>
+                  <a:txBody>
+                    <a:bodyPr/>
+                    <a:lstStyle/>
+                    <a:p>
+                      <a:pPr algn="ctr"/>
+                      <a:r>
+                        <a:rPr lang="en-US" dirty="0"/>
+                        <a:t>90</a:t>
+                      </a:r>
+                    </a:p>
+                  </a:txBody>
+                  <a:tcPr anchor="ctr"/>
+                </a:tc>
+                <a:extLst>
+                  <a:ext uri="{0D108BD9-81ED-4DB2-BD59-A6C34878D82A}">
+                    <a16:rowId xmlns:a16="http://schemas.microsoft.com/office/drawing/2014/main" val="10003"/>
+                  </a:ext>
+                </a:extLst>
+              </a:tr>
+            </a:tbl>
+          </a:graphicData>
+        </a:graphic>
+      </p:graphicFrame>
     </p:spTree>
     <p:extLst>
       <p:ext uri="{BB962C8B-B14F-4D97-AF65-F5344CB8AC3E}">
-        <p14:creationId xmlns:p14="http://schemas.microsoft.com/office/powerpoint/2010/main" val="2753654941"/>
+        <p14:creationId xmlns:p14="http://schemas.microsoft.com/office/powerpoint/2010/main" val="2598391320"/>
       </p:ext>
     </p:extLst>
   </p:cSld>
@@ -8320,7 +6481,7 @@
 </p:sld>
 </file>
 
-<file path=ppt/slides/slide14.xml><?xml version="1.0" encoding="utf-8"?>
+<file path=ppt/slides/slide7.xml><?xml version="1.0" encoding="utf-8"?>
 <p:sld xmlns:a="http://schemas.openxmlformats.org/drawingml/2006/main" xmlns:r="http://schemas.openxmlformats.org/officeDocument/2006/relationships" xmlns:p="http://schemas.openxmlformats.org/presentationml/2006/main">
   <p:cSld>
     <p:spTree>
@@ -8337,689 +6498,6 @@
           <a:chExt cx="0" cy="0"/>
         </a:xfrm>
       </p:grpSpPr>
-      <p:pic>
-        <p:nvPicPr>
-          <p:cNvPr id="8" name="Picture 7">
-            <a:extLst>
-              <a:ext uri="{FF2B5EF4-FFF2-40B4-BE49-F238E27FC236}">
-                <a16:creationId xmlns:a16="http://schemas.microsoft.com/office/drawing/2014/main" id="{0E74EABF-E2C1-EBB5-86CB-3DFA74B1A20E}"/>
-              </a:ext>
-            </a:extLst>
-          </p:cNvPr>
-          <p:cNvPicPr>
-            <a:picLocks noChangeAspect="1"/>
-          </p:cNvPicPr>
-          <p:nvPr/>
-        </p:nvPicPr>
-        <p:blipFill>
-          <a:blip r:embed="rId2"/>
-          <a:stretch>
-            <a:fillRect/>
-          </a:stretch>
-        </p:blipFill>
-        <p:spPr>
-          <a:xfrm>
-            <a:off x="1175406" y="1676400"/>
-            <a:ext cx="5355772" cy="914400"/>
-          </a:xfrm>
-          <a:prstGeom prst="rect">
-            <a:avLst/>
-          </a:prstGeom>
-          <a:noFill/>
-          <a:ln w="38100" cap="flat" cmpd="sng" algn="ctr">
-            <a:solidFill>
-              <a:schemeClr val="accent2"/>
-            </a:solidFill>
-            <a:prstDash val="solid"/>
-            <a:round/>
-            <a:headEnd type="none" w="med" len="med"/>
-            <a:tailEnd type="none" w="med" len="med"/>
-          </a:ln>
-        </p:spPr>
-        <p:style>
-          <a:lnRef idx="0">
-            <a:scrgbClr r="0" g="0" b="0"/>
-          </a:lnRef>
-          <a:fillRef idx="0">
-            <a:scrgbClr r="0" g="0" b="0"/>
-          </a:fillRef>
-          <a:effectRef idx="0">
-            <a:scrgbClr r="0" g="0" b="0"/>
-          </a:effectRef>
-          <a:fontRef idx="minor">
-            <a:schemeClr val="accent2"/>
-          </a:fontRef>
-        </p:style>
-      </p:pic>
-      <p:pic>
-        <p:nvPicPr>
-          <p:cNvPr id="12" name="Picture 11">
-            <a:extLst>
-              <a:ext uri="{FF2B5EF4-FFF2-40B4-BE49-F238E27FC236}">
-                <a16:creationId xmlns:a16="http://schemas.microsoft.com/office/drawing/2014/main" id="{C95A4CB7-CE65-B5EF-F35B-69A00C6837B8}"/>
-              </a:ext>
-            </a:extLst>
-          </p:cNvPr>
-          <p:cNvPicPr>
-            <a:picLocks noChangeAspect="1"/>
-          </p:cNvPicPr>
-          <p:nvPr/>
-        </p:nvPicPr>
-        <p:blipFill>
-          <a:blip r:embed="rId3"/>
-          <a:stretch>
-            <a:fillRect/>
-          </a:stretch>
-        </p:blipFill>
-        <p:spPr>
-          <a:xfrm>
-            <a:off x="139358" y="2806460"/>
-            <a:ext cx="3713934" cy="3960961"/>
-          </a:xfrm>
-          <a:prstGeom prst="rect">
-            <a:avLst/>
-          </a:prstGeom>
-          <a:noFill/>
-          <a:ln w="38100" cap="flat" cmpd="sng" algn="ctr">
-            <a:solidFill>
-              <a:schemeClr val="accent2"/>
-            </a:solidFill>
-            <a:prstDash val="solid"/>
-            <a:round/>
-            <a:headEnd type="none" w="med" len="med"/>
-            <a:tailEnd type="none" w="med" len="med"/>
-          </a:ln>
-        </p:spPr>
-        <p:style>
-          <a:lnRef idx="0">
-            <a:scrgbClr r="0" g="0" b="0"/>
-          </a:lnRef>
-          <a:fillRef idx="0">
-            <a:scrgbClr r="0" g="0" b="0"/>
-          </a:fillRef>
-          <a:effectRef idx="0">
-            <a:scrgbClr r="0" g="0" b="0"/>
-          </a:effectRef>
-          <a:fontRef idx="minor">
-            <a:schemeClr val="accent2"/>
-          </a:fontRef>
-        </p:style>
-      </p:pic>
-      <p:pic>
-        <p:nvPicPr>
-          <p:cNvPr id="14" name="Picture 13">
-            <a:extLst>
-              <a:ext uri="{FF2B5EF4-FFF2-40B4-BE49-F238E27FC236}">
-                <a16:creationId xmlns:a16="http://schemas.microsoft.com/office/drawing/2014/main" id="{9F88C9A3-5B1A-55D6-51A1-64253B1A8684}"/>
-              </a:ext>
-            </a:extLst>
-          </p:cNvPr>
-          <p:cNvPicPr>
-            <a:picLocks noChangeAspect="1"/>
-          </p:cNvPicPr>
-          <p:nvPr/>
-        </p:nvPicPr>
-        <p:blipFill>
-          <a:blip r:embed="rId4"/>
-          <a:stretch>
-            <a:fillRect/>
-          </a:stretch>
-        </p:blipFill>
-        <p:spPr>
-          <a:xfrm>
-            <a:off x="3981757" y="2819400"/>
-            <a:ext cx="7944261" cy="3960962"/>
-          </a:xfrm>
-          <a:prstGeom prst="rect">
-            <a:avLst/>
-          </a:prstGeom>
-          <a:noFill/>
-          <a:ln w="38100" cap="flat" cmpd="sng" algn="ctr">
-            <a:solidFill>
-              <a:schemeClr val="accent2"/>
-            </a:solidFill>
-            <a:prstDash val="solid"/>
-            <a:round/>
-            <a:headEnd type="none" w="med" len="med"/>
-            <a:tailEnd type="none" w="med" len="med"/>
-          </a:ln>
-        </p:spPr>
-        <p:style>
-          <a:lnRef idx="0">
-            <a:scrgbClr r="0" g="0" b="0"/>
-          </a:lnRef>
-          <a:fillRef idx="0">
-            <a:scrgbClr r="0" g="0" b="0"/>
-          </a:fillRef>
-          <a:effectRef idx="0">
-            <a:scrgbClr r="0" g="0" b="0"/>
-          </a:effectRef>
-          <a:fontRef idx="minor">
-            <a:schemeClr val="accent2"/>
-          </a:fontRef>
-        </p:style>
-      </p:pic>
-      <p:pic>
-        <p:nvPicPr>
-          <p:cNvPr id="10" name="Picture 9">
-            <a:extLst>
-              <a:ext uri="{FF2B5EF4-FFF2-40B4-BE49-F238E27FC236}">
-                <a16:creationId xmlns:a16="http://schemas.microsoft.com/office/drawing/2014/main" id="{F4D4DBAD-5BC4-CC88-5D21-5DF372E21BC0}"/>
-              </a:ext>
-            </a:extLst>
-          </p:cNvPr>
-          <p:cNvPicPr>
-            <a:picLocks noChangeAspect="1"/>
-          </p:cNvPicPr>
-          <p:nvPr/>
-        </p:nvPicPr>
-        <p:blipFill>
-          <a:blip r:embed="rId5"/>
-          <a:stretch>
-            <a:fillRect/>
-          </a:stretch>
-        </p:blipFill>
-        <p:spPr>
-          <a:xfrm>
-            <a:off x="7953887" y="685800"/>
-            <a:ext cx="3774453" cy="2546187"/>
-          </a:xfrm>
-          <a:prstGeom prst="rect">
-            <a:avLst/>
-          </a:prstGeom>
-          <a:noFill/>
-          <a:ln w="38100" cap="flat" cmpd="sng" algn="ctr">
-            <a:solidFill>
-              <a:schemeClr val="accent2"/>
-            </a:solidFill>
-            <a:prstDash val="solid"/>
-            <a:round/>
-            <a:headEnd type="none" w="med" len="med"/>
-            <a:tailEnd type="none" w="med" len="med"/>
-          </a:ln>
-        </p:spPr>
-        <p:style>
-          <a:lnRef idx="0">
-            <a:scrgbClr r="0" g="0" b="0"/>
-          </a:lnRef>
-          <a:fillRef idx="0">
-            <a:scrgbClr r="0" g="0" b="0"/>
-          </a:fillRef>
-          <a:effectRef idx="0">
-            <a:scrgbClr r="0" g="0" b="0"/>
-          </a:effectRef>
-          <a:fontRef idx="minor">
-            <a:schemeClr val="accent2"/>
-          </a:fontRef>
-        </p:style>
-      </p:pic>
-      <p:sp>
-        <p:nvSpPr>
-          <p:cNvPr id="17" name="TextBox 16">
-            <a:extLst>
-              <a:ext uri="{FF2B5EF4-FFF2-40B4-BE49-F238E27FC236}">
-                <a16:creationId xmlns:a16="http://schemas.microsoft.com/office/drawing/2014/main" id="{EFA95520-3723-504B-E5C2-975C32D3BEE1}"/>
-              </a:ext>
-            </a:extLst>
-          </p:cNvPr>
-          <p:cNvSpPr txBox="1"/>
-          <p:nvPr/>
-        </p:nvSpPr>
-        <p:spPr>
-          <a:xfrm>
-            <a:off x="2568778" y="381000"/>
-            <a:ext cx="3962400" cy="923330"/>
-          </a:xfrm>
-          <a:prstGeom prst="rect">
-            <a:avLst/>
-          </a:prstGeom>
-          <a:noFill/>
-        </p:spPr>
-        <p:txBody>
-          <a:bodyPr wrap="square" rtlCol="0">
-            <a:spAutoFit/>
-          </a:bodyPr>
-          <a:lstStyle/>
-          <a:p>
-            <a:r>
-              <a:rPr lang="en-US" sz="5400" dirty="0"/>
-              <a:t>K.I.S.S</a:t>
-            </a:r>
-          </a:p>
-        </p:txBody>
-      </p:sp>
-    </p:spTree>
-    <p:extLst>
-      <p:ext uri="{BB962C8B-B14F-4D97-AF65-F5344CB8AC3E}">
-        <p14:creationId xmlns:p14="http://schemas.microsoft.com/office/powerpoint/2010/main" val="1545014505"/>
-      </p:ext>
-    </p:extLst>
-  </p:cSld>
-  <p:clrMapOvr>
-    <a:masterClrMapping/>
-  </p:clrMapOvr>
-  <mc:AlternateContent xmlns:mc="http://schemas.openxmlformats.org/markup-compatibility/2006" xmlns:p14="http://schemas.microsoft.com/office/powerpoint/2010/main">
-    <mc:Choice Requires="p14">
-      <p:transition spd="med" p14:dur="700">
-        <p:fade/>
-      </p:transition>
-    </mc:Choice>
-    <mc:Fallback xmlns="">
-      <p:transition spd="med">
-        <p:fade/>
-      </p:transition>
-    </mc:Fallback>
-  </mc:AlternateContent>
-</p:sld>
-</file>
-
-<file path=ppt/slides/slide15.xml><?xml version="1.0" encoding="utf-8"?>
-<p:sld xmlns:a="http://schemas.openxmlformats.org/drawingml/2006/main" xmlns:r="http://schemas.openxmlformats.org/officeDocument/2006/relationships" xmlns:p="http://schemas.openxmlformats.org/presentationml/2006/main">
-  <p:cSld>
-    <p:spTree>
-      <p:nvGrpSpPr>
-        <p:cNvPr id="1" name=""/>
-        <p:cNvGrpSpPr/>
-        <p:nvPr/>
-      </p:nvGrpSpPr>
-      <p:grpSpPr>
-        <a:xfrm>
-          <a:off x="0" y="0"/>
-          <a:ext cx="0" cy="0"/>
-          <a:chOff x="0" y="0"/>
-          <a:chExt cx="0" cy="0"/>
-        </a:xfrm>
-      </p:grpSpPr>
-      <p:pic>
-        <p:nvPicPr>
-          <p:cNvPr id="6" name="Picture 5">
-            <a:extLst>
-              <a:ext uri="{FF2B5EF4-FFF2-40B4-BE49-F238E27FC236}">
-                <a16:creationId xmlns:a16="http://schemas.microsoft.com/office/drawing/2014/main" id="{19739F8F-16DA-E6BF-8A5C-6786F350F081}"/>
-              </a:ext>
-            </a:extLst>
-          </p:cNvPr>
-          <p:cNvPicPr>
-            <a:picLocks noChangeAspect="1"/>
-          </p:cNvPicPr>
-          <p:nvPr/>
-        </p:nvPicPr>
-        <p:blipFill>
-          <a:blip r:embed="rId3"/>
-          <a:stretch>
-            <a:fillRect/>
-          </a:stretch>
-        </p:blipFill>
-        <p:spPr>
-          <a:xfrm>
-            <a:off x="482003" y="316302"/>
-            <a:ext cx="1855095" cy="6172200"/>
-          </a:xfrm>
-          <a:prstGeom prst="rect">
-            <a:avLst/>
-          </a:prstGeom>
-          <a:ln w="57150"/>
-        </p:spPr>
-        <p:style>
-          <a:lnRef idx="1">
-            <a:schemeClr val="dk1"/>
-          </a:lnRef>
-          <a:fillRef idx="2">
-            <a:schemeClr val="dk1"/>
-          </a:fillRef>
-          <a:effectRef idx="1">
-            <a:schemeClr val="dk1"/>
-          </a:effectRef>
-          <a:fontRef idx="minor">
-            <a:schemeClr val="dk1"/>
-          </a:fontRef>
-        </p:style>
-      </p:pic>
-      <p:pic>
-        <p:nvPicPr>
-          <p:cNvPr id="8" name="Picture 7">
-            <a:extLst>
-              <a:ext uri="{FF2B5EF4-FFF2-40B4-BE49-F238E27FC236}">
-                <a16:creationId xmlns:a16="http://schemas.microsoft.com/office/drawing/2014/main" id="{9EF20966-2601-5513-2018-6EEFF8019633}"/>
-              </a:ext>
-            </a:extLst>
-          </p:cNvPr>
-          <p:cNvPicPr>
-            <a:picLocks noChangeAspect="1"/>
-          </p:cNvPicPr>
-          <p:nvPr/>
-        </p:nvPicPr>
-        <p:blipFill>
-          <a:blip r:embed="rId4"/>
-          <a:stretch>
-            <a:fillRect/>
-          </a:stretch>
-        </p:blipFill>
-        <p:spPr>
-          <a:xfrm>
-            <a:off x="2743200" y="273170"/>
-            <a:ext cx="1824629" cy="6172200"/>
-          </a:xfrm>
-          <a:prstGeom prst="rect">
-            <a:avLst/>
-          </a:prstGeom>
-          <a:ln w="57150"/>
-        </p:spPr>
-        <p:style>
-          <a:lnRef idx="1">
-            <a:schemeClr val="dk1"/>
-          </a:lnRef>
-          <a:fillRef idx="2">
-            <a:schemeClr val="dk1"/>
-          </a:fillRef>
-          <a:effectRef idx="1">
-            <a:schemeClr val="dk1"/>
-          </a:effectRef>
-          <a:fontRef idx="minor">
-            <a:schemeClr val="dk1"/>
-          </a:fontRef>
-        </p:style>
-      </p:pic>
-      <p:pic>
-        <p:nvPicPr>
-          <p:cNvPr id="10" name="Picture 9">
-            <a:extLst>
-              <a:ext uri="{FF2B5EF4-FFF2-40B4-BE49-F238E27FC236}">
-                <a16:creationId xmlns:a16="http://schemas.microsoft.com/office/drawing/2014/main" id="{F2BFF5E9-B1F8-F1BA-4B67-A0D896CA2D8A}"/>
-              </a:ext>
-            </a:extLst>
-          </p:cNvPr>
-          <p:cNvPicPr>
-            <a:picLocks noChangeAspect="1"/>
-          </p:cNvPicPr>
-          <p:nvPr/>
-        </p:nvPicPr>
-        <p:blipFill>
-          <a:blip r:embed="rId5"/>
-          <a:stretch>
-            <a:fillRect/>
-          </a:stretch>
-        </p:blipFill>
-        <p:spPr>
-          <a:xfrm>
-            <a:off x="4990108" y="287547"/>
-            <a:ext cx="1905824" cy="6200955"/>
-          </a:xfrm>
-          <a:prstGeom prst="rect">
-            <a:avLst/>
-          </a:prstGeom>
-          <a:ln w="57150"/>
-        </p:spPr>
-        <p:style>
-          <a:lnRef idx="1">
-            <a:schemeClr val="dk1"/>
-          </a:lnRef>
-          <a:fillRef idx="2">
-            <a:schemeClr val="dk1"/>
-          </a:fillRef>
-          <a:effectRef idx="1">
-            <a:schemeClr val="dk1"/>
-          </a:effectRef>
-          <a:fontRef idx="minor">
-            <a:schemeClr val="dk1"/>
-          </a:fontRef>
-        </p:style>
-      </p:pic>
-      <p:pic>
-        <p:nvPicPr>
-          <p:cNvPr id="12" name="Picture 11">
-            <a:extLst>
-              <a:ext uri="{FF2B5EF4-FFF2-40B4-BE49-F238E27FC236}">
-                <a16:creationId xmlns:a16="http://schemas.microsoft.com/office/drawing/2014/main" id="{BB353343-C143-0C93-45B9-E34A9FCF7AD2}"/>
-              </a:ext>
-            </a:extLst>
-          </p:cNvPr>
-          <p:cNvPicPr>
-            <a:picLocks noChangeAspect="1"/>
-          </p:cNvPicPr>
-          <p:nvPr/>
-        </p:nvPicPr>
-        <p:blipFill>
-          <a:blip r:embed="rId6"/>
-          <a:stretch>
-            <a:fillRect/>
-          </a:stretch>
-        </p:blipFill>
-        <p:spPr>
-          <a:xfrm>
-            <a:off x="7318211" y="260230"/>
-            <a:ext cx="1891754" cy="6172200"/>
-          </a:xfrm>
-          <a:prstGeom prst="rect">
-            <a:avLst/>
-          </a:prstGeom>
-          <a:ln w="57150"/>
-        </p:spPr>
-        <p:style>
-          <a:lnRef idx="1">
-            <a:schemeClr val="dk1"/>
-          </a:lnRef>
-          <a:fillRef idx="2">
-            <a:schemeClr val="dk1"/>
-          </a:fillRef>
-          <a:effectRef idx="1">
-            <a:schemeClr val="dk1"/>
-          </a:effectRef>
-          <a:fontRef idx="minor">
-            <a:schemeClr val="dk1"/>
-          </a:fontRef>
-        </p:style>
-      </p:pic>
-      <p:sp>
-        <p:nvSpPr>
-          <p:cNvPr id="13" name="TextBox 12">
-            <a:extLst>
-              <a:ext uri="{FF2B5EF4-FFF2-40B4-BE49-F238E27FC236}">
-                <a16:creationId xmlns:a16="http://schemas.microsoft.com/office/drawing/2014/main" id="{AB33D91C-BF5A-8377-E40C-7D8E644968CF}"/>
-              </a:ext>
-            </a:extLst>
-          </p:cNvPr>
-          <p:cNvSpPr txBox="1"/>
-          <p:nvPr/>
-        </p:nvSpPr>
-        <p:spPr>
-          <a:xfrm>
-            <a:off x="9867240" y="708123"/>
-            <a:ext cx="1752600" cy="1477328"/>
-          </a:xfrm>
-          <a:prstGeom prst="rect">
-            <a:avLst/>
-          </a:prstGeom>
-          <a:solidFill>
-            <a:schemeClr val="accent3">
-              <a:alpha val="50000"/>
-            </a:schemeClr>
-          </a:solidFill>
-          <a:ln>
-            <a:noFill/>
-          </a:ln>
-        </p:spPr>
-        <p:style>
-          <a:lnRef idx="0">
-            <a:scrgbClr r="0" g="0" b="0"/>
-          </a:lnRef>
-          <a:fillRef idx="0">
-            <a:scrgbClr r="0" g="0" b="0"/>
-          </a:fillRef>
-          <a:effectRef idx="0">
-            <a:scrgbClr r="0" g="0" b="0"/>
-          </a:effectRef>
-          <a:fontRef idx="minor">
-            <a:schemeClr val="lt1"/>
-          </a:fontRef>
-        </p:style>
-        <p:txBody>
-          <a:bodyPr wrap="square" rtlCol="0">
-            <a:spAutoFit/>
-          </a:bodyPr>
-          <a:lstStyle/>
-          <a:p>
-            <a:r>
-              <a:rPr lang="en-US" dirty="0"/>
-              <a:t>482 correct drafted players predicted with half as many false positives.</a:t>
-            </a:r>
-          </a:p>
-        </p:txBody>
-      </p:sp>
-      <p:sp>
-        <p:nvSpPr>
-          <p:cNvPr id="18" name="TextBox 17">
-            <a:extLst>
-              <a:ext uri="{FF2B5EF4-FFF2-40B4-BE49-F238E27FC236}">
-                <a16:creationId xmlns:a16="http://schemas.microsoft.com/office/drawing/2014/main" id="{5811C716-0C92-86FD-3F81-5746D795C804}"/>
-              </a:ext>
-            </a:extLst>
-          </p:cNvPr>
-          <p:cNvSpPr txBox="1"/>
-          <p:nvPr/>
-        </p:nvSpPr>
-        <p:spPr>
-          <a:xfrm>
-            <a:off x="9867240" y="2362200"/>
-            <a:ext cx="1752600" cy="1754326"/>
-          </a:xfrm>
-          <a:prstGeom prst="rect">
-            <a:avLst/>
-          </a:prstGeom>
-          <a:solidFill>
-            <a:schemeClr val="accent3">
-              <a:alpha val="50000"/>
-            </a:schemeClr>
-          </a:solidFill>
-          <a:ln>
-            <a:noFill/>
-          </a:ln>
-        </p:spPr>
-        <p:style>
-          <a:lnRef idx="0">
-            <a:scrgbClr r="0" g="0" b="0"/>
-          </a:lnRef>
-          <a:fillRef idx="0">
-            <a:scrgbClr r="0" g="0" b="0"/>
-          </a:fillRef>
-          <a:effectRef idx="0">
-            <a:scrgbClr r="0" g="0" b="0"/>
-          </a:effectRef>
-          <a:fontRef idx="minor">
-            <a:schemeClr val="lt1"/>
-          </a:fontRef>
-        </p:style>
-        <p:txBody>
-          <a:bodyPr wrap="square" rtlCol="0">
-            <a:spAutoFit/>
-          </a:bodyPr>
-          <a:lstStyle/>
-          <a:p>
-            <a:r>
-              <a:rPr lang="en-US" dirty="0"/>
-              <a:t>While still not perfect, it is leaps and bounds better than the NN performed.</a:t>
-            </a:r>
-          </a:p>
-        </p:txBody>
-      </p:sp>
-      <p:sp>
-        <p:nvSpPr>
-          <p:cNvPr id="19" name="TextBox 18">
-            <a:extLst>
-              <a:ext uri="{FF2B5EF4-FFF2-40B4-BE49-F238E27FC236}">
-                <a16:creationId xmlns:a16="http://schemas.microsoft.com/office/drawing/2014/main" id="{C64A73B2-A411-E0DD-6435-A0182B811C2F}"/>
-              </a:ext>
-            </a:extLst>
-          </p:cNvPr>
-          <p:cNvSpPr txBox="1"/>
-          <p:nvPr/>
-        </p:nvSpPr>
-        <p:spPr>
-          <a:xfrm>
-            <a:off x="9867240" y="4293275"/>
-            <a:ext cx="1752600" cy="2031325"/>
-          </a:xfrm>
-          <a:prstGeom prst="rect">
-            <a:avLst/>
-          </a:prstGeom>
-          <a:solidFill>
-            <a:schemeClr val="accent3">
-              <a:alpha val="50000"/>
-            </a:schemeClr>
-          </a:solidFill>
-          <a:ln>
-            <a:noFill/>
-          </a:ln>
-        </p:spPr>
-        <p:style>
-          <a:lnRef idx="0">
-            <a:scrgbClr r="0" g="0" b="0"/>
-          </a:lnRef>
-          <a:fillRef idx="0">
-            <a:scrgbClr r="0" g="0" b="0"/>
-          </a:fillRef>
-          <a:effectRef idx="0">
-            <a:scrgbClr r="0" g="0" b="0"/>
-          </a:effectRef>
-          <a:fontRef idx="minor">
-            <a:schemeClr val="lt1"/>
-          </a:fontRef>
-        </p:style>
-        <p:txBody>
-          <a:bodyPr wrap="square" rtlCol="0">
-            <a:spAutoFit/>
-          </a:bodyPr>
-          <a:lstStyle/>
-          <a:p>
-            <a:r>
-              <a:rPr lang="en-US" dirty="0"/>
-              <a:t>This model also had the benefit of taking less time to put together and troubleshoot than the NN.</a:t>
-            </a:r>
-          </a:p>
-        </p:txBody>
-      </p:sp>
-    </p:spTree>
-    <p:extLst>
-      <p:ext uri="{BB962C8B-B14F-4D97-AF65-F5344CB8AC3E}">
-        <p14:creationId xmlns:p14="http://schemas.microsoft.com/office/powerpoint/2010/main" val="1368440178"/>
-      </p:ext>
-    </p:extLst>
-  </p:cSld>
-  <p:clrMapOvr>
-    <a:masterClrMapping/>
-  </p:clrMapOvr>
-  <mc:AlternateContent xmlns:mc="http://schemas.openxmlformats.org/markup-compatibility/2006" xmlns:p14="http://schemas.microsoft.com/office/powerpoint/2010/main">
-    <mc:Choice Requires="p14">
-      <p:transition spd="med" p14:dur="700">
-        <p:fade/>
-      </p:transition>
-    </mc:Choice>
-    <mc:Fallback xmlns="">
-      <p:transition spd="med">
-        <p:fade/>
-      </p:transition>
-    </mc:Fallback>
-  </mc:AlternateContent>
-</p:sld>
-</file>
-
-<file path=ppt/slides/slide16.xml><?xml version="1.0" encoding="utf-8"?>
-<p:sld xmlns:a="http://schemas.openxmlformats.org/drawingml/2006/main" xmlns:r="http://schemas.openxmlformats.org/officeDocument/2006/relationships" xmlns:p="http://schemas.openxmlformats.org/presentationml/2006/main">
-  <p:cSld>
-    <p:spTree>
-      <p:nvGrpSpPr>
-        <p:cNvPr id="1" name=""/>
-        <p:cNvGrpSpPr/>
-        <p:nvPr/>
-      </p:nvGrpSpPr>
-      <p:grpSpPr>
-        <a:xfrm>
-          <a:off x="0" y="0"/>
-          <a:ext cx="0" cy="0"/>
-          <a:chOff x="0" y="0"/>
-          <a:chExt cx="0" cy="0"/>
-        </a:xfrm>
-      </p:grpSpPr>
       <p:sp>
         <p:nvSpPr>
           <p:cNvPr id="2" name="Title 1"/>
@@ -9060,43 +6538,33 @@
         <p:spPr>
           <a:xfrm>
             <a:off x="863009" y="1477484"/>
-            <a:ext cx="10058400" cy="2103916"/>
+            <a:ext cx="10058400" cy="1143000"/>
           </a:xfrm>
         </p:spPr>
         <p:txBody>
           <a:bodyPr>
-            <a:normAutofit fontScale="92500" lnSpcReduction="20000"/>
+            <a:normAutofit lnSpcReduction="10000"/>
           </a:bodyPr>
           <a:lstStyle/>
           <a:p>
+            <a:pPr marL="342900" indent="-342900">
+              <a:buFont typeface="Arial" panose="020B0604020202020204" pitchFamily="34" charset="0"/>
+              <a:buChar char="•"/>
+            </a:pPr>
             <a:r>
               <a:rPr lang="en-US" dirty="0"/>
-              <a:t>The data was not meant for a NN, but was simple enough that a simpler ML model was able to use it.</a:t>
-            </a:r>
-          </a:p>
-          <a:p>
-            <a:r>
-              <a:rPr lang="en-US" dirty="0"/>
-              <a:t>While the data set seemed large at first with richness in the data.  It ultimately showed that a lot of the stats were just variations of other stats already present.    </a:t>
-            </a:r>
-          </a:p>
-          <a:p>
-            <a:r>
-              <a:rPr lang="en-US" dirty="0"/>
-              <a:t>Having so few positives (2% of drafted players) proved difficult to work with.</a:t>
-            </a:r>
-          </a:p>
-          <a:p>
+              <a:t>It is hard to make the data work with machine learning because only 2% of the total players were drafted. </a:t>
+            </a:r>
+          </a:p>
+          <a:p>
+            <a:pPr marL="342900" indent="-342900">
+              <a:buFont typeface="Arial" panose="020B0604020202020204" pitchFamily="34" charset="0"/>
+              <a:buChar char="•"/>
+            </a:pPr>
             <a:r>
               <a:rPr lang="en-US" dirty="0"/>
               <a:t>Each draft year is specific to the needs of the NBA</a:t>
             </a:r>
-          </a:p>
-          <a:p>
-            <a:endParaRPr lang="en-US" dirty="0"/>
-          </a:p>
-          <a:p>
-            <a:endParaRPr lang="en-US" dirty="0"/>
           </a:p>
           <a:p>
             <a:endParaRPr lang="en-US" dirty="0"/>
@@ -9119,7 +6587,7 @@
         </p:nvSpPr>
         <p:spPr>
           <a:xfrm>
-            <a:off x="762000" y="4191000"/>
+            <a:off x="863009" y="3047999"/>
             <a:ext cx="10058400" cy="762001"/>
           </a:xfrm>
           <a:prstGeom prst="rect">
@@ -9173,8 +6641,8 @@
         </p:nvSpPr>
         <p:spPr>
           <a:xfrm>
-            <a:off x="802257" y="5029198"/>
-            <a:ext cx="10058400" cy="1143000"/>
+            <a:off x="674716" y="3932718"/>
+            <a:ext cx="10058400" cy="2506181"/>
           </a:xfrm>
           <a:prstGeom prst="rect">
             <a:avLst/>
@@ -9182,7 +6650,7 @@
         </p:spPr>
         <p:txBody>
           <a:bodyPr vert="horz" lIns="91440" tIns="45720" rIns="91440" bIns="45720" rtlCol="0">
-            <a:normAutofit fontScale="85000" lnSpcReduction="10000"/>
+            <a:normAutofit/>
           </a:bodyPr>
           <a:lstStyle>
             <a:lvl1pPr marL="0" indent="0" algn="l" defTabSz="914400" rtl="0" eaLnBrk="1" latinLnBrk="0" hangingPunct="1">
@@ -9367,21 +6835,39 @@
             </a:lvl9pPr>
           </a:lstStyle>
           <a:p>
+            <a:pPr marL="342900" indent="-342900">
+              <a:buFont typeface="Arial" panose="020B0604020202020204" pitchFamily="34" charset="0"/>
+              <a:buChar char="•"/>
+            </a:pPr>
             <a:r>
               <a:rPr lang="en-US" dirty="0"/>
               <a:t>Looked at stats that are more position specific.  i.e. Compare all point guards</a:t>
             </a:r>
           </a:p>
           <a:p>
+            <a:pPr marL="342900" indent="-342900">
+              <a:buFont typeface="Arial" panose="020B0604020202020204" pitchFamily="34" charset="0"/>
+              <a:buChar char="•"/>
+            </a:pPr>
             <a:r>
               <a:rPr lang="en-US" dirty="0"/>
-              <a:t>Look at the data year by year instead of having all the years combined.    </a:t>
-            </a:r>
-          </a:p>
-          <a:p>
+              <a:t>Look at the data year by year instead of having all the years combined.  </a:t>
+            </a:r>
+          </a:p>
+          <a:p>
+            <a:pPr marL="342900" indent="-342900">
+              <a:buFont typeface="Arial" panose="020B0604020202020204" pitchFamily="34" charset="0"/>
+              <a:buChar char="•"/>
+            </a:pPr>
             <a:r>
               <a:rPr lang="en-US" dirty="0"/>
-              <a:t>Search for more robust data points.  i.e. Degree program, health, homelife, hobbies, etc.</a:t>
+              <a:t>Mongo Database would be a great hub for the live data!  </a:t>
+            </a:r>
+          </a:p>
+          <a:p>
+            <a:r>
+              <a:rPr lang="en-US" dirty="0"/>
+              <a:t>   </a:t>
             </a:r>
           </a:p>
         </p:txBody>
@@ -9390,1507 +6876,6 @@
     <p:extLst>
       <p:ext uri="{BB962C8B-B14F-4D97-AF65-F5344CB8AC3E}">
         <p14:creationId xmlns:p14="http://schemas.microsoft.com/office/powerpoint/2010/main" val="2993111047"/>
-      </p:ext>
-    </p:extLst>
-  </p:cSld>
-  <p:clrMapOvr>
-    <a:masterClrMapping/>
-  </p:clrMapOvr>
-  <mc:AlternateContent xmlns:mc="http://schemas.openxmlformats.org/markup-compatibility/2006" xmlns:p14="http://schemas.microsoft.com/office/powerpoint/2010/main">
-    <mc:Choice Requires="p14">
-      <p:transition spd="med" p14:dur="700">
-        <p:fade/>
-      </p:transition>
-    </mc:Choice>
-    <mc:Fallback xmlns="">
-      <p:transition spd="med">
-        <p:fade/>
-      </p:transition>
-    </mc:Fallback>
-  </mc:AlternateContent>
-</p:sld>
-</file>
-
-<file path=ppt/slides/slide17.xml><?xml version="1.0" encoding="utf-8"?>
-<p:sld xmlns:a="http://schemas.openxmlformats.org/drawingml/2006/main" xmlns:r="http://schemas.openxmlformats.org/officeDocument/2006/relationships" xmlns:p="http://schemas.openxmlformats.org/presentationml/2006/main">
-  <p:cSld>
-    <p:spTree>
-      <p:nvGrpSpPr>
-        <p:cNvPr id="1" name=""/>
-        <p:cNvGrpSpPr/>
-        <p:nvPr/>
-      </p:nvGrpSpPr>
-      <p:grpSpPr>
-        <a:xfrm>
-          <a:off x="0" y="0"/>
-          <a:ext cx="0" cy="0"/>
-          <a:chOff x="0" y="0"/>
-          <a:chExt cx="0" cy="0"/>
-        </a:xfrm>
-      </p:grpSpPr>
-      <p:sp>
-        <p:nvSpPr>
-          <p:cNvPr id="2" name="Title 1">
-            <a:extLst>
-              <a:ext uri="{FF2B5EF4-FFF2-40B4-BE49-F238E27FC236}">
-                <a16:creationId xmlns:a16="http://schemas.microsoft.com/office/drawing/2014/main" id="{F5850A68-857F-7D7E-FC43-2AE8C5FB0484}"/>
-              </a:ext>
-            </a:extLst>
-          </p:cNvPr>
-          <p:cNvSpPr>
-            <a:spLocks noGrp="1"/>
-          </p:cNvSpPr>
-          <p:nvPr>
-            <p:ph type="title"/>
-          </p:nvPr>
-        </p:nvSpPr>
-        <p:spPr>
-          <a:xfrm>
-            <a:off x="2590800" y="2743199"/>
-            <a:ext cx="6102350" cy="1371601"/>
-          </a:xfrm>
-        </p:spPr>
-        <p:txBody>
-          <a:bodyPr>
-            <a:normAutofit/>
-          </a:bodyPr>
-          <a:lstStyle/>
-          <a:p>
-            <a:r>
-              <a:rPr lang="en-US" sz="8800" dirty="0"/>
-              <a:t>Questions??</a:t>
-            </a:r>
-          </a:p>
-        </p:txBody>
-      </p:sp>
-    </p:spTree>
-    <p:extLst>
-      <p:ext uri="{BB962C8B-B14F-4D97-AF65-F5344CB8AC3E}">
-        <p14:creationId xmlns:p14="http://schemas.microsoft.com/office/powerpoint/2010/main" val="1329346222"/>
-      </p:ext>
-    </p:extLst>
-  </p:cSld>
-  <p:clrMapOvr>
-    <a:masterClrMapping/>
-  </p:clrMapOvr>
-  <mc:AlternateContent xmlns:mc="http://schemas.openxmlformats.org/markup-compatibility/2006" xmlns:p14="http://schemas.microsoft.com/office/powerpoint/2010/main">
-    <mc:Choice Requires="p14">
-      <p:transition spd="med" p14:dur="700">
-        <p:fade/>
-      </p:transition>
-    </mc:Choice>
-    <mc:Fallback xmlns="">
-      <p:transition spd="med">
-        <p:fade/>
-      </p:transition>
-    </mc:Fallback>
-  </mc:AlternateContent>
-</p:sld>
-</file>
-
-<file path=ppt/slides/slide2.xml><?xml version="1.0" encoding="utf-8"?>
-<p:sld xmlns:a="http://schemas.openxmlformats.org/drawingml/2006/main" xmlns:r="http://schemas.openxmlformats.org/officeDocument/2006/relationships" xmlns:p="http://schemas.openxmlformats.org/presentationml/2006/main">
-  <p:cSld>
-    <p:spTree>
-      <p:nvGrpSpPr>
-        <p:cNvPr id="1" name=""/>
-        <p:cNvGrpSpPr/>
-        <p:nvPr/>
-      </p:nvGrpSpPr>
-      <p:grpSpPr>
-        <a:xfrm>
-          <a:off x="0" y="0"/>
-          <a:ext cx="0" cy="0"/>
-          <a:chOff x="0" y="0"/>
-          <a:chExt cx="0" cy="0"/>
-        </a:xfrm>
-      </p:grpSpPr>
-      <p:sp>
-        <p:nvSpPr>
-          <p:cNvPr id="2" name="Title 1"/>
-          <p:cNvSpPr>
-            <a:spLocks noGrp="1"/>
-          </p:cNvSpPr>
-          <p:nvPr>
-            <p:ph type="title"/>
-          </p:nvPr>
-        </p:nvSpPr>
-        <p:spPr/>
-        <p:txBody>
-          <a:bodyPr/>
-          <a:lstStyle/>
-          <a:p>
-            <a:r>
-              <a:rPr lang="en-US" dirty="0"/>
-              <a:t>Cleaning the Data</a:t>
-            </a:r>
-          </a:p>
-        </p:txBody>
-      </p:sp>
-      <p:pic>
-        <p:nvPicPr>
-          <p:cNvPr id="5" name="Picture Placeholder 4" descr="Basketball players raising hands together"/>
-          <p:cNvPicPr>
-            <a:picLocks noGrp="1" noChangeAspect="1"/>
-          </p:cNvPicPr>
-          <p:nvPr>
-            <p:ph type="pic" idx="1"/>
-          </p:nvPr>
-        </p:nvPicPr>
-        <p:blipFill rotWithShape="1">
-          <a:blip r:embed="rId2" cstate="print">
-            <a:extLst>
-              <a:ext uri="{28A0092B-C50C-407E-A947-70E740481C1C}">
-                <a14:useLocalDpi xmlns:a14="http://schemas.microsoft.com/office/drawing/2010/main" val="0"/>
-              </a:ext>
-            </a:extLst>
-          </a:blip>
-          <a:srcRect/>
-          <a:stretch/>
-        </p:blipFill>
-        <p:spPr/>
-      </p:pic>
-      <p:sp>
-        <p:nvSpPr>
-          <p:cNvPr id="6" name="Rounded Rectangle 5" hidden="1"/>
-          <p:cNvSpPr/>
-          <p:nvPr/>
-        </p:nvSpPr>
-        <p:spPr>
-          <a:xfrm>
-            <a:off x="12344400" y="152400"/>
-            <a:ext cx="1295400" cy="6553200"/>
-          </a:xfrm>
-          <a:prstGeom prst="roundRect">
-            <a:avLst>
-              <a:gd name="adj" fmla="val 9717"/>
-            </a:avLst>
-          </a:prstGeom>
-          <a:solidFill>
-            <a:srgbClr val="A6A6A6"/>
-          </a:solidFill>
-          <a:ln>
-            <a:noFill/>
-          </a:ln>
-        </p:spPr>
-        <p:style>
-          <a:lnRef idx="2">
-            <a:schemeClr val="accent1">
-              <a:shade val="50000"/>
-            </a:schemeClr>
-          </a:lnRef>
-          <a:fillRef idx="1">
-            <a:schemeClr val="accent1"/>
-          </a:fillRef>
-          <a:effectRef idx="0">
-            <a:schemeClr val="accent1"/>
-          </a:effectRef>
-          <a:fontRef idx="minor">
-            <a:schemeClr val="lt1"/>
-          </a:fontRef>
-        </p:style>
-        <p:txBody>
-          <a:bodyPr rot="0" spcFirstLastPara="0" vertOverflow="overflow" horzOverflow="overflow" vert="horz" wrap="square" lIns="91440" tIns="45720" rIns="91440" bIns="45720" numCol="1" spcCol="0" rtlCol="0" fromWordArt="0" anchor="t" anchorCtr="0" forceAA="0" compatLnSpc="1">
-            <a:prstTxWarp prst="textNoShape">
-              <a:avLst/>
-            </a:prstTxWarp>
-            <a:noAutofit/>
-          </a:bodyPr>
-          <a:lstStyle/>
-          <a:p>
-            <a:r>
-              <a:rPr lang="en-US" sz="1200" b="1" i="1" dirty="0">
-                <a:latin typeface="Arial" pitchFamily="34" charset="0"/>
-                <a:cs typeface="Arial" pitchFamily="34" charset="0"/>
-              </a:rPr>
-              <a:t>NOTE:</a:t>
-            </a:r>
-          </a:p>
-          <a:p>
-            <a:r>
-              <a:rPr lang="en-US" sz="1200" i="1" dirty="0">
-                <a:latin typeface="Arial" pitchFamily="34" charset="0"/>
-                <a:cs typeface="Arial" pitchFamily="34" charset="0"/>
-              </a:rPr>
-              <a:t>To change images on this slide, select a picture and delete it. Then click the Insert Picture icon</a:t>
-            </a:r>
-          </a:p>
-          <a:p>
-            <a:r>
-              <a:rPr lang="en-US" sz="1200" i="1" dirty="0">
-                <a:latin typeface="Arial" pitchFamily="34" charset="0"/>
-                <a:cs typeface="Arial" pitchFamily="34" charset="0"/>
-              </a:rPr>
-              <a:t>in the placeholder to insert your own image.</a:t>
-            </a:r>
-          </a:p>
-        </p:txBody>
-      </p:sp>
-      <p:sp>
-        <p:nvSpPr>
-          <p:cNvPr id="7" name="Text Placeholder 6">
-            <a:extLst>
-              <a:ext uri="{FF2B5EF4-FFF2-40B4-BE49-F238E27FC236}">
-                <a16:creationId xmlns:a16="http://schemas.microsoft.com/office/drawing/2014/main" id="{1BA05E9A-2D24-1A51-FFE4-E1576CC56535}"/>
-              </a:ext>
-            </a:extLst>
-          </p:cNvPr>
-          <p:cNvSpPr>
-            <a:spLocks noGrp="1"/>
-          </p:cNvSpPr>
-          <p:nvPr>
-            <p:ph type="body" sz="half" idx="2"/>
-          </p:nvPr>
-        </p:nvSpPr>
-        <p:spPr/>
-        <p:txBody>
-          <a:bodyPr/>
-          <a:lstStyle/>
-          <a:p>
-            <a:endParaRPr lang="en-US"/>
-          </a:p>
-        </p:txBody>
-      </p:sp>
-    </p:spTree>
-    <p:extLst>
-      <p:ext uri="{BB962C8B-B14F-4D97-AF65-F5344CB8AC3E}">
-        <p14:creationId xmlns:p14="http://schemas.microsoft.com/office/powerpoint/2010/main" val="3053388791"/>
-      </p:ext>
-    </p:extLst>
-  </p:cSld>
-  <p:clrMapOvr>
-    <a:masterClrMapping/>
-  </p:clrMapOvr>
-  <mc:AlternateContent xmlns:mc="http://schemas.openxmlformats.org/markup-compatibility/2006" xmlns:p14="http://schemas.microsoft.com/office/powerpoint/2010/main">
-    <mc:Choice Requires="p14">
-      <p:transition spd="med" p14:dur="700">
-        <p:fade/>
-      </p:transition>
-    </mc:Choice>
-    <mc:Fallback xmlns="">
-      <p:transition spd="med">
-        <p:fade/>
-      </p:transition>
-    </mc:Fallback>
-  </mc:AlternateContent>
-</p:sld>
-</file>
-
-<file path=ppt/slides/slide3.xml><?xml version="1.0" encoding="utf-8"?>
-<p:sld xmlns:a="http://schemas.openxmlformats.org/drawingml/2006/main" xmlns:r="http://schemas.openxmlformats.org/officeDocument/2006/relationships" xmlns:p="http://schemas.openxmlformats.org/presentationml/2006/main">
-  <p:cSld>
-    <p:spTree>
-      <p:nvGrpSpPr>
-        <p:cNvPr id="1" name=""/>
-        <p:cNvGrpSpPr/>
-        <p:nvPr/>
-      </p:nvGrpSpPr>
-      <p:grpSpPr>
-        <a:xfrm>
-          <a:off x="0" y="0"/>
-          <a:ext cx="0" cy="0"/>
-          <a:chOff x="0" y="0"/>
-          <a:chExt cx="0" cy="0"/>
-        </a:xfrm>
-      </p:grpSpPr>
-      <p:sp>
-        <p:nvSpPr>
-          <p:cNvPr id="2" name="Title 1"/>
-          <p:cNvSpPr>
-            <a:spLocks noGrp="1"/>
-          </p:cNvSpPr>
-          <p:nvPr>
-            <p:ph type="title"/>
-          </p:nvPr>
-        </p:nvSpPr>
-        <p:spPr/>
-        <p:txBody>
-          <a:bodyPr/>
-          <a:lstStyle/>
-          <a:p>
-            <a:r>
-              <a:rPr lang="en-US" dirty="0"/>
-              <a:t>Cleaning the Data</a:t>
-            </a:r>
-          </a:p>
-        </p:txBody>
-      </p:sp>
-      <p:sp>
-        <p:nvSpPr>
-          <p:cNvPr id="6" name="Content Placeholder 2">
-            <a:extLst>
-              <a:ext uri="{FF2B5EF4-FFF2-40B4-BE49-F238E27FC236}">
-                <a16:creationId xmlns:a16="http://schemas.microsoft.com/office/drawing/2014/main" id="{88403B43-903E-3987-04B7-D921DE0CBAB5}"/>
-              </a:ext>
-            </a:extLst>
-          </p:cNvPr>
-          <p:cNvSpPr>
-            <a:spLocks noGrp="1"/>
-          </p:cNvSpPr>
-          <p:nvPr>
-            <p:ph idx="1"/>
-          </p:nvPr>
-        </p:nvSpPr>
-        <p:spPr>
-          <a:xfrm>
-            <a:off x="1066800" y="1676400"/>
-            <a:ext cx="10058400" cy="4343400"/>
-          </a:xfrm>
-        </p:spPr>
-        <p:txBody>
-          <a:bodyPr/>
-          <a:lstStyle/>
-          <a:p>
-            <a:r>
-              <a:rPr lang="en-US" sz="1600" dirty="0">
-                <a:hlinkClick r:id="rId2"/>
-              </a:rPr>
-              <a:t>Kaggle </a:t>
-            </a:r>
-            <a:r>
-              <a:rPr lang="en-US" sz="1600" dirty="0" err="1">
-                <a:hlinkClick r:id="rId2"/>
-              </a:rPr>
-              <a:t>Datasource</a:t>
-            </a:r>
-            <a:endParaRPr lang="en-US" sz="1600" dirty="0"/>
-          </a:p>
-          <a:p>
-            <a:r>
-              <a:rPr lang="en-US" sz="1600" dirty="0"/>
-              <a:t>Dropped several stats that were just provided for drafted players – a clear indicator between drafted and undrafted which would’ve led to overfitting</a:t>
-            </a:r>
-          </a:p>
-          <a:p>
-            <a:r>
-              <a:rPr lang="en-US" sz="1600" dirty="0"/>
-              <a:t>Dropped columns that had more </a:t>
-            </a:r>
-            <a:r>
-              <a:rPr lang="en-US" sz="1600"/>
-              <a:t>than 1K </a:t>
-            </a:r>
-            <a:r>
-              <a:rPr lang="en-US" sz="1600" dirty="0"/>
-              <a:t>nulls</a:t>
-            </a:r>
-          </a:p>
-          <a:p>
-            <a:r>
-              <a:rPr lang="en-US" sz="1600" dirty="0"/>
-              <a:t>Height column was in date format – transformed to total inches</a:t>
-            </a:r>
-          </a:p>
-          <a:p>
-            <a:r>
-              <a:rPr lang="en-US" sz="1600" dirty="0"/>
-              <a:t>Grouped by player ID (</a:t>
-            </a:r>
-            <a:r>
-              <a:rPr lang="en-US" sz="1600" dirty="0" err="1"/>
-              <a:t>pid</a:t>
-            </a:r>
-            <a:r>
-              <a:rPr lang="en-US" sz="1600" dirty="0"/>
-              <a:t>) unique identifier</a:t>
-            </a:r>
-            <a:endParaRPr lang="en-US" sz="1600" dirty="0">
-              <a:hlinkClick r:id="rId3"/>
-            </a:endParaRPr>
-          </a:p>
-          <a:p>
-            <a:r>
-              <a:rPr lang="en-US" sz="1600" dirty="0" err="1">
-                <a:hlinkClick r:id="rId3"/>
-              </a:rPr>
-              <a:t>Jupyter</a:t>
-            </a:r>
-            <a:r>
-              <a:rPr lang="en-US" sz="1600" dirty="0">
-                <a:hlinkClick r:id="rId3"/>
-              </a:rPr>
-              <a:t> Notebook File</a:t>
-            </a:r>
-            <a:endParaRPr lang="en-US" sz="1600" dirty="0"/>
-          </a:p>
-          <a:p>
-            <a:r>
-              <a:rPr lang="en-US" sz="1600" dirty="0"/>
-              <a:t>Prior to feeding model data:</a:t>
-            </a:r>
-          </a:p>
-          <a:p>
-            <a:pPr lvl="1"/>
-            <a:r>
-              <a:rPr lang="en-US" sz="1200" dirty="0"/>
-              <a:t>Identified and filtered to conferences that had drafted and undrafted players</a:t>
-            </a:r>
-          </a:p>
-          <a:p>
-            <a:pPr lvl="1"/>
-            <a:r>
-              <a:rPr lang="en-US" sz="1200" dirty="0"/>
-              <a:t>Filtered out players that played less than 8 games per year and averaged 7.5 mins per game.</a:t>
-            </a:r>
-          </a:p>
-        </p:txBody>
-      </p:sp>
-    </p:spTree>
-    <p:extLst>
-      <p:ext uri="{BB962C8B-B14F-4D97-AF65-F5344CB8AC3E}">
-        <p14:creationId xmlns:p14="http://schemas.microsoft.com/office/powerpoint/2010/main" val="2905083717"/>
-      </p:ext>
-    </p:extLst>
-  </p:cSld>
-  <p:clrMapOvr>
-    <a:masterClrMapping/>
-  </p:clrMapOvr>
-  <mc:AlternateContent xmlns:mc="http://schemas.openxmlformats.org/markup-compatibility/2006" xmlns:p14="http://schemas.microsoft.com/office/powerpoint/2010/main">
-    <mc:Choice Requires="p14">
-      <p:transition spd="med" p14:dur="700">
-        <p:fade/>
-      </p:transition>
-    </mc:Choice>
-    <mc:Fallback xmlns="">
-      <p:transition spd="med">
-        <p:fade/>
-      </p:transition>
-    </mc:Fallback>
-  </mc:AlternateContent>
-</p:sld>
-</file>
-
-<file path=ppt/slides/slide4.xml><?xml version="1.0" encoding="utf-8"?>
-<p:sld xmlns:a="http://schemas.openxmlformats.org/drawingml/2006/main" xmlns:r="http://schemas.openxmlformats.org/officeDocument/2006/relationships" xmlns:p="http://schemas.openxmlformats.org/presentationml/2006/main">
-  <p:cSld>
-    <p:spTree>
-      <p:nvGrpSpPr>
-        <p:cNvPr id="1" name=""/>
-        <p:cNvGrpSpPr/>
-        <p:nvPr/>
-      </p:nvGrpSpPr>
-      <p:grpSpPr>
-        <a:xfrm>
-          <a:off x="0" y="0"/>
-          <a:ext cx="0" cy="0"/>
-          <a:chOff x="0" y="0"/>
-          <a:chExt cx="0" cy="0"/>
-        </a:xfrm>
-      </p:grpSpPr>
-      <p:graphicFrame>
-        <p:nvGraphicFramePr>
-          <p:cNvPr id="10" name="Content Placeholder 9" descr="Clustered column chart showing the values of 3 series for 4 categories"/>
-          <p:cNvGraphicFramePr>
-            <a:graphicFrameLocks noGrp="1"/>
-          </p:cNvGraphicFramePr>
-          <p:nvPr>
-            <p:ph idx="1"/>
-            <p:extLst>
-              <p:ext uri="{D42A27DB-BD31-4B8C-83A1-F6EECF244321}">
-                <p14:modId xmlns:p14="http://schemas.microsoft.com/office/powerpoint/2010/main" val="2281812233"/>
-              </p:ext>
-            </p:extLst>
-          </p:nvPr>
-        </p:nvGraphicFramePr>
-        <p:xfrm>
-          <a:off x="609600" y="838200"/>
-          <a:ext cx="6172200" cy="5181600"/>
-        </p:xfrm>
-        <a:graphic>
-          <a:graphicData uri="http://schemas.openxmlformats.org/drawingml/2006/chart">
-            <c:chart xmlns:c="http://schemas.openxmlformats.org/drawingml/2006/chart" xmlns:r="http://schemas.openxmlformats.org/officeDocument/2006/relationships" r:id="rId2"/>
-          </a:graphicData>
-        </a:graphic>
-      </p:graphicFrame>
-      <p:sp>
-        <p:nvSpPr>
-          <p:cNvPr id="8" name="TextBox 7">
-            <a:extLst>
-              <a:ext uri="{FF2B5EF4-FFF2-40B4-BE49-F238E27FC236}">
-                <a16:creationId xmlns:a16="http://schemas.microsoft.com/office/drawing/2014/main" id="{07999E0F-1AB2-5ACE-0561-A35B9E61A813}"/>
-              </a:ext>
-            </a:extLst>
-          </p:cNvPr>
-          <p:cNvSpPr txBox="1"/>
-          <p:nvPr/>
-        </p:nvSpPr>
-        <p:spPr>
-          <a:xfrm>
-            <a:off x="7543800" y="1450848"/>
-            <a:ext cx="4495800" cy="4801314"/>
-          </a:xfrm>
-          <a:prstGeom prst="rect">
-            <a:avLst/>
-          </a:prstGeom>
-          <a:noFill/>
-        </p:spPr>
-        <p:txBody>
-          <a:bodyPr wrap="square" rtlCol="0">
-            <a:spAutoFit/>
-          </a:bodyPr>
-          <a:lstStyle/>
-          <a:p>
-            <a:pPr rtl="0" fontAlgn="base">
-              <a:spcBef>
-                <a:spcPts val="0"/>
-              </a:spcBef>
-              <a:spcAft>
-                <a:spcPts val="0"/>
-              </a:spcAft>
-              <a:buFont typeface="Arial" panose="020B0604020202020204" pitchFamily="34" charset="0"/>
-              <a:buChar char="•"/>
-            </a:pPr>
-            <a:r>
-              <a:rPr lang="en-US" sz="1800" b="1" i="0" u="none" strike="noStrike" dirty="0">
-                <a:effectLst/>
-                <a:latin typeface="Arial" panose="020B0604020202020204" pitchFamily="34" charset="0"/>
-              </a:rPr>
-              <a:t> Kentucky tends to have the most drafted players in the data we found. And the School with the second most drafted players was Duke which had 14 fewer players drafted than Kentucky. </a:t>
-            </a:r>
-          </a:p>
-          <a:p>
-            <a:pPr rtl="0" fontAlgn="base">
-              <a:spcBef>
-                <a:spcPts val="0"/>
-              </a:spcBef>
-              <a:spcAft>
-                <a:spcPts val="0"/>
-              </a:spcAft>
-            </a:pPr>
-            <a:endParaRPr lang="en-US" sz="1800" b="1" i="0" u="none" strike="noStrike" dirty="0">
-              <a:effectLst/>
-              <a:latin typeface="Arial" panose="020B0604020202020204" pitchFamily="34" charset="0"/>
-            </a:endParaRPr>
-          </a:p>
-          <a:p>
-            <a:pPr rtl="0" fontAlgn="base">
-              <a:spcBef>
-                <a:spcPts val="0"/>
-              </a:spcBef>
-              <a:spcAft>
-                <a:spcPts val="0"/>
-              </a:spcAft>
-              <a:buFont typeface="Arial" panose="020B0604020202020204" pitchFamily="34" charset="0"/>
-              <a:buChar char="•"/>
-            </a:pPr>
-            <a:r>
-              <a:rPr lang="en-US" sz="1800" b="1" i="0" u="none" strike="noStrike" dirty="0">
-                <a:effectLst/>
-                <a:latin typeface="Arial" panose="020B0604020202020204" pitchFamily="34" charset="0"/>
-              </a:rPr>
-              <a:t> Drafted players' heights typically are between six feet to seven feet (No surprise there). And sorry no one under five feet five inches was drafted. </a:t>
-            </a:r>
-          </a:p>
-          <a:p>
-            <a:pPr rtl="0" fontAlgn="base">
-              <a:spcBef>
-                <a:spcPts val="0"/>
-              </a:spcBef>
-              <a:spcAft>
-                <a:spcPts val="0"/>
-              </a:spcAft>
-            </a:pPr>
-            <a:endParaRPr lang="en-US" sz="1800" b="1" i="0" u="none" strike="noStrike" dirty="0">
-              <a:effectLst/>
-              <a:latin typeface="Arial" panose="020B0604020202020204" pitchFamily="34" charset="0"/>
-            </a:endParaRPr>
-          </a:p>
-          <a:p>
-            <a:pPr rtl="0" fontAlgn="base">
-              <a:spcBef>
-                <a:spcPts val="0"/>
-              </a:spcBef>
-              <a:spcAft>
-                <a:spcPts val="0"/>
-              </a:spcAft>
-              <a:buFont typeface="Arial" panose="020B0604020202020204" pitchFamily="34" charset="0"/>
-              <a:buChar char="•"/>
-            </a:pPr>
-            <a:r>
-              <a:rPr lang="en-US" sz="1800" b="1" i="0" u="none" strike="noStrike" dirty="0">
-                <a:effectLst/>
-                <a:latin typeface="Arial" panose="020B0604020202020204" pitchFamily="34" charset="0"/>
-              </a:rPr>
-              <a:t> Conferences with the schools associated as “Blue Bloods Schools” (Kentucky, Duke, North Carolina, Kansas, and UCLA) tends to have more drafted players than any other Conferences. </a:t>
-            </a:r>
-          </a:p>
-        </p:txBody>
-      </p:sp>
-      <p:sp>
-        <p:nvSpPr>
-          <p:cNvPr id="9" name="Title 7">
-            <a:extLst>
-              <a:ext uri="{FF2B5EF4-FFF2-40B4-BE49-F238E27FC236}">
-                <a16:creationId xmlns:a16="http://schemas.microsoft.com/office/drawing/2014/main" id="{61AD1C25-3ED0-14A6-05CA-F125827E6772}"/>
-              </a:ext>
-            </a:extLst>
-          </p:cNvPr>
-          <p:cNvSpPr>
-            <a:spLocks noGrp="1"/>
-          </p:cNvSpPr>
-          <p:nvPr>
-            <p:ph type="title"/>
-          </p:nvPr>
-        </p:nvSpPr>
-        <p:spPr>
-          <a:xfrm>
-            <a:off x="7772400" y="152400"/>
-            <a:ext cx="3886200" cy="1146048"/>
-          </a:xfrm>
-        </p:spPr>
-        <p:txBody>
-          <a:bodyPr>
-            <a:noAutofit/>
-          </a:bodyPr>
-          <a:lstStyle/>
-          <a:p>
-            <a:pPr rtl="0">
-              <a:spcBef>
-                <a:spcPts val="0"/>
-              </a:spcBef>
-              <a:spcAft>
-                <a:spcPts val="0"/>
-              </a:spcAft>
-            </a:pPr>
-            <a:r>
-              <a:rPr lang="en-US" sz="2400" i="0" u="none" strike="noStrike" dirty="0">
-                <a:solidFill>
-                  <a:srgbClr val="FFFFFF"/>
-                </a:solidFill>
-                <a:effectLst/>
-                <a:latin typeface="Impact" panose="020B0806030902050204" pitchFamily="34" charset="0"/>
-              </a:rPr>
-              <a:t>The possibility of being drafted using stats on School, height, and Conference.  </a:t>
-            </a:r>
-            <a:endParaRPr lang="en-US" sz="2400" dirty="0"/>
-          </a:p>
-        </p:txBody>
-      </p:sp>
-      <p:pic>
-        <p:nvPicPr>
-          <p:cNvPr id="11" name="Picture 2">
-            <a:extLst>
-              <a:ext uri="{FF2B5EF4-FFF2-40B4-BE49-F238E27FC236}">
-                <a16:creationId xmlns:a16="http://schemas.microsoft.com/office/drawing/2014/main" id="{3EDF2856-0DD7-635D-82BC-1D725F19D988}"/>
-              </a:ext>
-            </a:extLst>
-          </p:cNvPr>
-          <p:cNvPicPr>
-            <a:picLocks noChangeAspect="1" noChangeArrowheads="1"/>
-          </p:cNvPicPr>
-          <p:nvPr/>
-        </p:nvPicPr>
-        <p:blipFill>
-          <a:blip r:embed="rId3">
-            <a:extLst>
-              <a:ext uri="{28A0092B-C50C-407E-A947-70E740481C1C}">
-                <a14:useLocalDpi xmlns:a14="http://schemas.microsoft.com/office/drawing/2010/main" val="0"/>
-              </a:ext>
-            </a:extLst>
-          </a:blip>
-          <a:srcRect/>
-          <a:stretch>
-            <a:fillRect/>
-          </a:stretch>
-        </p:blipFill>
-        <p:spPr bwMode="auto">
-          <a:xfrm>
-            <a:off x="27433" y="304800"/>
-            <a:ext cx="7416873" cy="5638799"/>
-          </a:xfrm>
-          <a:prstGeom prst="rect">
-            <a:avLst/>
-          </a:prstGeom>
-          <a:noFill/>
-          <a:extLst>
-            <a:ext uri="{909E8E84-426E-40DD-AFC4-6F175D3DCCD1}">
-              <a14:hiddenFill xmlns:a14="http://schemas.microsoft.com/office/drawing/2010/main">
-                <a:solidFill>
-                  <a:srgbClr val="FFFFFF"/>
-                </a:solidFill>
-              </a14:hiddenFill>
-            </a:ext>
-          </a:extLst>
-        </p:spPr>
-      </p:pic>
-    </p:spTree>
-    <p:extLst>
-      <p:ext uri="{BB962C8B-B14F-4D97-AF65-F5344CB8AC3E}">
-        <p14:creationId xmlns:p14="http://schemas.microsoft.com/office/powerpoint/2010/main" val="1949577601"/>
-      </p:ext>
-    </p:extLst>
-  </p:cSld>
-  <p:clrMapOvr>
-    <a:masterClrMapping/>
-  </p:clrMapOvr>
-  <mc:AlternateContent xmlns:mc="http://schemas.openxmlformats.org/markup-compatibility/2006" xmlns:p14="http://schemas.microsoft.com/office/powerpoint/2010/main">
-    <mc:Choice Requires="p14">
-      <p:transition spd="med" p14:dur="700">
-        <p:fade/>
-      </p:transition>
-    </mc:Choice>
-    <mc:Fallback xmlns="">
-      <p:transition spd="med">
-        <p:fade/>
-      </p:transition>
-    </mc:Fallback>
-  </mc:AlternateContent>
-</p:sld>
-</file>
-
-<file path=ppt/slides/slide5.xml><?xml version="1.0" encoding="utf-8"?>
-<p:sld xmlns:a="http://schemas.openxmlformats.org/drawingml/2006/main" xmlns:r="http://schemas.openxmlformats.org/officeDocument/2006/relationships" xmlns:p="http://schemas.openxmlformats.org/presentationml/2006/main">
-  <p:cSld>
-    <p:spTree>
-      <p:nvGrpSpPr>
-        <p:cNvPr id="1" name=""/>
-        <p:cNvGrpSpPr/>
-        <p:nvPr/>
-      </p:nvGrpSpPr>
-      <p:grpSpPr>
-        <a:xfrm>
-          <a:off x="0" y="0"/>
-          <a:ext cx="0" cy="0"/>
-          <a:chOff x="0" y="0"/>
-          <a:chExt cx="0" cy="0"/>
-        </a:xfrm>
-      </p:grpSpPr>
-      <p:graphicFrame>
-        <p:nvGraphicFramePr>
-          <p:cNvPr id="10" name="Content Placeholder 9" descr="Clustered column chart showing the values of 3 series for 4 categories"/>
-          <p:cNvGraphicFramePr>
-            <a:graphicFrameLocks noGrp="1"/>
-          </p:cNvGraphicFramePr>
-          <p:nvPr>
-            <p:ph idx="1"/>
-            <p:extLst>
-              <p:ext uri="{D42A27DB-BD31-4B8C-83A1-F6EECF244321}">
-                <p14:modId xmlns:p14="http://schemas.microsoft.com/office/powerpoint/2010/main" val="1780112975"/>
-              </p:ext>
-            </p:extLst>
-          </p:nvPr>
-        </p:nvGraphicFramePr>
-        <p:xfrm>
-          <a:off x="228600" y="838200"/>
-          <a:ext cx="7086600" cy="5105400"/>
-        </p:xfrm>
-        <a:graphic>
-          <a:graphicData uri="http://schemas.openxmlformats.org/drawingml/2006/chart">
-            <c:chart xmlns:c="http://schemas.openxmlformats.org/drawingml/2006/chart" xmlns:r="http://schemas.openxmlformats.org/officeDocument/2006/relationships" r:id="rId2"/>
-          </a:graphicData>
-        </a:graphic>
-      </p:graphicFrame>
-      <p:sp>
-        <p:nvSpPr>
-          <p:cNvPr id="5" name="TextBox 4">
-            <a:extLst>
-              <a:ext uri="{FF2B5EF4-FFF2-40B4-BE49-F238E27FC236}">
-                <a16:creationId xmlns:a16="http://schemas.microsoft.com/office/drawing/2014/main" id="{9B32831C-2658-1233-6C4A-5DC2FCBBDCBF}"/>
-              </a:ext>
-            </a:extLst>
-          </p:cNvPr>
-          <p:cNvSpPr txBox="1"/>
-          <p:nvPr/>
-        </p:nvSpPr>
-        <p:spPr>
-          <a:xfrm>
-            <a:off x="7620000" y="1048512"/>
-            <a:ext cx="3837432" cy="5909310"/>
-          </a:xfrm>
-          <a:prstGeom prst="rect">
-            <a:avLst/>
-          </a:prstGeom>
-          <a:noFill/>
-        </p:spPr>
-        <p:txBody>
-          <a:bodyPr wrap="square" rtlCol="0">
-            <a:spAutoFit/>
-          </a:bodyPr>
-          <a:lstStyle/>
-          <a:p>
-            <a:pPr rtl="0" fontAlgn="base">
-              <a:spcBef>
-                <a:spcPts val="0"/>
-              </a:spcBef>
-              <a:spcAft>
-                <a:spcPts val="0"/>
-              </a:spcAft>
-              <a:buFont typeface="Arial" panose="020B0604020202020204" pitchFamily="34" charset="0"/>
-              <a:buChar char="•"/>
-            </a:pPr>
-            <a:r>
-              <a:rPr lang="en-US" sz="1800" b="0" i="0" u="none" strike="noStrike" dirty="0">
-                <a:effectLst/>
-                <a:latin typeface="Arial" panose="020B0604020202020204" pitchFamily="34" charset="0"/>
-              </a:rPr>
-              <a:t>Although Schools and Conferences do help in determining whether a player gets drafted. Of the 640 players, the chart shows the spread across all conferences. </a:t>
-            </a:r>
-          </a:p>
-          <a:p>
-            <a:pPr rtl="0" fontAlgn="base">
-              <a:spcBef>
-                <a:spcPts val="0"/>
-              </a:spcBef>
-              <a:spcAft>
-                <a:spcPts val="0"/>
-              </a:spcAft>
-            </a:pPr>
-            <a:endParaRPr lang="en-US" sz="1800" b="0" i="0" u="none" strike="noStrike" dirty="0">
-              <a:effectLst/>
-              <a:latin typeface="Arial" panose="020B0604020202020204" pitchFamily="34" charset="0"/>
-            </a:endParaRPr>
-          </a:p>
-          <a:p>
-            <a:pPr rtl="0" fontAlgn="base">
-              <a:spcBef>
-                <a:spcPts val="0"/>
-              </a:spcBef>
-              <a:spcAft>
-                <a:spcPts val="0"/>
-              </a:spcAft>
-              <a:buFont typeface="Arial" panose="020B0604020202020204" pitchFamily="34" charset="0"/>
-              <a:buChar char="•"/>
-            </a:pPr>
-            <a:r>
-              <a:rPr lang="en-US" sz="1800" b="0" i="0" u="none" strike="noStrike" dirty="0">
-                <a:effectLst/>
-                <a:latin typeface="Arial" panose="020B0604020202020204" pitchFamily="34" charset="0"/>
-              </a:rPr>
-              <a:t>The position a player was in college did not contribute to a player being drafted.</a:t>
-            </a:r>
-          </a:p>
-          <a:p>
-            <a:pPr rtl="0" fontAlgn="base">
-              <a:spcBef>
-                <a:spcPts val="0"/>
-              </a:spcBef>
-              <a:spcAft>
-                <a:spcPts val="0"/>
-              </a:spcAft>
-              <a:buFont typeface="Arial" panose="020B0604020202020204" pitchFamily="34" charset="0"/>
-              <a:buChar char="•"/>
-            </a:pPr>
-            <a:endParaRPr lang="en-US" sz="1800" b="0" i="0" u="none" strike="noStrike" dirty="0">
-              <a:effectLst/>
-              <a:latin typeface="Arial" panose="020B0604020202020204" pitchFamily="34" charset="0"/>
-            </a:endParaRPr>
-          </a:p>
-          <a:p>
-            <a:pPr rtl="0" fontAlgn="base">
-              <a:spcBef>
-                <a:spcPts val="0"/>
-              </a:spcBef>
-              <a:spcAft>
-                <a:spcPts val="0"/>
-              </a:spcAft>
-              <a:buFont typeface="Arial" panose="020B0604020202020204" pitchFamily="34" charset="0"/>
-              <a:buChar char="•"/>
-            </a:pPr>
-            <a:r>
-              <a:rPr lang="en-US" sz="1800" b="0" i="0" u="none" strike="noStrike" dirty="0">
-                <a:effectLst/>
-                <a:latin typeface="Arial" panose="020B0604020202020204" pitchFamily="34" charset="0"/>
-              </a:rPr>
-              <a:t> The last year they played in college before being drafted did not contribute to a player being selected.</a:t>
-            </a:r>
-          </a:p>
-          <a:p>
-            <a:pPr rtl="0" fontAlgn="base">
-              <a:spcBef>
-                <a:spcPts val="0"/>
-              </a:spcBef>
-              <a:spcAft>
-                <a:spcPts val="0"/>
-              </a:spcAft>
-            </a:pPr>
-            <a:endParaRPr lang="en-US" sz="1800" b="0" i="0" u="none" strike="noStrike" dirty="0">
-              <a:effectLst/>
-              <a:latin typeface="Arial" panose="020B0604020202020204" pitchFamily="34" charset="0"/>
-            </a:endParaRPr>
-          </a:p>
-          <a:p>
-            <a:pPr rtl="0" fontAlgn="base">
-              <a:spcBef>
-                <a:spcPts val="0"/>
-              </a:spcBef>
-              <a:spcAft>
-                <a:spcPts val="0"/>
-              </a:spcAft>
-              <a:buFont typeface="Arial" panose="020B0604020202020204" pitchFamily="34" charset="0"/>
-              <a:buChar char="•"/>
-            </a:pPr>
-            <a:r>
-              <a:rPr lang="en-US" sz="1800" b="0" i="0" u="none" strike="noStrike" dirty="0">
-                <a:effectLst/>
-                <a:latin typeface="Arial" panose="020B0604020202020204" pitchFamily="34" charset="0"/>
-              </a:rPr>
-              <a:t>As for stats that most fans associate with basketball: points scored, assists, and rebounds. There </a:t>
-            </a:r>
-            <a:r>
-              <a:rPr lang="en-US" dirty="0">
-                <a:latin typeface="Arial" panose="020B0604020202020204" pitchFamily="34" charset="0"/>
-              </a:rPr>
-              <a:t>was a slight </a:t>
-            </a:r>
-            <a:r>
-              <a:rPr lang="en-US" sz="1800" b="0" i="0" u="none" strike="noStrike" dirty="0">
-                <a:effectLst/>
-                <a:latin typeface="Arial" panose="020B0604020202020204" pitchFamily="34" charset="0"/>
-              </a:rPr>
-              <a:t>difference in the average between undrafted and drafted players.  </a:t>
-            </a:r>
-          </a:p>
-        </p:txBody>
-      </p:sp>
-      <p:sp>
-        <p:nvSpPr>
-          <p:cNvPr id="6" name="Title 1">
-            <a:extLst>
-              <a:ext uri="{FF2B5EF4-FFF2-40B4-BE49-F238E27FC236}">
-                <a16:creationId xmlns:a16="http://schemas.microsoft.com/office/drawing/2014/main" id="{A8C9F0B0-14B7-BF12-1FA0-517DB545A3BF}"/>
-              </a:ext>
-            </a:extLst>
-          </p:cNvPr>
-          <p:cNvSpPr>
-            <a:spLocks noGrp="1"/>
-          </p:cNvSpPr>
-          <p:nvPr>
-            <p:ph type="title"/>
-          </p:nvPr>
-        </p:nvSpPr>
-        <p:spPr>
-          <a:xfrm>
-            <a:off x="7620000" y="-685800"/>
-            <a:ext cx="4474464" cy="1752600"/>
-          </a:xfrm>
-        </p:spPr>
-        <p:txBody>
-          <a:bodyPr>
-            <a:normAutofit/>
-          </a:bodyPr>
-          <a:lstStyle/>
-          <a:p>
-            <a:r>
-              <a:rPr lang="en-US" sz="2400" dirty="0"/>
-              <a:t>Stats that did not help to determine if a player will be drafted</a:t>
-            </a:r>
-          </a:p>
-        </p:txBody>
-      </p:sp>
-    </p:spTree>
-    <p:extLst>
-      <p:ext uri="{BB962C8B-B14F-4D97-AF65-F5344CB8AC3E}">
-        <p14:creationId xmlns:p14="http://schemas.microsoft.com/office/powerpoint/2010/main" val="1382594025"/>
-      </p:ext>
-    </p:extLst>
-  </p:cSld>
-  <p:clrMapOvr>
-    <a:masterClrMapping/>
-  </p:clrMapOvr>
-  <mc:AlternateContent xmlns:mc="http://schemas.openxmlformats.org/markup-compatibility/2006" xmlns:p14="http://schemas.microsoft.com/office/powerpoint/2010/main">
-    <mc:Choice Requires="p14">
-      <p:transition spd="med" p14:dur="700">
-        <p:fade/>
-      </p:transition>
-    </mc:Choice>
-    <mc:Fallback xmlns="">
-      <p:transition spd="med">
-        <p:fade/>
-      </p:transition>
-    </mc:Fallback>
-  </mc:AlternateContent>
-</p:sld>
-</file>
-
-<file path=ppt/slides/slide6.xml><?xml version="1.0" encoding="utf-8"?>
-<p:sld xmlns:a="http://schemas.openxmlformats.org/drawingml/2006/main" xmlns:r="http://schemas.openxmlformats.org/officeDocument/2006/relationships" xmlns:p="http://schemas.openxmlformats.org/presentationml/2006/main">
-  <p:cSld>
-    <p:spTree>
-      <p:nvGrpSpPr>
-        <p:cNvPr id="1" name=""/>
-        <p:cNvGrpSpPr/>
-        <p:nvPr/>
-      </p:nvGrpSpPr>
-      <p:grpSpPr>
-        <a:xfrm>
-          <a:off x="0" y="0"/>
-          <a:ext cx="0" cy="0"/>
-          <a:chOff x="0" y="0"/>
-          <a:chExt cx="0" cy="0"/>
-        </a:xfrm>
-      </p:grpSpPr>
-      <p:sp>
-        <p:nvSpPr>
-          <p:cNvPr id="2" name="Title 1"/>
-          <p:cNvSpPr>
-            <a:spLocks noGrp="1"/>
-          </p:cNvSpPr>
-          <p:nvPr>
-            <p:ph type="title"/>
-          </p:nvPr>
-        </p:nvSpPr>
-        <p:spPr>
-          <a:xfrm>
-            <a:off x="3733801" y="266699"/>
-            <a:ext cx="3810000" cy="1143000"/>
-          </a:xfrm>
-        </p:spPr>
-        <p:txBody>
-          <a:bodyPr/>
-          <a:lstStyle/>
-          <a:p>
-            <a:r>
-              <a:rPr lang="en-US" dirty="0"/>
-              <a:t>Robots Playing Basketball</a:t>
-            </a:r>
-          </a:p>
-        </p:txBody>
-      </p:sp>
-      <p:sp>
-        <p:nvSpPr>
-          <p:cNvPr id="3" name="Content Placeholder 2"/>
-          <p:cNvSpPr>
-            <a:spLocks noGrp="1"/>
-          </p:cNvSpPr>
-          <p:nvPr>
-            <p:ph sz="half" idx="1"/>
-          </p:nvPr>
-        </p:nvSpPr>
-        <p:spPr/>
-        <p:txBody>
-          <a:bodyPr/>
-          <a:lstStyle/>
-          <a:p>
-            <a:r>
-              <a:rPr lang="en-US" dirty="0"/>
-              <a:t>Choosing the correct model is highly important.</a:t>
-            </a:r>
-          </a:p>
-          <a:p>
-            <a:r>
-              <a:rPr lang="en-US" dirty="0"/>
-              <a:t>Having a good usable dataset is just as important as the model.</a:t>
-            </a:r>
-          </a:p>
-          <a:p>
-            <a:r>
-              <a:rPr lang="en-US" dirty="0"/>
-              <a:t>Sometimes it just comes down to trial and error.</a:t>
-            </a:r>
-          </a:p>
-          <a:p>
-            <a:r>
-              <a:rPr lang="en-US" dirty="0"/>
-              <a:t>A model that reports as doing very well may not always be doing what you think it should be doing.</a:t>
-            </a:r>
-          </a:p>
-        </p:txBody>
-      </p:sp>
-      <p:pic>
-        <p:nvPicPr>
-          <p:cNvPr id="14" name="Picture 13">
-            <a:extLst>
-              <a:ext uri="{FF2B5EF4-FFF2-40B4-BE49-F238E27FC236}">
-                <a16:creationId xmlns:a16="http://schemas.microsoft.com/office/drawing/2014/main" id="{FE95444C-7F65-10B6-6B61-1EDBFF289D6A}"/>
-              </a:ext>
-            </a:extLst>
-          </p:cNvPr>
-          <p:cNvPicPr>
-            <a:picLocks noChangeAspect="1"/>
-          </p:cNvPicPr>
-          <p:nvPr/>
-        </p:nvPicPr>
-        <p:blipFill>
-          <a:blip r:embed="rId3"/>
-          <a:stretch>
-            <a:fillRect/>
-          </a:stretch>
-        </p:blipFill>
-        <p:spPr>
-          <a:xfrm>
-            <a:off x="6553200" y="200024"/>
-            <a:ext cx="5353050" cy="6696075"/>
-          </a:xfrm>
-          <a:prstGeom prst="rect">
-            <a:avLst/>
-          </a:prstGeom>
-        </p:spPr>
-      </p:pic>
-    </p:spTree>
-    <p:extLst>
-      <p:ext uri="{BB962C8B-B14F-4D97-AF65-F5344CB8AC3E}">
-        <p14:creationId xmlns:p14="http://schemas.microsoft.com/office/powerpoint/2010/main" val="2598391320"/>
-      </p:ext>
-    </p:extLst>
-  </p:cSld>
-  <p:clrMapOvr>
-    <a:masterClrMapping/>
-  </p:clrMapOvr>
-  <mc:AlternateContent xmlns:mc="http://schemas.openxmlformats.org/markup-compatibility/2006" xmlns:p14="http://schemas.microsoft.com/office/powerpoint/2010/main">
-    <mc:Choice Requires="p14">
-      <p:transition spd="med" p14:dur="700">
-        <p:fade/>
-      </p:transition>
-    </mc:Choice>
-    <mc:Fallback xmlns="">
-      <p:transition spd="med">
-        <p:fade/>
-      </p:transition>
-    </mc:Fallback>
-  </mc:AlternateContent>
-</p:sld>
-</file>
-
-<file path=ppt/slides/slide7.xml><?xml version="1.0" encoding="utf-8"?>
-<p:sld xmlns:a="http://schemas.openxmlformats.org/drawingml/2006/main" xmlns:r="http://schemas.openxmlformats.org/officeDocument/2006/relationships" xmlns:p="http://schemas.openxmlformats.org/presentationml/2006/main">
-  <p:cSld>
-    <p:spTree>
-      <p:nvGrpSpPr>
-        <p:cNvPr id="1" name=""/>
-        <p:cNvGrpSpPr/>
-        <p:nvPr/>
-      </p:nvGrpSpPr>
-      <p:grpSpPr>
-        <a:xfrm>
-          <a:off x="0" y="0"/>
-          <a:ext cx="0" cy="0"/>
-          <a:chOff x="0" y="0"/>
-          <a:chExt cx="0" cy="0"/>
-        </a:xfrm>
-      </p:grpSpPr>
-      <p:pic>
-        <p:nvPicPr>
-          <p:cNvPr id="10" name="Picture 9">
-            <a:extLst>
-              <a:ext uri="{FF2B5EF4-FFF2-40B4-BE49-F238E27FC236}">
-                <a16:creationId xmlns:a16="http://schemas.microsoft.com/office/drawing/2014/main" id="{85A24622-65EE-10BC-2E83-672431819885}"/>
-              </a:ext>
-            </a:extLst>
-          </p:cNvPr>
-          <p:cNvPicPr>
-            <a:picLocks noChangeAspect="1"/>
-          </p:cNvPicPr>
-          <p:nvPr/>
-        </p:nvPicPr>
-        <p:blipFill>
-          <a:blip r:embed="rId3"/>
-          <a:stretch>
-            <a:fillRect/>
-          </a:stretch>
-        </p:blipFill>
-        <p:spPr>
-          <a:xfrm>
-            <a:off x="307964" y="3375916"/>
-            <a:ext cx="5726951" cy="2713891"/>
-          </a:xfrm>
-          <a:prstGeom prst="rect">
-            <a:avLst/>
-          </a:prstGeom>
-        </p:spPr>
-        <p:style>
-          <a:lnRef idx="2">
-            <a:schemeClr val="accent6"/>
-          </a:lnRef>
-          <a:fillRef idx="1">
-            <a:schemeClr val="lt1"/>
-          </a:fillRef>
-          <a:effectRef idx="0">
-            <a:schemeClr val="accent6"/>
-          </a:effectRef>
-          <a:fontRef idx="minor">
-            <a:schemeClr val="dk1"/>
-          </a:fontRef>
-        </p:style>
-      </p:pic>
-      <p:pic>
-        <p:nvPicPr>
-          <p:cNvPr id="6" name="Picture 5">
-            <a:extLst>
-              <a:ext uri="{FF2B5EF4-FFF2-40B4-BE49-F238E27FC236}">
-                <a16:creationId xmlns:a16="http://schemas.microsoft.com/office/drawing/2014/main" id="{8CF73385-A324-38F1-C7FA-7EB851059B53}"/>
-              </a:ext>
-            </a:extLst>
-          </p:cNvPr>
-          <p:cNvPicPr>
-            <a:picLocks noChangeAspect="1"/>
-          </p:cNvPicPr>
-          <p:nvPr/>
-        </p:nvPicPr>
-        <p:blipFill>
-          <a:blip r:embed="rId4"/>
-          <a:stretch>
-            <a:fillRect/>
-          </a:stretch>
-        </p:blipFill>
-        <p:spPr>
-          <a:xfrm>
-            <a:off x="307964" y="174661"/>
-            <a:ext cx="7352306" cy="1678112"/>
-          </a:xfrm>
-          <a:prstGeom prst="rect">
-            <a:avLst/>
-          </a:prstGeom>
-        </p:spPr>
-        <p:style>
-          <a:lnRef idx="2">
-            <a:schemeClr val="accent6"/>
-          </a:lnRef>
-          <a:fillRef idx="1">
-            <a:schemeClr val="lt1"/>
-          </a:fillRef>
-          <a:effectRef idx="0">
-            <a:schemeClr val="accent6"/>
-          </a:effectRef>
-          <a:fontRef idx="minor">
-            <a:schemeClr val="dk1"/>
-          </a:fontRef>
-        </p:style>
-      </p:pic>
-      <p:pic>
-        <p:nvPicPr>
-          <p:cNvPr id="8" name="Picture 7">
-            <a:extLst>
-              <a:ext uri="{FF2B5EF4-FFF2-40B4-BE49-F238E27FC236}">
-                <a16:creationId xmlns:a16="http://schemas.microsoft.com/office/drawing/2014/main" id="{D84CF052-8915-58F8-CDFB-B1CB270C6DAB}"/>
-              </a:ext>
-            </a:extLst>
-          </p:cNvPr>
-          <p:cNvPicPr>
-            <a:picLocks noChangeAspect="1"/>
-          </p:cNvPicPr>
-          <p:nvPr/>
-        </p:nvPicPr>
-        <p:blipFill>
-          <a:blip r:embed="rId5"/>
-          <a:stretch>
-            <a:fillRect/>
-          </a:stretch>
-        </p:blipFill>
-        <p:spPr>
-          <a:xfrm>
-            <a:off x="4413985" y="1464596"/>
-            <a:ext cx="7470051" cy="2123125"/>
-          </a:xfrm>
-          <a:prstGeom prst="rect">
-            <a:avLst/>
-          </a:prstGeom>
-        </p:spPr>
-        <p:style>
-          <a:lnRef idx="2">
-            <a:schemeClr val="accent6"/>
-          </a:lnRef>
-          <a:fillRef idx="1">
-            <a:schemeClr val="lt1"/>
-          </a:fillRef>
-          <a:effectRef idx="0">
-            <a:schemeClr val="accent6"/>
-          </a:effectRef>
-          <a:fontRef idx="minor">
-            <a:schemeClr val="dk1"/>
-          </a:fontRef>
-        </p:style>
-      </p:pic>
-      <p:pic>
-        <p:nvPicPr>
-          <p:cNvPr id="12" name="Picture 11">
-            <a:extLst>
-              <a:ext uri="{FF2B5EF4-FFF2-40B4-BE49-F238E27FC236}">
-                <a16:creationId xmlns:a16="http://schemas.microsoft.com/office/drawing/2014/main" id="{DAF98B63-C1CB-37F1-CE42-283DB097340A}"/>
-              </a:ext>
-            </a:extLst>
-          </p:cNvPr>
-          <p:cNvPicPr>
-            <a:picLocks noChangeAspect="1"/>
-          </p:cNvPicPr>
-          <p:nvPr/>
-        </p:nvPicPr>
-        <p:blipFill>
-          <a:blip r:embed="rId6"/>
-          <a:stretch>
-            <a:fillRect/>
-          </a:stretch>
-        </p:blipFill>
-        <p:spPr>
-          <a:xfrm>
-            <a:off x="6953429" y="3962400"/>
-            <a:ext cx="5255837" cy="2514600"/>
-          </a:xfrm>
-          <a:prstGeom prst="rect">
-            <a:avLst/>
-          </a:prstGeom>
-        </p:spPr>
-        <p:style>
-          <a:lnRef idx="2">
-            <a:schemeClr val="accent6"/>
-          </a:lnRef>
-          <a:fillRef idx="1">
-            <a:schemeClr val="lt1"/>
-          </a:fillRef>
-          <a:effectRef idx="0">
-            <a:schemeClr val="accent6"/>
-          </a:effectRef>
-          <a:fontRef idx="minor">
-            <a:schemeClr val="dk1"/>
-          </a:fontRef>
-        </p:style>
-      </p:pic>
-      <p:sp>
-        <p:nvSpPr>
-          <p:cNvPr id="14" name="Arrow: Bent 13">
-            <a:extLst>
-              <a:ext uri="{FF2B5EF4-FFF2-40B4-BE49-F238E27FC236}">
-                <a16:creationId xmlns:a16="http://schemas.microsoft.com/office/drawing/2014/main" id="{63D30E27-4241-F03B-88A6-691A80345219}"/>
-              </a:ext>
-            </a:extLst>
-          </p:cNvPr>
-          <p:cNvSpPr/>
-          <p:nvPr/>
-        </p:nvSpPr>
-        <p:spPr>
-          <a:xfrm rot="5400000" flipV="1">
-            <a:off x="3249412" y="2214777"/>
-            <a:ext cx="854996" cy="1010941"/>
-          </a:xfrm>
-          <a:prstGeom prst="bentArrow">
-            <a:avLst>
-              <a:gd name="adj1" fmla="val 25000"/>
-              <a:gd name="adj2" fmla="val 33447"/>
-              <a:gd name="adj3" fmla="val 25000"/>
-              <a:gd name="adj4" fmla="val 43750"/>
-            </a:avLst>
-          </a:prstGeom>
-          <a:ln w="57150"/>
-        </p:spPr>
-        <p:style>
-          <a:lnRef idx="1">
-            <a:schemeClr val="accent3"/>
-          </a:lnRef>
-          <a:fillRef idx="2">
-            <a:schemeClr val="accent3"/>
-          </a:fillRef>
-          <a:effectRef idx="1">
-            <a:schemeClr val="accent3"/>
-          </a:effectRef>
-          <a:fontRef idx="minor">
-            <a:schemeClr val="dk1"/>
-          </a:fontRef>
-        </p:style>
-        <p:txBody>
-          <a:bodyPr rtlCol="0" anchor="ctr"/>
-          <a:lstStyle/>
-          <a:p>
-            <a:pPr algn="ctr"/>
-            <a:endParaRPr lang="en-US">
-              <a:solidFill>
-                <a:schemeClr val="tx1"/>
-              </a:solidFill>
-            </a:endParaRPr>
-          </a:p>
-        </p:txBody>
-      </p:sp>
-      <p:sp>
-        <p:nvSpPr>
-          <p:cNvPr id="15" name="Arrow: Bent 14">
-            <a:extLst>
-              <a:ext uri="{FF2B5EF4-FFF2-40B4-BE49-F238E27FC236}">
-                <a16:creationId xmlns:a16="http://schemas.microsoft.com/office/drawing/2014/main" id="{8E904FFB-4EF5-3B93-92FC-FC7706459B01}"/>
-              </a:ext>
-            </a:extLst>
-          </p:cNvPr>
-          <p:cNvSpPr/>
-          <p:nvPr/>
-        </p:nvSpPr>
-        <p:spPr>
-          <a:xfrm rot="5400000">
-            <a:off x="8028507" y="734493"/>
-            <a:ext cx="854996" cy="910010"/>
-          </a:xfrm>
-          <a:prstGeom prst="bentArrow">
-            <a:avLst>
-              <a:gd name="adj1" fmla="val 25000"/>
-              <a:gd name="adj2" fmla="val 33447"/>
-              <a:gd name="adj3" fmla="val 25000"/>
-              <a:gd name="adj4" fmla="val 43750"/>
-            </a:avLst>
-          </a:prstGeom>
-          <a:ln w="57150"/>
-        </p:spPr>
-        <p:style>
-          <a:lnRef idx="1">
-            <a:schemeClr val="accent3"/>
-          </a:lnRef>
-          <a:fillRef idx="2">
-            <a:schemeClr val="accent3"/>
-          </a:fillRef>
-          <a:effectRef idx="1">
-            <a:schemeClr val="accent3"/>
-          </a:effectRef>
-          <a:fontRef idx="minor">
-            <a:schemeClr val="dk1"/>
-          </a:fontRef>
-        </p:style>
-        <p:txBody>
-          <a:bodyPr rtlCol="0" anchor="ctr"/>
-          <a:lstStyle/>
-          <a:p>
-            <a:pPr algn="ctr"/>
-            <a:endParaRPr lang="en-US">
-              <a:solidFill>
-                <a:schemeClr val="tx1"/>
-              </a:solidFill>
-            </a:endParaRPr>
-          </a:p>
-        </p:txBody>
-      </p:sp>
-      <p:sp>
-        <p:nvSpPr>
-          <p:cNvPr id="16" name="Arrow: Right 15">
-            <a:extLst>
-              <a:ext uri="{FF2B5EF4-FFF2-40B4-BE49-F238E27FC236}">
-                <a16:creationId xmlns:a16="http://schemas.microsoft.com/office/drawing/2014/main" id="{FB512E84-EA00-3B8F-F518-7D87B4F27716}"/>
-              </a:ext>
-            </a:extLst>
-          </p:cNvPr>
-          <p:cNvSpPr/>
-          <p:nvPr/>
-        </p:nvSpPr>
-        <p:spPr>
-          <a:xfrm>
-            <a:off x="6059357" y="4877656"/>
-            <a:ext cx="918514" cy="515748"/>
-          </a:xfrm>
-          <a:prstGeom prst="rightArrow">
-            <a:avLst/>
-          </a:prstGeom>
-          <a:ln w="57150"/>
-        </p:spPr>
-        <p:style>
-          <a:lnRef idx="1">
-            <a:schemeClr val="accent3"/>
-          </a:lnRef>
-          <a:fillRef idx="2">
-            <a:schemeClr val="accent3"/>
-          </a:fillRef>
-          <a:effectRef idx="1">
-            <a:schemeClr val="accent3"/>
-          </a:effectRef>
-          <a:fontRef idx="minor">
-            <a:schemeClr val="dk1"/>
-          </a:fontRef>
-        </p:style>
-        <p:txBody>
-          <a:bodyPr rtlCol="0" anchor="ctr"/>
-          <a:lstStyle/>
-          <a:p>
-            <a:pPr algn="ctr"/>
-            <a:endParaRPr lang="en-US"/>
-          </a:p>
-        </p:txBody>
-      </p:sp>
-    </p:spTree>
-    <p:extLst>
-      <p:ext uri="{BB962C8B-B14F-4D97-AF65-F5344CB8AC3E}">
-        <p14:creationId xmlns:p14="http://schemas.microsoft.com/office/powerpoint/2010/main" val="1130047656"/>
       </p:ext>
     </p:extLst>
   </p:cSld>
@@ -10929,239 +6914,37 @@
           <a:chExt cx="0" cy="0"/>
         </a:xfrm>
       </p:grpSpPr>
-      <p:pic>
-        <p:nvPicPr>
-          <p:cNvPr id="8" name="Picture 7">
+      <p:sp>
+        <p:nvSpPr>
+          <p:cNvPr id="2" name="Title 1">
             <a:extLst>
               <a:ext uri="{FF2B5EF4-FFF2-40B4-BE49-F238E27FC236}">
-                <a16:creationId xmlns:a16="http://schemas.microsoft.com/office/drawing/2014/main" id="{2715331C-24B8-F168-E560-896EDA494C29}"/>
+                <a16:creationId xmlns:a16="http://schemas.microsoft.com/office/drawing/2014/main" id="{F5850A68-857F-7D7E-FC43-2AE8C5FB0484}"/>
               </a:ext>
             </a:extLst>
           </p:cNvPr>
-          <p:cNvPicPr>
-            <a:picLocks noChangeAspect="1"/>
-          </p:cNvPicPr>
-          <p:nvPr/>
-        </p:nvPicPr>
-        <p:blipFill>
-          <a:blip r:embed="rId3"/>
-          <a:stretch>
-            <a:fillRect/>
-          </a:stretch>
-        </p:blipFill>
+          <p:cNvSpPr>
+            <a:spLocks noGrp="1"/>
+          </p:cNvSpPr>
+          <p:nvPr>
+            <p:ph type="title"/>
+          </p:nvPr>
+        </p:nvSpPr>
         <p:spPr>
           <a:xfrm>
-            <a:off x="838200" y="656289"/>
-            <a:ext cx="9660049" cy="1844328"/>
+            <a:off x="2590800" y="2743199"/>
+            <a:ext cx="6102350" cy="1371601"/>
           </a:xfrm>
-          <a:prstGeom prst="rect">
-            <a:avLst/>
-          </a:prstGeom>
         </p:spPr>
-        <p:style>
-          <a:lnRef idx="2">
-            <a:schemeClr val="accent6"/>
-          </a:lnRef>
-          <a:fillRef idx="1">
-            <a:schemeClr val="lt1"/>
-          </a:fillRef>
-          <a:effectRef idx="0">
-            <a:schemeClr val="accent6"/>
-          </a:effectRef>
-          <a:fontRef idx="minor">
-            <a:schemeClr val="dk1"/>
-          </a:fontRef>
-        </p:style>
-      </p:pic>
-      <p:pic>
-        <p:nvPicPr>
-          <p:cNvPr id="13" name="Picture 12">
-            <a:extLst>
-              <a:ext uri="{FF2B5EF4-FFF2-40B4-BE49-F238E27FC236}">
-                <a16:creationId xmlns:a16="http://schemas.microsoft.com/office/drawing/2014/main" id="{98AA3202-1868-F515-7F9A-386E068229E0}"/>
-              </a:ext>
-            </a:extLst>
-          </p:cNvPr>
-          <p:cNvPicPr>
-            <a:picLocks noChangeAspect="1"/>
-          </p:cNvPicPr>
-          <p:nvPr/>
-        </p:nvPicPr>
-        <p:blipFill>
-          <a:blip r:embed="rId4"/>
-          <a:stretch>
-            <a:fillRect/>
-          </a:stretch>
-        </p:blipFill>
-        <p:spPr>
-          <a:xfrm>
-            <a:off x="6303076" y="3931543"/>
-            <a:ext cx="5753903" cy="2457793"/>
-          </a:xfrm>
-          <a:prstGeom prst="rect">
-            <a:avLst/>
-          </a:prstGeom>
-        </p:spPr>
-        <p:style>
-          <a:lnRef idx="2">
-            <a:schemeClr val="accent6"/>
-          </a:lnRef>
-          <a:fillRef idx="1">
-            <a:schemeClr val="lt1"/>
-          </a:fillRef>
-          <a:effectRef idx="0">
-            <a:schemeClr val="accent6"/>
-          </a:effectRef>
-          <a:fontRef idx="minor">
-            <a:schemeClr val="dk1"/>
-          </a:fontRef>
-        </p:style>
-      </p:pic>
-      <p:pic>
-        <p:nvPicPr>
-          <p:cNvPr id="15" name="Picture 14">
-            <a:extLst>
-              <a:ext uri="{FF2B5EF4-FFF2-40B4-BE49-F238E27FC236}">
-                <a16:creationId xmlns:a16="http://schemas.microsoft.com/office/drawing/2014/main" id="{A47A0430-C459-1C1B-CE72-2BEA40E6E92A}"/>
-              </a:ext>
-            </a:extLst>
-          </p:cNvPr>
-          <p:cNvPicPr>
-            <a:picLocks noChangeAspect="1"/>
-          </p:cNvPicPr>
-          <p:nvPr/>
-        </p:nvPicPr>
-        <p:blipFill>
-          <a:blip r:embed="rId5"/>
-          <a:stretch>
-            <a:fillRect/>
-          </a:stretch>
-        </p:blipFill>
-        <p:spPr>
-          <a:xfrm>
-            <a:off x="228600" y="3266727"/>
-            <a:ext cx="5620534" cy="2838846"/>
-          </a:xfrm>
-          <a:prstGeom prst="rect">
-            <a:avLst/>
-          </a:prstGeom>
-        </p:spPr>
-        <p:style>
-          <a:lnRef idx="2">
-            <a:schemeClr val="accent6"/>
-          </a:lnRef>
-          <a:fillRef idx="1">
-            <a:schemeClr val="lt1"/>
-          </a:fillRef>
-          <a:effectRef idx="0">
-            <a:schemeClr val="accent6"/>
-          </a:effectRef>
-          <a:fontRef idx="minor">
-            <a:schemeClr val="dk1"/>
-          </a:fontRef>
-        </p:style>
-      </p:pic>
-      <p:sp>
-        <p:nvSpPr>
-          <p:cNvPr id="16" name="TextBox 15">
-            <a:extLst>
-              <a:ext uri="{FF2B5EF4-FFF2-40B4-BE49-F238E27FC236}">
-                <a16:creationId xmlns:a16="http://schemas.microsoft.com/office/drawing/2014/main" id="{064B115D-4C31-C56B-C206-C9E46153A1CE}"/>
-              </a:ext>
-            </a:extLst>
-          </p:cNvPr>
-          <p:cNvSpPr txBox="1"/>
-          <p:nvPr/>
-        </p:nvSpPr>
-        <p:spPr>
-          <a:xfrm>
-            <a:off x="838200" y="228600"/>
-            <a:ext cx="5334000" cy="369332"/>
-          </a:xfrm>
-          <a:prstGeom prst="rect">
-            <a:avLst/>
-          </a:prstGeom>
-          <a:noFill/>
-        </p:spPr>
-        <p:txBody>
-          <a:bodyPr wrap="square" rtlCol="0">
-            <a:spAutoFit/>
+        <p:txBody>
+          <a:bodyPr>
+            <a:normAutofit/>
           </a:bodyPr>
           <a:lstStyle/>
           <a:p>
             <a:r>
-              <a:rPr lang="en-US" dirty="0"/>
-              <a:t>Picking the training data</a:t>
-            </a:r>
-          </a:p>
-        </p:txBody>
-      </p:sp>
-      <p:sp>
-        <p:nvSpPr>
-          <p:cNvPr id="17" name="TextBox 16">
-            <a:extLst>
-              <a:ext uri="{FF2B5EF4-FFF2-40B4-BE49-F238E27FC236}">
-                <a16:creationId xmlns:a16="http://schemas.microsoft.com/office/drawing/2014/main" id="{69C7056F-774E-FE21-74AB-E67DD4A2D3F3}"/>
-              </a:ext>
-            </a:extLst>
-          </p:cNvPr>
-          <p:cNvSpPr txBox="1"/>
-          <p:nvPr/>
-        </p:nvSpPr>
-        <p:spPr>
-          <a:xfrm>
-            <a:off x="255917" y="2774468"/>
-            <a:ext cx="5334000" cy="369332"/>
-          </a:xfrm>
-          <a:prstGeom prst="rect">
-            <a:avLst/>
-          </a:prstGeom>
-          <a:noFill/>
-        </p:spPr>
-        <p:txBody>
-          <a:bodyPr wrap="square" rtlCol="0">
-            <a:spAutoFit/>
-          </a:bodyPr>
-          <a:lstStyle/>
-          <a:p>
-            <a:r>
-              <a:rPr lang="en-US" dirty="0"/>
-              <a:t>First method of encoding the data</a:t>
-            </a:r>
-          </a:p>
-        </p:txBody>
-      </p:sp>
-      <p:sp>
-        <p:nvSpPr>
-          <p:cNvPr id="18" name="TextBox 17">
-            <a:extLst>
-              <a:ext uri="{FF2B5EF4-FFF2-40B4-BE49-F238E27FC236}">
-                <a16:creationId xmlns:a16="http://schemas.microsoft.com/office/drawing/2014/main" id="{9383C89F-D72B-B4C3-8A3A-B01324C2A19C}"/>
-              </a:ext>
-            </a:extLst>
-          </p:cNvPr>
-          <p:cNvSpPr txBox="1"/>
-          <p:nvPr/>
-        </p:nvSpPr>
-        <p:spPr>
-          <a:xfrm>
-            <a:off x="6486543" y="3460630"/>
-            <a:ext cx="4011706" cy="369332"/>
-          </a:xfrm>
-          <a:prstGeom prst="rect">
-            <a:avLst/>
-          </a:prstGeom>
-          <a:noFill/>
-        </p:spPr>
-        <p:txBody>
-          <a:bodyPr wrap="square" rtlCol="0">
-            <a:spAutoFit/>
-          </a:bodyPr>
-          <a:lstStyle/>
-          <a:p>
-            <a:r>
-              <a:rPr lang="en-US" dirty="0"/>
-              <a:t>Better method of encoding the data</a:t>
+              <a:rPr lang="en-US" sz="8800" dirty="0"/>
+              <a:t>Questions??</a:t>
             </a:r>
           </a:p>
         </p:txBody>
@@ -11169,328 +6952,7 @@
     </p:spTree>
     <p:extLst>
       <p:ext uri="{BB962C8B-B14F-4D97-AF65-F5344CB8AC3E}">
-        <p14:creationId xmlns:p14="http://schemas.microsoft.com/office/powerpoint/2010/main" val="10426917"/>
-      </p:ext>
-    </p:extLst>
-  </p:cSld>
-  <p:clrMapOvr>
-    <a:masterClrMapping/>
-  </p:clrMapOvr>
-  <mc:AlternateContent xmlns:mc="http://schemas.openxmlformats.org/markup-compatibility/2006" xmlns:p14="http://schemas.microsoft.com/office/powerpoint/2010/main">
-    <mc:Choice Requires="p14">
-      <p:transition spd="med" p14:dur="700">
-        <p:fade/>
-      </p:transition>
-    </mc:Choice>
-    <mc:Fallback xmlns="">
-      <p:transition spd="med">
-        <p:fade/>
-      </p:transition>
-    </mc:Fallback>
-  </mc:AlternateContent>
-</p:sld>
-</file>
-
-<file path=ppt/slides/slide9.xml><?xml version="1.0" encoding="utf-8"?>
-<p:sld xmlns:a="http://schemas.openxmlformats.org/drawingml/2006/main" xmlns:r="http://schemas.openxmlformats.org/officeDocument/2006/relationships" xmlns:p="http://schemas.openxmlformats.org/presentationml/2006/main">
-  <p:cSld>
-    <p:spTree>
-      <p:nvGrpSpPr>
-        <p:cNvPr id="1" name=""/>
-        <p:cNvGrpSpPr/>
-        <p:nvPr/>
-      </p:nvGrpSpPr>
-      <p:grpSpPr>
-        <a:xfrm>
-          <a:off x="0" y="0"/>
-          <a:ext cx="0" cy="0"/>
-          <a:chOff x="0" y="0"/>
-          <a:chExt cx="0" cy="0"/>
-        </a:xfrm>
-      </p:grpSpPr>
-      <p:pic>
-        <p:nvPicPr>
-          <p:cNvPr id="10" name="Picture 9">
-            <a:extLst>
-              <a:ext uri="{FF2B5EF4-FFF2-40B4-BE49-F238E27FC236}">
-                <a16:creationId xmlns:a16="http://schemas.microsoft.com/office/drawing/2014/main" id="{392E725B-B5AD-7D84-5B84-E0C47A6CF87D}"/>
-              </a:ext>
-            </a:extLst>
-          </p:cNvPr>
-          <p:cNvPicPr>
-            <a:picLocks noChangeAspect="1"/>
-          </p:cNvPicPr>
-          <p:nvPr/>
-        </p:nvPicPr>
-        <p:blipFill>
-          <a:blip r:embed="rId3"/>
-          <a:stretch>
-            <a:fillRect/>
-          </a:stretch>
-        </p:blipFill>
-        <p:spPr>
-          <a:xfrm>
-            <a:off x="990600" y="4495651"/>
-            <a:ext cx="3667637" cy="2133898"/>
-          </a:xfrm>
-          <a:prstGeom prst="rect">
-            <a:avLst/>
-          </a:prstGeom>
-        </p:spPr>
-        <p:style>
-          <a:lnRef idx="2">
-            <a:schemeClr val="accent6"/>
-          </a:lnRef>
-          <a:fillRef idx="1">
-            <a:schemeClr val="lt1"/>
-          </a:fillRef>
-          <a:effectRef idx="0">
-            <a:schemeClr val="accent6"/>
-          </a:effectRef>
-          <a:fontRef idx="minor">
-            <a:schemeClr val="dk1"/>
-          </a:fontRef>
-        </p:style>
-      </p:pic>
-      <p:pic>
-        <p:nvPicPr>
-          <p:cNvPr id="6" name="Picture 5">
-            <a:extLst>
-              <a:ext uri="{FF2B5EF4-FFF2-40B4-BE49-F238E27FC236}">
-                <a16:creationId xmlns:a16="http://schemas.microsoft.com/office/drawing/2014/main" id="{9682036D-5CD4-A4DB-5529-4EDEEF4F3DB7}"/>
-              </a:ext>
-            </a:extLst>
-          </p:cNvPr>
-          <p:cNvPicPr>
-            <a:picLocks noChangeAspect="1"/>
-          </p:cNvPicPr>
-          <p:nvPr/>
-        </p:nvPicPr>
-        <p:blipFill>
-          <a:blip r:embed="rId4"/>
-          <a:stretch>
-            <a:fillRect/>
-          </a:stretch>
-        </p:blipFill>
-        <p:spPr>
-          <a:xfrm>
-            <a:off x="609600" y="381000"/>
-            <a:ext cx="4250014" cy="3810000"/>
-          </a:xfrm>
-          <a:prstGeom prst="rect">
-            <a:avLst/>
-          </a:prstGeom>
-        </p:spPr>
-        <p:style>
-          <a:lnRef idx="2">
-            <a:schemeClr val="accent6"/>
-          </a:lnRef>
-          <a:fillRef idx="1">
-            <a:schemeClr val="lt1"/>
-          </a:fillRef>
-          <a:effectRef idx="0">
-            <a:schemeClr val="accent6"/>
-          </a:effectRef>
-          <a:fontRef idx="minor">
-            <a:schemeClr val="dk1"/>
-          </a:fontRef>
-        </p:style>
-      </p:pic>
-      <p:pic>
-        <p:nvPicPr>
-          <p:cNvPr id="8" name="Picture 7">
-            <a:extLst>
-              <a:ext uri="{FF2B5EF4-FFF2-40B4-BE49-F238E27FC236}">
-                <a16:creationId xmlns:a16="http://schemas.microsoft.com/office/drawing/2014/main" id="{5EAB8DF8-7FCC-BE54-1CAA-C96E9A5744A5}"/>
-              </a:ext>
-            </a:extLst>
-          </p:cNvPr>
-          <p:cNvPicPr>
-            <a:picLocks noChangeAspect="1"/>
-          </p:cNvPicPr>
-          <p:nvPr/>
-        </p:nvPicPr>
-        <p:blipFill>
-          <a:blip r:embed="rId5"/>
-          <a:stretch>
-            <a:fillRect/>
-          </a:stretch>
-        </p:blipFill>
-        <p:spPr>
-          <a:xfrm>
-            <a:off x="4495800" y="2438400"/>
-            <a:ext cx="7506748" cy="3238952"/>
-          </a:xfrm>
-          <a:prstGeom prst="rect">
-            <a:avLst/>
-          </a:prstGeom>
-        </p:spPr>
-        <p:style>
-          <a:lnRef idx="2">
-            <a:schemeClr val="accent6"/>
-          </a:lnRef>
-          <a:fillRef idx="1">
-            <a:schemeClr val="lt1"/>
-          </a:fillRef>
-          <a:effectRef idx="0">
-            <a:schemeClr val="accent6"/>
-          </a:effectRef>
-          <a:fontRef idx="minor">
-            <a:schemeClr val="dk1"/>
-          </a:fontRef>
-        </p:style>
-      </p:pic>
-      <p:sp>
-        <p:nvSpPr>
-          <p:cNvPr id="11" name="TextBox 10">
-            <a:extLst>
-              <a:ext uri="{FF2B5EF4-FFF2-40B4-BE49-F238E27FC236}">
-                <a16:creationId xmlns:a16="http://schemas.microsoft.com/office/drawing/2014/main" id="{C25EE639-52B6-DEDD-19F0-EB99CF641521}"/>
-              </a:ext>
-            </a:extLst>
-          </p:cNvPr>
-          <p:cNvSpPr txBox="1"/>
-          <p:nvPr/>
-        </p:nvSpPr>
-        <p:spPr>
-          <a:xfrm>
-            <a:off x="6934200" y="416667"/>
-            <a:ext cx="3505200" cy="1200329"/>
-          </a:xfrm>
-          <a:prstGeom prst="rect">
-            <a:avLst/>
-          </a:prstGeom>
-          <a:noFill/>
-        </p:spPr>
-        <p:txBody>
-          <a:bodyPr wrap="square" rtlCol="0">
-            <a:spAutoFit/>
-          </a:bodyPr>
-          <a:lstStyle/>
-          <a:p>
-            <a:r>
-              <a:rPr lang="en-US" sz="2400" dirty="0"/>
-              <a:t>Split ting &amp; </a:t>
-            </a:r>
-            <a:r>
-              <a:rPr lang="en-US" sz="4800" dirty="0"/>
-              <a:t>Scaling</a:t>
-            </a:r>
-          </a:p>
-        </p:txBody>
-      </p:sp>
-      <p:sp>
-        <p:nvSpPr>
-          <p:cNvPr id="12" name="Arrow: Bent 11">
-            <a:extLst>
-              <a:ext uri="{FF2B5EF4-FFF2-40B4-BE49-F238E27FC236}">
-                <a16:creationId xmlns:a16="http://schemas.microsoft.com/office/drawing/2014/main" id="{13EDF019-D098-696C-9874-018D519D5922}"/>
-              </a:ext>
-            </a:extLst>
-          </p:cNvPr>
-          <p:cNvSpPr/>
-          <p:nvPr/>
-        </p:nvSpPr>
-        <p:spPr>
-          <a:xfrm rot="5400000">
-            <a:off x="4887121" y="1555897"/>
-            <a:ext cx="854996" cy="910010"/>
-          </a:xfrm>
-          <a:prstGeom prst="bentArrow">
-            <a:avLst>
-              <a:gd name="adj1" fmla="val 25000"/>
-              <a:gd name="adj2" fmla="val 33447"/>
-              <a:gd name="adj3" fmla="val 25000"/>
-              <a:gd name="adj4" fmla="val 43750"/>
-            </a:avLst>
-          </a:prstGeom>
-          <a:ln w="57150"/>
-        </p:spPr>
-        <p:style>
-          <a:lnRef idx="1">
-            <a:schemeClr val="accent3"/>
-          </a:lnRef>
-          <a:fillRef idx="2">
-            <a:schemeClr val="accent3"/>
-          </a:fillRef>
-          <a:effectRef idx="1">
-            <a:schemeClr val="accent3"/>
-          </a:effectRef>
-          <a:fontRef idx="minor">
-            <a:schemeClr val="dk1"/>
-          </a:fontRef>
-        </p:style>
-        <p:txBody>
-          <a:bodyPr rtlCol="0" anchor="ctr"/>
-          <a:lstStyle/>
-          <a:p>
-            <a:pPr algn="ctr"/>
-            <a:endParaRPr lang="en-US">
-              <a:solidFill>
-                <a:schemeClr val="tx1"/>
-              </a:solidFill>
-            </a:endParaRPr>
-          </a:p>
-        </p:txBody>
-      </p:sp>
-      <p:sp>
-        <p:nvSpPr>
-          <p:cNvPr id="13" name="Arrow: Bent 12">
-            <a:extLst>
-              <a:ext uri="{FF2B5EF4-FFF2-40B4-BE49-F238E27FC236}">
-                <a16:creationId xmlns:a16="http://schemas.microsoft.com/office/drawing/2014/main" id="{5620037C-9E7B-013B-C34B-001418ADA18C}"/>
-              </a:ext>
-            </a:extLst>
-          </p:cNvPr>
-          <p:cNvSpPr/>
-          <p:nvPr/>
-        </p:nvSpPr>
-        <p:spPr>
-          <a:xfrm rot="10800000">
-            <a:off x="4495800" y="5793395"/>
-            <a:ext cx="854996" cy="910010"/>
-          </a:xfrm>
-          <a:prstGeom prst="bentArrow">
-            <a:avLst>
-              <a:gd name="adj1" fmla="val 25000"/>
-              <a:gd name="adj2" fmla="val 33447"/>
-              <a:gd name="adj3" fmla="val 25000"/>
-              <a:gd name="adj4" fmla="val 43750"/>
-            </a:avLst>
-          </a:prstGeom>
-          <a:ln w="57150"/>
-        </p:spPr>
-        <p:style>
-          <a:lnRef idx="1">
-            <a:schemeClr val="accent3"/>
-          </a:lnRef>
-          <a:fillRef idx="2">
-            <a:schemeClr val="accent3"/>
-          </a:fillRef>
-          <a:effectRef idx="1">
-            <a:schemeClr val="accent3"/>
-          </a:effectRef>
-          <a:fontRef idx="minor">
-            <a:schemeClr val="dk1"/>
-          </a:fontRef>
-        </p:style>
-        <p:txBody>
-          <a:bodyPr rtlCol="0" anchor="ctr"/>
-          <a:lstStyle/>
-          <a:p>
-            <a:pPr algn="ctr"/>
-            <a:endParaRPr lang="en-US">
-              <a:solidFill>
-                <a:schemeClr val="tx1"/>
-              </a:solidFill>
-            </a:endParaRPr>
-          </a:p>
-        </p:txBody>
-      </p:sp>
-    </p:spTree>
-    <p:extLst>
-      <p:ext uri="{BB962C8B-B14F-4D97-AF65-F5344CB8AC3E}">
-        <p14:creationId xmlns:p14="http://schemas.microsoft.com/office/powerpoint/2010/main" val="3266657859"/>
+        <p14:creationId xmlns:p14="http://schemas.microsoft.com/office/powerpoint/2010/main" val="1329346222"/>
       </p:ext>
     </p:extLst>
   </p:cSld>
